--- a/Team4-version1.pptx
+++ b/Team4-version1.pptx
@@ -7,35 +7,39 @@
   <p:sldIdLst>
     <p:sldId id="256" r:id="rId2"/>
     <p:sldId id="288" r:id="rId3"/>
-    <p:sldId id="257" r:id="rId4"/>
-    <p:sldId id="259" r:id="rId5"/>
-    <p:sldId id="258" r:id="rId6"/>
-    <p:sldId id="274" r:id="rId7"/>
-    <p:sldId id="262" r:id="rId8"/>
-    <p:sldId id="260" r:id="rId9"/>
-    <p:sldId id="261" r:id="rId10"/>
-    <p:sldId id="263" r:id="rId11"/>
-    <p:sldId id="264" r:id="rId12"/>
-    <p:sldId id="268" r:id="rId13"/>
-    <p:sldId id="267" r:id="rId14"/>
-    <p:sldId id="266" r:id="rId15"/>
-    <p:sldId id="265" r:id="rId16"/>
-    <p:sldId id="269" r:id="rId17"/>
-    <p:sldId id="271" r:id="rId18"/>
-    <p:sldId id="275" r:id="rId19"/>
-    <p:sldId id="276" r:id="rId20"/>
-    <p:sldId id="277" r:id="rId21"/>
-    <p:sldId id="278" r:id="rId22"/>
-    <p:sldId id="279" r:id="rId23"/>
-    <p:sldId id="280" r:id="rId24"/>
-    <p:sldId id="281" r:id="rId25"/>
-    <p:sldId id="283" r:id="rId26"/>
-    <p:sldId id="284" r:id="rId27"/>
-    <p:sldId id="289" r:id="rId28"/>
-    <p:sldId id="291" r:id="rId29"/>
-    <p:sldId id="290" r:id="rId30"/>
-    <p:sldId id="286" r:id="rId31"/>
-    <p:sldId id="287" r:id="rId32"/>
+    <p:sldId id="259" r:id="rId4"/>
+    <p:sldId id="292" r:id="rId5"/>
+    <p:sldId id="293" r:id="rId6"/>
+    <p:sldId id="258" r:id="rId7"/>
+    <p:sldId id="274" r:id="rId8"/>
+    <p:sldId id="262" r:id="rId9"/>
+    <p:sldId id="260" r:id="rId10"/>
+    <p:sldId id="261" r:id="rId11"/>
+    <p:sldId id="295" r:id="rId12"/>
+    <p:sldId id="264" r:id="rId13"/>
+    <p:sldId id="268" r:id="rId14"/>
+    <p:sldId id="267" r:id="rId15"/>
+    <p:sldId id="266" r:id="rId16"/>
+    <p:sldId id="265" r:id="rId17"/>
+    <p:sldId id="296" r:id="rId18"/>
+    <p:sldId id="269" r:id="rId19"/>
+    <p:sldId id="271" r:id="rId20"/>
+    <p:sldId id="275" r:id="rId21"/>
+    <p:sldId id="276" r:id="rId22"/>
+    <p:sldId id="277" r:id="rId23"/>
+    <p:sldId id="278" r:id="rId24"/>
+    <p:sldId id="279" r:id="rId25"/>
+    <p:sldId id="280" r:id="rId26"/>
+    <p:sldId id="281" r:id="rId27"/>
+    <p:sldId id="283" r:id="rId28"/>
+    <p:sldId id="284" r:id="rId29"/>
+    <p:sldId id="299" r:id="rId30"/>
+    <p:sldId id="297" r:id="rId31"/>
+    <p:sldId id="291" r:id="rId32"/>
+    <p:sldId id="300" r:id="rId33"/>
+    <p:sldId id="298" r:id="rId34"/>
+    <p:sldId id="286" r:id="rId35"/>
+    <p:sldId id="287" r:id="rId36"/>
   </p:sldIdLst>
   <p:sldSz cx="12192000" cy="6858000"/>
   <p:notesSz cx="6858000" cy="9144000"/>
@@ -135,6 +139,69 @@
     </a:lvl9pPr>
   </p:defaultTextStyle>
   <p:extLst>
+    <p:ext uri="{521415D9-36F7-43E2-AB2F-B90AF26B5E84}">
+      <p14:sectionLst xmlns:p14="http://schemas.microsoft.com/office/powerpoint/2010/main">
+        <p14:section name="Default Section" id="{52B115B5-87A1-4A13-94AB-6E278E0E4C98}">
+          <p14:sldIdLst>
+            <p14:sldId id="256"/>
+          </p14:sldIdLst>
+        </p14:section>
+        <p14:section name="Intro and Background" id="{ADFCFE1A-8BFD-4667-9BEF-AF4B87DDC063}">
+          <p14:sldIdLst>
+            <p14:sldId id="288"/>
+            <p14:sldId id="259"/>
+            <p14:sldId id="292"/>
+            <p14:sldId id="293"/>
+            <p14:sldId id="258"/>
+            <p14:sldId id="274"/>
+            <p14:sldId id="262"/>
+            <p14:sldId id="260"/>
+            <p14:sldId id="261"/>
+          </p14:sldIdLst>
+        </p14:section>
+        <p14:section name="Categorical Results" id="{163070D5-1233-40A7-926D-630A8A0B27CC}">
+          <p14:sldIdLst>
+            <p14:sldId id="295"/>
+            <p14:sldId id="264"/>
+            <p14:sldId id="268"/>
+            <p14:sldId id="267"/>
+            <p14:sldId id="266"/>
+            <p14:sldId id="265"/>
+          </p14:sldIdLst>
+        </p14:section>
+        <p14:section name="Historic Results" id="{DF0DB968-3457-4E94-9405-8436F5028901}">
+          <p14:sldIdLst>
+            <p14:sldId id="296"/>
+            <p14:sldId id="269"/>
+            <p14:sldId id="271"/>
+            <p14:sldId id="275"/>
+            <p14:sldId id="276"/>
+            <p14:sldId id="277"/>
+            <p14:sldId id="278"/>
+            <p14:sldId id="279"/>
+            <p14:sldId id="280"/>
+            <p14:sldId id="281"/>
+            <p14:sldId id="283"/>
+            <p14:sldId id="284"/>
+          </p14:sldIdLst>
+        </p14:section>
+        <p14:section name="Risk Factors" id="{8600E0B2-E851-400A-B724-62DD4D17C0E0}">
+          <p14:sldIdLst>
+            <p14:sldId id="299"/>
+          </p14:sldIdLst>
+        </p14:section>
+        <p14:section name="Conclusion" id="{1CBD9171-63D2-40A3-8391-327FC8E90633}">
+          <p14:sldIdLst>
+            <p14:sldId id="297"/>
+            <p14:sldId id="291"/>
+            <p14:sldId id="300"/>
+            <p14:sldId id="298"/>
+            <p14:sldId id="286"/>
+            <p14:sldId id="287"/>
+          </p14:sldIdLst>
+        </p14:section>
+      </p14:sectionLst>
+    </p:ext>
     <p:ext uri="{EFAFB233-063F-42B5-8137-9DF3F51BA10A}">
       <p15:sldGuideLst xmlns:p15="http://schemas.microsoft.com/office/powerpoint/2012/main"/>
     </p:ext>
@@ -4172,7 +4239,7 @@
           <p:cNvPr id="2" name="Title 1">
             <a:extLst>
               <a:ext uri="{FF2B5EF4-FFF2-40B4-BE49-F238E27FC236}">
-                <a16:creationId xmlns:a16="http://schemas.microsoft.com/office/drawing/2014/main" id="{992E1EED-E104-FA13-801C-5C9DDCEA3D4B}"/>
+                <a16:creationId xmlns:a16="http://schemas.microsoft.com/office/drawing/2014/main" id="{FFADB4E9-B607-B6CD-20C9-C56A2EE71033}"/>
               </a:ext>
             </a:extLst>
           </p:cNvPr>
@@ -4190,17 +4257,21 @@
           <a:p>
             <a:r>
               <a:rPr lang="en-CA" dirty="0"/>
-              <a:t>5 Most and Least Safe Neighborhoods</a:t>
-            </a:r>
+              <a:t>Crime Rate by Neighborhood </a:t>
+            </a:r>
+            <a:br>
+              <a:rPr lang="en-CA" dirty="0"/>
+            </a:br>
+            <a:endParaRPr lang="en-CA" dirty="0"/>
           </a:p>
         </p:txBody>
       </p:sp>
       <p:pic>
         <p:nvPicPr>
-          <p:cNvPr id="9" name="Content Placeholder 8">
+          <p:cNvPr id="5" name="Content Placeholder 4">
             <a:extLst>
               <a:ext uri="{FF2B5EF4-FFF2-40B4-BE49-F238E27FC236}">
-                <a16:creationId xmlns:a16="http://schemas.microsoft.com/office/drawing/2014/main" id="{28967C2C-650D-6947-1461-1EF2C576F627}"/>
+                <a16:creationId xmlns:a16="http://schemas.microsoft.com/office/drawing/2014/main" id="{D16007E5-543F-D93C-CD3C-65923EF4CD11}"/>
               </a:ext>
             </a:extLst>
           </p:cNvPr>
@@ -4219,15 +4290,45 @@
         </p:blipFill>
         <p:spPr>
           <a:xfrm>
-            <a:off x="3775811" y="1568124"/>
-            <a:ext cx="5206264" cy="4604076"/>
+            <a:off x="822574" y="1462319"/>
+            <a:ext cx="6158796" cy="3532910"/>
           </a:xfrm>
+        </p:spPr>
+      </p:pic>
+      <p:pic>
+        <p:nvPicPr>
+          <p:cNvPr id="3" name="Content Placeholder 8">
+            <a:extLst>
+              <a:ext uri="{FF2B5EF4-FFF2-40B4-BE49-F238E27FC236}">
+                <a16:creationId xmlns:a16="http://schemas.microsoft.com/office/drawing/2014/main" id="{B4580979-01E3-E7CE-FCFB-168D0C8A6A96}"/>
+              </a:ext>
+            </a:extLst>
+          </p:cNvPr>
+          <p:cNvPicPr>
+            <a:picLocks noChangeAspect="1"/>
+          </p:cNvPicPr>
+          <p:nvPr/>
+        </p:nvPicPr>
+        <p:blipFill>
+          <a:blip r:embed="rId3"/>
+          <a:stretch>
+            <a:fillRect/>
+          </a:stretch>
+        </p:blipFill>
+        <p:spPr>
+          <a:xfrm>
+            <a:off x="7394841" y="1462319"/>
+            <a:ext cx="4797159" cy="4242291"/>
+          </a:xfrm>
+          <a:prstGeom prst="rect">
+            <a:avLst/>
+          </a:prstGeom>
         </p:spPr>
       </p:pic>
     </p:spTree>
     <p:extLst>
       <p:ext uri="{BB962C8B-B14F-4D97-AF65-F5344CB8AC3E}">
-        <p14:creationId xmlns:p14="http://schemas.microsoft.com/office/powerpoint/2010/main" val="4108530232"/>
+        <p14:creationId xmlns:p14="http://schemas.microsoft.com/office/powerpoint/2010/main" val="2432110934"/>
       </p:ext>
     </p:extLst>
   </p:cSld>
@@ -4238,6 +4339,71 @@
 </file>
 
 <file path=ppt/slides/slide11.xml><?xml version="1.0" encoding="utf-8"?>
+<p:sld xmlns:a="http://schemas.openxmlformats.org/drawingml/2006/main" xmlns:r="http://schemas.openxmlformats.org/officeDocument/2006/relationships" xmlns:p="http://schemas.openxmlformats.org/presentationml/2006/main">
+  <p:cSld>
+    <p:spTree>
+      <p:nvGrpSpPr>
+        <p:cNvPr id="1" name=""/>
+        <p:cNvGrpSpPr/>
+        <p:nvPr/>
+      </p:nvGrpSpPr>
+      <p:grpSpPr>
+        <a:xfrm>
+          <a:off x="0" y="0"/>
+          <a:ext cx="0" cy="0"/>
+          <a:chOff x="0" y="0"/>
+          <a:chExt cx="0" cy="0"/>
+        </a:xfrm>
+      </p:grpSpPr>
+      <p:sp>
+        <p:nvSpPr>
+          <p:cNvPr id="2" name="Title 1">
+            <a:extLst>
+              <a:ext uri="{FF2B5EF4-FFF2-40B4-BE49-F238E27FC236}">
+                <a16:creationId xmlns:a16="http://schemas.microsoft.com/office/drawing/2014/main" id="{4AD75F1A-A857-CD13-799F-9953B7053E44}"/>
+              </a:ext>
+            </a:extLst>
+          </p:cNvPr>
+          <p:cNvSpPr>
+            <a:spLocks noGrp="1"/>
+          </p:cNvSpPr>
+          <p:nvPr>
+            <p:ph type="title"/>
+          </p:nvPr>
+        </p:nvSpPr>
+        <p:spPr>
+          <a:xfrm>
+            <a:off x="2707575" y="2704606"/>
+            <a:ext cx="8858993" cy="2116777"/>
+          </a:xfrm>
+        </p:spPr>
+        <p:txBody>
+          <a:bodyPr>
+            <a:normAutofit/>
+          </a:bodyPr>
+          <a:lstStyle/>
+          <a:p>
+            <a:r>
+              <a:rPr lang="en-CA" sz="5400" dirty="0"/>
+              <a:t>Categorical Results</a:t>
+            </a:r>
+          </a:p>
+        </p:txBody>
+      </p:sp>
+    </p:spTree>
+    <p:extLst>
+      <p:ext uri="{BB962C8B-B14F-4D97-AF65-F5344CB8AC3E}">
+        <p14:creationId xmlns:p14="http://schemas.microsoft.com/office/powerpoint/2010/main" val="2997289025"/>
+      </p:ext>
+    </p:extLst>
+  </p:cSld>
+  <p:clrMapOvr>
+    <a:masterClrMapping/>
+  </p:clrMapOvr>
+</p:sld>
+</file>
+
+<file path=ppt/slides/slide12.xml><?xml version="1.0" encoding="utf-8"?>
 <p:sld xmlns:a="http://schemas.openxmlformats.org/drawingml/2006/main" xmlns:r="http://schemas.openxmlformats.org/officeDocument/2006/relationships" xmlns:p="http://schemas.openxmlformats.org/presentationml/2006/main">
   <p:cSld>
     <p:spTree>
@@ -4324,7 +4490,7 @@
 </p:sld>
 </file>
 
-<file path=ppt/slides/slide12.xml><?xml version="1.0" encoding="utf-8"?>
+<file path=ppt/slides/slide13.xml><?xml version="1.0" encoding="utf-8"?>
 <p:sld xmlns:a="http://schemas.openxmlformats.org/drawingml/2006/main" xmlns:r="http://schemas.openxmlformats.org/officeDocument/2006/relationships" xmlns:p="http://schemas.openxmlformats.org/presentationml/2006/main">
   <p:cSld>
     <p:spTree>
@@ -4393,7 +4559,7 @@
         </p:blipFill>
         <p:spPr>
           <a:xfrm>
-            <a:off x="3486150" y="2286000"/>
+            <a:off x="3756563" y="2171700"/>
             <a:ext cx="5372100" cy="3581400"/>
           </a:xfrm>
         </p:spPr>
@@ -4411,7 +4577,7 @@
 </p:sld>
 </file>
 
-<file path=ppt/slides/slide13.xml><?xml version="1.0" encoding="utf-8"?>
+<file path=ppt/slides/slide14.xml><?xml version="1.0" encoding="utf-8"?>
 <p:sld xmlns:a="http://schemas.openxmlformats.org/drawingml/2006/main" xmlns:r="http://schemas.openxmlformats.org/officeDocument/2006/relationships" xmlns:p="http://schemas.openxmlformats.org/presentationml/2006/main">
   <p:cSld>
     <p:spTree>
@@ -4498,7 +4664,7 @@
 </p:sld>
 </file>
 
-<file path=ppt/slides/slide14.xml><?xml version="1.0" encoding="utf-8"?>
+<file path=ppt/slides/slide15.xml><?xml version="1.0" encoding="utf-8"?>
 <p:sld xmlns:a="http://schemas.openxmlformats.org/drawingml/2006/main" xmlns:r="http://schemas.openxmlformats.org/officeDocument/2006/relationships" xmlns:p="http://schemas.openxmlformats.org/presentationml/2006/main">
   <p:cSld>
     <p:spTree>
@@ -4585,7 +4751,7 @@
 </p:sld>
 </file>
 
-<file path=ppt/slides/slide15.xml><?xml version="1.0" encoding="utf-8"?>
+<file path=ppt/slides/slide16.xml><?xml version="1.0" encoding="utf-8"?>
 <p:sld xmlns:a="http://schemas.openxmlformats.org/drawingml/2006/main" xmlns:r="http://schemas.openxmlformats.org/officeDocument/2006/relationships" xmlns:p="http://schemas.openxmlformats.org/presentationml/2006/main">
   <p:cSld>
     <p:spTree>
@@ -4672,163 +4838,6 @@
 </p:sld>
 </file>
 
-<file path=ppt/slides/slide16.xml><?xml version="1.0" encoding="utf-8"?>
-<p:sld xmlns:a="http://schemas.openxmlformats.org/drawingml/2006/main" xmlns:r="http://schemas.openxmlformats.org/officeDocument/2006/relationships" xmlns:p="http://schemas.openxmlformats.org/presentationml/2006/main">
-  <p:cSld>
-    <p:spTree>
-      <p:nvGrpSpPr>
-        <p:cNvPr id="1" name=""/>
-        <p:cNvGrpSpPr/>
-        <p:nvPr/>
-      </p:nvGrpSpPr>
-      <p:grpSpPr>
-        <a:xfrm>
-          <a:off x="0" y="0"/>
-          <a:ext cx="0" cy="0"/>
-          <a:chOff x="0" y="0"/>
-          <a:chExt cx="0" cy="0"/>
-        </a:xfrm>
-      </p:grpSpPr>
-      <p:sp>
-        <p:nvSpPr>
-          <p:cNvPr id="2" name="Title 1">
-            <a:extLst>
-              <a:ext uri="{FF2B5EF4-FFF2-40B4-BE49-F238E27FC236}">
-                <a16:creationId xmlns:a16="http://schemas.microsoft.com/office/drawing/2014/main" id="{EC30828E-8A64-2364-2BB8-29283068F41D}"/>
-              </a:ext>
-            </a:extLst>
-          </p:cNvPr>
-          <p:cNvSpPr>
-            <a:spLocks noGrp="1"/>
-          </p:cNvSpPr>
-          <p:nvPr>
-            <p:ph type="title"/>
-          </p:nvPr>
-        </p:nvSpPr>
-        <p:spPr/>
-        <p:txBody>
-          <a:bodyPr/>
-          <a:lstStyle/>
-          <a:p>
-            <a:r>
-              <a:rPr lang="en-CA" dirty="0"/>
-              <a:t>Regression Analysis for the city of Toronto</a:t>
-            </a:r>
-          </a:p>
-        </p:txBody>
-      </p:sp>
-      <p:pic>
-        <p:nvPicPr>
-          <p:cNvPr id="5" name="Content Placeholder 4">
-            <a:extLst>
-              <a:ext uri="{FF2B5EF4-FFF2-40B4-BE49-F238E27FC236}">
-                <a16:creationId xmlns:a16="http://schemas.microsoft.com/office/drawing/2014/main" id="{46F98269-A912-8AE1-7BDC-DEAE99FF346C}"/>
-              </a:ext>
-            </a:extLst>
-          </p:cNvPr>
-          <p:cNvPicPr>
-            <a:picLocks noGrp="1" noChangeAspect="1"/>
-          </p:cNvPicPr>
-          <p:nvPr>
-            <p:ph sz="half" idx="2"/>
-          </p:nvPr>
-        </p:nvPicPr>
-        <p:blipFill>
-          <a:blip r:embed="rId2"/>
-          <a:stretch>
-            <a:fillRect/>
-          </a:stretch>
-        </p:blipFill>
-        <p:spPr>
-          <a:xfrm>
-            <a:off x="3443092" y="1938223"/>
-            <a:ext cx="6805807" cy="4537205"/>
-          </a:xfrm>
-        </p:spPr>
-      </p:pic>
-      <p:sp>
-        <p:nvSpPr>
-          <p:cNvPr id="12" name="Content Placeholder 11">
-            <a:extLst>
-              <a:ext uri="{FF2B5EF4-FFF2-40B4-BE49-F238E27FC236}">
-                <a16:creationId xmlns:a16="http://schemas.microsoft.com/office/drawing/2014/main" id="{F52D127A-4561-4608-453F-9D857B49D621}"/>
-              </a:ext>
-            </a:extLst>
-          </p:cNvPr>
-          <p:cNvSpPr>
-            <a:spLocks noGrp="1"/>
-          </p:cNvSpPr>
-          <p:nvPr>
-            <p:ph sz="quarter" idx="4"/>
-          </p:nvPr>
-        </p:nvSpPr>
-        <p:spPr>
-          <a:xfrm>
-            <a:off x="1106800" y="3429000"/>
-            <a:ext cx="2103125" cy="933418"/>
-          </a:xfrm>
-        </p:spPr>
-        <p:txBody>
-          <a:bodyPr>
-            <a:normAutofit fontScale="85000" lnSpcReduction="20000"/>
-          </a:bodyPr>
-          <a:lstStyle/>
-          <a:p>
-            <a:r>
-              <a:rPr kumimoji="0" lang="en-US" altLang="en-US" sz="2000" b="0" i="0" u="none" strike="noStrike" cap="none" normalizeH="0" baseline="0" dirty="0">
-                <a:ln>
-                  <a:noFill/>
-                </a:ln>
-                <a:solidFill>
-                  <a:srgbClr val="000000"/>
-                </a:solidFill>
-                <a:effectLst/>
-                <a:latin typeface="Courier New" panose="02070309020205020404" pitchFamily="49" charset="0"/>
-                <a:cs typeface="Courier New" panose="02070309020205020404" pitchFamily="49" charset="0"/>
-              </a:rPr>
-              <a:t>The r-squared is: 0.1264300099070376</a:t>
-            </a:r>
-            <a:r>
-              <a:rPr kumimoji="0" lang="en-US" altLang="en-US" sz="1600" b="0" i="0" u="none" strike="noStrike" cap="none" normalizeH="0" baseline="0" dirty="0">
-                <a:ln>
-                  <a:noFill/>
-                </a:ln>
-                <a:solidFill>
-                  <a:schemeClr val="tx1"/>
-                </a:solidFill>
-                <a:effectLst/>
-              </a:rPr>
-              <a:t> </a:t>
-            </a:r>
-            <a:endParaRPr kumimoji="0" lang="en-US" altLang="en-US" sz="4400" b="0" i="0" u="none" strike="noStrike" cap="none" normalizeH="0" baseline="0" dirty="0">
-              <a:ln>
-                <a:noFill/>
-              </a:ln>
-              <a:solidFill>
-                <a:schemeClr val="tx1"/>
-              </a:solidFill>
-              <a:effectLst/>
-              <a:latin typeface="Arial" panose="020B0604020202020204" pitchFamily="34" charset="0"/>
-            </a:endParaRPr>
-          </a:p>
-          <a:p>
-            <a:endParaRPr lang="en-CA" dirty="0"/>
-          </a:p>
-        </p:txBody>
-      </p:sp>
-    </p:spTree>
-    <p:extLst>
-      <p:ext uri="{BB962C8B-B14F-4D97-AF65-F5344CB8AC3E}">
-        <p14:creationId xmlns:p14="http://schemas.microsoft.com/office/powerpoint/2010/main" val="3331545274"/>
-      </p:ext>
-    </p:extLst>
-  </p:cSld>
-  <p:clrMapOvr>
-    <a:masterClrMapping/>
-  </p:clrMapOvr>
-</p:sld>
-</file>
-
 <file path=ppt/slides/slide17.xml><?xml version="1.0" encoding="utf-8"?>
 <p:sld xmlns:a="http://schemas.openxmlformats.org/drawingml/2006/main" xmlns:r="http://schemas.openxmlformats.org/officeDocument/2006/relationships" xmlns:p="http://schemas.openxmlformats.org/presentationml/2006/main">
   <p:cSld>
@@ -4851,7 +4860,7 @@
           <p:cNvPr id="2" name="Title 1">
             <a:extLst>
               <a:ext uri="{FF2B5EF4-FFF2-40B4-BE49-F238E27FC236}">
-                <a16:creationId xmlns:a16="http://schemas.microsoft.com/office/drawing/2014/main" id="{F70752FB-0749-6E73-214D-0BCABBD3272C}"/>
+                <a16:creationId xmlns:a16="http://schemas.microsoft.com/office/drawing/2014/main" id="{4AD75F1A-A857-CD13-799F-9953B7053E44}"/>
               </a:ext>
             </a:extLst>
           </p:cNvPr>
@@ -4862,121 +4871,29 @@
             <p:ph type="title"/>
           </p:nvPr>
         </p:nvSpPr>
-        <p:spPr/>
-        <p:txBody>
-          <a:bodyPr/>
-          <a:lstStyle/>
-          <a:p>
-            <a:r>
-              <a:rPr lang="en-CA" dirty="0"/>
-              <a:t>Regression Analysis for 5 least Safe </a:t>
-            </a:r>
-            <a:br>
-              <a:rPr lang="en-CA" dirty="0"/>
-            </a:br>
-            <a:r>
-              <a:rPr lang="en-CA" dirty="0"/>
-              <a:t>Neighborhoods</a:t>
-            </a:r>
-          </a:p>
-        </p:txBody>
-      </p:sp>
-      <p:pic>
-        <p:nvPicPr>
-          <p:cNvPr id="13" name="Content Placeholder 12">
-            <a:extLst>
-              <a:ext uri="{FF2B5EF4-FFF2-40B4-BE49-F238E27FC236}">
-                <a16:creationId xmlns:a16="http://schemas.microsoft.com/office/drawing/2014/main" id="{019101EE-CDA2-2A44-68AB-301F89A724FB}"/>
-              </a:ext>
-            </a:extLst>
-          </p:cNvPr>
-          <p:cNvPicPr>
-            <a:picLocks noGrp="1" noChangeAspect="1"/>
-          </p:cNvPicPr>
-          <p:nvPr>
-            <p:ph sz="quarter" idx="4"/>
-          </p:nvPr>
-        </p:nvPicPr>
-        <p:blipFill>
-          <a:blip r:embed="rId2"/>
-          <a:stretch>
-            <a:fillRect/>
-          </a:stretch>
-        </p:blipFill>
         <p:spPr>
           <a:xfrm>
-            <a:off x="4882356" y="2009775"/>
-            <a:ext cx="5786437" cy="3857625"/>
+            <a:off x="2707575" y="2704606"/>
+            <a:ext cx="8858993" cy="2116777"/>
           </a:xfrm>
         </p:spPr>
-      </p:pic>
-      <p:sp>
-        <p:nvSpPr>
-          <p:cNvPr id="11" name="Content Placeholder 10">
-            <a:extLst>
-              <a:ext uri="{FF2B5EF4-FFF2-40B4-BE49-F238E27FC236}">
-                <a16:creationId xmlns:a16="http://schemas.microsoft.com/office/drawing/2014/main" id="{ECF19495-D46C-B566-020C-49AD96F38C4D}"/>
-              </a:ext>
-            </a:extLst>
-          </p:cNvPr>
-          <p:cNvSpPr>
-            <a:spLocks noGrp="1"/>
-          </p:cNvSpPr>
-          <p:nvPr>
-            <p:ph sz="half" idx="2"/>
-          </p:nvPr>
-        </p:nvSpPr>
-        <p:spPr/>
-        <p:txBody>
-          <a:bodyPr/>
+        <p:txBody>
+          <a:bodyPr>
+            <a:normAutofit/>
+          </a:bodyPr>
           <a:lstStyle/>
           <a:p>
             <a:r>
-              <a:rPr kumimoji="0" lang="en-US" altLang="en-US" sz="2000" b="0" i="0" u="none" strike="noStrike" cap="none" normalizeH="0" baseline="0" dirty="0">
-                <a:ln>
-                  <a:noFill/>
-                </a:ln>
-                <a:solidFill>
-                  <a:srgbClr val="000000"/>
-                </a:solidFill>
-                <a:effectLst/>
-                <a:latin typeface="Courier New" panose="02070309020205020404" pitchFamily="49" charset="0"/>
-                <a:cs typeface="Courier New" panose="02070309020205020404" pitchFamily="49" charset="0"/>
-              </a:rPr>
-              <a:t>The r-squared is: 0.6510760019274734</a:t>
-            </a:r>
-            <a:r>
-              <a:rPr kumimoji="0" lang="en-US" altLang="en-US" sz="1600" b="0" i="0" u="none" strike="noStrike" cap="none" normalizeH="0" baseline="0" dirty="0">
-                <a:ln>
-                  <a:noFill/>
-                </a:ln>
-                <a:solidFill>
-                  <a:schemeClr val="tx1"/>
-                </a:solidFill>
-                <a:effectLst/>
-              </a:rPr>
-              <a:t> </a:t>
-            </a:r>
-            <a:endParaRPr kumimoji="0" lang="en-US" altLang="en-US" sz="4400" b="0" i="0" u="none" strike="noStrike" cap="none" normalizeH="0" baseline="0" dirty="0">
-              <a:ln>
-                <a:noFill/>
-              </a:ln>
-              <a:solidFill>
-                <a:schemeClr val="tx1"/>
-              </a:solidFill>
-              <a:effectLst/>
-              <a:latin typeface="Arial" panose="020B0604020202020204" pitchFamily="34" charset="0"/>
-            </a:endParaRPr>
-          </a:p>
-          <a:p>
-            <a:endParaRPr lang="en-CA" dirty="0"/>
+              <a:rPr lang="en-CA" sz="5400" dirty="0"/>
+              <a:t>Historic Results</a:t>
+            </a:r>
           </a:p>
         </p:txBody>
       </p:sp>
     </p:spTree>
     <p:extLst>
       <p:ext uri="{BB962C8B-B14F-4D97-AF65-F5344CB8AC3E}">
-        <p14:creationId xmlns:p14="http://schemas.microsoft.com/office/powerpoint/2010/main" val="3946225886"/>
+        <p14:creationId xmlns:p14="http://schemas.microsoft.com/office/powerpoint/2010/main" val="3450020213"/>
       </p:ext>
     </p:extLst>
   </p:cSld>
@@ -5008,7 +4925,7 @@
           <p:cNvPr id="2" name="Title 1">
             <a:extLst>
               <a:ext uri="{FF2B5EF4-FFF2-40B4-BE49-F238E27FC236}">
-                <a16:creationId xmlns:a16="http://schemas.microsoft.com/office/drawing/2014/main" id="{F70752FB-0749-6E73-214D-0BCABBD3272C}"/>
+                <a16:creationId xmlns:a16="http://schemas.microsoft.com/office/drawing/2014/main" id="{EC30828E-8A64-2364-2BB8-29283068F41D}"/>
               </a:ext>
             </a:extLst>
           </p:cNvPr>
@@ -5019,94 +4936,29 @@
             <p:ph type="title"/>
           </p:nvPr>
         </p:nvSpPr>
-        <p:spPr/>
+        <p:spPr>
+          <a:xfrm>
+            <a:off x="1371600" y="685800"/>
+            <a:ext cx="10403058" cy="1485900"/>
+          </a:xfrm>
+        </p:spPr>
         <p:txBody>
           <a:bodyPr/>
           <a:lstStyle/>
           <a:p>
             <a:r>
               <a:rPr lang="en-CA" dirty="0"/>
-              <a:t>Regression Analysis for 5 least Safe </a:t>
-            </a:r>
-            <a:br>
-              <a:rPr lang="en-CA" dirty="0"/>
-            </a:br>
-            <a:r>
-              <a:rPr lang="en-CA" dirty="0"/>
-              <a:t>Neighborhoods</a:t>
-            </a:r>
-          </a:p>
-        </p:txBody>
-      </p:sp>
-      <p:sp>
-        <p:nvSpPr>
-          <p:cNvPr id="11" name="Content Placeholder 10">
+              <a:t>Regression Analysis for the city of Toronto</a:t>
+            </a:r>
+          </a:p>
+        </p:txBody>
+      </p:sp>
+      <p:pic>
+        <p:nvPicPr>
+          <p:cNvPr id="5" name="Content Placeholder 4">
             <a:extLst>
               <a:ext uri="{FF2B5EF4-FFF2-40B4-BE49-F238E27FC236}">
-                <a16:creationId xmlns:a16="http://schemas.microsoft.com/office/drawing/2014/main" id="{ECF19495-D46C-B566-020C-49AD96F38C4D}"/>
-              </a:ext>
-            </a:extLst>
-          </p:cNvPr>
-          <p:cNvSpPr>
-            <a:spLocks noGrp="1"/>
-          </p:cNvSpPr>
-          <p:nvPr>
-            <p:ph sz="half" idx="2"/>
-          </p:nvPr>
-        </p:nvSpPr>
-        <p:spPr/>
-        <p:txBody>
-          <a:bodyPr/>
-          <a:lstStyle/>
-          <a:p>
-            <a:r>
-              <a:rPr kumimoji="0" lang="en-US" altLang="en-US" sz="2000" b="0" i="0" u="none" strike="noStrike" cap="none" normalizeH="0" baseline="0" dirty="0">
-                <a:ln>
-                  <a:noFill/>
-                </a:ln>
-                <a:solidFill>
-                  <a:srgbClr val="000000"/>
-                </a:solidFill>
-                <a:effectLst/>
-                <a:latin typeface="Courier New" panose="02070309020205020404" pitchFamily="49" charset="0"/>
-                <a:cs typeface="Courier New" panose="02070309020205020404" pitchFamily="49" charset="0"/>
-              </a:rPr>
-              <a:t>The r-squared is: 0.0325154950383764</a:t>
-            </a:r>
-            <a:r>
-              <a:rPr kumimoji="0" lang="en-US" altLang="en-US" sz="1600" b="0" i="0" u="none" strike="noStrike" cap="none" normalizeH="0" baseline="0" dirty="0">
-                <a:ln>
-                  <a:noFill/>
-                </a:ln>
-                <a:solidFill>
-                  <a:schemeClr val="tx1"/>
-                </a:solidFill>
-                <a:effectLst/>
-              </a:rPr>
-              <a:t> </a:t>
-            </a:r>
-            <a:endParaRPr kumimoji="0" lang="en-US" altLang="en-US" sz="4400" b="0" i="0" u="none" strike="noStrike" cap="none" normalizeH="0" baseline="0" dirty="0">
-              <a:ln>
-                <a:noFill/>
-              </a:ln>
-              <a:solidFill>
-                <a:schemeClr val="tx1"/>
-              </a:solidFill>
-              <a:effectLst/>
-              <a:latin typeface="Arial" panose="020B0604020202020204" pitchFamily="34" charset="0"/>
-            </a:endParaRPr>
-          </a:p>
-          <a:p>
-            <a:endParaRPr lang="en-CA" dirty="0"/>
-          </a:p>
-        </p:txBody>
-      </p:sp>
-      <p:pic>
-        <p:nvPicPr>
-          <p:cNvPr id="6" name="Content Placeholder 5">
-            <a:extLst>
-              <a:ext uri="{FF2B5EF4-FFF2-40B4-BE49-F238E27FC236}">
-                <a16:creationId xmlns:a16="http://schemas.microsoft.com/office/drawing/2014/main" id="{2D7E63FD-4308-3FA2-A4D4-A58B6DAD8FF6}"/>
+                <a16:creationId xmlns:a16="http://schemas.microsoft.com/office/drawing/2014/main" id="{46F98269-A912-8AE1-7BDC-DEAE99FF346C}"/>
               </a:ext>
             </a:extLst>
           </p:cNvPr>
@@ -5114,7 +4966,7 @@
             <a:picLocks noGrp="1" noChangeAspect="1"/>
           </p:cNvPicPr>
           <p:nvPr>
-            <p:ph sz="quarter" idx="4"/>
+            <p:ph sz="half" idx="2"/>
           </p:nvPr>
         </p:nvPicPr>
         <p:blipFill>
@@ -5125,15 +4977,77 @@
         </p:blipFill>
         <p:spPr>
           <a:xfrm>
-            <a:off x="5125244" y="2171701"/>
-            <a:ext cx="5543549" cy="3695700"/>
+            <a:off x="5011387" y="1812860"/>
+            <a:ext cx="6927765" cy="4618510"/>
           </a:xfrm>
         </p:spPr>
       </p:pic>
+      <p:sp>
+        <p:nvSpPr>
+          <p:cNvPr id="12" name="Content Placeholder 11">
+            <a:extLst>
+              <a:ext uri="{FF2B5EF4-FFF2-40B4-BE49-F238E27FC236}">
+                <a16:creationId xmlns:a16="http://schemas.microsoft.com/office/drawing/2014/main" id="{F52D127A-4561-4608-453F-9D857B49D621}"/>
+              </a:ext>
+            </a:extLst>
+          </p:cNvPr>
+          <p:cNvSpPr>
+            <a:spLocks noGrp="1"/>
+          </p:cNvSpPr>
+          <p:nvPr>
+            <p:ph sz="quarter" idx="4"/>
+          </p:nvPr>
+        </p:nvSpPr>
+        <p:spPr>
+          <a:xfrm>
+            <a:off x="1048493" y="2171700"/>
+            <a:ext cx="3962893" cy="4259669"/>
+          </a:xfrm>
+        </p:spPr>
+        <p:txBody>
+          <a:bodyPr>
+            <a:normAutofit/>
+          </a:bodyPr>
+          <a:lstStyle/>
+          <a:p>
+            <a:r>
+              <a:rPr lang="en-US" altLang="en-US" dirty="0">
+                <a:solidFill>
+                  <a:schemeClr val="tx1"/>
+                </a:solidFill>
+              </a:rPr>
+              <a:t>The r-squared is: 12.6%</a:t>
+            </a:r>
+          </a:p>
+          <a:p>
+            <a:r>
+              <a:rPr lang="en-US" altLang="en-US" dirty="0">
+                <a:solidFill>
+                  <a:schemeClr val="tx1"/>
+                </a:solidFill>
+              </a:rPr>
+              <a:t>Data is not correlated to time</a:t>
+            </a:r>
+          </a:p>
+          <a:p>
+            <a:r>
+              <a:rPr lang="en-US" altLang="en-US" dirty="0">
+                <a:solidFill>
+                  <a:schemeClr val="tx1"/>
+                </a:solidFill>
+              </a:rPr>
+              <a:t>Over -all criminal activity clearly dropped in 2020, this could potentially be related to COVID </a:t>
+            </a:r>
+          </a:p>
+          <a:p>
+            <a:endParaRPr lang="en-CA" dirty="0"/>
+          </a:p>
+        </p:txBody>
+      </p:sp>
     </p:spTree>
     <p:extLst>
       <p:ext uri="{BB962C8B-B14F-4D97-AF65-F5344CB8AC3E}">
-        <p14:creationId xmlns:p14="http://schemas.microsoft.com/office/powerpoint/2010/main" val="3447179957"/>
+        <p14:creationId xmlns:p14="http://schemas.microsoft.com/office/powerpoint/2010/main" val="3331545274"/>
       </p:ext>
     </p:extLst>
   </p:cSld>
@@ -5183,7 +5097,7 @@
           <a:p>
             <a:r>
               <a:rPr lang="en-CA" dirty="0"/>
-              <a:t>Regression Analysis for 5 Least Safe </a:t>
+              <a:t>Regression Analysis for 5 least Safe </a:t>
             </a:r>
             <a:br>
               <a:rPr lang="en-CA" dirty="0"/>
@@ -5195,6 +5109,35 @@
           </a:p>
         </p:txBody>
       </p:sp>
+      <p:pic>
+        <p:nvPicPr>
+          <p:cNvPr id="13" name="Content Placeholder 12">
+            <a:extLst>
+              <a:ext uri="{FF2B5EF4-FFF2-40B4-BE49-F238E27FC236}">
+                <a16:creationId xmlns:a16="http://schemas.microsoft.com/office/drawing/2014/main" id="{019101EE-CDA2-2A44-68AB-301F89A724FB}"/>
+              </a:ext>
+            </a:extLst>
+          </p:cNvPr>
+          <p:cNvPicPr>
+            <a:picLocks noGrp="1" noChangeAspect="1"/>
+          </p:cNvPicPr>
+          <p:nvPr>
+            <p:ph sz="quarter" idx="4"/>
+          </p:nvPr>
+        </p:nvPicPr>
+        <p:blipFill>
+          <a:blip r:embed="rId2"/>
+          <a:stretch>
+            <a:fillRect/>
+          </a:stretch>
+        </p:blipFill>
+        <p:spPr>
+          <a:xfrm>
+            <a:off x="5367316" y="2171700"/>
+            <a:ext cx="6515122" cy="4343415"/>
+          </a:xfrm>
+        </p:spPr>
+      </p:pic>
       <p:sp>
         <p:nvSpPr>
           <p:cNvPr id="11" name="Content Placeholder 10">
@@ -5211,37 +5154,64 @@
             <p:ph sz="half" idx="2"/>
           </p:nvPr>
         </p:nvSpPr>
-        <p:spPr/>
+        <p:spPr>
+          <a:xfrm>
+            <a:off x="1202787" y="2503349"/>
+            <a:ext cx="4443984" cy="3855248"/>
+          </a:xfrm>
+        </p:spPr>
         <p:txBody>
           <a:bodyPr/>
           <a:lstStyle/>
           <a:p>
             <a:r>
-              <a:rPr kumimoji="0" lang="en-US" altLang="en-US" sz="2000" b="0" i="0" u="none" strike="noStrike" cap="none" normalizeH="0" baseline="0" dirty="0">
-                <a:ln>
-                  <a:noFill/>
-                </a:ln>
-                <a:solidFill>
-                  <a:srgbClr val="000000"/>
-                </a:solidFill>
-                <a:effectLst/>
-                <a:latin typeface="Courier New" panose="02070309020205020404" pitchFamily="49" charset="0"/>
-                <a:cs typeface="Courier New" panose="02070309020205020404" pitchFamily="49" charset="0"/>
-              </a:rPr>
-              <a:t>The r-squared is: 0.7506689850717332</a:t>
-            </a:r>
-            <a:r>
-              <a:rPr kumimoji="0" lang="en-US" altLang="en-US" sz="1600" b="0" i="0" u="none" strike="noStrike" cap="none" normalizeH="0" baseline="0" dirty="0">
-                <a:ln>
-                  <a:noFill/>
-                </a:ln>
+              <a:rPr lang="en-US" altLang="en-US" dirty="0">
                 <a:solidFill>
                   <a:schemeClr val="tx1"/>
                 </a:solidFill>
-                <a:effectLst/>
-              </a:rPr>
-              <a:t> </a:t>
-            </a:r>
+              </a:rPr>
+              <a:t>The r-squared is: 65%</a:t>
+            </a:r>
+          </a:p>
+          <a:p>
+            <a:r>
+              <a:rPr lang="en-US" altLang="en-US" dirty="0">
+                <a:solidFill>
+                  <a:schemeClr val="tx1"/>
+                </a:solidFill>
+              </a:rPr>
+              <a:t>Data appears to be positively correlated with time</a:t>
+            </a:r>
+          </a:p>
+          <a:p>
+            <a:r>
+              <a:rPr lang="en-US" altLang="en-US" dirty="0">
+                <a:solidFill>
+                  <a:schemeClr val="tx1"/>
+                </a:solidFill>
+              </a:rPr>
+              <a:t>Crime dropped in 2021</a:t>
+            </a:r>
+          </a:p>
+          <a:p>
+            <a:r>
+              <a:rPr lang="en-US" altLang="en-US" dirty="0">
+                <a:solidFill>
+                  <a:schemeClr val="tx1"/>
+                </a:solidFill>
+              </a:rPr>
+              <a:t>2022 data would help establish a trend </a:t>
+            </a:r>
+          </a:p>
+          <a:p>
+            <a:endParaRPr lang="en-US" altLang="en-US" sz="1600" dirty="0">
+              <a:solidFill>
+                <a:schemeClr val="tx1"/>
+              </a:solidFill>
+              <a:latin typeface="Arial" panose="020B0604020202020204" pitchFamily="34" charset="0"/>
+            </a:endParaRPr>
+          </a:p>
+          <a:p>
             <a:endParaRPr kumimoji="0" lang="en-US" altLang="en-US" sz="4400" b="0" i="0" u="none" strike="noStrike" cap="none" normalizeH="0" baseline="0" dirty="0">
               <a:ln>
                 <a:noFill/>
@@ -5258,39 +5228,10 @@
           </a:p>
         </p:txBody>
       </p:sp>
-      <p:pic>
-        <p:nvPicPr>
-          <p:cNvPr id="7" name="Content Placeholder 6">
-            <a:extLst>
-              <a:ext uri="{FF2B5EF4-FFF2-40B4-BE49-F238E27FC236}">
-                <a16:creationId xmlns:a16="http://schemas.microsoft.com/office/drawing/2014/main" id="{188D998D-ACB0-A83A-CD24-0AE752E997B4}"/>
-              </a:ext>
-            </a:extLst>
-          </p:cNvPr>
-          <p:cNvPicPr>
-            <a:picLocks noGrp="1" noChangeAspect="1"/>
-          </p:cNvPicPr>
-          <p:nvPr>
-            <p:ph sz="quarter" idx="4"/>
-          </p:nvPr>
-        </p:nvPicPr>
-        <p:blipFill>
-          <a:blip r:embed="rId2"/>
-          <a:stretch>
-            <a:fillRect/>
-          </a:stretch>
-        </p:blipFill>
-        <p:spPr>
-          <a:xfrm>
-            <a:off x="5125244" y="2171701"/>
-            <a:ext cx="5543549" cy="3695700"/>
-          </a:xfrm>
-        </p:spPr>
-      </p:pic>
     </p:spTree>
     <p:extLst>
       <p:ext uri="{BB962C8B-B14F-4D97-AF65-F5344CB8AC3E}">
-        <p14:creationId xmlns:p14="http://schemas.microsoft.com/office/powerpoint/2010/main" val="2106327601"/>
+        <p14:creationId xmlns:p14="http://schemas.microsoft.com/office/powerpoint/2010/main" val="3946225886"/>
       </p:ext>
     </p:extLst>
   </p:cSld>
@@ -5340,7 +5281,7 @@
           <a:p>
             <a:r>
               <a:rPr lang="en-CA" dirty="0"/>
-              <a:t>Who we are ?</a:t>
+              <a:t>Background</a:t>
             </a:r>
           </a:p>
         </p:txBody>
@@ -5361,9 +5302,16 @@
             <p:ph idx="1"/>
           </p:nvPr>
         </p:nvSpPr>
-        <p:spPr/>
-        <p:txBody>
-          <a:bodyPr/>
+        <p:spPr>
+          <a:xfrm>
+            <a:off x="1211283" y="2286000"/>
+            <a:ext cx="10711543" cy="3581400"/>
+          </a:xfrm>
+        </p:spPr>
+        <p:txBody>
+          <a:bodyPr>
+            <a:normAutofit/>
+          </a:bodyPr>
           <a:lstStyle/>
           <a:p>
             <a:pPr>
@@ -5379,7 +5327,26 @@
                 <a:effectLst/>
                 <a:latin typeface="-apple-system"/>
               </a:rPr>
-              <a:t>We are a team in a data analytics company, and we have recently been asked by an insurance company to find various crime data of different sectors of Toronto to help them find out risk factors for each district. </a:t>
+              <a:t>Team: </a:t>
+            </a:r>
+            <a:r>
+              <a:rPr lang="en-US" dirty="0">
+                <a:solidFill>
+                  <a:srgbClr val="24292F"/>
+                </a:solidFill>
+                <a:latin typeface="-apple-system"/>
+              </a:rPr>
+              <a:t>Data Analytics </a:t>
+            </a:r>
+            <a:r>
+              <a:rPr lang="en-US" i="0" dirty="0">
+                <a:solidFill>
+                  <a:srgbClr val="24292F"/>
+                </a:solidFill>
+                <a:effectLst/>
+                <a:latin typeface="-apple-system"/>
+              </a:rPr>
+              <a:t>team in DATAHOLICS Inc. - an emerging startup in Toronto</a:t>
             </a:r>
           </a:p>
           <a:p>
@@ -5389,6 +5356,22 @@
               </a:lnSpc>
             </a:pPr>
             <a:r>
+              <a:rPr lang="en-US" dirty="0">
+                <a:solidFill>
+                  <a:srgbClr val="24292F"/>
+                </a:solidFill>
+                <a:latin typeface="-apple-system"/>
+              </a:rPr>
+              <a:t>Client: SafeNet Insurance Corp. -  our first client</a:t>
+            </a:r>
+          </a:p>
+          <a:p>
+            <a:pPr>
+              <a:lnSpc>
+                <a:spcPct val="150000"/>
+              </a:lnSpc>
+            </a:pPr>
+            <a:r>
               <a:rPr lang="en-US" i="0" dirty="0">
                 <a:solidFill>
                   <a:srgbClr val="24292F"/>
@@ -5396,8 +5379,55 @@
                 <a:effectLst/>
                 <a:latin typeface="-apple-system"/>
               </a:rPr>
-              <a:t>Premiums are calculated based on the risk factors, so our data is important in setting the right premiums. We have come up with the following questions in order to help the insurance company calculate reasonable premiums so that they can charge their clients appropriately.</a:t>
-            </a:r>
+              <a:t>Goal: Provide an exploratory analysis of historic crime data in the different Neighborhoods of Toronto </a:t>
+            </a:r>
+          </a:p>
+          <a:p>
+            <a:pPr>
+              <a:lnSpc>
+                <a:spcPct val="150000"/>
+              </a:lnSpc>
+            </a:pPr>
+            <a:r>
+              <a:rPr lang="en-US" i="0" dirty="0">
+                <a:solidFill>
+                  <a:srgbClr val="24292F"/>
+                </a:solidFill>
+                <a:effectLst/>
+                <a:latin typeface="-apple-system"/>
+              </a:rPr>
+              <a:t>Main Deliverable: Qualitative analysis and quantified risk factors for location and othe</a:t>
+            </a:r>
+            <a:r>
+              <a:rPr lang="en-US" dirty="0">
+                <a:solidFill>
+                  <a:srgbClr val="24292F"/>
+                </a:solidFill>
+                <a:latin typeface="-apple-system"/>
+              </a:rPr>
+              <a:t>r circumstantial categories</a:t>
+            </a:r>
+            <a:endParaRPr lang="en-US" i="0" dirty="0">
+              <a:solidFill>
+                <a:srgbClr val="24292F"/>
+              </a:solidFill>
+              <a:effectLst/>
+              <a:latin typeface="-apple-system"/>
+            </a:endParaRPr>
+          </a:p>
+          <a:p>
+            <a:pPr lvl="2">
+              <a:lnSpc>
+                <a:spcPct val="150000"/>
+              </a:lnSpc>
+            </a:pPr>
+            <a:endParaRPr lang="en-US" i="0" dirty="0">
+              <a:solidFill>
+                <a:srgbClr val="24292F"/>
+              </a:solidFill>
+              <a:effectLst/>
+              <a:latin typeface="-apple-system"/>
+            </a:endParaRPr>
           </a:p>
           <a:p>
             <a:endParaRPr lang="en-CA" dirty="0"/>
@@ -5457,7 +5487,7 @@
           <a:p>
             <a:r>
               <a:rPr lang="en-CA" dirty="0"/>
-              <a:t>Regression Analysis for 5 Least Safe </a:t>
+              <a:t>Regression Analysis for 5 least Safe </a:t>
             </a:r>
             <a:br>
               <a:rPr lang="en-CA" dirty="0"/>
@@ -5502,7 +5532,19 @@
                 <a:latin typeface="Courier New" panose="02070309020205020404" pitchFamily="49" charset="0"/>
                 <a:cs typeface="Courier New" panose="02070309020205020404" pitchFamily="49" charset="0"/>
               </a:rPr>
-              <a:t>The r-squared is: 0.03504759185987554</a:t>
+              <a:t>The r-squared is: 3.2%</a:t>
+            </a:r>
+          </a:p>
+          <a:p>
+            <a:r>
+              <a:rPr lang="en-US" altLang="en-US" dirty="0">
+                <a:solidFill>
+                  <a:srgbClr val="000000"/>
+                </a:solidFill>
+                <a:latin typeface="Courier New" panose="02070309020205020404" pitchFamily="49" charset="0"/>
+                <a:cs typeface="Courier New" panose="02070309020205020404" pitchFamily="49" charset="0"/>
+              </a:rPr>
+              <a:t>Data is not correlated with time</a:t>
             </a:r>
             <a:r>
               <a:rPr kumimoji="0" lang="en-US" altLang="en-US" sz="1600" b="0" i="0" u="none" strike="noStrike" cap="none" normalizeH="0" baseline="0" dirty="0">
@@ -5537,7 +5579,7 @@
           <p:cNvPr id="6" name="Content Placeholder 5">
             <a:extLst>
               <a:ext uri="{FF2B5EF4-FFF2-40B4-BE49-F238E27FC236}">
-                <a16:creationId xmlns:a16="http://schemas.microsoft.com/office/drawing/2014/main" id="{30D86344-26B4-FD61-1794-C17DCFB2952D}"/>
+                <a16:creationId xmlns:a16="http://schemas.microsoft.com/office/drawing/2014/main" id="{2D7E63FD-4308-3FA2-A4D4-A58B6DAD8FF6}"/>
               </a:ext>
             </a:extLst>
           </p:cNvPr>
@@ -5556,15 +5598,15 @@
         </p:blipFill>
         <p:spPr>
           <a:xfrm>
-            <a:off x="4953794" y="2057401"/>
-            <a:ext cx="5714999" cy="3810000"/>
+            <a:off x="5833463" y="2391508"/>
+            <a:ext cx="6213963" cy="4142643"/>
           </a:xfrm>
         </p:spPr>
       </p:pic>
     </p:spTree>
     <p:extLst>
       <p:ext uri="{BB962C8B-B14F-4D97-AF65-F5344CB8AC3E}">
-        <p14:creationId xmlns:p14="http://schemas.microsoft.com/office/powerpoint/2010/main" val="2501679752"/>
+        <p14:creationId xmlns:p14="http://schemas.microsoft.com/office/powerpoint/2010/main" val="3447179957"/>
       </p:ext>
     </p:extLst>
   </p:cSld>
@@ -5648,15 +5690,41 @@
           <a:lstStyle/>
           <a:p>
             <a:r>
-              <a:rPr lang="en-US" altLang="en-US" dirty="0">
+              <a:rPr kumimoji="0" lang="en-US" altLang="en-US" sz="2000" b="0" i="0" u="none" strike="noStrike" cap="none" normalizeH="0" baseline="0" dirty="0">
+                <a:ln>
+                  <a:noFill/>
+                </a:ln>
                 <a:solidFill>
                   <a:srgbClr val="000000"/>
                 </a:solidFill>
+                <a:effectLst/>
                 <a:latin typeface="Courier New" panose="02070309020205020404" pitchFamily="49" charset="0"/>
                 <a:cs typeface="Courier New" panose="02070309020205020404" pitchFamily="49" charset="0"/>
               </a:rPr>
-              <a:t>The r-squared is:0.6251230552445661</a:t>
-            </a:r>
+              <a:t>The r-squared is: 75%</a:t>
+            </a:r>
+            <a:r>
+              <a:rPr kumimoji="0" lang="en-US" altLang="en-US" sz="1600" b="0" i="0" u="none" strike="noStrike" cap="none" normalizeH="0" baseline="0" dirty="0">
+                <a:ln>
+                  <a:noFill/>
+                </a:ln>
+                <a:solidFill>
+                  <a:schemeClr val="tx1"/>
+                </a:solidFill>
+                <a:effectLst/>
+              </a:rPr>
+              <a:t> </a:t>
+            </a:r>
+            <a:endParaRPr kumimoji="0" lang="en-US" altLang="en-US" sz="4400" b="0" i="0" u="none" strike="noStrike" cap="none" normalizeH="0" baseline="0" dirty="0">
+              <a:ln>
+                <a:noFill/>
+              </a:ln>
+              <a:solidFill>
+                <a:schemeClr val="tx1"/>
+              </a:solidFill>
+              <a:effectLst/>
+              <a:latin typeface="Arial" panose="020B0604020202020204" pitchFamily="34" charset="0"/>
+            </a:endParaRPr>
           </a:p>
           <a:p>
             <a:endParaRPr lang="en-CA" dirty="0"/>
@@ -5668,7 +5736,7 @@
           <p:cNvPr id="7" name="Content Placeholder 6">
             <a:extLst>
               <a:ext uri="{FF2B5EF4-FFF2-40B4-BE49-F238E27FC236}">
-                <a16:creationId xmlns:a16="http://schemas.microsoft.com/office/drawing/2014/main" id="{946C877D-ED02-EC54-E42C-27D32FCF1D1A}"/>
+                <a16:creationId xmlns:a16="http://schemas.microsoft.com/office/drawing/2014/main" id="{188D998D-ACB0-A83A-CD24-0AE752E997B4}"/>
               </a:ext>
             </a:extLst>
           </p:cNvPr>
@@ -5687,116 +5755,15 @@
         </p:blipFill>
         <p:spPr>
           <a:xfrm>
-            <a:off x="4782344" y="1943100"/>
-            <a:ext cx="6457156" cy="4304771"/>
+            <a:off x="5983373" y="2635934"/>
+            <a:ext cx="5543549" cy="3695700"/>
           </a:xfrm>
         </p:spPr>
       </p:pic>
-      <p:sp>
-        <p:nvSpPr>
-          <p:cNvPr id="8" name="Rectangle 1">
-            <a:extLst>
-              <a:ext uri="{FF2B5EF4-FFF2-40B4-BE49-F238E27FC236}">
-                <a16:creationId xmlns:a16="http://schemas.microsoft.com/office/drawing/2014/main" id="{F1410BBA-68AE-34B0-2D8A-0C5BC109D97B}"/>
-              </a:ext>
-            </a:extLst>
-          </p:cNvPr>
-          <p:cNvSpPr>
-            <a:spLocks noChangeArrowheads="1"/>
-          </p:cNvSpPr>
-          <p:nvPr/>
-        </p:nvSpPr>
-        <p:spPr bwMode="auto">
-          <a:xfrm>
-            <a:off x="0" y="167044"/>
-            <a:ext cx="25648" cy="123111"/>
-          </a:xfrm>
-          <a:prstGeom prst="rect">
-            <a:avLst/>
-          </a:prstGeom>
-          <a:solidFill>
-            <a:srgbClr val="FFFFFF"/>
-          </a:solidFill>
-          <a:ln>
-            <a:noFill/>
-          </a:ln>
-          <a:effectLst/>
-          <a:extLst>
-            <a:ext uri="{91240B29-F687-4F45-9708-019B960494DF}">
-              <a14:hiddenLine xmlns:a14="http://schemas.microsoft.com/office/drawing/2010/main" w="9525">
-                <a:solidFill>
-                  <a:schemeClr val="tx1"/>
-                </a:solidFill>
-                <a:miter lim="800000"/>
-                <a:headEnd/>
-                <a:tailEnd/>
-              </a14:hiddenLine>
-            </a:ext>
-            <a:ext uri="{AF507438-7753-43E0-B8FC-AC1667EBCBE1}">
-              <a14:hiddenEffects xmlns:a14="http://schemas.microsoft.com/office/drawing/2010/main">
-                <a:effectLst>
-                  <a:outerShdw dist="35921" dir="2700000" algn="ctr" rotWithShape="0">
-                    <a:schemeClr val="bg2"/>
-                  </a:outerShdw>
-                </a:effectLst>
-              </a14:hiddenEffects>
-            </a:ext>
-          </a:extLst>
-        </p:spPr>
-        <p:txBody>
-          <a:bodyPr vert="horz" wrap="none" lIns="0" tIns="0" rIns="0" bIns="0" numCol="1" anchor="ctr" anchorCtr="0" compatLnSpc="1">
-            <a:prstTxWarp prst="textNoShape">
-              <a:avLst/>
-            </a:prstTxWarp>
-            <a:spAutoFit/>
-          </a:bodyPr>
-          <a:lstStyle/>
-          <a:p>
-            <a:pPr marL="0" marR="0" lvl="0" indent="0" algn="l" defTabSz="914400" rtl="0" eaLnBrk="0" fontAlgn="base" latinLnBrk="0" hangingPunct="0">
-              <a:lnSpc>
-                <a:spcPct val="100000"/>
-              </a:lnSpc>
-              <a:spcBef>
-                <a:spcPct val="0"/>
-              </a:spcBef>
-              <a:spcAft>
-                <a:spcPct val="0"/>
-              </a:spcAft>
-              <a:buClrTx/>
-              <a:buSzTx/>
-              <a:buFontTx/>
-              <a:buNone/>
-              <a:tabLst/>
-            </a:pPr>
-            <a:r>
-              <a:rPr kumimoji="0" lang="en-US" altLang="en-US" sz="800" b="0" i="0" u="none" strike="noStrike" cap="none" normalizeH="0" baseline="0" dirty="0">
-                <a:ln>
-                  <a:noFill/>
-                </a:ln>
-                <a:solidFill>
-                  <a:schemeClr val="tx1"/>
-                </a:solidFill>
-                <a:effectLst/>
-              </a:rPr>
-              <a:t> </a:t>
-            </a:r>
-            <a:endParaRPr kumimoji="0" lang="en-US" altLang="en-US" sz="1800" b="0" i="0" u="none" strike="noStrike" cap="none" normalizeH="0" baseline="0" dirty="0">
-              <a:ln>
-                <a:noFill/>
-              </a:ln>
-              <a:solidFill>
-                <a:schemeClr val="tx1"/>
-              </a:solidFill>
-              <a:effectLst/>
-              <a:latin typeface="Arial" panose="020B0604020202020204" pitchFamily="34" charset="0"/>
-            </a:endParaRPr>
-          </a:p>
-        </p:txBody>
-      </p:sp>
     </p:spTree>
     <p:extLst>
       <p:ext uri="{BB962C8B-B14F-4D97-AF65-F5344CB8AC3E}">
-        <p14:creationId xmlns:p14="http://schemas.microsoft.com/office/powerpoint/2010/main" val="3855056731"/>
+        <p14:creationId xmlns:p14="http://schemas.microsoft.com/office/powerpoint/2010/main" val="2106327601"/>
       </p:ext>
     </p:extLst>
   </p:cSld>
@@ -5846,7 +5813,7 @@
           <a:p>
             <a:r>
               <a:rPr lang="en-CA" dirty="0"/>
-              <a:t>Regression Analysis for 5 Most Safe </a:t>
+              <a:t>Regression Analysis for 5 Least Safe </a:t>
             </a:r>
             <a:br>
               <a:rPr lang="en-CA" dirty="0"/>
@@ -5880,16 +5847,6 @@
           <a:lstStyle/>
           <a:p>
             <a:r>
-              <a:rPr lang="en-US" altLang="en-US" dirty="0">
-                <a:solidFill>
-                  <a:srgbClr val="000000"/>
-                </a:solidFill>
-                <a:latin typeface="Courier New" panose="02070309020205020404" pitchFamily="49" charset="0"/>
-                <a:cs typeface="Courier New" panose="02070309020205020404" pitchFamily="49" charset="0"/>
-              </a:rPr>
-              <a:t>The r-squared is:</a:t>
-            </a:r>
-            <a:r>
               <a:rPr kumimoji="0" lang="en-US" altLang="en-US" sz="2000" b="0" i="0" u="none" strike="noStrike" cap="none" normalizeH="0" baseline="0" dirty="0">
                 <a:ln>
                   <a:noFill/>
@@ -5901,99 +5858,10 @@
                 <a:latin typeface="Courier New" panose="02070309020205020404" pitchFamily="49" charset="0"/>
                 <a:cs typeface="Courier New" panose="02070309020205020404" pitchFamily="49" charset="0"/>
               </a:rPr>
-              <a:t> 0.12273568367744447</a:t>
-            </a:r>
-            <a:endParaRPr lang="en-US" altLang="en-US" dirty="0">
-              <a:solidFill>
-                <a:srgbClr val="000000"/>
-              </a:solidFill>
-              <a:latin typeface="Courier New" panose="02070309020205020404" pitchFamily="49" charset="0"/>
-              <a:cs typeface="Courier New" panose="02070309020205020404" pitchFamily="49" charset="0"/>
-            </a:endParaRPr>
-          </a:p>
-          <a:p>
-            <a:endParaRPr lang="en-CA" dirty="0"/>
-          </a:p>
-        </p:txBody>
-      </p:sp>
-      <p:sp>
-        <p:nvSpPr>
-          <p:cNvPr id="8" name="Rectangle 1">
-            <a:extLst>
-              <a:ext uri="{FF2B5EF4-FFF2-40B4-BE49-F238E27FC236}">
-                <a16:creationId xmlns:a16="http://schemas.microsoft.com/office/drawing/2014/main" id="{F1410BBA-68AE-34B0-2D8A-0C5BC109D97B}"/>
-              </a:ext>
-            </a:extLst>
-          </p:cNvPr>
-          <p:cNvSpPr>
-            <a:spLocks noChangeArrowheads="1"/>
-          </p:cNvSpPr>
-          <p:nvPr/>
-        </p:nvSpPr>
-        <p:spPr bwMode="auto">
-          <a:xfrm>
-            <a:off x="0" y="167044"/>
-            <a:ext cx="25648" cy="123111"/>
-          </a:xfrm>
-          <a:prstGeom prst="rect">
-            <a:avLst/>
-          </a:prstGeom>
-          <a:solidFill>
-            <a:srgbClr val="FFFFFF"/>
-          </a:solidFill>
-          <a:ln>
-            <a:noFill/>
-          </a:ln>
-          <a:effectLst/>
-          <a:extLst>
-            <a:ext uri="{91240B29-F687-4F45-9708-019B960494DF}">
-              <a14:hiddenLine xmlns:a14="http://schemas.microsoft.com/office/drawing/2010/main" w="9525">
-                <a:solidFill>
-                  <a:schemeClr val="tx1"/>
-                </a:solidFill>
-                <a:miter lim="800000"/>
-                <a:headEnd/>
-                <a:tailEnd/>
-              </a14:hiddenLine>
-            </a:ext>
-            <a:ext uri="{AF507438-7753-43E0-B8FC-AC1667EBCBE1}">
-              <a14:hiddenEffects xmlns:a14="http://schemas.microsoft.com/office/drawing/2010/main">
-                <a:effectLst>
-                  <a:outerShdw dist="35921" dir="2700000" algn="ctr" rotWithShape="0">
-                    <a:schemeClr val="bg2"/>
-                  </a:outerShdw>
-                </a:effectLst>
-              </a14:hiddenEffects>
-            </a:ext>
-          </a:extLst>
-        </p:spPr>
-        <p:txBody>
-          <a:bodyPr vert="horz" wrap="none" lIns="0" tIns="0" rIns="0" bIns="0" numCol="1" anchor="ctr" anchorCtr="0" compatLnSpc="1">
-            <a:prstTxWarp prst="textNoShape">
-              <a:avLst/>
-            </a:prstTxWarp>
-            <a:spAutoFit/>
-          </a:bodyPr>
-          <a:lstStyle/>
-          <a:p>
-            <a:pPr marL="0" marR="0" lvl="0" indent="0" algn="l" defTabSz="914400" rtl="0" eaLnBrk="0" fontAlgn="base" latinLnBrk="0" hangingPunct="0">
-              <a:lnSpc>
-                <a:spcPct val="100000"/>
-              </a:lnSpc>
-              <a:spcBef>
-                <a:spcPct val="0"/>
-              </a:spcBef>
-              <a:spcAft>
-                <a:spcPct val="0"/>
-              </a:spcAft>
-              <a:buClrTx/>
-              <a:buSzTx/>
-              <a:buFontTx/>
-              <a:buNone/>
-              <a:tabLst/>
-            </a:pPr>
-            <a:r>
-              <a:rPr kumimoji="0" lang="en-US" altLang="en-US" sz="800" b="0" i="0" u="none" strike="noStrike" cap="none" normalizeH="0" baseline="0" dirty="0">
+              <a:t>The r-squared is: 3.5%</a:t>
+            </a:r>
+            <a:r>
+              <a:rPr kumimoji="0" lang="en-US" altLang="en-US" sz="1600" b="0" i="0" u="none" strike="noStrike" cap="none" normalizeH="0" baseline="0" dirty="0">
                 <a:ln>
                   <a:noFill/>
                 </a:ln>
@@ -6004,7 +5872,7 @@
               </a:rPr>
               <a:t> </a:t>
             </a:r>
-            <a:endParaRPr kumimoji="0" lang="en-US" altLang="en-US" sz="1800" b="0" i="0" u="none" strike="noStrike" cap="none" normalizeH="0" baseline="0" dirty="0">
+            <a:endParaRPr kumimoji="0" lang="en-US" altLang="en-US" sz="4400" b="0" i="0" u="none" strike="noStrike" cap="none" normalizeH="0" baseline="0" dirty="0">
               <a:ln>
                 <a:noFill/>
               </a:ln>
@@ -6015,6 +5883,9 @@
               <a:latin typeface="Arial" panose="020B0604020202020204" pitchFamily="34" charset="0"/>
             </a:endParaRPr>
           </a:p>
+          <a:p>
+            <a:endParaRPr lang="en-CA" dirty="0"/>
+          </a:p>
         </p:txBody>
       </p:sp>
       <p:pic>
@@ -6022,7 +5893,7 @@
           <p:cNvPr id="6" name="Content Placeholder 5">
             <a:extLst>
               <a:ext uri="{FF2B5EF4-FFF2-40B4-BE49-F238E27FC236}">
-                <a16:creationId xmlns:a16="http://schemas.microsoft.com/office/drawing/2014/main" id="{BB238F39-3F34-3289-8FDD-AF65B356FDEA}"/>
+                <a16:creationId xmlns:a16="http://schemas.microsoft.com/office/drawing/2014/main" id="{30D86344-26B4-FD61-1794-C17DCFB2952D}"/>
               </a:ext>
             </a:extLst>
           </p:cNvPr>
@@ -6041,116 +5912,15 @@
         </p:blipFill>
         <p:spPr>
           <a:xfrm>
-            <a:off x="5125244" y="2171701"/>
-            <a:ext cx="5543549" cy="3695700"/>
+            <a:off x="6376418" y="2681303"/>
+            <a:ext cx="5714999" cy="3810000"/>
           </a:xfrm>
         </p:spPr>
       </p:pic>
-      <p:sp>
-        <p:nvSpPr>
-          <p:cNvPr id="9" name="Rectangle 1">
-            <a:extLst>
-              <a:ext uri="{FF2B5EF4-FFF2-40B4-BE49-F238E27FC236}">
-                <a16:creationId xmlns:a16="http://schemas.microsoft.com/office/drawing/2014/main" id="{7F9B93F6-954F-0114-383C-EC5B33B7FD28}"/>
-              </a:ext>
-            </a:extLst>
-          </p:cNvPr>
-          <p:cNvSpPr>
-            <a:spLocks noChangeArrowheads="1"/>
-          </p:cNvSpPr>
-          <p:nvPr/>
-        </p:nvSpPr>
-        <p:spPr bwMode="auto">
-          <a:xfrm>
-            <a:off x="0" y="167044"/>
-            <a:ext cx="25648" cy="123111"/>
-          </a:xfrm>
-          <a:prstGeom prst="rect">
-            <a:avLst/>
-          </a:prstGeom>
-          <a:solidFill>
-            <a:srgbClr val="FFFFFF"/>
-          </a:solidFill>
-          <a:ln>
-            <a:noFill/>
-          </a:ln>
-          <a:effectLst/>
-          <a:extLst>
-            <a:ext uri="{91240B29-F687-4F45-9708-019B960494DF}">
-              <a14:hiddenLine xmlns:a14="http://schemas.microsoft.com/office/drawing/2010/main" w="9525">
-                <a:solidFill>
-                  <a:schemeClr val="tx1"/>
-                </a:solidFill>
-                <a:miter lim="800000"/>
-                <a:headEnd/>
-                <a:tailEnd/>
-              </a14:hiddenLine>
-            </a:ext>
-            <a:ext uri="{AF507438-7753-43E0-B8FC-AC1667EBCBE1}">
-              <a14:hiddenEffects xmlns:a14="http://schemas.microsoft.com/office/drawing/2010/main">
-                <a:effectLst>
-                  <a:outerShdw dist="35921" dir="2700000" algn="ctr" rotWithShape="0">
-                    <a:schemeClr val="bg2"/>
-                  </a:outerShdw>
-                </a:effectLst>
-              </a14:hiddenEffects>
-            </a:ext>
-          </a:extLst>
-        </p:spPr>
-        <p:txBody>
-          <a:bodyPr vert="horz" wrap="none" lIns="0" tIns="0" rIns="0" bIns="0" numCol="1" anchor="ctr" anchorCtr="0" compatLnSpc="1">
-            <a:prstTxWarp prst="textNoShape">
-              <a:avLst/>
-            </a:prstTxWarp>
-            <a:spAutoFit/>
-          </a:bodyPr>
-          <a:lstStyle/>
-          <a:p>
-            <a:pPr marL="0" marR="0" lvl="0" indent="0" algn="l" defTabSz="914400" rtl="0" eaLnBrk="0" fontAlgn="base" latinLnBrk="0" hangingPunct="0">
-              <a:lnSpc>
-                <a:spcPct val="100000"/>
-              </a:lnSpc>
-              <a:spcBef>
-                <a:spcPct val="0"/>
-              </a:spcBef>
-              <a:spcAft>
-                <a:spcPct val="0"/>
-              </a:spcAft>
-              <a:buClrTx/>
-              <a:buSzTx/>
-              <a:buFontTx/>
-              <a:buNone/>
-              <a:tabLst/>
-            </a:pPr>
-            <a:r>
-              <a:rPr kumimoji="0" lang="en-US" altLang="en-US" sz="800" b="0" i="0" u="none" strike="noStrike" cap="none" normalizeH="0" baseline="0" dirty="0">
-                <a:ln>
-                  <a:noFill/>
-                </a:ln>
-                <a:solidFill>
-                  <a:schemeClr val="tx1"/>
-                </a:solidFill>
-                <a:effectLst/>
-              </a:rPr>
-              <a:t> </a:t>
-            </a:r>
-            <a:endParaRPr kumimoji="0" lang="en-US" altLang="en-US" sz="1800" b="0" i="0" u="none" strike="noStrike" cap="none" normalizeH="0" baseline="0" dirty="0">
-              <a:ln>
-                <a:noFill/>
-              </a:ln>
-              <a:solidFill>
-                <a:schemeClr val="tx1"/>
-              </a:solidFill>
-              <a:effectLst/>
-              <a:latin typeface="Arial" panose="020B0604020202020204" pitchFamily="34" charset="0"/>
-            </a:endParaRPr>
-          </a:p>
-        </p:txBody>
-      </p:sp>
     </p:spTree>
     <p:extLst>
       <p:ext uri="{BB962C8B-B14F-4D97-AF65-F5344CB8AC3E}">
-        <p14:creationId xmlns:p14="http://schemas.microsoft.com/office/powerpoint/2010/main" val="796000082"/>
+        <p14:creationId xmlns:p14="http://schemas.microsoft.com/office/powerpoint/2010/main" val="2501679752"/>
       </p:ext>
     </p:extLst>
   </p:cSld>
@@ -6200,7 +5970,7 @@
           <a:p>
             <a:r>
               <a:rPr lang="en-CA" dirty="0"/>
-              <a:t>Regression Analysis for 5 Most Safe </a:t>
+              <a:t>Regression Analysis for 5 Least Safe </a:t>
             </a:r>
             <a:br>
               <a:rPr lang="en-CA" dirty="0"/>
@@ -6241,59 +6011,43 @@
                 <a:latin typeface="Courier New" panose="02070309020205020404" pitchFamily="49" charset="0"/>
                 <a:cs typeface="Courier New" panose="02070309020205020404" pitchFamily="49" charset="0"/>
               </a:rPr>
-              <a:t>The r-squared is:</a:t>
-            </a:r>
-            <a:r>
-              <a:rPr kumimoji="0" lang="en-US" altLang="en-US" sz="2000" b="0" i="0" u="none" strike="noStrike" cap="none" normalizeH="0" baseline="0" dirty="0">
-                <a:ln>
-                  <a:noFill/>
-                </a:ln>
-                <a:solidFill>
-                  <a:srgbClr val="000000"/>
-                </a:solidFill>
-                <a:effectLst/>
-                <a:latin typeface="Courier New" panose="02070309020205020404" pitchFamily="49" charset="0"/>
-                <a:cs typeface="Courier New" panose="02070309020205020404" pitchFamily="49" charset="0"/>
-              </a:rPr>
-              <a:t> 2.4135933577914423e-05</a:t>
-            </a:r>
-            <a:r>
-              <a:rPr kumimoji="0" lang="en-US" altLang="en-US" sz="1600" b="0" i="0" u="none" strike="noStrike" cap="none" normalizeH="0" baseline="0" dirty="0">
-                <a:ln>
-                  <a:noFill/>
-                </a:ln>
-                <a:solidFill>
-                  <a:schemeClr val="tx1"/>
-                </a:solidFill>
-                <a:effectLst/>
-              </a:rPr>
-              <a:t> </a:t>
-            </a:r>
-            <a:endParaRPr kumimoji="0" lang="en-US" altLang="en-US" sz="4400" b="0" i="0" u="none" strike="noStrike" cap="none" normalizeH="0" baseline="0" dirty="0">
-              <a:ln>
-                <a:noFill/>
-              </a:ln>
-              <a:solidFill>
-                <a:schemeClr val="tx1"/>
-              </a:solidFill>
-              <a:effectLst/>
-              <a:latin typeface="Arial" panose="020B0604020202020204" pitchFamily="34" charset="0"/>
-            </a:endParaRPr>
-          </a:p>
-          <a:p>
-            <a:endParaRPr lang="en-US" altLang="en-US" dirty="0">
-              <a:solidFill>
-                <a:srgbClr val="000000"/>
-              </a:solidFill>
-              <a:latin typeface="Courier New" panose="02070309020205020404" pitchFamily="49" charset="0"/>
-              <a:cs typeface="Courier New" panose="02070309020205020404" pitchFamily="49" charset="0"/>
-            </a:endParaRPr>
+              <a:t>The r-squared is:62%</a:t>
+            </a:r>
           </a:p>
           <a:p>
             <a:endParaRPr lang="en-CA" dirty="0"/>
           </a:p>
         </p:txBody>
       </p:sp>
+      <p:pic>
+        <p:nvPicPr>
+          <p:cNvPr id="7" name="Content Placeholder 6">
+            <a:extLst>
+              <a:ext uri="{FF2B5EF4-FFF2-40B4-BE49-F238E27FC236}">
+                <a16:creationId xmlns:a16="http://schemas.microsoft.com/office/drawing/2014/main" id="{946C877D-ED02-EC54-E42C-27D32FCF1D1A}"/>
+              </a:ext>
+            </a:extLst>
+          </p:cNvPr>
+          <p:cNvPicPr>
+            <a:picLocks noGrp="1" noChangeAspect="1"/>
+          </p:cNvPicPr>
+          <p:nvPr>
+            <p:ph sz="quarter" idx="4"/>
+          </p:nvPr>
+        </p:nvPicPr>
+        <p:blipFill>
+          <a:blip r:embed="rId2"/>
+          <a:stretch>
+            <a:fillRect/>
+          </a:stretch>
+        </p:blipFill>
+        <p:spPr>
+          <a:xfrm>
+            <a:off x="5598270" y="2433917"/>
+            <a:ext cx="6457156" cy="4304771"/>
+          </a:xfrm>
+        </p:spPr>
+      </p:pic>
       <p:sp>
         <p:nvSpPr>
           <p:cNvPr id="8" name="Rectangle 1">
@@ -6395,12 +6149,135 @@
           </a:p>
         </p:txBody>
       </p:sp>
-      <p:sp>
-        <p:nvSpPr>
-          <p:cNvPr id="9" name="Rectangle 1">
+    </p:spTree>
+    <p:extLst>
+      <p:ext uri="{BB962C8B-B14F-4D97-AF65-F5344CB8AC3E}">
+        <p14:creationId xmlns:p14="http://schemas.microsoft.com/office/powerpoint/2010/main" val="3855056731"/>
+      </p:ext>
+    </p:extLst>
+  </p:cSld>
+  <p:clrMapOvr>
+    <a:masterClrMapping/>
+  </p:clrMapOvr>
+</p:sld>
+</file>
+
+<file path=ppt/slides/slide24.xml><?xml version="1.0" encoding="utf-8"?>
+<p:sld xmlns:a="http://schemas.openxmlformats.org/drawingml/2006/main" xmlns:r="http://schemas.openxmlformats.org/officeDocument/2006/relationships" xmlns:p="http://schemas.openxmlformats.org/presentationml/2006/main">
+  <p:cSld>
+    <p:spTree>
+      <p:nvGrpSpPr>
+        <p:cNvPr id="1" name=""/>
+        <p:cNvGrpSpPr/>
+        <p:nvPr/>
+      </p:nvGrpSpPr>
+      <p:grpSpPr>
+        <a:xfrm>
+          <a:off x="0" y="0"/>
+          <a:ext cx="0" cy="0"/>
+          <a:chOff x="0" y="0"/>
+          <a:chExt cx="0" cy="0"/>
+        </a:xfrm>
+      </p:grpSpPr>
+      <p:sp>
+        <p:nvSpPr>
+          <p:cNvPr id="2" name="Title 1">
             <a:extLst>
               <a:ext uri="{FF2B5EF4-FFF2-40B4-BE49-F238E27FC236}">
-                <a16:creationId xmlns:a16="http://schemas.microsoft.com/office/drawing/2014/main" id="{7F9B93F6-954F-0114-383C-EC5B33B7FD28}"/>
+                <a16:creationId xmlns:a16="http://schemas.microsoft.com/office/drawing/2014/main" id="{F70752FB-0749-6E73-214D-0BCABBD3272C}"/>
+              </a:ext>
+            </a:extLst>
+          </p:cNvPr>
+          <p:cNvSpPr>
+            <a:spLocks noGrp="1"/>
+          </p:cNvSpPr>
+          <p:nvPr>
+            <p:ph type="title"/>
+          </p:nvPr>
+        </p:nvSpPr>
+        <p:spPr/>
+        <p:txBody>
+          <a:bodyPr/>
+          <a:lstStyle/>
+          <a:p>
+            <a:r>
+              <a:rPr lang="en-CA" dirty="0"/>
+              <a:t>Regression Analysis for 5 Most Safe </a:t>
+            </a:r>
+            <a:br>
+              <a:rPr lang="en-CA" dirty="0"/>
+            </a:br>
+            <a:r>
+              <a:rPr lang="en-CA" dirty="0"/>
+              <a:t>Neighborhoods</a:t>
+            </a:r>
+          </a:p>
+        </p:txBody>
+      </p:sp>
+      <p:sp>
+        <p:nvSpPr>
+          <p:cNvPr id="11" name="Content Placeholder 10">
+            <a:extLst>
+              <a:ext uri="{FF2B5EF4-FFF2-40B4-BE49-F238E27FC236}">
+                <a16:creationId xmlns:a16="http://schemas.microsoft.com/office/drawing/2014/main" id="{ECF19495-D46C-B566-020C-49AD96F38C4D}"/>
+              </a:ext>
+            </a:extLst>
+          </p:cNvPr>
+          <p:cNvSpPr>
+            <a:spLocks noGrp="1"/>
+          </p:cNvSpPr>
+          <p:nvPr>
+            <p:ph sz="half" idx="2"/>
+          </p:nvPr>
+        </p:nvSpPr>
+        <p:spPr/>
+        <p:txBody>
+          <a:bodyPr/>
+          <a:lstStyle/>
+          <a:p>
+            <a:r>
+              <a:rPr lang="en-US" altLang="en-US" dirty="0">
+                <a:solidFill>
+                  <a:srgbClr val="000000"/>
+                </a:solidFill>
+                <a:latin typeface="Courier New" panose="02070309020205020404" pitchFamily="49" charset="0"/>
+                <a:cs typeface="Courier New" panose="02070309020205020404" pitchFamily="49" charset="0"/>
+              </a:rPr>
+              <a:t>The r-squared is:</a:t>
+            </a:r>
+            <a:r>
+              <a:rPr kumimoji="0" lang="en-US" altLang="en-US" sz="2000" b="0" i="0" u="none" strike="noStrike" cap="none" normalizeH="0" baseline="0" dirty="0">
+                <a:ln>
+                  <a:noFill/>
+                </a:ln>
+                <a:solidFill>
+                  <a:srgbClr val="000000"/>
+                </a:solidFill>
+                <a:effectLst/>
+                <a:latin typeface="Courier New" panose="02070309020205020404" pitchFamily="49" charset="0"/>
+                <a:cs typeface="Courier New" panose="02070309020205020404" pitchFamily="49" charset="0"/>
+              </a:rPr>
+              <a:t> 12%</a:t>
+            </a:r>
+            <a:endParaRPr lang="en-US" altLang="en-US" dirty="0">
+              <a:solidFill>
+                <a:srgbClr val="000000"/>
+              </a:solidFill>
+              <a:latin typeface="Courier New" panose="02070309020205020404" pitchFamily="49" charset="0"/>
+              <a:cs typeface="Courier New" panose="02070309020205020404" pitchFamily="49" charset="0"/>
+            </a:endParaRPr>
+          </a:p>
+          <a:p>
+            <a:endParaRPr lang="en-CA" dirty="0"/>
+          </a:p>
+        </p:txBody>
+      </p:sp>
+      <p:sp>
+        <p:nvSpPr>
+          <p:cNvPr id="8" name="Rectangle 1">
+            <a:extLst>
+              <a:ext uri="{FF2B5EF4-FFF2-40B4-BE49-F238E27FC236}">
+                <a16:creationId xmlns:a16="http://schemas.microsoft.com/office/drawing/2014/main" id="{F1410BBA-68AE-34B0-2D8A-0C5BC109D97B}"/>
               </a:ext>
             </a:extLst>
           </p:cNvPr>
@@ -6498,6 +6375,485 @@
       </p:sp>
       <p:pic>
         <p:nvPicPr>
+          <p:cNvPr id="6" name="Content Placeholder 5">
+            <a:extLst>
+              <a:ext uri="{FF2B5EF4-FFF2-40B4-BE49-F238E27FC236}">
+                <a16:creationId xmlns:a16="http://schemas.microsoft.com/office/drawing/2014/main" id="{BB238F39-3F34-3289-8FDD-AF65B356FDEA}"/>
+              </a:ext>
+            </a:extLst>
+          </p:cNvPr>
+          <p:cNvPicPr>
+            <a:picLocks noGrp="1" noChangeAspect="1"/>
+          </p:cNvPicPr>
+          <p:nvPr>
+            <p:ph sz="quarter" idx="4"/>
+          </p:nvPr>
+        </p:nvPicPr>
+        <p:blipFill>
+          <a:blip r:embed="rId2"/>
+          <a:stretch>
+            <a:fillRect/>
+          </a:stretch>
+        </p:blipFill>
+        <p:spPr>
+          <a:xfrm>
+            <a:off x="5522886" y="2405575"/>
+            <a:ext cx="6192863" cy="4128576"/>
+          </a:xfrm>
+        </p:spPr>
+      </p:pic>
+      <p:sp>
+        <p:nvSpPr>
+          <p:cNvPr id="9" name="Rectangle 1">
+            <a:extLst>
+              <a:ext uri="{FF2B5EF4-FFF2-40B4-BE49-F238E27FC236}">
+                <a16:creationId xmlns:a16="http://schemas.microsoft.com/office/drawing/2014/main" id="{7F9B93F6-954F-0114-383C-EC5B33B7FD28}"/>
+              </a:ext>
+            </a:extLst>
+          </p:cNvPr>
+          <p:cNvSpPr>
+            <a:spLocks noChangeArrowheads="1"/>
+          </p:cNvSpPr>
+          <p:nvPr/>
+        </p:nvSpPr>
+        <p:spPr bwMode="auto">
+          <a:xfrm>
+            <a:off x="0" y="167044"/>
+            <a:ext cx="25648" cy="123111"/>
+          </a:xfrm>
+          <a:prstGeom prst="rect">
+            <a:avLst/>
+          </a:prstGeom>
+          <a:solidFill>
+            <a:srgbClr val="FFFFFF"/>
+          </a:solidFill>
+          <a:ln>
+            <a:noFill/>
+          </a:ln>
+          <a:effectLst/>
+          <a:extLst>
+            <a:ext uri="{91240B29-F687-4F45-9708-019B960494DF}">
+              <a14:hiddenLine xmlns:a14="http://schemas.microsoft.com/office/drawing/2010/main" w="9525">
+                <a:solidFill>
+                  <a:schemeClr val="tx1"/>
+                </a:solidFill>
+                <a:miter lim="800000"/>
+                <a:headEnd/>
+                <a:tailEnd/>
+              </a14:hiddenLine>
+            </a:ext>
+            <a:ext uri="{AF507438-7753-43E0-B8FC-AC1667EBCBE1}">
+              <a14:hiddenEffects xmlns:a14="http://schemas.microsoft.com/office/drawing/2010/main">
+                <a:effectLst>
+                  <a:outerShdw dist="35921" dir="2700000" algn="ctr" rotWithShape="0">
+                    <a:schemeClr val="bg2"/>
+                  </a:outerShdw>
+                </a:effectLst>
+              </a14:hiddenEffects>
+            </a:ext>
+          </a:extLst>
+        </p:spPr>
+        <p:txBody>
+          <a:bodyPr vert="horz" wrap="none" lIns="0" tIns="0" rIns="0" bIns="0" numCol="1" anchor="ctr" anchorCtr="0" compatLnSpc="1">
+            <a:prstTxWarp prst="textNoShape">
+              <a:avLst/>
+            </a:prstTxWarp>
+            <a:spAutoFit/>
+          </a:bodyPr>
+          <a:lstStyle/>
+          <a:p>
+            <a:pPr marL="0" marR="0" lvl="0" indent="0" algn="l" defTabSz="914400" rtl="0" eaLnBrk="0" fontAlgn="base" latinLnBrk="0" hangingPunct="0">
+              <a:lnSpc>
+                <a:spcPct val="100000"/>
+              </a:lnSpc>
+              <a:spcBef>
+                <a:spcPct val="0"/>
+              </a:spcBef>
+              <a:spcAft>
+                <a:spcPct val="0"/>
+              </a:spcAft>
+              <a:buClrTx/>
+              <a:buSzTx/>
+              <a:buFontTx/>
+              <a:buNone/>
+              <a:tabLst/>
+            </a:pPr>
+            <a:r>
+              <a:rPr kumimoji="0" lang="en-US" altLang="en-US" sz="800" b="0" i="0" u="none" strike="noStrike" cap="none" normalizeH="0" baseline="0" dirty="0">
+                <a:ln>
+                  <a:noFill/>
+                </a:ln>
+                <a:solidFill>
+                  <a:schemeClr val="tx1"/>
+                </a:solidFill>
+                <a:effectLst/>
+              </a:rPr>
+              <a:t> </a:t>
+            </a:r>
+            <a:endParaRPr kumimoji="0" lang="en-US" altLang="en-US" sz="1800" b="0" i="0" u="none" strike="noStrike" cap="none" normalizeH="0" baseline="0" dirty="0">
+              <a:ln>
+                <a:noFill/>
+              </a:ln>
+              <a:solidFill>
+                <a:schemeClr val="tx1"/>
+              </a:solidFill>
+              <a:effectLst/>
+              <a:latin typeface="Arial" panose="020B0604020202020204" pitchFamily="34" charset="0"/>
+            </a:endParaRPr>
+          </a:p>
+        </p:txBody>
+      </p:sp>
+    </p:spTree>
+    <p:extLst>
+      <p:ext uri="{BB962C8B-B14F-4D97-AF65-F5344CB8AC3E}">
+        <p14:creationId xmlns:p14="http://schemas.microsoft.com/office/powerpoint/2010/main" val="796000082"/>
+      </p:ext>
+    </p:extLst>
+  </p:cSld>
+  <p:clrMapOvr>
+    <a:masterClrMapping/>
+  </p:clrMapOvr>
+</p:sld>
+</file>
+
+<file path=ppt/slides/slide25.xml><?xml version="1.0" encoding="utf-8"?>
+<p:sld xmlns:a="http://schemas.openxmlformats.org/drawingml/2006/main" xmlns:r="http://schemas.openxmlformats.org/officeDocument/2006/relationships" xmlns:p="http://schemas.openxmlformats.org/presentationml/2006/main">
+  <p:cSld>
+    <p:spTree>
+      <p:nvGrpSpPr>
+        <p:cNvPr id="1" name=""/>
+        <p:cNvGrpSpPr/>
+        <p:nvPr/>
+      </p:nvGrpSpPr>
+      <p:grpSpPr>
+        <a:xfrm>
+          <a:off x="0" y="0"/>
+          <a:ext cx="0" cy="0"/>
+          <a:chOff x="0" y="0"/>
+          <a:chExt cx="0" cy="0"/>
+        </a:xfrm>
+      </p:grpSpPr>
+      <p:sp>
+        <p:nvSpPr>
+          <p:cNvPr id="2" name="Title 1">
+            <a:extLst>
+              <a:ext uri="{FF2B5EF4-FFF2-40B4-BE49-F238E27FC236}">
+                <a16:creationId xmlns:a16="http://schemas.microsoft.com/office/drawing/2014/main" id="{F70752FB-0749-6E73-214D-0BCABBD3272C}"/>
+              </a:ext>
+            </a:extLst>
+          </p:cNvPr>
+          <p:cNvSpPr>
+            <a:spLocks noGrp="1"/>
+          </p:cNvSpPr>
+          <p:nvPr>
+            <p:ph type="title"/>
+          </p:nvPr>
+        </p:nvSpPr>
+        <p:spPr/>
+        <p:txBody>
+          <a:bodyPr/>
+          <a:lstStyle/>
+          <a:p>
+            <a:r>
+              <a:rPr lang="en-CA" dirty="0"/>
+              <a:t>Regression Analysis for 5 Most Safe </a:t>
+            </a:r>
+            <a:br>
+              <a:rPr lang="en-CA" dirty="0"/>
+            </a:br>
+            <a:r>
+              <a:rPr lang="en-CA" dirty="0"/>
+              <a:t>Neighborhoods</a:t>
+            </a:r>
+          </a:p>
+        </p:txBody>
+      </p:sp>
+      <p:sp>
+        <p:nvSpPr>
+          <p:cNvPr id="11" name="Content Placeholder 10">
+            <a:extLst>
+              <a:ext uri="{FF2B5EF4-FFF2-40B4-BE49-F238E27FC236}">
+                <a16:creationId xmlns:a16="http://schemas.microsoft.com/office/drawing/2014/main" id="{ECF19495-D46C-B566-020C-49AD96F38C4D}"/>
+              </a:ext>
+            </a:extLst>
+          </p:cNvPr>
+          <p:cNvSpPr>
+            <a:spLocks noGrp="1"/>
+          </p:cNvSpPr>
+          <p:nvPr>
+            <p:ph sz="half" idx="2"/>
+          </p:nvPr>
+        </p:nvSpPr>
+        <p:spPr/>
+        <p:txBody>
+          <a:bodyPr/>
+          <a:lstStyle/>
+          <a:p>
+            <a:r>
+              <a:rPr lang="en-US" altLang="en-US" dirty="0">
+                <a:solidFill>
+                  <a:srgbClr val="000000"/>
+                </a:solidFill>
+                <a:latin typeface="Courier New" panose="02070309020205020404" pitchFamily="49" charset="0"/>
+                <a:cs typeface="Courier New" panose="02070309020205020404" pitchFamily="49" charset="0"/>
+              </a:rPr>
+              <a:t>The r-squared is:</a:t>
+            </a:r>
+            <a:r>
+              <a:rPr kumimoji="0" lang="en-US" altLang="en-US" sz="2000" b="0" i="0" u="none" strike="noStrike" cap="none" normalizeH="0" baseline="0" dirty="0">
+                <a:ln>
+                  <a:noFill/>
+                </a:ln>
+                <a:solidFill>
+                  <a:srgbClr val="000000"/>
+                </a:solidFill>
+                <a:effectLst/>
+                <a:latin typeface="Courier New" panose="02070309020205020404" pitchFamily="49" charset="0"/>
+                <a:cs typeface="Courier New" panose="02070309020205020404" pitchFamily="49" charset="0"/>
+              </a:rPr>
+              <a:t> 0.00%</a:t>
+            </a:r>
+            <a:r>
+              <a:rPr kumimoji="0" lang="en-US" altLang="en-US" sz="1600" b="0" i="0" u="none" strike="noStrike" cap="none" normalizeH="0" baseline="0" dirty="0">
+                <a:ln>
+                  <a:noFill/>
+                </a:ln>
+                <a:solidFill>
+                  <a:schemeClr val="tx1"/>
+                </a:solidFill>
+                <a:effectLst/>
+              </a:rPr>
+              <a:t> </a:t>
+            </a:r>
+            <a:endParaRPr kumimoji="0" lang="en-US" altLang="en-US" sz="4400" b="0" i="0" u="none" strike="noStrike" cap="none" normalizeH="0" baseline="0" dirty="0">
+              <a:ln>
+                <a:noFill/>
+              </a:ln>
+              <a:solidFill>
+                <a:schemeClr val="tx1"/>
+              </a:solidFill>
+              <a:effectLst/>
+              <a:latin typeface="Arial" panose="020B0604020202020204" pitchFamily="34" charset="0"/>
+            </a:endParaRPr>
+          </a:p>
+          <a:p>
+            <a:endParaRPr lang="en-US" altLang="en-US" dirty="0">
+              <a:solidFill>
+                <a:srgbClr val="000000"/>
+              </a:solidFill>
+              <a:latin typeface="Courier New" panose="02070309020205020404" pitchFamily="49" charset="0"/>
+              <a:cs typeface="Courier New" panose="02070309020205020404" pitchFamily="49" charset="0"/>
+            </a:endParaRPr>
+          </a:p>
+          <a:p>
+            <a:endParaRPr lang="en-CA" dirty="0"/>
+          </a:p>
+        </p:txBody>
+      </p:sp>
+      <p:sp>
+        <p:nvSpPr>
+          <p:cNvPr id="8" name="Rectangle 1">
+            <a:extLst>
+              <a:ext uri="{FF2B5EF4-FFF2-40B4-BE49-F238E27FC236}">
+                <a16:creationId xmlns:a16="http://schemas.microsoft.com/office/drawing/2014/main" id="{F1410BBA-68AE-34B0-2D8A-0C5BC109D97B}"/>
+              </a:ext>
+            </a:extLst>
+          </p:cNvPr>
+          <p:cNvSpPr>
+            <a:spLocks noChangeArrowheads="1"/>
+          </p:cNvSpPr>
+          <p:nvPr/>
+        </p:nvSpPr>
+        <p:spPr bwMode="auto">
+          <a:xfrm>
+            <a:off x="0" y="167044"/>
+            <a:ext cx="25648" cy="123111"/>
+          </a:xfrm>
+          <a:prstGeom prst="rect">
+            <a:avLst/>
+          </a:prstGeom>
+          <a:solidFill>
+            <a:srgbClr val="FFFFFF"/>
+          </a:solidFill>
+          <a:ln>
+            <a:noFill/>
+          </a:ln>
+          <a:effectLst/>
+          <a:extLst>
+            <a:ext uri="{91240B29-F687-4F45-9708-019B960494DF}">
+              <a14:hiddenLine xmlns:a14="http://schemas.microsoft.com/office/drawing/2010/main" w="9525">
+                <a:solidFill>
+                  <a:schemeClr val="tx1"/>
+                </a:solidFill>
+                <a:miter lim="800000"/>
+                <a:headEnd/>
+                <a:tailEnd/>
+              </a14:hiddenLine>
+            </a:ext>
+            <a:ext uri="{AF507438-7753-43E0-B8FC-AC1667EBCBE1}">
+              <a14:hiddenEffects xmlns:a14="http://schemas.microsoft.com/office/drawing/2010/main">
+                <a:effectLst>
+                  <a:outerShdw dist="35921" dir="2700000" algn="ctr" rotWithShape="0">
+                    <a:schemeClr val="bg2"/>
+                  </a:outerShdw>
+                </a:effectLst>
+              </a14:hiddenEffects>
+            </a:ext>
+          </a:extLst>
+        </p:spPr>
+        <p:txBody>
+          <a:bodyPr vert="horz" wrap="none" lIns="0" tIns="0" rIns="0" bIns="0" numCol="1" anchor="ctr" anchorCtr="0" compatLnSpc="1">
+            <a:prstTxWarp prst="textNoShape">
+              <a:avLst/>
+            </a:prstTxWarp>
+            <a:spAutoFit/>
+          </a:bodyPr>
+          <a:lstStyle/>
+          <a:p>
+            <a:pPr marL="0" marR="0" lvl="0" indent="0" algn="l" defTabSz="914400" rtl="0" eaLnBrk="0" fontAlgn="base" latinLnBrk="0" hangingPunct="0">
+              <a:lnSpc>
+                <a:spcPct val="100000"/>
+              </a:lnSpc>
+              <a:spcBef>
+                <a:spcPct val="0"/>
+              </a:spcBef>
+              <a:spcAft>
+                <a:spcPct val="0"/>
+              </a:spcAft>
+              <a:buClrTx/>
+              <a:buSzTx/>
+              <a:buFontTx/>
+              <a:buNone/>
+              <a:tabLst/>
+            </a:pPr>
+            <a:r>
+              <a:rPr kumimoji="0" lang="en-US" altLang="en-US" sz="800" b="0" i="0" u="none" strike="noStrike" cap="none" normalizeH="0" baseline="0" dirty="0">
+                <a:ln>
+                  <a:noFill/>
+                </a:ln>
+                <a:solidFill>
+                  <a:schemeClr val="tx1"/>
+                </a:solidFill>
+                <a:effectLst/>
+              </a:rPr>
+              <a:t> </a:t>
+            </a:r>
+            <a:endParaRPr kumimoji="0" lang="en-US" altLang="en-US" sz="1800" b="0" i="0" u="none" strike="noStrike" cap="none" normalizeH="0" baseline="0" dirty="0">
+              <a:ln>
+                <a:noFill/>
+              </a:ln>
+              <a:solidFill>
+                <a:schemeClr val="tx1"/>
+              </a:solidFill>
+              <a:effectLst/>
+              <a:latin typeface="Arial" panose="020B0604020202020204" pitchFamily="34" charset="0"/>
+            </a:endParaRPr>
+          </a:p>
+        </p:txBody>
+      </p:sp>
+      <p:sp>
+        <p:nvSpPr>
+          <p:cNvPr id="9" name="Rectangle 1">
+            <a:extLst>
+              <a:ext uri="{FF2B5EF4-FFF2-40B4-BE49-F238E27FC236}">
+                <a16:creationId xmlns:a16="http://schemas.microsoft.com/office/drawing/2014/main" id="{7F9B93F6-954F-0114-383C-EC5B33B7FD28}"/>
+              </a:ext>
+            </a:extLst>
+          </p:cNvPr>
+          <p:cNvSpPr>
+            <a:spLocks noChangeArrowheads="1"/>
+          </p:cNvSpPr>
+          <p:nvPr/>
+        </p:nvSpPr>
+        <p:spPr bwMode="auto">
+          <a:xfrm>
+            <a:off x="0" y="167044"/>
+            <a:ext cx="25648" cy="123111"/>
+          </a:xfrm>
+          <a:prstGeom prst="rect">
+            <a:avLst/>
+          </a:prstGeom>
+          <a:solidFill>
+            <a:srgbClr val="FFFFFF"/>
+          </a:solidFill>
+          <a:ln>
+            <a:noFill/>
+          </a:ln>
+          <a:effectLst/>
+          <a:extLst>
+            <a:ext uri="{91240B29-F687-4F45-9708-019B960494DF}">
+              <a14:hiddenLine xmlns:a14="http://schemas.microsoft.com/office/drawing/2010/main" w="9525">
+                <a:solidFill>
+                  <a:schemeClr val="tx1"/>
+                </a:solidFill>
+                <a:miter lim="800000"/>
+                <a:headEnd/>
+                <a:tailEnd/>
+              </a14:hiddenLine>
+            </a:ext>
+            <a:ext uri="{AF507438-7753-43E0-B8FC-AC1667EBCBE1}">
+              <a14:hiddenEffects xmlns:a14="http://schemas.microsoft.com/office/drawing/2010/main">
+                <a:effectLst>
+                  <a:outerShdw dist="35921" dir="2700000" algn="ctr" rotWithShape="0">
+                    <a:schemeClr val="bg2"/>
+                  </a:outerShdw>
+                </a:effectLst>
+              </a14:hiddenEffects>
+            </a:ext>
+          </a:extLst>
+        </p:spPr>
+        <p:txBody>
+          <a:bodyPr vert="horz" wrap="none" lIns="0" tIns="0" rIns="0" bIns="0" numCol="1" anchor="ctr" anchorCtr="0" compatLnSpc="1">
+            <a:prstTxWarp prst="textNoShape">
+              <a:avLst/>
+            </a:prstTxWarp>
+            <a:spAutoFit/>
+          </a:bodyPr>
+          <a:lstStyle/>
+          <a:p>
+            <a:pPr marL="0" marR="0" lvl="0" indent="0" algn="l" defTabSz="914400" rtl="0" eaLnBrk="0" fontAlgn="base" latinLnBrk="0" hangingPunct="0">
+              <a:lnSpc>
+                <a:spcPct val="100000"/>
+              </a:lnSpc>
+              <a:spcBef>
+                <a:spcPct val="0"/>
+              </a:spcBef>
+              <a:spcAft>
+                <a:spcPct val="0"/>
+              </a:spcAft>
+              <a:buClrTx/>
+              <a:buSzTx/>
+              <a:buFontTx/>
+              <a:buNone/>
+              <a:tabLst/>
+            </a:pPr>
+            <a:r>
+              <a:rPr kumimoji="0" lang="en-US" altLang="en-US" sz="800" b="0" i="0" u="none" strike="noStrike" cap="none" normalizeH="0" baseline="0" dirty="0">
+                <a:ln>
+                  <a:noFill/>
+                </a:ln>
+                <a:solidFill>
+                  <a:schemeClr val="tx1"/>
+                </a:solidFill>
+                <a:effectLst/>
+              </a:rPr>
+              <a:t> </a:t>
+            </a:r>
+            <a:endParaRPr kumimoji="0" lang="en-US" altLang="en-US" sz="1800" b="0" i="0" u="none" strike="noStrike" cap="none" normalizeH="0" baseline="0" dirty="0">
+              <a:ln>
+                <a:noFill/>
+              </a:ln>
+              <a:solidFill>
+                <a:schemeClr val="tx1"/>
+              </a:solidFill>
+              <a:effectLst/>
+              <a:latin typeface="Arial" panose="020B0604020202020204" pitchFamily="34" charset="0"/>
+            </a:endParaRPr>
+          </a:p>
+        </p:txBody>
+      </p:sp>
+      <p:pic>
+        <p:nvPicPr>
           <p:cNvPr id="7" name="Content Placeholder 6">
             <a:extLst>
               <a:ext uri="{FF2B5EF4-FFF2-40B4-BE49-F238E27FC236}">
@@ -6520,8 +6876,8 @@
         </p:blipFill>
         <p:spPr>
           <a:xfrm>
-            <a:off x="5429251" y="2171700"/>
-            <a:ext cx="5543549" cy="3695700"/>
+            <a:off x="5769308" y="2433711"/>
+            <a:ext cx="6150659" cy="4100440"/>
           </a:xfrm>
         </p:spPr>
       </p:pic>
@@ -6627,7 +6983,7 @@
 </p:sld>
 </file>
 
-<file path=ppt/slides/slide24.xml><?xml version="1.0" encoding="utf-8"?>
+<file path=ppt/slides/slide26.xml><?xml version="1.0" encoding="utf-8"?>
 <p:sld xmlns:a="http://schemas.openxmlformats.org/drawingml/2006/main" xmlns:r="http://schemas.openxmlformats.org/officeDocument/2006/relationships" xmlns:p="http://schemas.openxmlformats.org/presentationml/2006/main">
   <p:cSld>
     <p:spTree>
@@ -6722,7 +7078,7 @@
                 <a:latin typeface="Courier New" panose="02070309020205020404" pitchFamily="49" charset="0"/>
                 <a:cs typeface="Courier New" panose="02070309020205020404" pitchFamily="49" charset="0"/>
               </a:rPr>
-              <a:t> 0.7995406542457283</a:t>
+              <a:t> 80%</a:t>
             </a:r>
             <a:endParaRPr lang="en-US" altLang="en-US" dirty="0">
               <a:solidFill>
@@ -6963,7 +7319,7 @@
         </p:blipFill>
         <p:spPr>
           <a:xfrm>
-            <a:off x="4968082" y="2066925"/>
+            <a:off x="6172200" y="2686065"/>
             <a:ext cx="5700712" cy="3800475"/>
           </a:xfrm>
         </p:spPr>
@@ -6972,1017 +7328,6 @@
     <p:extLst>
       <p:ext uri="{BB962C8B-B14F-4D97-AF65-F5344CB8AC3E}">
         <p14:creationId xmlns:p14="http://schemas.microsoft.com/office/powerpoint/2010/main" val="3999085395"/>
-      </p:ext>
-    </p:extLst>
-  </p:cSld>
-  <p:clrMapOvr>
-    <a:masterClrMapping/>
-  </p:clrMapOvr>
-</p:sld>
-</file>
-
-<file path=ppt/slides/slide25.xml><?xml version="1.0" encoding="utf-8"?>
-<p:sld xmlns:a="http://schemas.openxmlformats.org/drawingml/2006/main" xmlns:r="http://schemas.openxmlformats.org/officeDocument/2006/relationships" xmlns:p="http://schemas.openxmlformats.org/presentationml/2006/main">
-  <p:cSld>
-    <p:spTree>
-      <p:nvGrpSpPr>
-        <p:cNvPr id="1" name=""/>
-        <p:cNvGrpSpPr/>
-        <p:nvPr/>
-      </p:nvGrpSpPr>
-      <p:grpSpPr>
-        <a:xfrm>
-          <a:off x="0" y="0"/>
-          <a:ext cx="0" cy="0"/>
-          <a:chOff x="0" y="0"/>
-          <a:chExt cx="0" cy="0"/>
-        </a:xfrm>
-      </p:grpSpPr>
-      <p:sp>
-        <p:nvSpPr>
-          <p:cNvPr id="2" name="Title 1">
-            <a:extLst>
-              <a:ext uri="{FF2B5EF4-FFF2-40B4-BE49-F238E27FC236}">
-                <a16:creationId xmlns:a16="http://schemas.microsoft.com/office/drawing/2014/main" id="{F70752FB-0749-6E73-214D-0BCABBD3272C}"/>
-              </a:ext>
-            </a:extLst>
-          </p:cNvPr>
-          <p:cNvSpPr>
-            <a:spLocks noGrp="1"/>
-          </p:cNvSpPr>
-          <p:nvPr>
-            <p:ph type="title"/>
-          </p:nvPr>
-        </p:nvSpPr>
-        <p:spPr/>
-        <p:txBody>
-          <a:bodyPr/>
-          <a:lstStyle/>
-          <a:p>
-            <a:r>
-              <a:rPr lang="en-CA" dirty="0"/>
-              <a:t>Regression Analysis for 5 Most Safe </a:t>
-            </a:r>
-            <a:br>
-              <a:rPr lang="en-CA" dirty="0"/>
-            </a:br>
-            <a:r>
-              <a:rPr lang="en-CA" dirty="0"/>
-              <a:t>Neighborhoods</a:t>
-            </a:r>
-          </a:p>
-        </p:txBody>
-      </p:sp>
-      <p:sp>
-        <p:nvSpPr>
-          <p:cNvPr id="11" name="Content Placeholder 10">
-            <a:extLst>
-              <a:ext uri="{FF2B5EF4-FFF2-40B4-BE49-F238E27FC236}">
-                <a16:creationId xmlns:a16="http://schemas.microsoft.com/office/drawing/2014/main" id="{ECF19495-D46C-B566-020C-49AD96F38C4D}"/>
-              </a:ext>
-            </a:extLst>
-          </p:cNvPr>
-          <p:cNvSpPr>
-            <a:spLocks noGrp="1"/>
-          </p:cNvSpPr>
-          <p:nvPr>
-            <p:ph sz="half" idx="2"/>
-          </p:nvPr>
-        </p:nvSpPr>
-        <p:spPr/>
-        <p:txBody>
-          <a:bodyPr/>
-          <a:lstStyle/>
-          <a:p>
-            <a:r>
-              <a:rPr lang="en-US" altLang="en-US" dirty="0">
-                <a:solidFill>
-                  <a:srgbClr val="000000"/>
-                </a:solidFill>
-                <a:latin typeface="Courier New" panose="02070309020205020404" pitchFamily="49" charset="0"/>
-                <a:cs typeface="Courier New" panose="02070309020205020404" pitchFamily="49" charset="0"/>
-              </a:rPr>
-              <a:t>The r-squared is:</a:t>
-            </a:r>
-            <a:r>
-              <a:rPr kumimoji="0" lang="en-US" altLang="en-US" sz="2000" b="0" i="0" u="none" strike="noStrike" cap="none" normalizeH="0" baseline="0" dirty="0">
-                <a:ln>
-                  <a:noFill/>
-                </a:ln>
-                <a:solidFill>
-                  <a:srgbClr val="000000"/>
-                </a:solidFill>
-                <a:effectLst/>
-                <a:latin typeface="Courier New" panose="02070309020205020404" pitchFamily="49" charset="0"/>
-                <a:cs typeface="Courier New" panose="02070309020205020404" pitchFamily="49" charset="0"/>
-              </a:rPr>
-              <a:t> 0.6169964168873656</a:t>
-            </a:r>
-            <a:endParaRPr lang="en-US" altLang="en-US" dirty="0">
-              <a:solidFill>
-                <a:srgbClr val="000000"/>
-              </a:solidFill>
-              <a:latin typeface="Courier New" panose="02070309020205020404" pitchFamily="49" charset="0"/>
-              <a:cs typeface="Courier New" panose="02070309020205020404" pitchFamily="49" charset="0"/>
-            </a:endParaRPr>
-          </a:p>
-          <a:p>
-            <a:endParaRPr lang="en-CA" dirty="0"/>
-          </a:p>
-        </p:txBody>
-      </p:sp>
-      <p:sp>
-        <p:nvSpPr>
-          <p:cNvPr id="8" name="Rectangle 1">
-            <a:extLst>
-              <a:ext uri="{FF2B5EF4-FFF2-40B4-BE49-F238E27FC236}">
-                <a16:creationId xmlns:a16="http://schemas.microsoft.com/office/drawing/2014/main" id="{F1410BBA-68AE-34B0-2D8A-0C5BC109D97B}"/>
-              </a:ext>
-            </a:extLst>
-          </p:cNvPr>
-          <p:cNvSpPr>
-            <a:spLocks noChangeArrowheads="1"/>
-          </p:cNvSpPr>
-          <p:nvPr/>
-        </p:nvSpPr>
-        <p:spPr bwMode="auto">
-          <a:xfrm>
-            <a:off x="0" y="167044"/>
-            <a:ext cx="25648" cy="123111"/>
-          </a:xfrm>
-          <a:prstGeom prst="rect">
-            <a:avLst/>
-          </a:prstGeom>
-          <a:solidFill>
-            <a:srgbClr val="FFFFFF"/>
-          </a:solidFill>
-          <a:ln>
-            <a:noFill/>
-          </a:ln>
-          <a:effectLst/>
-          <a:extLst>
-            <a:ext uri="{91240B29-F687-4F45-9708-019B960494DF}">
-              <a14:hiddenLine xmlns:a14="http://schemas.microsoft.com/office/drawing/2010/main" w="9525">
-                <a:solidFill>
-                  <a:schemeClr val="tx1"/>
-                </a:solidFill>
-                <a:miter lim="800000"/>
-                <a:headEnd/>
-                <a:tailEnd/>
-              </a14:hiddenLine>
-            </a:ext>
-            <a:ext uri="{AF507438-7753-43E0-B8FC-AC1667EBCBE1}">
-              <a14:hiddenEffects xmlns:a14="http://schemas.microsoft.com/office/drawing/2010/main">
-                <a:effectLst>
-                  <a:outerShdw dist="35921" dir="2700000" algn="ctr" rotWithShape="0">
-                    <a:schemeClr val="bg2"/>
-                  </a:outerShdw>
-                </a:effectLst>
-              </a14:hiddenEffects>
-            </a:ext>
-          </a:extLst>
-        </p:spPr>
-        <p:txBody>
-          <a:bodyPr vert="horz" wrap="none" lIns="0" tIns="0" rIns="0" bIns="0" numCol="1" anchor="ctr" anchorCtr="0" compatLnSpc="1">
-            <a:prstTxWarp prst="textNoShape">
-              <a:avLst/>
-            </a:prstTxWarp>
-            <a:spAutoFit/>
-          </a:bodyPr>
-          <a:lstStyle/>
-          <a:p>
-            <a:pPr marL="0" marR="0" lvl="0" indent="0" algn="l" defTabSz="914400" rtl="0" eaLnBrk="0" fontAlgn="base" latinLnBrk="0" hangingPunct="0">
-              <a:lnSpc>
-                <a:spcPct val="100000"/>
-              </a:lnSpc>
-              <a:spcBef>
-                <a:spcPct val="0"/>
-              </a:spcBef>
-              <a:spcAft>
-                <a:spcPct val="0"/>
-              </a:spcAft>
-              <a:buClrTx/>
-              <a:buSzTx/>
-              <a:buFontTx/>
-              <a:buNone/>
-              <a:tabLst/>
-            </a:pPr>
-            <a:r>
-              <a:rPr kumimoji="0" lang="en-US" altLang="en-US" sz="800" b="0" i="0" u="none" strike="noStrike" cap="none" normalizeH="0" baseline="0" dirty="0">
-                <a:ln>
-                  <a:noFill/>
-                </a:ln>
-                <a:solidFill>
-                  <a:schemeClr val="tx1"/>
-                </a:solidFill>
-                <a:effectLst/>
-              </a:rPr>
-              <a:t> </a:t>
-            </a:r>
-            <a:endParaRPr kumimoji="0" lang="en-US" altLang="en-US" sz="1800" b="0" i="0" u="none" strike="noStrike" cap="none" normalizeH="0" baseline="0" dirty="0">
-              <a:ln>
-                <a:noFill/>
-              </a:ln>
-              <a:solidFill>
-                <a:schemeClr val="tx1"/>
-              </a:solidFill>
-              <a:effectLst/>
-              <a:latin typeface="Arial" panose="020B0604020202020204" pitchFamily="34" charset="0"/>
-            </a:endParaRPr>
-          </a:p>
-        </p:txBody>
-      </p:sp>
-      <p:sp>
-        <p:nvSpPr>
-          <p:cNvPr id="9" name="Rectangle 1">
-            <a:extLst>
-              <a:ext uri="{FF2B5EF4-FFF2-40B4-BE49-F238E27FC236}">
-                <a16:creationId xmlns:a16="http://schemas.microsoft.com/office/drawing/2014/main" id="{7F9B93F6-954F-0114-383C-EC5B33B7FD28}"/>
-              </a:ext>
-            </a:extLst>
-          </p:cNvPr>
-          <p:cNvSpPr>
-            <a:spLocks noChangeArrowheads="1"/>
-          </p:cNvSpPr>
-          <p:nvPr/>
-        </p:nvSpPr>
-        <p:spPr bwMode="auto">
-          <a:xfrm>
-            <a:off x="0" y="167044"/>
-            <a:ext cx="25648" cy="123111"/>
-          </a:xfrm>
-          <a:prstGeom prst="rect">
-            <a:avLst/>
-          </a:prstGeom>
-          <a:solidFill>
-            <a:srgbClr val="FFFFFF"/>
-          </a:solidFill>
-          <a:ln>
-            <a:noFill/>
-          </a:ln>
-          <a:effectLst/>
-          <a:extLst>
-            <a:ext uri="{91240B29-F687-4F45-9708-019B960494DF}">
-              <a14:hiddenLine xmlns:a14="http://schemas.microsoft.com/office/drawing/2010/main" w="9525">
-                <a:solidFill>
-                  <a:schemeClr val="tx1"/>
-                </a:solidFill>
-                <a:miter lim="800000"/>
-                <a:headEnd/>
-                <a:tailEnd/>
-              </a14:hiddenLine>
-            </a:ext>
-            <a:ext uri="{AF507438-7753-43E0-B8FC-AC1667EBCBE1}">
-              <a14:hiddenEffects xmlns:a14="http://schemas.microsoft.com/office/drawing/2010/main">
-                <a:effectLst>
-                  <a:outerShdw dist="35921" dir="2700000" algn="ctr" rotWithShape="0">
-                    <a:schemeClr val="bg2"/>
-                  </a:outerShdw>
-                </a:effectLst>
-              </a14:hiddenEffects>
-            </a:ext>
-          </a:extLst>
-        </p:spPr>
-        <p:txBody>
-          <a:bodyPr vert="horz" wrap="none" lIns="0" tIns="0" rIns="0" bIns="0" numCol="1" anchor="ctr" anchorCtr="0" compatLnSpc="1">
-            <a:prstTxWarp prst="textNoShape">
-              <a:avLst/>
-            </a:prstTxWarp>
-            <a:spAutoFit/>
-          </a:bodyPr>
-          <a:lstStyle/>
-          <a:p>
-            <a:pPr marL="0" marR="0" lvl="0" indent="0" algn="l" defTabSz="914400" rtl="0" eaLnBrk="0" fontAlgn="base" latinLnBrk="0" hangingPunct="0">
-              <a:lnSpc>
-                <a:spcPct val="100000"/>
-              </a:lnSpc>
-              <a:spcBef>
-                <a:spcPct val="0"/>
-              </a:spcBef>
-              <a:spcAft>
-                <a:spcPct val="0"/>
-              </a:spcAft>
-              <a:buClrTx/>
-              <a:buSzTx/>
-              <a:buFontTx/>
-              <a:buNone/>
-              <a:tabLst/>
-            </a:pPr>
-            <a:r>
-              <a:rPr kumimoji="0" lang="en-US" altLang="en-US" sz="800" b="0" i="0" u="none" strike="noStrike" cap="none" normalizeH="0" baseline="0" dirty="0">
-                <a:ln>
-                  <a:noFill/>
-                </a:ln>
-                <a:solidFill>
-                  <a:schemeClr val="tx1"/>
-                </a:solidFill>
-                <a:effectLst/>
-              </a:rPr>
-              <a:t> </a:t>
-            </a:r>
-            <a:endParaRPr kumimoji="0" lang="en-US" altLang="en-US" sz="1800" b="0" i="0" u="none" strike="noStrike" cap="none" normalizeH="0" baseline="0" dirty="0">
-              <a:ln>
-                <a:noFill/>
-              </a:ln>
-              <a:solidFill>
-                <a:schemeClr val="tx1"/>
-              </a:solidFill>
-              <a:effectLst/>
-              <a:latin typeface="Arial" panose="020B0604020202020204" pitchFamily="34" charset="0"/>
-            </a:endParaRPr>
-          </a:p>
-        </p:txBody>
-      </p:sp>
-      <p:sp>
-        <p:nvSpPr>
-          <p:cNvPr id="3" name="Rectangle 1">
-            <a:extLst>
-              <a:ext uri="{FF2B5EF4-FFF2-40B4-BE49-F238E27FC236}">
-                <a16:creationId xmlns:a16="http://schemas.microsoft.com/office/drawing/2014/main" id="{DD10759B-A0CA-0FB9-E581-284259B21442}"/>
-              </a:ext>
-            </a:extLst>
-          </p:cNvPr>
-          <p:cNvSpPr>
-            <a:spLocks noChangeArrowheads="1"/>
-          </p:cNvSpPr>
-          <p:nvPr/>
-        </p:nvSpPr>
-        <p:spPr bwMode="auto">
-          <a:xfrm>
-            <a:off x="0" y="167044"/>
-            <a:ext cx="25648" cy="123111"/>
-          </a:xfrm>
-          <a:prstGeom prst="rect">
-            <a:avLst/>
-          </a:prstGeom>
-          <a:solidFill>
-            <a:srgbClr val="FFFFFF"/>
-          </a:solidFill>
-          <a:ln>
-            <a:noFill/>
-          </a:ln>
-          <a:effectLst/>
-          <a:extLst>
-            <a:ext uri="{91240B29-F687-4F45-9708-019B960494DF}">
-              <a14:hiddenLine xmlns:a14="http://schemas.microsoft.com/office/drawing/2010/main" w="9525">
-                <a:solidFill>
-                  <a:schemeClr val="tx1"/>
-                </a:solidFill>
-                <a:miter lim="800000"/>
-                <a:headEnd/>
-                <a:tailEnd/>
-              </a14:hiddenLine>
-            </a:ext>
-            <a:ext uri="{AF507438-7753-43E0-B8FC-AC1667EBCBE1}">
-              <a14:hiddenEffects xmlns:a14="http://schemas.microsoft.com/office/drawing/2010/main">
-                <a:effectLst>
-                  <a:outerShdw dist="35921" dir="2700000" algn="ctr" rotWithShape="0">
-                    <a:schemeClr val="bg2"/>
-                  </a:outerShdw>
-                </a:effectLst>
-              </a14:hiddenEffects>
-            </a:ext>
-          </a:extLst>
-        </p:spPr>
-        <p:txBody>
-          <a:bodyPr vert="horz" wrap="none" lIns="0" tIns="0" rIns="0" bIns="0" numCol="1" anchor="ctr" anchorCtr="0" compatLnSpc="1">
-            <a:prstTxWarp prst="textNoShape">
-              <a:avLst/>
-            </a:prstTxWarp>
-            <a:spAutoFit/>
-          </a:bodyPr>
-          <a:lstStyle/>
-          <a:p>
-            <a:pPr marL="0" marR="0" lvl="0" indent="0" algn="l" defTabSz="914400" rtl="0" eaLnBrk="0" fontAlgn="base" latinLnBrk="0" hangingPunct="0">
-              <a:lnSpc>
-                <a:spcPct val="100000"/>
-              </a:lnSpc>
-              <a:spcBef>
-                <a:spcPct val="0"/>
-              </a:spcBef>
-              <a:spcAft>
-                <a:spcPct val="0"/>
-              </a:spcAft>
-              <a:buClrTx/>
-              <a:buSzTx/>
-              <a:buFontTx/>
-              <a:buNone/>
-              <a:tabLst/>
-            </a:pPr>
-            <a:r>
-              <a:rPr kumimoji="0" lang="en-US" altLang="en-US" sz="800" b="0" i="0" u="none" strike="noStrike" cap="none" normalizeH="0" baseline="0" dirty="0">
-                <a:ln>
-                  <a:noFill/>
-                </a:ln>
-                <a:solidFill>
-                  <a:schemeClr val="tx1"/>
-                </a:solidFill>
-                <a:effectLst/>
-              </a:rPr>
-              <a:t> </a:t>
-            </a:r>
-            <a:endParaRPr kumimoji="0" lang="en-US" altLang="en-US" sz="1800" b="0" i="0" u="none" strike="noStrike" cap="none" normalizeH="0" baseline="0" dirty="0">
-              <a:ln>
-                <a:noFill/>
-              </a:ln>
-              <a:solidFill>
-                <a:schemeClr val="tx1"/>
-              </a:solidFill>
-              <a:effectLst/>
-              <a:latin typeface="Arial" panose="020B0604020202020204" pitchFamily="34" charset="0"/>
-            </a:endParaRPr>
-          </a:p>
-        </p:txBody>
-      </p:sp>
-      <p:pic>
-        <p:nvPicPr>
-          <p:cNvPr id="10" name="Content Placeholder 9">
-            <a:extLst>
-              <a:ext uri="{FF2B5EF4-FFF2-40B4-BE49-F238E27FC236}">
-                <a16:creationId xmlns:a16="http://schemas.microsoft.com/office/drawing/2014/main" id="{2EC25801-6CF0-4A64-2363-7E0C46B62FF3}"/>
-              </a:ext>
-            </a:extLst>
-          </p:cNvPr>
-          <p:cNvPicPr>
-            <a:picLocks noGrp="1" noChangeAspect="1"/>
-          </p:cNvPicPr>
-          <p:nvPr>
-            <p:ph sz="quarter" idx="4"/>
-          </p:nvPr>
-        </p:nvPicPr>
-        <p:blipFill>
-          <a:blip r:embed="rId2"/>
-          <a:stretch>
-            <a:fillRect/>
-          </a:stretch>
-        </p:blipFill>
-        <p:spPr>
-          <a:xfrm>
-            <a:off x="4991894" y="1933575"/>
-            <a:ext cx="6533356" cy="4355571"/>
-          </a:xfrm>
-        </p:spPr>
-      </p:pic>
-    </p:spTree>
-    <p:extLst>
-      <p:ext uri="{BB962C8B-B14F-4D97-AF65-F5344CB8AC3E}">
-        <p14:creationId xmlns:p14="http://schemas.microsoft.com/office/powerpoint/2010/main" val="2610388616"/>
-      </p:ext>
-    </p:extLst>
-  </p:cSld>
-  <p:clrMapOvr>
-    <a:masterClrMapping/>
-  </p:clrMapOvr>
-</p:sld>
-</file>
-
-<file path=ppt/slides/slide26.xml><?xml version="1.0" encoding="utf-8"?>
-<p:sld xmlns:a="http://schemas.openxmlformats.org/drawingml/2006/main" xmlns:r="http://schemas.openxmlformats.org/officeDocument/2006/relationships" xmlns:p="http://schemas.openxmlformats.org/presentationml/2006/main">
-  <p:cSld>
-    <p:spTree>
-      <p:nvGrpSpPr>
-        <p:cNvPr id="1" name=""/>
-        <p:cNvGrpSpPr/>
-        <p:nvPr/>
-      </p:nvGrpSpPr>
-      <p:grpSpPr>
-        <a:xfrm>
-          <a:off x="0" y="0"/>
-          <a:ext cx="0" cy="0"/>
-          <a:chOff x="0" y="0"/>
-          <a:chExt cx="0" cy="0"/>
-        </a:xfrm>
-      </p:grpSpPr>
-      <p:sp>
-        <p:nvSpPr>
-          <p:cNvPr id="2" name="Title 1">
-            <a:extLst>
-              <a:ext uri="{FF2B5EF4-FFF2-40B4-BE49-F238E27FC236}">
-                <a16:creationId xmlns:a16="http://schemas.microsoft.com/office/drawing/2014/main" id="{F70752FB-0749-6E73-214D-0BCABBD3272C}"/>
-              </a:ext>
-            </a:extLst>
-          </p:cNvPr>
-          <p:cNvSpPr>
-            <a:spLocks noGrp="1"/>
-          </p:cNvSpPr>
-          <p:nvPr>
-            <p:ph type="title"/>
-          </p:nvPr>
-        </p:nvSpPr>
-        <p:spPr/>
-        <p:txBody>
-          <a:bodyPr/>
-          <a:lstStyle/>
-          <a:p>
-            <a:r>
-              <a:rPr lang="en-CA" dirty="0"/>
-              <a:t>Regression Analysis for 5 Most Safe </a:t>
-            </a:r>
-            <a:br>
-              <a:rPr lang="en-CA" dirty="0"/>
-            </a:br>
-            <a:r>
-              <a:rPr lang="en-CA" dirty="0"/>
-              <a:t>Neighborhoods</a:t>
-            </a:r>
-          </a:p>
-        </p:txBody>
-      </p:sp>
-      <p:sp>
-        <p:nvSpPr>
-          <p:cNvPr id="11" name="Content Placeholder 10">
-            <a:extLst>
-              <a:ext uri="{FF2B5EF4-FFF2-40B4-BE49-F238E27FC236}">
-                <a16:creationId xmlns:a16="http://schemas.microsoft.com/office/drawing/2014/main" id="{ECF19495-D46C-B566-020C-49AD96F38C4D}"/>
-              </a:ext>
-            </a:extLst>
-          </p:cNvPr>
-          <p:cNvSpPr>
-            <a:spLocks noGrp="1"/>
-          </p:cNvSpPr>
-          <p:nvPr>
-            <p:ph sz="half" idx="2"/>
-          </p:nvPr>
-        </p:nvSpPr>
-        <p:spPr/>
-        <p:txBody>
-          <a:bodyPr/>
-          <a:lstStyle/>
-          <a:p>
-            <a:r>
-              <a:rPr lang="en-US" altLang="en-US" dirty="0">
-                <a:solidFill>
-                  <a:srgbClr val="000000"/>
-                </a:solidFill>
-                <a:latin typeface="Courier New" panose="02070309020205020404" pitchFamily="49" charset="0"/>
-                <a:cs typeface="Courier New" panose="02070309020205020404" pitchFamily="49" charset="0"/>
-              </a:rPr>
-              <a:t>The r-squared is:</a:t>
-            </a:r>
-            <a:r>
-              <a:rPr kumimoji="0" lang="en-US" altLang="en-US" sz="2000" b="0" i="0" u="none" strike="noStrike" cap="none" normalizeH="0" baseline="0" dirty="0">
-                <a:ln>
-                  <a:noFill/>
-                </a:ln>
-                <a:solidFill>
-                  <a:srgbClr val="000000"/>
-                </a:solidFill>
-                <a:effectLst/>
-                <a:latin typeface="Courier New" panose="02070309020205020404" pitchFamily="49" charset="0"/>
-                <a:cs typeface="Courier New" panose="02070309020205020404" pitchFamily="49" charset="0"/>
-              </a:rPr>
-              <a:t> 0.11540407972594205</a:t>
-            </a:r>
-            <a:endParaRPr lang="en-US" altLang="en-US" dirty="0">
-              <a:solidFill>
-                <a:srgbClr val="000000"/>
-              </a:solidFill>
-              <a:latin typeface="Courier New" panose="02070309020205020404" pitchFamily="49" charset="0"/>
-              <a:cs typeface="Courier New" panose="02070309020205020404" pitchFamily="49" charset="0"/>
-            </a:endParaRPr>
-          </a:p>
-          <a:p>
-            <a:endParaRPr lang="en-CA" dirty="0"/>
-          </a:p>
-        </p:txBody>
-      </p:sp>
-      <p:sp>
-        <p:nvSpPr>
-          <p:cNvPr id="8" name="Rectangle 1">
-            <a:extLst>
-              <a:ext uri="{FF2B5EF4-FFF2-40B4-BE49-F238E27FC236}">
-                <a16:creationId xmlns:a16="http://schemas.microsoft.com/office/drawing/2014/main" id="{F1410BBA-68AE-34B0-2D8A-0C5BC109D97B}"/>
-              </a:ext>
-            </a:extLst>
-          </p:cNvPr>
-          <p:cNvSpPr>
-            <a:spLocks noChangeArrowheads="1"/>
-          </p:cNvSpPr>
-          <p:nvPr/>
-        </p:nvSpPr>
-        <p:spPr bwMode="auto">
-          <a:xfrm>
-            <a:off x="0" y="167044"/>
-            <a:ext cx="25648" cy="123111"/>
-          </a:xfrm>
-          <a:prstGeom prst="rect">
-            <a:avLst/>
-          </a:prstGeom>
-          <a:solidFill>
-            <a:srgbClr val="FFFFFF"/>
-          </a:solidFill>
-          <a:ln>
-            <a:noFill/>
-          </a:ln>
-          <a:effectLst/>
-          <a:extLst>
-            <a:ext uri="{91240B29-F687-4F45-9708-019B960494DF}">
-              <a14:hiddenLine xmlns:a14="http://schemas.microsoft.com/office/drawing/2010/main" w="9525">
-                <a:solidFill>
-                  <a:schemeClr val="tx1"/>
-                </a:solidFill>
-                <a:miter lim="800000"/>
-                <a:headEnd/>
-                <a:tailEnd/>
-              </a14:hiddenLine>
-            </a:ext>
-            <a:ext uri="{AF507438-7753-43E0-B8FC-AC1667EBCBE1}">
-              <a14:hiddenEffects xmlns:a14="http://schemas.microsoft.com/office/drawing/2010/main">
-                <a:effectLst>
-                  <a:outerShdw dist="35921" dir="2700000" algn="ctr" rotWithShape="0">
-                    <a:schemeClr val="bg2"/>
-                  </a:outerShdw>
-                </a:effectLst>
-              </a14:hiddenEffects>
-            </a:ext>
-          </a:extLst>
-        </p:spPr>
-        <p:txBody>
-          <a:bodyPr vert="horz" wrap="none" lIns="0" tIns="0" rIns="0" bIns="0" numCol="1" anchor="ctr" anchorCtr="0" compatLnSpc="1">
-            <a:prstTxWarp prst="textNoShape">
-              <a:avLst/>
-            </a:prstTxWarp>
-            <a:spAutoFit/>
-          </a:bodyPr>
-          <a:lstStyle/>
-          <a:p>
-            <a:pPr marL="0" marR="0" lvl="0" indent="0" algn="l" defTabSz="914400" rtl="0" eaLnBrk="0" fontAlgn="base" latinLnBrk="0" hangingPunct="0">
-              <a:lnSpc>
-                <a:spcPct val="100000"/>
-              </a:lnSpc>
-              <a:spcBef>
-                <a:spcPct val="0"/>
-              </a:spcBef>
-              <a:spcAft>
-                <a:spcPct val="0"/>
-              </a:spcAft>
-              <a:buClrTx/>
-              <a:buSzTx/>
-              <a:buFontTx/>
-              <a:buNone/>
-              <a:tabLst/>
-            </a:pPr>
-            <a:r>
-              <a:rPr kumimoji="0" lang="en-US" altLang="en-US" sz="800" b="0" i="0" u="none" strike="noStrike" cap="none" normalizeH="0" baseline="0" dirty="0">
-                <a:ln>
-                  <a:noFill/>
-                </a:ln>
-                <a:solidFill>
-                  <a:schemeClr val="tx1"/>
-                </a:solidFill>
-                <a:effectLst/>
-              </a:rPr>
-              <a:t> </a:t>
-            </a:r>
-            <a:endParaRPr kumimoji="0" lang="en-US" altLang="en-US" sz="1800" b="0" i="0" u="none" strike="noStrike" cap="none" normalizeH="0" baseline="0" dirty="0">
-              <a:ln>
-                <a:noFill/>
-              </a:ln>
-              <a:solidFill>
-                <a:schemeClr val="tx1"/>
-              </a:solidFill>
-              <a:effectLst/>
-              <a:latin typeface="Arial" panose="020B0604020202020204" pitchFamily="34" charset="0"/>
-            </a:endParaRPr>
-          </a:p>
-        </p:txBody>
-      </p:sp>
-      <p:sp>
-        <p:nvSpPr>
-          <p:cNvPr id="9" name="Rectangle 1">
-            <a:extLst>
-              <a:ext uri="{FF2B5EF4-FFF2-40B4-BE49-F238E27FC236}">
-                <a16:creationId xmlns:a16="http://schemas.microsoft.com/office/drawing/2014/main" id="{7F9B93F6-954F-0114-383C-EC5B33B7FD28}"/>
-              </a:ext>
-            </a:extLst>
-          </p:cNvPr>
-          <p:cNvSpPr>
-            <a:spLocks noChangeArrowheads="1"/>
-          </p:cNvSpPr>
-          <p:nvPr/>
-        </p:nvSpPr>
-        <p:spPr bwMode="auto">
-          <a:xfrm>
-            <a:off x="0" y="167044"/>
-            <a:ext cx="25648" cy="123111"/>
-          </a:xfrm>
-          <a:prstGeom prst="rect">
-            <a:avLst/>
-          </a:prstGeom>
-          <a:solidFill>
-            <a:srgbClr val="FFFFFF"/>
-          </a:solidFill>
-          <a:ln>
-            <a:noFill/>
-          </a:ln>
-          <a:effectLst/>
-          <a:extLst>
-            <a:ext uri="{91240B29-F687-4F45-9708-019B960494DF}">
-              <a14:hiddenLine xmlns:a14="http://schemas.microsoft.com/office/drawing/2010/main" w="9525">
-                <a:solidFill>
-                  <a:schemeClr val="tx1"/>
-                </a:solidFill>
-                <a:miter lim="800000"/>
-                <a:headEnd/>
-                <a:tailEnd/>
-              </a14:hiddenLine>
-            </a:ext>
-            <a:ext uri="{AF507438-7753-43E0-B8FC-AC1667EBCBE1}">
-              <a14:hiddenEffects xmlns:a14="http://schemas.microsoft.com/office/drawing/2010/main">
-                <a:effectLst>
-                  <a:outerShdw dist="35921" dir="2700000" algn="ctr" rotWithShape="0">
-                    <a:schemeClr val="bg2"/>
-                  </a:outerShdw>
-                </a:effectLst>
-              </a14:hiddenEffects>
-            </a:ext>
-          </a:extLst>
-        </p:spPr>
-        <p:txBody>
-          <a:bodyPr vert="horz" wrap="none" lIns="0" tIns="0" rIns="0" bIns="0" numCol="1" anchor="ctr" anchorCtr="0" compatLnSpc="1">
-            <a:prstTxWarp prst="textNoShape">
-              <a:avLst/>
-            </a:prstTxWarp>
-            <a:spAutoFit/>
-          </a:bodyPr>
-          <a:lstStyle/>
-          <a:p>
-            <a:pPr marL="0" marR="0" lvl="0" indent="0" algn="l" defTabSz="914400" rtl="0" eaLnBrk="0" fontAlgn="base" latinLnBrk="0" hangingPunct="0">
-              <a:lnSpc>
-                <a:spcPct val="100000"/>
-              </a:lnSpc>
-              <a:spcBef>
-                <a:spcPct val="0"/>
-              </a:spcBef>
-              <a:spcAft>
-                <a:spcPct val="0"/>
-              </a:spcAft>
-              <a:buClrTx/>
-              <a:buSzTx/>
-              <a:buFontTx/>
-              <a:buNone/>
-              <a:tabLst/>
-            </a:pPr>
-            <a:r>
-              <a:rPr kumimoji="0" lang="en-US" altLang="en-US" sz="800" b="0" i="0" u="none" strike="noStrike" cap="none" normalizeH="0" baseline="0" dirty="0">
-                <a:ln>
-                  <a:noFill/>
-                </a:ln>
-                <a:solidFill>
-                  <a:schemeClr val="tx1"/>
-                </a:solidFill>
-                <a:effectLst/>
-              </a:rPr>
-              <a:t> </a:t>
-            </a:r>
-            <a:endParaRPr kumimoji="0" lang="en-US" altLang="en-US" sz="1800" b="0" i="0" u="none" strike="noStrike" cap="none" normalizeH="0" baseline="0" dirty="0">
-              <a:ln>
-                <a:noFill/>
-              </a:ln>
-              <a:solidFill>
-                <a:schemeClr val="tx1"/>
-              </a:solidFill>
-              <a:effectLst/>
-              <a:latin typeface="Arial" panose="020B0604020202020204" pitchFamily="34" charset="0"/>
-            </a:endParaRPr>
-          </a:p>
-        </p:txBody>
-      </p:sp>
-      <p:sp>
-        <p:nvSpPr>
-          <p:cNvPr id="3" name="Rectangle 1">
-            <a:extLst>
-              <a:ext uri="{FF2B5EF4-FFF2-40B4-BE49-F238E27FC236}">
-                <a16:creationId xmlns:a16="http://schemas.microsoft.com/office/drawing/2014/main" id="{DD10759B-A0CA-0FB9-E581-284259B21442}"/>
-              </a:ext>
-            </a:extLst>
-          </p:cNvPr>
-          <p:cNvSpPr>
-            <a:spLocks noChangeArrowheads="1"/>
-          </p:cNvSpPr>
-          <p:nvPr/>
-        </p:nvSpPr>
-        <p:spPr bwMode="auto">
-          <a:xfrm>
-            <a:off x="0" y="167044"/>
-            <a:ext cx="25648" cy="123111"/>
-          </a:xfrm>
-          <a:prstGeom prst="rect">
-            <a:avLst/>
-          </a:prstGeom>
-          <a:solidFill>
-            <a:srgbClr val="FFFFFF"/>
-          </a:solidFill>
-          <a:ln>
-            <a:noFill/>
-          </a:ln>
-          <a:effectLst/>
-          <a:extLst>
-            <a:ext uri="{91240B29-F687-4F45-9708-019B960494DF}">
-              <a14:hiddenLine xmlns:a14="http://schemas.microsoft.com/office/drawing/2010/main" w="9525">
-                <a:solidFill>
-                  <a:schemeClr val="tx1"/>
-                </a:solidFill>
-                <a:miter lim="800000"/>
-                <a:headEnd/>
-                <a:tailEnd/>
-              </a14:hiddenLine>
-            </a:ext>
-            <a:ext uri="{AF507438-7753-43E0-B8FC-AC1667EBCBE1}">
-              <a14:hiddenEffects xmlns:a14="http://schemas.microsoft.com/office/drawing/2010/main">
-                <a:effectLst>
-                  <a:outerShdw dist="35921" dir="2700000" algn="ctr" rotWithShape="0">
-                    <a:schemeClr val="bg2"/>
-                  </a:outerShdw>
-                </a:effectLst>
-              </a14:hiddenEffects>
-            </a:ext>
-          </a:extLst>
-        </p:spPr>
-        <p:txBody>
-          <a:bodyPr vert="horz" wrap="none" lIns="0" tIns="0" rIns="0" bIns="0" numCol="1" anchor="ctr" anchorCtr="0" compatLnSpc="1">
-            <a:prstTxWarp prst="textNoShape">
-              <a:avLst/>
-            </a:prstTxWarp>
-            <a:spAutoFit/>
-          </a:bodyPr>
-          <a:lstStyle/>
-          <a:p>
-            <a:pPr marL="0" marR="0" lvl="0" indent="0" algn="l" defTabSz="914400" rtl="0" eaLnBrk="0" fontAlgn="base" latinLnBrk="0" hangingPunct="0">
-              <a:lnSpc>
-                <a:spcPct val="100000"/>
-              </a:lnSpc>
-              <a:spcBef>
-                <a:spcPct val="0"/>
-              </a:spcBef>
-              <a:spcAft>
-                <a:spcPct val="0"/>
-              </a:spcAft>
-              <a:buClrTx/>
-              <a:buSzTx/>
-              <a:buFontTx/>
-              <a:buNone/>
-              <a:tabLst/>
-            </a:pPr>
-            <a:r>
-              <a:rPr kumimoji="0" lang="en-US" altLang="en-US" sz="800" b="0" i="0" u="none" strike="noStrike" cap="none" normalizeH="0" baseline="0" dirty="0">
-                <a:ln>
-                  <a:noFill/>
-                </a:ln>
-                <a:solidFill>
-                  <a:schemeClr val="tx1"/>
-                </a:solidFill>
-                <a:effectLst/>
-              </a:rPr>
-              <a:t> </a:t>
-            </a:r>
-            <a:endParaRPr kumimoji="0" lang="en-US" altLang="en-US" sz="1800" b="0" i="0" u="none" strike="noStrike" cap="none" normalizeH="0" baseline="0" dirty="0">
-              <a:ln>
-                <a:noFill/>
-              </a:ln>
-              <a:solidFill>
-                <a:schemeClr val="tx1"/>
-              </a:solidFill>
-              <a:effectLst/>
-              <a:latin typeface="Arial" panose="020B0604020202020204" pitchFamily="34" charset="0"/>
-            </a:endParaRPr>
-          </a:p>
-        </p:txBody>
-      </p:sp>
-      <p:pic>
-        <p:nvPicPr>
-          <p:cNvPr id="7" name="Content Placeholder 6">
-            <a:extLst>
-              <a:ext uri="{FF2B5EF4-FFF2-40B4-BE49-F238E27FC236}">
-                <a16:creationId xmlns:a16="http://schemas.microsoft.com/office/drawing/2014/main" id="{2847B7B0-653E-6E68-4193-45D2DCAE54E1}"/>
-              </a:ext>
-            </a:extLst>
-          </p:cNvPr>
-          <p:cNvPicPr>
-            <a:picLocks noGrp="1" noChangeAspect="1"/>
-          </p:cNvPicPr>
-          <p:nvPr>
-            <p:ph sz="quarter" idx="4"/>
-          </p:nvPr>
-        </p:nvPicPr>
-        <p:blipFill>
-          <a:blip r:embed="rId2"/>
-          <a:stretch>
-            <a:fillRect/>
-          </a:stretch>
-        </p:blipFill>
-        <p:spPr>
-          <a:xfrm>
-            <a:off x="4825206" y="1971675"/>
-            <a:ext cx="5843587" cy="3895725"/>
-          </a:xfrm>
-        </p:spPr>
-      </p:pic>
-      <p:sp>
-        <p:nvSpPr>
-          <p:cNvPr id="12" name="Rectangle 1">
-            <a:extLst>
-              <a:ext uri="{FF2B5EF4-FFF2-40B4-BE49-F238E27FC236}">
-                <a16:creationId xmlns:a16="http://schemas.microsoft.com/office/drawing/2014/main" id="{1F6008AA-9518-FE27-02AF-174BE81E3147}"/>
-              </a:ext>
-            </a:extLst>
-          </p:cNvPr>
-          <p:cNvSpPr>
-            <a:spLocks noChangeArrowheads="1"/>
-          </p:cNvSpPr>
-          <p:nvPr/>
-        </p:nvSpPr>
-        <p:spPr bwMode="auto">
-          <a:xfrm>
-            <a:off x="0" y="167044"/>
-            <a:ext cx="25648" cy="123111"/>
-          </a:xfrm>
-          <a:prstGeom prst="rect">
-            <a:avLst/>
-          </a:prstGeom>
-          <a:solidFill>
-            <a:srgbClr val="FFFFFF"/>
-          </a:solidFill>
-          <a:ln>
-            <a:noFill/>
-          </a:ln>
-          <a:effectLst/>
-          <a:extLst>
-            <a:ext uri="{91240B29-F687-4F45-9708-019B960494DF}">
-              <a14:hiddenLine xmlns:a14="http://schemas.microsoft.com/office/drawing/2010/main" w="9525">
-                <a:solidFill>
-                  <a:schemeClr val="tx1"/>
-                </a:solidFill>
-                <a:miter lim="800000"/>
-                <a:headEnd/>
-                <a:tailEnd/>
-              </a14:hiddenLine>
-            </a:ext>
-            <a:ext uri="{AF507438-7753-43E0-B8FC-AC1667EBCBE1}">
-              <a14:hiddenEffects xmlns:a14="http://schemas.microsoft.com/office/drawing/2010/main">
-                <a:effectLst>
-                  <a:outerShdw dist="35921" dir="2700000" algn="ctr" rotWithShape="0">
-                    <a:schemeClr val="bg2"/>
-                  </a:outerShdw>
-                </a:effectLst>
-              </a14:hiddenEffects>
-            </a:ext>
-          </a:extLst>
-        </p:spPr>
-        <p:txBody>
-          <a:bodyPr vert="horz" wrap="none" lIns="0" tIns="0" rIns="0" bIns="0" numCol="1" anchor="ctr" anchorCtr="0" compatLnSpc="1">
-            <a:prstTxWarp prst="textNoShape">
-              <a:avLst/>
-            </a:prstTxWarp>
-            <a:spAutoFit/>
-          </a:bodyPr>
-          <a:lstStyle/>
-          <a:p>
-            <a:pPr marL="0" marR="0" lvl="0" indent="0" algn="l" defTabSz="914400" rtl="0" eaLnBrk="0" fontAlgn="base" latinLnBrk="0" hangingPunct="0">
-              <a:lnSpc>
-                <a:spcPct val="100000"/>
-              </a:lnSpc>
-              <a:spcBef>
-                <a:spcPct val="0"/>
-              </a:spcBef>
-              <a:spcAft>
-                <a:spcPct val="0"/>
-              </a:spcAft>
-              <a:buClrTx/>
-              <a:buSzTx/>
-              <a:buFontTx/>
-              <a:buNone/>
-              <a:tabLst/>
-            </a:pPr>
-            <a:r>
-              <a:rPr kumimoji="0" lang="en-US" altLang="en-US" sz="800" b="0" i="0" u="none" strike="noStrike" cap="none" normalizeH="0" baseline="0" dirty="0">
-                <a:ln>
-                  <a:noFill/>
-                </a:ln>
-                <a:solidFill>
-                  <a:schemeClr val="tx1"/>
-                </a:solidFill>
-                <a:effectLst/>
-              </a:rPr>
-              <a:t> </a:t>
-            </a:r>
-            <a:endParaRPr kumimoji="0" lang="en-US" altLang="en-US" sz="1800" b="0" i="0" u="none" strike="noStrike" cap="none" normalizeH="0" baseline="0" dirty="0">
-              <a:ln>
-                <a:noFill/>
-              </a:ln>
-              <a:solidFill>
-                <a:schemeClr val="tx1"/>
-              </a:solidFill>
-              <a:effectLst/>
-              <a:latin typeface="Arial" panose="020B0604020202020204" pitchFamily="34" charset="0"/>
-            </a:endParaRPr>
-          </a:p>
-        </p:txBody>
-      </p:sp>
-    </p:spTree>
-    <p:extLst>
-      <p:ext uri="{BB962C8B-B14F-4D97-AF65-F5344CB8AC3E}">
-        <p14:creationId xmlns:p14="http://schemas.microsoft.com/office/powerpoint/2010/main" val="2698603318"/>
       </p:ext>
     </p:extLst>
   </p:cSld>
@@ -8014,7 +7359,7 @@
           <p:cNvPr id="2" name="Title 1">
             <a:extLst>
               <a:ext uri="{FF2B5EF4-FFF2-40B4-BE49-F238E27FC236}">
-                <a16:creationId xmlns:a16="http://schemas.microsoft.com/office/drawing/2014/main" id="{DB2A66A4-0466-72DD-A15E-66910EA4D15E}"/>
+                <a16:creationId xmlns:a16="http://schemas.microsoft.com/office/drawing/2014/main" id="{F70752FB-0749-6E73-214D-0BCABBD3272C}"/>
               </a:ext>
             </a:extLst>
           </p:cNvPr>
@@ -8032,17 +7377,24 @@
           <a:p>
             <a:r>
               <a:rPr lang="en-CA" dirty="0"/>
-              <a:t>Summary and Results</a:t>
-            </a:r>
-          </a:p>
-        </p:txBody>
-      </p:sp>
-      <p:sp>
-        <p:nvSpPr>
-          <p:cNvPr id="3" name="Content Placeholder 2">
+              <a:t>Regression Analysis for 5 Most Safe </a:t>
+            </a:r>
+            <a:br>
+              <a:rPr lang="en-CA" dirty="0"/>
+            </a:br>
+            <a:r>
+              <a:rPr lang="en-CA" dirty="0"/>
+              <a:t>Neighborhoods</a:t>
+            </a:r>
+          </a:p>
+        </p:txBody>
+      </p:sp>
+      <p:sp>
+        <p:nvSpPr>
+          <p:cNvPr id="11" name="Content Placeholder 10">
             <a:extLst>
               <a:ext uri="{FF2B5EF4-FFF2-40B4-BE49-F238E27FC236}">
-                <a16:creationId xmlns:a16="http://schemas.microsoft.com/office/drawing/2014/main" id="{8183B504-BDF3-2291-2B79-C3B3F8DBFE68}"/>
+                <a16:creationId xmlns:a16="http://schemas.microsoft.com/office/drawing/2014/main" id="{ECF19495-D46C-B566-020C-49AD96F38C4D}"/>
               </a:ext>
             </a:extLst>
           </p:cNvPr>
@@ -8050,250 +7402,387 @@
             <a:spLocks noGrp="1"/>
           </p:cNvSpPr>
           <p:nvPr>
-            <p:ph idx="1"/>
-          </p:nvPr>
-        </p:nvSpPr>
+            <p:ph sz="half" idx="2"/>
+          </p:nvPr>
+        </p:nvSpPr>
+        <p:spPr/>
+        <p:txBody>
+          <a:bodyPr/>
+          <a:lstStyle/>
+          <a:p>
+            <a:r>
+              <a:rPr lang="en-US" altLang="en-US" dirty="0">
+                <a:solidFill>
+                  <a:srgbClr val="000000"/>
+                </a:solidFill>
+                <a:latin typeface="Courier New" panose="02070309020205020404" pitchFamily="49" charset="0"/>
+                <a:cs typeface="Courier New" panose="02070309020205020404" pitchFamily="49" charset="0"/>
+              </a:rPr>
+              <a:t>The r-squared is:</a:t>
+            </a:r>
+            <a:r>
+              <a:rPr kumimoji="0" lang="en-US" altLang="en-US" sz="2000" b="0" i="0" u="none" strike="noStrike" cap="none" normalizeH="0" baseline="0" dirty="0">
+                <a:ln>
+                  <a:noFill/>
+                </a:ln>
+                <a:solidFill>
+                  <a:srgbClr val="000000"/>
+                </a:solidFill>
+                <a:effectLst/>
+                <a:latin typeface="Courier New" panose="02070309020205020404" pitchFamily="49" charset="0"/>
+                <a:cs typeface="Courier New" panose="02070309020205020404" pitchFamily="49" charset="0"/>
+              </a:rPr>
+              <a:t> 62%</a:t>
+            </a:r>
+            <a:endParaRPr lang="en-US" altLang="en-US" dirty="0">
+              <a:solidFill>
+                <a:srgbClr val="000000"/>
+              </a:solidFill>
+              <a:latin typeface="Courier New" panose="02070309020205020404" pitchFamily="49" charset="0"/>
+              <a:cs typeface="Courier New" panose="02070309020205020404" pitchFamily="49" charset="0"/>
+            </a:endParaRPr>
+          </a:p>
+          <a:p>
+            <a:endParaRPr lang="en-CA" dirty="0"/>
+          </a:p>
+        </p:txBody>
+      </p:sp>
+      <p:sp>
+        <p:nvSpPr>
+          <p:cNvPr id="8" name="Rectangle 1">
+            <a:extLst>
+              <a:ext uri="{FF2B5EF4-FFF2-40B4-BE49-F238E27FC236}">
+                <a16:creationId xmlns:a16="http://schemas.microsoft.com/office/drawing/2014/main" id="{F1410BBA-68AE-34B0-2D8A-0C5BC109D97B}"/>
+              </a:ext>
+            </a:extLst>
+          </p:cNvPr>
+          <p:cNvSpPr>
+            <a:spLocks noChangeArrowheads="1"/>
+          </p:cNvSpPr>
+          <p:nvPr/>
+        </p:nvSpPr>
+        <p:spPr bwMode="auto">
+          <a:xfrm>
+            <a:off x="0" y="167044"/>
+            <a:ext cx="25648" cy="123111"/>
+          </a:xfrm>
+          <a:prstGeom prst="rect">
+            <a:avLst/>
+          </a:prstGeom>
+          <a:solidFill>
+            <a:srgbClr val="FFFFFF"/>
+          </a:solidFill>
+          <a:ln>
+            <a:noFill/>
+          </a:ln>
+          <a:effectLst/>
+          <a:extLst>
+            <a:ext uri="{91240B29-F687-4F45-9708-019B960494DF}">
+              <a14:hiddenLine xmlns:a14="http://schemas.microsoft.com/office/drawing/2010/main" w="9525">
+                <a:solidFill>
+                  <a:schemeClr val="tx1"/>
+                </a:solidFill>
+                <a:miter lim="800000"/>
+                <a:headEnd/>
+                <a:tailEnd/>
+              </a14:hiddenLine>
+            </a:ext>
+            <a:ext uri="{AF507438-7753-43E0-B8FC-AC1667EBCBE1}">
+              <a14:hiddenEffects xmlns:a14="http://schemas.microsoft.com/office/drawing/2010/main">
+                <a:effectLst>
+                  <a:outerShdw dist="35921" dir="2700000" algn="ctr" rotWithShape="0">
+                    <a:schemeClr val="bg2"/>
+                  </a:outerShdw>
+                </a:effectLst>
+              </a14:hiddenEffects>
+            </a:ext>
+          </a:extLst>
+        </p:spPr>
+        <p:txBody>
+          <a:bodyPr vert="horz" wrap="none" lIns="0" tIns="0" rIns="0" bIns="0" numCol="1" anchor="ctr" anchorCtr="0" compatLnSpc="1">
+            <a:prstTxWarp prst="textNoShape">
+              <a:avLst/>
+            </a:prstTxWarp>
+            <a:spAutoFit/>
+          </a:bodyPr>
+          <a:lstStyle/>
+          <a:p>
+            <a:pPr marL="0" marR="0" lvl="0" indent="0" algn="l" defTabSz="914400" rtl="0" eaLnBrk="0" fontAlgn="base" latinLnBrk="0" hangingPunct="0">
+              <a:lnSpc>
+                <a:spcPct val="100000"/>
+              </a:lnSpc>
+              <a:spcBef>
+                <a:spcPct val="0"/>
+              </a:spcBef>
+              <a:spcAft>
+                <a:spcPct val="0"/>
+              </a:spcAft>
+              <a:buClrTx/>
+              <a:buSzTx/>
+              <a:buFontTx/>
+              <a:buNone/>
+              <a:tabLst/>
+            </a:pPr>
+            <a:r>
+              <a:rPr kumimoji="0" lang="en-US" altLang="en-US" sz="800" b="0" i="0" u="none" strike="noStrike" cap="none" normalizeH="0" baseline="0" dirty="0">
+                <a:ln>
+                  <a:noFill/>
+                </a:ln>
+                <a:solidFill>
+                  <a:schemeClr val="tx1"/>
+                </a:solidFill>
+                <a:effectLst/>
+              </a:rPr>
+              <a:t> </a:t>
+            </a:r>
+            <a:endParaRPr kumimoji="0" lang="en-US" altLang="en-US" sz="1800" b="0" i="0" u="none" strike="noStrike" cap="none" normalizeH="0" baseline="0" dirty="0">
+              <a:ln>
+                <a:noFill/>
+              </a:ln>
+              <a:solidFill>
+                <a:schemeClr val="tx1"/>
+              </a:solidFill>
+              <a:effectLst/>
+              <a:latin typeface="Arial" panose="020B0604020202020204" pitchFamily="34" charset="0"/>
+            </a:endParaRPr>
+          </a:p>
+        </p:txBody>
+      </p:sp>
+      <p:sp>
+        <p:nvSpPr>
+          <p:cNvPr id="9" name="Rectangle 1">
+            <a:extLst>
+              <a:ext uri="{FF2B5EF4-FFF2-40B4-BE49-F238E27FC236}">
+                <a16:creationId xmlns:a16="http://schemas.microsoft.com/office/drawing/2014/main" id="{7F9B93F6-954F-0114-383C-EC5B33B7FD28}"/>
+              </a:ext>
+            </a:extLst>
+          </p:cNvPr>
+          <p:cNvSpPr>
+            <a:spLocks noChangeArrowheads="1"/>
+          </p:cNvSpPr>
+          <p:nvPr/>
+        </p:nvSpPr>
+        <p:spPr bwMode="auto">
+          <a:xfrm>
+            <a:off x="0" y="167044"/>
+            <a:ext cx="25648" cy="123111"/>
+          </a:xfrm>
+          <a:prstGeom prst="rect">
+            <a:avLst/>
+          </a:prstGeom>
+          <a:solidFill>
+            <a:srgbClr val="FFFFFF"/>
+          </a:solidFill>
+          <a:ln>
+            <a:noFill/>
+          </a:ln>
+          <a:effectLst/>
+          <a:extLst>
+            <a:ext uri="{91240B29-F687-4F45-9708-019B960494DF}">
+              <a14:hiddenLine xmlns:a14="http://schemas.microsoft.com/office/drawing/2010/main" w="9525">
+                <a:solidFill>
+                  <a:schemeClr val="tx1"/>
+                </a:solidFill>
+                <a:miter lim="800000"/>
+                <a:headEnd/>
+                <a:tailEnd/>
+              </a14:hiddenLine>
+            </a:ext>
+            <a:ext uri="{AF507438-7753-43E0-B8FC-AC1667EBCBE1}">
+              <a14:hiddenEffects xmlns:a14="http://schemas.microsoft.com/office/drawing/2010/main">
+                <a:effectLst>
+                  <a:outerShdw dist="35921" dir="2700000" algn="ctr" rotWithShape="0">
+                    <a:schemeClr val="bg2"/>
+                  </a:outerShdw>
+                </a:effectLst>
+              </a14:hiddenEffects>
+            </a:ext>
+          </a:extLst>
+        </p:spPr>
+        <p:txBody>
+          <a:bodyPr vert="horz" wrap="none" lIns="0" tIns="0" rIns="0" bIns="0" numCol="1" anchor="ctr" anchorCtr="0" compatLnSpc="1">
+            <a:prstTxWarp prst="textNoShape">
+              <a:avLst/>
+            </a:prstTxWarp>
+            <a:spAutoFit/>
+          </a:bodyPr>
+          <a:lstStyle/>
+          <a:p>
+            <a:pPr marL="0" marR="0" lvl="0" indent="0" algn="l" defTabSz="914400" rtl="0" eaLnBrk="0" fontAlgn="base" latinLnBrk="0" hangingPunct="0">
+              <a:lnSpc>
+                <a:spcPct val="100000"/>
+              </a:lnSpc>
+              <a:spcBef>
+                <a:spcPct val="0"/>
+              </a:spcBef>
+              <a:spcAft>
+                <a:spcPct val="0"/>
+              </a:spcAft>
+              <a:buClrTx/>
+              <a:buSzTx/>
+              <a:buFontTx/>
+              <a:buNone/>
+              <a:tabLst/>
+            </a:pPr>
+            <a:r>
+              <a:rPr kumimoji="0" lang="en-US" altLang="en-US" sz="800" b="0" i="0" u="none" strike="noStrike" cap="none" normalizeH="0" baseline="0" dirty="0">
+                <a:ln>
+                  <a:noFill/>
+                </a:ln>
+                <a:solidFill>
+                  <a:schemeClr val="tx1"/>
+                </a:solidFill>
+                <a:effectLst/>
+              </a:rPr>
+              <a:t> </a:t>
+            </a:r>
+            <a:endParaRPr kumimoji="0" lang="en-US" altLang="en-US" sz="1800" b="0" i="0" u="none" strike="noStrike" cap="none" normalizeH="0" baseline="0" dirty="0">
+              <a:ln>
+                <a:noFill/>
+              </a:ln>
+              <a:solidFill>
+                <a:schemeClr val="tx1"/>
+              </a:solidFill>
+              <a:effectLst/>
+              <a:latin typeface="Arial" panose="020B0604020202020204" pitchFamily="34" charset="0"/>
+            </a:endParaRPr>
+          </a:p>
+        </p:txBody>
+      </p:sp>
+      <p:sp>
+        <p:nvSpPr>
+          <p:cNvPr id="3" name="Rectangle 1">
+            <a:extLst>
+              <a:ext uri="{FF2B5EF4-FFF2-40B4-BE49-F238E27FC236}">
+                <a16:creationId xmlns:a16="http://schemas.microsoft.com/office/drawing/2014/main" id="{DD10759B-A0CA-0FB9-E581-284259B21442}"/>
+              </a:ext>
+            </a:extLst>
+          </p:cNvPr>
+          <p:cNvSpPr>
+            <a:spLocks noChangeArrowheads="1"/>
+          </p:cNvSpPr>
+          <p:nvPr/>
+        </p:nvSpPr>
+        <p:spPr bwMode="auto">
+          <a:xfrm>
+            <a:off x="0" y="167044"/>
+            <a:ext cx="25648" cy="123111"/>
+          </a:xfrm>
+          <a:prstGeom prst="rect">
+            <a:avLst/>
+          </a:prstGeom>
+          <a:solidFill>
+            <a:srgbClr val="FFFFFF"/>
+          </a:solidFill>
+          <a:ln>
+            <a:noFill/>
+          </a:ln>
+          <a:effectLst/>
+          <a:extLst>
+            <a:ext uri="{91240B29-F687-4F45-9708-019B960494DF}">
+              <a14:hiddenLine xmlns:a14="http://schemas.microsoft.com/office/drawing/2010/main" w="9525">
+                <a:solidFill>
+                  <a:schemeClr val="tx1"/>
+                </a:solidFill>
+                <a:miter lim="800000"/>
+                <a:headEnd/>
+                <a:tailEnd/>
+              </a14:hiddenLine>
+            </a:ext>
+            <a:ext uri="{AF507438-7753-43E0-B8FC-AC1667EBCBE1}">
+              <a14:hiddenEffects xmlns:a14="http://schemas.microsoft.com/office/drawing/2010/main">
+                <a:effectLst>
+                  <a:outerShdw dist="35921" dir="2700000" algn="ctr" rotWithShape="0">
+                    <a:schemeClr val="bg2"/>
+                  </a:outerShdw>
+                </a:effectLst>
+              </a14:hiddenEffects>
+            </a:ext>
+          </a:extLst>
+        </p:spPr>
+        <p:txBody>
+          <a:bodyPr vert="horz" wrap="none" lIns="0" tIns="0" rIns="0" bIns="0" numCol="1" anchor="ctr" anchorCtr="0" compatLnSpc="1">
+            <a:prstTxWarp prst="textNoShape">
+              <a:avLst/>
+            </a:prstTxWarp>
+            <a:spAutoFit/>
+          </a:bodyPr>
+          <a:lstStyle/>
+          <a:p>
+            <a:pPr marL="0" marR="0" lvl="0" indent="0" algn="l" defTabSz="914400" rtl="0" eaLnBrk="0" fontAlgn="base" latinLnBrk="0" hangingPunct="0">
+              <a:lnSpc>
+                <a:spcPct val="100000"/>
+              </a:lnSpc>
+              <a:spcBef>
+                <a:spcPct val="0"/>
+              </a:spcBef>
+              <a:spcAft>
+                <a:spcPct val="0"/>
+              </a:spcAft>
+              <a:buClrTx/>
+              <a:buSzTx/>
+              <a:buFontTx/>
+              <a:buNone/>
+              <a:tabLst/>
+            </a:pPr>
+            <a:r>
+              <a:rPr kumimoji="0" lang="en-US" altLang="en-US" sz="800" b="0" i="0" u="none" strike="noStrike" cap="none" normalizeH="0" baseline="0" dirty="0">
+                <a:ln>
+                  <a:noFill/>
+                </a:ln>
+                <a:solidFill>
+                  <a:schemeClr val="tx1"/>
+                </a:solidFill>
+                <a:effectLst/>
+              </a:rPr>
+              <a:t> </a:t>
+            </a:r>
+            <a:endParaRPr kumimoji="0" lang="en-US" altLang="en-US" sz="1800" b="0" i="0" u="none" strike="noStrike" cap="none" normalizeH="0" baseline="0" dirty="0">
+              <a:ln>
+                <a:noFill/>
+              </a:ln>
+              <a:solidFill>
+                <a:schemeClr val="tx1"/>
+              </a:solidFill>
+              <a:effectLst/>
+              <a:latin typeface="Arial" panose="020B0604020202020204" pitchFamily="34" charset="0"/>
+            </a:endParaRPr>
+          </a:p>
+        </p:txBody>
+      </p:sp>
+      <p:pic>
+        <p:nvPicPr>
+          <p:cNvPr id="10" name="Content Placeholder 9">
+            <a:extLst>
+              <a:ext uri="{FF2B5EF4-FFF2-40B4-BE49-F238E27FC236}">
+                <a16:creationId xmlns:a16="http://schemas.microsoft.com/office/drawing/2014/main" id="{2EC25801-6CF0-4A64-2363-7E0C46B62FF3}"/>
+              </a:ext>
+            </a:extLst>
+          </p:cNvPr>
+          <p:cNvPicPr>
+            <a:picLocks noGrp="1" noChangeAspect="1"/>
+          </p:cNvPicPr>
+          <p:nvPr>
+            <p:ph sz="quarter" idx="4"/>
+          </p:nvPr>
+        </p:nvPicPr>
+        <p:blipFill>
+          <a:blip r:embed="rId2"/>
+          <a:stretch>
+            <a:fillRect/>
+          </a:stretch>
+        </p:blipFill>
         <p:spPr>
           <a:xfrm>
-            <a:off x="1371600" y="1476375"/>
-            <a:ext cx="9601200" cy="4391025"/>
+            <a:off x="5484263" y="2171700"/>
+            <a:ext cx="6533356" cy="4355571"/>
           </a:xfrm>
         </p:spPr>
-        <p:txBody>
-          <a:bodyPr>
-            <a:normAutofit fontScale="77500" lnSpcReduction="20000"/>
-          </a:bodyPr>
-          <a:lstStyle/>
-          <a:p>
-            <a:r>
-              <a:rPr lang="en-US" b="0" i="0" dirty="0">
-                <a:solidFill>
-                  <a:srgbClr val="24292F"/>
-                </a:solidFill>
-                <a:effectLst/>
-                <a:latin typeface="-apple-system"/>
-              </a:rPr>
-              <a:t>The safest areas in GTA are: </a:t>
-            </a:r>
-          </a:p>
-          <a:p>
-            <a:pPr lvl="1"/>
-            <a:r>
-              <a:rPr lang="en-US" b="0" i="0" dirty="0">
-                <a:solidFill>
-                  <a:srgbClr val="24292F"/>
-                </a:solidFill>
-                <a:effectLst/>
-                <a:latin typeface="-apple-system"/>
-              </a:rPr>
-              <a:t>Pleasant View, </a:t>
-            </a:r>
-          </a:p>
-          <a:p>
-            <a:pPr lvl="1"/>
-            <a:r>
-              <a:rPr lang="en-US" b="0" i="0" dirty="0">
-                <a:solidFill>
-                  <a:srgbClr val="24292F"/>
-                </a:solidFill>
-                <a:effectLst/>
-                <a:latin typeface="-apple-system"/>
-              </a:rPr>
-              <a:t>Centennial Scarborough, </a:t>
-            </a:r>
-          </a:p>
-          <a:p>
-            <a:pPr lvl="1"/>
-            <a:r>
-              <a:rPr lang="en-US" b="0" i="0" dirty="0">
-                <a:solidFill>
-                  <a:srgbClr val="24292F"/>
-                </a:solidFill>
-                <a:effectLst/>
-                <a:latin typeface="-apple-system"/>
-              </a:rPr>
-              <a:t>Mount Pleasant East, </a:t>
-            </a:r>
-          </a:p>
-          <a:p>
-            <a:pPr lvl="1"/>
-            <a:r>
-              <a:rPr lang="en-US" b="0" i="0" dirty="0">
-                <a:solidFill>
-                  <a:srgbClr val="24292F"/>
-                </a:solidFill>
-                <a:effectLst/>
-                <a:latin typeface="-apple-system"/>
-              </a:rPr>
-              <a:t>Yonge </a:t>
-            </a:r>
-            <a:r>
-              <a:rPr lang="en-US" b="0" i="0" dirty="0" err="1">
-                <a:solidFill>
-                  <a:srgbClr val="24292F"/>
-                </a:solidFill>
-                <a:effectLst/>
-                <a:latin typeface="-apple-system"/>
-              </a:rPr>
-              <a:t>St.Clair</a:t>
-            </a:r>
-            <a:r>
-              <a:rPr lang="en-US" b="0" i="0" dirty="0">
-                <a:solidFill>
-                  <a:srgbClr val="24292F"/>
-                </a:solidFill>
-                <a:effectLst/>
-                <a:latin typeface="-apple-system"/>
-              </a:rPr>
-              <a:t> and </a:t>
-            </a:r>
-          </a:p>
-          <a:p>
-            <a:pPr lvl="1"/>
-            <a:r>
-              <a:rPr lang="en-US" b="0" i="0" dirty="0">
-                <a:solidFill>
-                  <a:srgbClr val="24292F"/>
-                </a:solidFill>
-                <a:effectLst/>
-                <a:latin typeface="-apple-system"/>
-              </a:rPr>
-              <a:t>Steels. </a:t>
-            </a:r>
-          </a:p>
-          <a:p>
-            <a:pPr marL="530352" lvl="1" indent="0">
-              <a:buNone/>
-            </a:pPr>
-            <a:r>
-              <a:rPr lang="en-US" b="0" i="0" dirty="0">
-                <a:solidFill>
-                  <a:srgbClr val="24292F"/>
-                </a:solidFill>
-                <a:effectLst/>
-                <a:latin typeface="-apple-system"/>
-              </a:rPr>
-              <a:t>They are locations with the lowest risk factors, which indicates that customers who are willing to open a business in these areas are charged with the least amount of premiums.</a:t>
-            </a:r>
-          </a:p>
-          <a:p>
-            <a:r>
-              <a:rPr lang="en-US" b="0" i="0" dirty="0">
-                <a:solidFill>
-                  <a:srgbClr val="24292F"/>
-                </a:solidFill>
-                <a:effectLst/>
-                <a:latin typeface="-apple-system"/>
-              </a:rPr>
-              <a:t>Five least safe areas are: </a:t>
-            </a:r>
-          </a:p>
-          <a:p>
-            <a:pPr lvl="1"/>
-            <a:r>
-              <a:rPr lang="en-US" b="0" i="0" dirty="0">
-                <a:solidFill>
-                  <a:srgbClr val="24292F"/>
-                </a:solidFill>
-                <a:effectLst/>
-                <a:latin typeface="-apple-system"/>
-              </a:rPr>
-              <a:t>Moss Park, </a:t>
-            </a:r>
-          </a:p>
-          <a:p>
-            <a:pPr lvl="1"/>
-            <a:r>
-              <a:rPr lang="en-US" b="0" i="0" dirty="0">
-                <a:solidFill>
-                  <a:srgbClr val="24292F"/>
-                </a:solidFill>
-                <a:effectLst/>
-                <a:latin typeface="-apple-system"/>
-              </a:rPr>
-              <a:t>Bay Street Corridor, </a:t>
-            </a:r>
-          </a:p>
-          <a:p>
-            <a:pPr lvl="1"/>
-            <a:r>
-              <a:rPr lang="en-US" b="0" i="0" dirty="0">
-                <a:solidFill>
-                  <a:srgbClr val="24292F"/>
-                </a:solidFill>
-                <a:effectLst/>
-                <a:latin typeface="-apple-system"/>
-              </a:rPr>
-              <a:t>Church-Yonge Corridor, </a:t>
-            </a:r>
-          </a:p>
-          <a:p>
-            <a:pPr lvl="1"/>
-            <a:r>
-              <a:rPr lang="en-US" b="0" i="0" dirty="0">
-                <a:solidFill>
-                  <a:srgbClr val="24292F"/>
-                </a:solidFill>
-                <a:effectLst/>
-                <a:latin typeface="-apple-system"/>
-              </a:rPr>
-              <a:t>Kensington-China Town and </a:t>
-            </a:r>
-          </a:p>
-          <a:p>
-            <a:pPr lvl="1"/>
-            <a:r>
-              <a:rPr lang="en-US" b="0" i="0" dirty="0">
-                <a:solidFill>
-                  <a:srgbClr val="24292F"/>
-                </a:solidFill>
-                <a:effectLst/>
-                <a:latin typeface="-apple-system"/>
-              </a:rPr>
-              <a:t>University, indicating high risk factors.</a:t>
-            </a:r>
-          </a:p>
-          <a:p>
-            <a:r>
-              <a:rPr lang="en-US" b="0" i="0" dirty="0">
-                <a:solidFill>
-                  <a:srgbClr val="24292F"/>
-                </a:solidFill>
-                <a:effectLst/>
-                <a:latin typeface="-apple-system"/>
-              </a:rPr>
-              <a:t>Different types of crime in GTA are (In order from highest to lowest) </a:t>
-            </a:r>
-            <a:r>
-              <a:rPr lang="en-US" b="0" i="0" dirty="0" err="1">
-                <a:solidFill>
-                  <a:srgbClr val="24292F"/>
-                </a:solidFill>
-                <a:effectLst/>
-                <a:latin typeface="-apple-system"/>
-              </a:rPr>
-              <a:t>Assualt</a:t>
-            </a:r>
-            <a:r>
-              <a:rPr lang="en-US" b="0" i="0" dirty="0">
-                <a:solidFill>
-                  <a:srgbClr val="24292F"/>
-                </a:solidFill>
-                <a:effectLst/>
-                <a:latin typeface="-apple-system"/>
-              </a:rPr>
-              <a:t>, Break and Enter, Auto Theft and Theft Over $5000.</a:t>
-            </a:r>
-          </a:p>
-          <a:p>
-            <a:endParaRPr lang="en-CA" dirty="0"/>
-          </a:p>
-        </p:txBody>
-      </p:sp>
+      </p:pic>
     </p:spTree>
     <p:extLst>
       <p:ext uri="{BB962C8B-B14F-4D97-AF65-F5344CB8AC3E}">
-        <p14:creationId xmlns:p14="http://schemas.microsoft.com/office/powerpoint/2010/main" val="1933787186"/>
+        <p14:creationId xmlns:p14="http://schemas.microsoft.com/office/powerpoint/2010/main" val="2610388616"/>
       </p:ext>
     </p:extLst>
   </p:cSld>
@@ -8325,7 +7814,7 @@
           <p:cNvPr id="2" name="Title 1">
             <a:extLst>
               <a:ext uri="{FF2B5EF4-FFF2-40B4-BE49-F238E27FC236}">
-                <a16:creationId xmlns:a16="http://schemas.microsoft.com/office/drawing/2014/main" id="{DB2A66A4-0466-72DD-A15E-66910EA4D15E}"/>
+                <a16:creationId xmlns:a16="http://schemas.microsoft.com/office/drawing/2014/main" id="{F70752FB-0749-6E73-214D-0BCABBD3272C}"/>
               </a:ext>
             </a:extLst>
           </p:cNvPr>
@@ -8343,17 +7832,24 @@
           <a:p>
             <a:r>
               <a:rPr lang="en-CA" dirty="0"/>
-              <a:t>Summary and Results</a:t>
-            </a:r>
-          </a:p>
-        </p:txBody>
-      </p:sp>
-      <p:sp>
-        <p:nvSpPr>
-          <p:cNvPr id="3" name="Content Placeholder 2">
+              <a:t>Regression Analysis for 5 Most Safe </a:t>
+            </a:r>
+            <a:br>
+              <a:rPr lang="en-CA" dirty="0"/>
+            </a:br>
+            <a:r>
+              <a:rPr lang="en-CA" dirty="0"/>
+              <a:t>Neighborhoods</a:t>
+            </a:r>
+          </a:p>
+        </p:txBody>
+      </p:sp>
+      <p:sp>
+        <p:nvSpPr>
+          <p:cNvPr id="11" name="Content Placeholder 10">
             <a:extLst>
               <a:ext uri="{FF2B5EF4-FFF2-40B4-BE49-F238E27FC236}">
-                <a16:creationId xmlns:a16="http://schemas.microsoft.com/office/drawing/2014/main" id="{8183B504-BDF3-2291-2B79-C3B3F8DBFE68}"/>
+                <a16:creationId xmlns:a16="http://schemas.microsoft.com/office/drawing/2014/main" id="{ECF19495-D46C-B566-020C-49AD96F38C4D}"/>
               </a:ext>
             </a:extLst>
           </p:cNvPr>
@@ -8361,65 +7857,488 @@
             <a:spLocks noGrp="1"/>
           </p:cNvSpPr>
           <p:nvPr>
-            <p:ph idx="1"/>
-          </p:nvPr>
-        </p:nvSpPr>
+            <p:ph sz="half" idx="2"/>
+          </p:nvPr>
+        </p:nvSpPr>
+        <p:spPr/>
+        <p:txBody>
+          <a:bodyPr/>
+          <a:lstStyle/>
+          <a:p>
+            <a:r>
+              <a:rPr lang="en-US" altLang="en-US" dirty="0">
+                <a:solidFill>
+                  <a:srgbClr val="000000"/>
+                </a:solidFill>
+                <a:latin typeface="Courier New" panose="02070309020205020404" pitchFamily="49" charset="0"/>
+                <a:cs typeface="Courier New" panose="02070309020205020404" pitchFamily="49" charset="0"/>
+              </a:rPr>
+              <a:t>The r-squared is:</a:t>
+            </a:r>
+            <a:r>
+              <a:rPr kumimoji="0" lang="en-US" altLang="en-US" sz="2000" b="0" i="0" u="none" strike="noStrike" cap="none" normalizeH="0" baseline="0" dirty="0">
+                <a:ln>
+                  <a:noFill/>
+                </a:ln>
+                <a:solidFill>
+                  <a:srgbClr val="000000"/>
+                </a:solidFill>
+                <a:effectLst/>
+                <a:latin typeface="Courier New" panose="02070309020205020404" pitchFamily="49" charset="0"/>
+                <a:cs typeface="Courier New" panose="02070309020205020404" pitchFamily="49" charset="0"/>
+              </a:rPr>
+              <a:t> 11.5%</a:t>
+            </a:r>
+            <a:endParaRPr lang="en-US" altLang="en-US" dirty="0">
+              <a:solidFill>
+                <a:srgbClr val="000000"/>
+              </a:solidFill>
+              <a:latin typeface="Courier New" panose="02070309020205020404" pitchFamily="49" charset="0"/>
+              <a:cs typeface="Courier New" panose="02070309020205020404" pitchFamily="49" charset="0"/>
+            </a:endParaRPr>
+          </a:p>
+          <a:p>
+            <a:endParaRPr lang="en-CA" dirty="0"/>
+          </a:p>
+        </p:txBody>
+      </p:sp>
+      <p:sp>
+        <p:nvSpPr>
+          <p:cNvPr id="8" name="Rectangle 1">
+            <a:extLst>
+              <a:ext uri="{FF2B5EF4-FFF2-40B4-BE49-F238E27FC236}">
+                <a16:creationId xmlns:a16="http://schemas.microsoft.com/office/drawing/2014/main" id="{F1410BBA-68AE-34B0-2D8A-0C5BC109D97B}"/>
+              </a:ext>
+            </a:extLst>
+          </p:cNvPr>
+          <p:cNvSpPr>
+            <a:spLocks noChangeArrowheads="1"/>
+          </p:cNvSpPr>
+          <p:nvPr/>
+        </p:nvSpPr>
+        <p:spPr bwMode="auto">
+          <a:xfrm>
+            <a:off x="0" y="167044"/>
+            <a:ext cx="25648" cy="123111"/>
+          </a:xfrm>
+          <a:prstGeom prst="rect">
+            <a:avLst/>
+          </a:prstGeom>
+          <a:solidFill>
+            <a:srgbClr val="FFFFFF"/>
+          </a:solidFill>
+          <a:ln>
+            <a:noFill/>
+          </a:ln>
+          <a:effectLst/>
+          <a:extLst>
+            <a:ext uri="{91240B29-F687-4F45-9708-019B960494DF}">
+              <a14:hiddenLine xmlns:a14="http://schemas.microsoft.com/office/drawing/2010/main" w="9525">
+                <a:solidFill>
+                  <a:schemeClr val="tx1"/>
+                </a:solidFill>
+                <a:miter lim="800000"/>
+                <a:headEnd/>
+                <a:tailEnd/>
+              </a14:hiddenLine>
+            </a:ext>
+            <a:ext uri="{AF507438-7753-43E0-B8FC-AC1667EBCBE1}">
+              <a14:hiddenEffects xmlns:a14="http://schemas.microsoft.com/office/drawing/2010/main">
+                <a:effectLst>
+                  <a:outerShdw dist="35921" dir="2700000" algn="ctr" rotWithShape="0">
+                    <a:schemeClr val="bg2"/>
+                  </a:outerShdw>
+                </a:effectLst>
+              </a14:hiddenEffects>
+            </a:ext>
+          </a:extLst>
+        </p:spPr>
+        <p:txBody>
+          <a:bodyPr vert="horz" wrap="none" lIns="0" tIns="0" rIns="0" bIns="0" numCol="1" anchor="ctr" anchorCtr="0" compatLnSpc="1">
+            <a:prstTxWarp prst="textNoShape">
+              <a:avLst/>
+            </a:prstTxWarp>
+            <a:spAutoFit/>
+          </a:bodyPr>
+          <a:lstStyle/>
+          <a:p>
+            <a:pPr marL="0" marR="0" lvl="0" indent="0" algn="l" defTabSz="914400" rtl="0" eaLnBrk="0" fontAlgn="base" latinLnBrk="0" hangingPunct="0">
+              <a:lnSpc>
+                <a:spcPct val="100000"/>
+              </a:lnSpc>
+              <a:spcBef>
+                <a:spcPct val="0"/>
+              </a:spcBef>
+              <a:spcAft>
+                <a:spcPct val="0"/>
+              </a:spcAft>
+              <a:buClrTx/>
+              <a:buSzTx/>
+              <a:buFontTx/>
+              <a:buNone/>
+              <a:tabLst/>
+            </a:pPr>
+            <a:r>
+              <a:rPr kumimoji="0" lang="en-US" altLang="en-US" sz="800" b="0" i="0" u="none" strike="noStrike" cap="none" normalizeH="0" baseline="0" dirty="0">
+                <a:ln>
+                  <a:noFill/>
+                </a:ln>
+                <a:solidFill>
+                  <a:schemeClr val="tx1"/>
+                </a:solidFill>
+                <a:effectLst/>
+              </a:rPr>
+              <a:t> </a:t>
+            </a:r>
+            <a:endParaRPr kumimoji="0" lang="en-US" altLang="en-US" sz="1800" b="0" i="0" u="none" strike="noStrike" cap="none" normalizeH="0" baseline="0" dirty="0">
+              <a:ln>
+                <a:noFill/>
+              </a:ln>
+              <a:solidFill>
+                <a:schemeClr val="tx1"/>
+              </a:solidFill>
+              <a:effectLst/>
+              <a:latin typeface="Arial" panose="020B0604020202020204" pitchFamily="34" charset="0"/>
+            </a:endParaRPr>
+          </a:p>
+        </p:txBody>
+      </p:sp>
+      <p:sp>
+        <p:nvSpPr>
+          <p:cNvPr id="9" name="Rectangle 1">
+            <a:extLst>
+              <a:ext uri="{FF2B5EF4-FFF2-40B4-BE49-F238E27FC236}">
+                <a16:creationId xmlns:a16="http://schemas.microsoft.com/office/drawing/2014/main" id="{7F9B93F6-954F-0114-383C-EC5B33B7FD28}"/>
+              </a:ext>
+            </a:extLst>
+          </p:cNvPr>
+          <p:cNvSpPr>
+            <a:spLocks noChangeArrowheads="1"/>
+          </p:cNvSpPr>
+          <p:nvPr/>
+        </p:nvSpPr>
+        <p:spPr bwMode="auto">
+          <a:xfrm>
+            <a:off x="0" y="167044"/>
+            <a:ext cx="25648" cy="123111"/>
+          </a:xfrm>
+          <a:prstGeom prst="rect">
+            <a:avLst/>
+          </a:prstGeom>
+          <a:solidFill>
+            <a:srgbClr val="FFFFFF"/>
+          </a:solidFill>
+          <a:ln>
+            <a:noFill/>
+          </a:ln>
+          <a:effectLst/>
+          <a:extLst>
+            <a:ext uri="{91240B29-F687-4F45-9708-019B960494DF}">
+              <a14:hiddenLine xmlns:a14="http://schemas.microsoft.com/office/drawing/2010/main" w="9525">
+                <a:solidFill>
+                  <a:schemeClr val="tx1"/>
+                </a:solidFill>
+                <a:miter lim="800000"/>
+                <a:headEnd/>
+                <a:tailEnd/>
+              </a14:hiddenLine>
+            </a:ext>
+            <a:ext uri="{AF507438-7753-43E0-B8FC-AC1667EBCBE1}">
+              <a14:hiddenEffects xmlns:a14="http://schemas.microsoft.com/office/drawing/2010/main">
+                <a:effectLst>
+                  <a:outerShdw dist="35921" dir="2700000" algn="ctr" rotWithShape="0">
+                    <a:schemeClr val="bg2"/>
+                  </a:outerShdw>
+                </a:effectLst>
+              </a14:hiddenEffects>
+            </a:ext>
+          </a:extLst>
+        </p:spPr>
+        <p:txBody>
+          <a:bodyPr vert="horz" wrap="none" lIns="0" tIns="0" rIns="0" bIns="0" numCol="1" anchor="ctr" anchorCtr="0" compatLnSpc="1">
+            <a:prstTxWarp prst="textNoShape">
+              <a:avLst/>
+            </a:prstTxWarp>
+            <a:spAutoFit/>
+          </a:bodyPr>
+          <a:lstStyle/>
+          <a:p>
+            <a:pPr marL="0" marR="0" lvl="0" indent="0" algn="l" defTabSz="914400" rtl="0" eaLnBrk="0" fontAlgn="base" latinLnBrk="0" hangingPunct="0">
+              <a:lnSpc>
+                <a:spcPct val="100000"/>
+              </a:lnSpc>
+              <a:spcBef>
+                <a:spcPct val="0"/>
+              </a:spcBef>
+              <a:spcAft>
+                <a:spcPct val="0"/>
+              </a:spcAft>
+              <a:buClrTx/>
+              <a:buSzTx/>
+              <a:buFontTx/>
+              <a:buNone/>
+              <a:tabLst/>
+            </a:pPr>
+            <a:r>
+              <a:rPr kumimoji="0" lang="en-US" altLang="en-US" sz="800" b="0" i="0" u="none" strike="noStrike" cap="none" normalizeH="0" baseline="0" dirty="0">
+                <a:ln>
+                  <a:noFill/>
+                </a:ln>
+                <a:solidFill>
+                  <a:schemeClr val="tx1"/>
+                </a:solidFill>
+                <a:effectLst/>
+              </a:rPr>
+              <a:t> </a:t>
+            </a:r>
+            <a:endParaRPr kumimoji="0" lang="en-US" altLang="en-US" sz="1800" b="0" i="0" u="none" strike="noStrike" cap="none" normalizeH="0" baseline="0" dirty="0">
+              <a:ln>
+                <a:noFill/>
+              </a:ln>
+              <a:solidFill>
+                <a:schemeClr val="tx1"/>
+              </a:solidFill>
+              <a:effectLst/>
+              <a:latin typeface="Arial" panose="020B0604020202020204" pitchFamily="34" charset="0"/>
+            </a:endParaRPr>
+          </a:p>
+        </p:txBody>
+      </p:sp>
+      <p:sp>
+        <p:nvSpPr>
+          <p:cNvPr id="3" name="Rectangle 1">
+            <a:extLst>
+              <a:ext uri="{FF2B5EF4-FFF2-40B4-BE49-F238E27FC236}">
+                <a16:creationId xmlns:a16="http://schemas.microsoft.com/office/drawing/2014/main" id="{DD10759B-A0CA-0FB9-E581-284259B21442}"/>
+              </a:ext>
+            </a:extLst>
+          </p:cNvPr>
+          <p:cNvSpPr>
+            <a:spLocks noChangeArrowheads="1"/>
+          </p:cNvSpPr>
+          <p:nvPr/>
+        </p:nvSpPr>
+        <p:spPr bwMode="auto">
+          <a:xfrm>
+            <a:off x="0" y="167044"/>
+            <a:ext cx="25648" cy="123111"/>
+          </a:xfrm>
+          <a:prstGeom prst="rect">
+            <a:avLst/>
+          </a:prstGeom>
+          <a:solidFill>
+            <a:srgbClr val="FFFFFF"/>
+          </a:solidFill>
+          <a:ln>
+            <a:noFill/>
+          </a:ln>
+          <a:effectLst/>
+          <a:extLst>
+            <a:ext uri="{91240B29-F687-4F45-9708-019B960494DF}">
+              <a14:hiddenLine xmlns:a14="http://schemas.microsoft.com/office/drawing/2010/main" w="9525">
+                <a:solidFill>
+                  <a:schemeClr val="tx1"/>
+                </a:solidFill>
+                <a:miter lim="800000"/>
+                <a:headEnd/>
+                <a:tailEnd/>
+              </a14:hiddenLine>
+            </a:ext>
+            <a:ext uri="{AF507438-7753-43E0-B8FC-AC1667EBCBE1}">
+              <a14:hiddenEffects xmlns:a14="http://schemas.microsoft.com/office/drawing/2010/main">
+                <a:effectLst>
+                  <a:outerShdw dist="35921" dir="2700000" algn="ctr" rotWithShape="0">
+                    <a:schemeClr val="bg2"/>
+                  </a:outerShdw>
+                </a:effectLst>
+              </a14:hiddenEffects>
+            </a:ext>
+          </a:extLst>
+        </p:spPr>
+        <p:txBody>
+          <a:bodyPr vert="horz" wrap="none" lIns="0" tIns="0" rIns="0" bIns="0" numCol="1" anchor="ctr" anchorCtr="0" compatLnSpc="1">
+            <a:prstTxWarp prst="textNoShape">
+              <a:avLst/>
+            </a:prstTxWarp>
+            <a:spAutoFit/>
+          </a:bodyPr>
+          <a:lstStyle/>
+          <a:p>
+            <a:pPr marL="0" marR="0" lvl="0" indent="0" algn="l" defTabSz="914400" rtl="0" eaLnBrk="0" fontAlgn="base" latinLnBrk="0" hangingPunct="0">
+              <a:lnSpc>
+                <a:spcPct val="100000"/>
+              </a:lnSpc>
+              <a:spcBef>
+                <a:spcPct val="0"/>
+              </a:spcBef>
+              <a:spcAft>
+                <a:spcPct val="0"/>
+              </a:spcAft>
+              <a:buClrTx/>
+              <a:buSzTx/>
+              <a:buFontTx/>
+              <a:buNone/>
+              <a:tabLst/>
+            </a:pPr>
+            <a:r>
+              <a:rPr kumimoji="0" lang="en-US" altLang="en-US" sz="800" b="0" i="0" u="none" strike="noStrike" cap="none" normalizeH="0" baseline="0" dirty="0">
+                <a:ln>
+                  <a:noFill/>
+                </a:ln>
+                <a:solidFill>
+                  <a:schemeClr val="tx1"/>
+                </a:solidFill>
+                <a:effectLst/>
+              </a:rPr>
+              <a:t> </a:t>
+            </a:r>
+            <a:endParaRPr kumimoji="0" lang="en-US" altLang="en-US" sz="1800" b="0" i="0" u="none" strike="noStrike" cap="none" normalizeH="0" baseline="0" dirty="0">
+              <a:ln>
+                <a:noFill/>
+              </a:ln>
+              <a:solidFill>
+                <a:schemeClr val="tx1"/>
+              </a:solidFill>
+              <a:effectLst/>
+              <a:latin typeface="Arial" panose="020B0604020202020204" pitchFamily="34" charset="0"/>
+            </a:endParaRPr>
+          </a:p>
+        </p:txBody>
+      </p:sp>
+      <p:pic>
+        <p:nvPicPr>
+          <p:cNvPr id="7" name="Content Placeholder 6">
+            <a:extLst>
+              <a:ext uri="{FF2B5EF4-FFF2-40B4-BE49-F238E27FC236}">
+                <a16:creationId xmlns:a16="http://schemas.microsoft.com/office/drawing/2014/main" id="{2847B7B0-653E-6E68-4193-45D2DCAE54E1}"/>
+              </a:ext>
+            </a:extLst>
+          </p:cNvPr>
+          <p:cNvPicPr>
+            <a:picLocks noGrp="1" noChangeAspect="1"/>
+          </p:cNvPicPr>
+          <p:nvPr>
+            <p:ph sz="quarter" idx="4"/>
+          </p:nvPr>
+        </p:nvPicPr>
+        <p:blipFill>
+          <a:blip r:embed="rId2"/>
+          <a:stretch>
+            <a:fillRect/>
+          </a:stretch>
+        </p:blipFill>
         <p:spPr>
           <a:xfrm>
-            <a:off x="1371600" y="1409700"/>
-            <a:ext cx="9601200" cy="4457700"/>
+            <a:off x="6096000" y="2738438"/>
+            <a:ext cx="5843587" cy="3895725"/>
           </a:xfrm>
         </p:spPr>
-        <p:txBody>
-          <a:bodyPr>
-            <a:normAutofit/>
+      </p:pic>
+      <p:sp>
+        <p:nvSpPr>
+          <p:cNvPr id="12" name="Rectangle 1">
+            <a:extLst>
+              <a:ext uri="{FF2B5EF4-FFF2-40B4-BE49-F238E27FC236}">
+                <a16:creationId xmlns:a16="http://schemas.microsoft.com/office/drawing/2014/main" id="{1F6008AA-9518-FE27-02AF-174BE81E3147}"/>
+              </a:ext>
+            </a:extLst>
+          </p:cNvPr>
+          <p:cNvSpPr>
+            <a:spLocks noChangeArrowheads="1"/>
+          </p:cNvSpPr>
+          <p:nvPr/>
+        </p:nvSpPr>
+        <p:spPr bwMode="auto">
+          <a:xfrm>
+            <a:off x="0" y="167044"/>
+            <a:ext cx="25648" cy="123111"/>
+          </a:xfrm>
+          <a:prstGeom prst="rect">
+            <a:avLst/>
+          </a:prstGeom>
+          <a:solidFill>
+            <a:srgbClr val="FFFFFF"/>
+          </a:solidFill>
+          <a:ln>
+            <a:noFill/>
+          </a:ln>
+          <a:effectLst/>
+          <a:extLst>
+            <a:ext uri="{91240B29-F687-4F45-9708-019B960494DF}">
+              <a14:hiddenLine xmlns:a14="http://schemas.microsoft.com/office/drawing/2010/main" w="9525">
+                <a:solidFill>
+                  <a:schemeClr val="tx1"/>
+                </a:solidFill>
+                <a:miter lim="800000"/>
+                <a:headEnd/>
+                <a:tailEnd/>
+              </a14:hiddenLine>
+            </a:ext>
+            <a:ext uri="{AF507438-7753-43E0-B8FC-AC1667EBCBE1}">
+              <a14:hiddenEffects xmlns:a14="http://schemas.microsoft.com/office/drawing/2010/main">
+                <a:effectLst>
+                  <a:outerShdw dist="35921" dir="2700000" algn="ctr" rotWithShape="0">
+                    <a:schemeClr val="bg2"/>
+                  </a:outerShdw>
+                </a:effectLst>
+              </a14:hiddenEffects>
+            </a:ext>
+          </a:extLst>
+        </p:spPr>
+        <p:txBody>
+          <a:bodyPr vert="horz" wrap="none" lIns="0" tIns="0" rIns="0" bIns="0" numCol="1" anchor="ctr" anchorCtr="0" compatLnSpc="1">
+            <a:prstTxWarp prst="textNoShape">
+              <a:avLst/>
+            </a:prstTxWarp>
+            <a:spAutoFit/>
           </a:bodyPr>
           <a:lstStyle/>
           <a:p>
-            <a:r>
-              <a:rPr lang="en-US" b="0" i="0" dirty="0">
-                <a:solidFill>
-                  <a:srgbClr val="24292F"/>
+            <a:pPr marL="0" marR="0" lvl="0" indent="0" algn="l" defTabSz="914400" rtl="0" eaLnBrk="0" fontAlgn="base" latinLnBrk="0" hangingPunct="0">
+              <a:lnSpc>
+                <a:spcPct val="100000"/>
+              </a:lnSpc>
+              <a:spcBef>
+                <a:spcPct val="0"/>
+              </a:spcBef>
+              <a:spcAft>
+                <a:spcPct val="0"/>
+              </a:spcAft>
+              <a:buClrTx/>
+              <a:buSzTx/>
+              <a:buFontTx/>
+              <a:buNone/>
+              <a:tabLst/>
+            </a:pPr>
+            <a:r>
+              <a:rPr kumimoji="0" lang="en-US" altLang="en-US" sz="800" b="0" i="0" u="none" strike="noStrike" cap="none" normalizeH="0" baseline="0" dirty="0">
+                <a:ln>
+                  <a:noFill/>
+                </a:ln>
+                <a:solidFill>
+                  <a:schemeClr val="tx1"/>
                 </a:solidFill>
                 <a:effectLst/>
-                <a:latin typeface="-apple-system"/>
-              </a:rPr>
-              <a:t>The pie chart for crime rate vs premises type shows that crime, regardless of type, happens most often outside, then in apartments, and commercial locations, and least happens in education and transit areas. While crimes happening outside is a redundant information, the relatively high percentages of crime occurrences in apartments (24%), commercial buildings (20.5%), and houses (17.8%) important because they are accounted for in calculating the premium.</a:t>
-            </a:r>
-          </a:p>
-          <a:p>
-            <a:r>
-              <a:rPr lang="en-US" b="0" i="0" dirty="0">
-                <a:solidFill>
-                  <a:srgbClr val="24292F"/>
-                </a:solidFill>
-                <a:effectLst/>
-                <a:latin typeface="-apple-system"/>
-              </a:rPr>
-              <a:t>Crime rate doesn't show any significant changes during seasons. The insurance company does not have to take climate into account when calculating premium.</a:t>
-            </a:r>
-          </a:p>
-          <a:p>
-            <a:r>
-              <a:rPr lang="en-US" b="0" i="0" dirty="0">
-                <a:solidFill>
-                  <a:srgbClr val="24292F"/>
-                </a:solidFill>
-                <a:effectLst/>
-                <a:latin typeface="-apple-system"/>
-              </a:rPr>
-              <a:t>Crime rate doesn't show any significant changes during weekdays or weekends, which indicates that premiums be equal regardless of whether the insurance company's clients operate on weekdays or weekends.</a:t>
-            </a:r>
-          </a:p>
-          <a:p>
-            <a:endParaRPr lang="en-CA" dirty="0"/>
+              </a:rPr>
+              <a:t> </a:t>
+            </a:r>
+            <a:endParaRPr kumimoji="0" lang="en-US" altLang="en-US" sz="1800" b="0" i="0" u="none" strike="noStrike" cap="none" normalizeH="0" baseline="0" dirty="0">
+              <a:ln>
+                <a:noFill/>
+              </a:ln>
+              <a:solidFill>
+                <a:schemeClr val="tx1"/>
+              </a:solidFill>
+              <a:effectLst/>
+              <a:latin typeface="Arial" panose="020B0604020202020204" pitchFamily="34" charset="0"/>
+            </a:endParaRPr>
           </a:p>
         </p:txBody>
       </p:sp>
     </p:spTree>
     <p:extLst>
       <p:ext uri="{BB962C8B-B14F-4D97-AF65-F5344CB8AC3E}">
-        <p14:creationId xmlns:p14="http://schemas.microsoft.com/office/powerpoint/2010/main" val="1592626981"/>
+        <p14:creationId xmlns:p14="http://schemas.microsoft.com/office/powerpoint/2010/main" val="2698603318"/>
       </p:ext>
     </p:extLst>
   </p:cSld>
@@ -8451,7 +8370,7 @@
           <p:cNvPr id="2" name="Title 1">
             <a:extLst>
               <a:ext uri="{FF2B5EF4-FFF2-40B4-BE49-F238E27FC236}">
-                <a16:creationId xmlns:a16="http://schemas.microsoft.com/office/drawing/2014/main" id="{DB2A66A4-0466-72DD-A15E-66910EA4D15E}"/>
+                <a16:creationId xmlns:a16="http://schemas.microsoft.com/office/drawing/2014/main" id="{3697EB47-A81A-690D-10F3-5E0C6E313FF9}"/>
               </a:ext>
             </a:extLst>
           </p:cNvPr>
@@ -8468,84 +8387,223 @@
           <a:lstStyle/>
           <a:p>
             <a:r>
-              <a:rPr lang="en-CA" dirty="0"/>
-              <a:t>Summary and Results</a:t>
-            </a:r>
-          </a:p>
-        </p:txBody>
-      </p:sp>
-      <p:sp>
-        <p:nvSpPr>
-          <p:cNvPr id="3" name="Content Placeholder 2">
+              <a:rPr lang="en-US" dirty="0"/>
+              <a:t>Risk Factor</a:t>
+            </a:r>
+          </a:p>
+        </p:txBody>
+      </p:sp>
+      <p:sp>
+        <p:nvSpPr>
+          <p:cNvPr id="7" name="TextBox 6">
             <a:extLst>
               <a:ext uri="{FF2B5EF4-FFF2-40B4-BE49-F238E27FC236}">
-                <a16:creationId xmlns:a16="http://schemas.microsoft.com/office/drawing/2014/main" id="{8183B504-BDF3-2291-2B79-C3B3F8DBFE68}"/>
+                <a16:creationId xmlns:a16="http://schemas.microsoft.com/office/drawing/2014/main" id="{020182A9-5453-08C9-7396-C6D259E7A653}"/>
               </a:ext>
             </a:extLst>
           </p:cNvPr>
-          <p:cNvSpPr>
-            <a:spLocks noGrp="1"/>
-          </p:cNvSpPr>
-          <p:nvPr>
-            <p:ph idx="1"/>
-          </p:nvPr>
+          <p:cNvSpPr txBox="1"/>
+          <p:nvPr/>
         </p:nvSpPr>
         <p:spPr>
           <a:xfrm>
-            <a:off x="1371600" y="1409700"/>
-            <a:ext cx="9601200" cy="4457700"/>
+            <a:off x="1184639" y="2358023"/>
+            <a:ext cx="3966962" cy="2708434"/>
           </a:xfrm>
+          <a:prstGeom prst="rect">
+            <a:avLst/>
+          </a:prstGeom>
+          <a:noFill/>
         </p:spPr>
         <p:txBody>
-          <a:bodyPr>
-            <a:normAutofit/>
+          <a:bodyPr wrap="square" rtlCol="0">
+            <a:spAutoFit/>
           </a:bodyPr>
           <a:lstStyle/>
           <a:p>
-            <a:r>
-              <a:rPr lang="en-US" b="0" i="0" dirty="0">
+            <a:pPr marL="285750" indent="-285750">
+              <a:buFont typeface="Arial" panose="020B0604020202020204" pitchFamily="34" charset="0"/>
+              <a:buChar char="•"/>
+            </a:pPr>
+            <a:r>
+              <a:rPr lang="en-US" sz="1900" dirty="0">
                 <a:solidFill>
                   <a:srgbClr val="24292F"/>
                 </a:solidFill>
-                <a:effectLst/>
                 <a:latin typeface="-apple-system"/>
               </a:rPr>
-              <a:t>Crime rate shows that most crimes happen during the evening and least happen in the morning. Time of day can be accounted for when calculating premium. For example, if a business operates in a relatively high-risk area as well as at night, the insurance company may apply a higher risk factor, which results in a higher premium cost.</a:t>
-            </a:r>
-          </a:p>
-          <a:p>
-            <a:r>
-              <a:rPr lang="en-US" b="0" i="0" dirty="0">
+              <a:t>Risk factors were calculated via a predefined formula based on the mean and standard deviation and bounded by user input</a:t>
+            </a:r>
+          </a:p>
+          <a:p>
+            <a:pPr marL="285750" indent="-285750">
+              <a:buFont typeface="Arial" panose="020B0604020202020204" pitchFamily="34" charset="0"/>
+              <a:buChar char="•"/>
+            </a:pPr>
+            <a:endParaRPr lang="en-US" sz="1900" dirty="0">
+              <a:solidFill>
+                <a:srgbClr val="24292F"/>
+              </a:solidFill>
+              <a:latin typeface="-apple-system"/>
+            </a:endParaRPr>
+          </a:p>
+          <a:p>
+            <a:pPr marL="285750" indent="-285750">
+              <a:buFont typeface="Arial" panose="020B0604020202020204" pitchFamily="34" charset="0"/>
+              <a:buChar char="•"/>
+            </a:pPr>
+            <a:r>
+              <a:rPr lang="en-US" sz="1900" dirty="0">
                 <a:solidFill>
                   <a:srgbClr val="24292F"/>
                 </a:solidFill>
-                <a:effectLst/>
                 <a:latin typeface="-apple-system"/>
               </a:rPr>
-              <a:t>The regression model of crime rates in Toronto shows a gradual increase annually, but with an r-squared value of 0.12, which indicates that the relationship between crime rates and time is neither strong in positive nor negative direction.</a:t>
-            </a:r>
-          </a:p>
-          <a:p>
-            <a:r>
-              <a:rPr lang="en-US" b="0" i="0" dirty="0">
-                <a:solidFill>
-                  <a:srgbClr val="24292F"/>
-                </a:solidFill>
-                <a:effectLst/>
-                <a:latin typeface="-apple-system"/>
-              </a:rPr>
-              <a:t>The regression models of crime rates for 5 most and least safe neighborhood plotted as well. While some have a strong correlation, others show a very marginal r-squared value, so it is difficult to assume that the risk factors would naturally increase over the years.</a:t>
-            </a:r>
-          </a:p>
-          <a:p>
-            <a:endParaRPr lang="en-CA" dirty="0"/>
-          </a:p>
-        </p:txBody>
-      </p:sp>
+              <a:t>Risk factors were calculated for all statistically significant findings which was true for all categories</a:t>
+            </a:r>
+          </a:p>
+          <a:p>
+            <a:r>
+              <a:rPr lang="en-US" dirty="0"/>
+              <a:t> </a:t>
+            </a:r>
+          </a:p>
+        </p:txBody>
+      </p:sp>
+      <p:pic>
+        <p:nvPicPr>
+          <p:cNvPr id="9" name="Picture 8">
+            <a:extLst>
+              <a:ext uri="{FF2B5EF4-FFF2-40B4-BE49-F238E27FC236}">
+                <a16:creationId xmlns:a16="http://schemas.microsoft.com/office/drawing/2014/main" id="{8FBC3715-DCD3-3DC5-267A-949AA15D53A4}"/>
+              </a:ext>
+            </a:extLst>
+          </p:cNvPr>
+          <p:cNvPicPr>
+            <a:picLocks noChangeAspect="1"/>
+          </p:cNvPicPr>
+          <p:nvPr/>
+        </p:nvPicPr>
+        <p:blipFill>
+          <a:blip r:embed="rId2"/>
+          <a:stretch>
+            <a:fillRect/>
+          </a:stretch>
+        </p:blipFill>
+        <p:spPr>
+          <a:xfrm>
+            <a:off x="8425413" y="1148715"/>
+            <a:ext cx="3387345" cy="4195689"/>
+          </a:xfrm>
+          <a:prstGeom prst="rect">
+            <a:avLst/>
+          </a:prstGeom>
+        </p:spPr>
+      </p:pic>
+      <p:sp>
+        <p:nvSpPr>
+          <p:cNvPr id="12" name="TextBox 11">
+            <a:extLst>
+              <a:ext uri="{FF2B5EF4-FFF2-40B4-BE49-F238E27FC236}">
+                <a16:creationId xmlns:a16="http://schemas.microsoft.com/office/drawing/2014/main" id="{F7A1059E-3AFC-58DF-B990-3637CF39AEE8}"/>
+              </a:ext>
+            </a:extLst>
+          </p:cNvPr>
+          <p:cNvSpPr txBox="1"/>
+          <p:nvPr/>
+        </p:nvSpPr>
+        <p:spPr>
+          <a:xfrm>
+            <a:off x="6051926" y="740669"/>
+            <a:ext cx="1473160" cy="369332"/>
+          </a:xfrm>
+          <a:prstGeom prst="rect">
+            <a:avLst/>
+          </a:prstGeom>
+          <a:noFill/>
+        </p:spPr>
+        <p:txBody>
+          <a:bodyPr wrap="none" rtlCol="0">
+            <a:spAutoFit/>
+          </a:bodyPr>
+          <a:lstStyle/>
+          <a:p>
+            <a:r>
+              <a:rPr lang="en-US" b="1" dirty="0"/>
+              <a:t>Premise Type</a:t>
+            </a:r>
+          </a:p>
+        </p:txBody>
+      </p:sp>
+      <p:sp>
+        <p:nvSpPr>
+          <p:cNvPr id="13" name="TextBox 12">
+            <a:extLst>
+              <a:ext uri="{FF2B5EF4-FFF2-40B4-BE49-F238E27FC236}">
+                <a16:creationId xmlns:a16="http://schemas.microsoft.com/office/drawing/2014/main" id="{F41B0935-94F2-6816-5392-2D375AA01B61}"/>
+              </a:ext>
+            </a:extLst>
+          </p:cNvPr>
+          <p:cNvSpPr txBox="1"/>
+          <p:nvPr/>
+        </p:nvSpPr>
+        <p:spPr>
+          <a:xfrm>
+            <a:off x="9382505" y="740669"/>
+            <a:ext cx="1666290" cy="369332"/>
+          </a:xfrm>
+          <a:prstGeom prst="rect">
+            <a:avLst/>
+          </a:prstGeom>
+          <a:noFill/>
+        </p:spPr>
+        <p:txBody>
+          <a:bodyPr wrap="none" rtlCol="0">
+            <a:spAutoFit/>
+          </a:bodyPr>
+          <a:lstStyle/>
+          <a:p>
+            <a:r>
+              <a:rPr lang="en-US" b="1" dirty="0"/>
+              <a:t>Neighborhoods</a:t>
+            </a:r>
+          </a:p>
+        </p:txBody>
+      </p:sp>
+      <p:pic>
+        <p:nvPicPr>
+          <p:cNvPr id="15" name="Picture 14">
+            <a:extLst>
+              <a:ext uri="{FF2B5EF4-FFF2-40B4-BE49-F238E27FC236}">
+                <a16:creationId xmlns:a16="http://schemas.microsoft.com/office/drawing/2014/main" id="{BC627680-9B91-8BC7-F89B-A923BDA26B68}"/>
+              </a:ext>
+            </a:extLst>
+          </p:cNvPr>
+          <p:cNvPicPr>
+            <a:picLocks noChangeAspect="1"/>
+          </p:cNvPicPr>
+          <p:nvPr/>
+        </p:nvPicPr>
+        <p:blipFill>
+          <a:blip r:embed="rId3"/>
+          <a:stretch>
+            <a:fillRect/>
+          </a:stretch>
+        </p:blipFill>
+        <p:spPr>
+          <a:xfrm>
+            <a:off x="5339744" y="1161464"/>
+            <a:ext cx="2897525" cy="3082171"/>
+          </a:xfrm>
+          <a:prstGeom prst="rect">
+            <a:avLst/>
+          </a:prstGeom>
+        </p:spPr>
+      </p:pic>
     </p:spTree>
     <p:extLst>
       <p:ext uri="{BB962C8B-B14F-4D97-AF65-F5344CB8AC3E}">
-        <p14:creationId xmlns:p14="http://schemas.microsoft.com/office/powerpoint/2010/main" val="1080916423"/>
+        <p14:creationId xmlns:p14="http://schemas.microsoft.com/office/powerpoint/2010/main" val="3945351040"/>
       </p:ext>
     </p:extLst>
   </p:cSld>
@@ -8577,7 +8635,7 @@
           <p:cNvPr id="2" name="Title 1">
             <a:extLst>
               <a:ext uri="{FF2B5EF4-FFF2-40B4-BE49-F238E27FC236}">
-                <a16:creationId xmlns:a16="http://schemas.microsoft.com/office/drawing/2014/main" id="{F1C1AC54-CDF2-F669-6B0A-689BED87B5F3}"/>
+                <a16:creationId xmlns:a16="http://schemas.microsoft.com/office/drawing/2014/main" id="{08F6DCCF-81CB-EAA5-420A-F1E21683A02D}"/>
               </a:ext>
             </a:extLst>
           </p:cNvPr>
@@ -8588,19 +8646,14 @@
             <p:ph type="title"/>
           </p:nvPr>
         </p:nvSpPr>
-        <p:spPr>
-          <a:xfrm>
-            <a:off x="1371600" y="685800"/>
-            <a:ext cx="9601200" cy="1057275"/>
-          </a:xfrm>
-        </p:spPr>
+        <p:spPr/>
         <p:txBody>
           <a:bodyPr/>
           <a:lstStyle/>
           <a:p>
             <a:r>
               <a:rPr lang="en-CA" dirty="0"/>
-              <a:t>Agenda</a:t>
+              <a:t>Data Sources</a:t>
             </a:r>
           </a:p>
         </p:txBody>
@@ -8610,7 +8663,7 @@
           <p:cNvPr id="3" name="Content Placeholder 2">
             <a:extLst>
               <a:ext uri="{FF2B5EF4-FFF2-40B4-BE49-F238E27FC236}">
-                <a16:creationId xmlns:a16="http://schemas.microsoft.com/office/drawing/2014/main" id="{A28296EF-B78E-E694-5534-09DFB2D8EB83}"/>
+                <a16:creationId xmlns:a16="http://schemas.microsoft.com/office/drawing/2014/main" id="{941BD0C8-BE10-C349-15BC-FFC2C5DEA7E5}"/>
               </a:ext>
             </a:extLst>
           </p:cNvPr>
@@ -8623,8 +8676,8 @@
         </p:nvSpPr>
         <p:spPr>
           <a:xfrm>
-            <a:off x="1371600" y="1809750"/>
-            <a:ext cx="9601200" cy="4057650"/>
+            <a:off x="819397" y="1681843"/>
+            <a:ext cx="11150929" cy="4885212"/>
           </a:xfrm>
         </p:spPr>
         <p:txBody>
@@ -8633,229 +8686,244 @@
           </a:bodyPr>
           <a:lstStyle/>
           <a:p>
-            <a:r>
-              <a:rPr lang="en-US" b="0" i="0" dirty="0">
+            <a:pPr algn="l"/>
+            <a:r>
+              <a:rPr lang="en-CA" b="0" i="0" dirty="0">
                 <a:solidFill>
                   <a:srgbClr val="24292F"/>
                 </a:solidFill>
                 <a:effectLst/>
-                <a:latin typeface="ui-monospace"/>
-              </a:rPr>
-              <a:t>Resources</a:t>
-            </a:r>
-          </a:p>
-          <a:p>
-            <a:r>
-              <a:rPr lang="en-US" b="0" i="0" dirty="0">
+                <a:latin typeface="-apple-system"/>
+              </a:rPr>
+              <a:t>Toronto Major Crime Indicators</a:t>
+            </a:r>
+          </a:p>
+          <a:p>
+            <a:pPr lvl="1"/>
+            <a:r>
+              <a:rPr lang="en-CA" b="0" i="0" dirty="0">
                 <a:solidFill>
                   <a:srgbClr val="24292F"/>
                 </a:solidFill>
                 <a:effectLst/>
-                <a:latin typeface="ui-monospace"/>
-              </a:rPr>
-              <a:t>What are the safest Areas in GTA?</a:t>
-            </a:r>
-          </a:p>
-          <a:p>
-            <a:pPr lvl="1"/>
-            <a:r>
-              <a:rPr lang="en-US" b="0" i="0" dirty="0">
-                <a:solidFill>
-                  <a:srgbClr val="24292F"/>
-                </a:solidFill>
-                <a:effectLst/>
-                <a:latin typeface="ui-monospace"/>
-              </a:rPr>
-              <a:t>What are different types of Crime in GTA?</a:t>
-            </a:r>
-          </a:p>
-          <a:p>
-            <a:pPr lvl="1"/>
-            <a:r>
-              <a:rPr lang="en-US" dirty="0">
-                <a:solidFill>
-                  <a:srgbClr val="24292F"/>
-                </a:solidFill>
-                <a:latin typeface="ui-monospace"/>
-              </a:rPr>
-              <a:t>What are most and least safe 5 neighborhoods in GTA?</a:t>
-            </a:r>
-          </a:p>
-          <a:p>
-            <a:pPr lvl="1"/>
-            <a:r>
-              <a:rPr lang="en-US" b="0" i="0" dirty="0">
-                <a:solidFill>
-                  <a:srgbClr val="24292F"/>
-                </a:solidFill>
-                <a:effectLst/>
-                <a:latin typeface="ui-monospace"/>
-              </a:rPr>
-              <a:t>How crime rate does change during seasons?</a:t>
-            </a:r>
-          </a:p>
-          <a:p>
-            <a:pPr lvl="1"/>
-            <a:r>
-              <a:rPr lang="en-US" dirty="0">
-                <a:solidFill>
-                  <a:srgbClr val="24292F"/>
-                </a:solidFill>
-                <a:latin typeface="ui-monospace"/>
-              </a:rPr>
-              <a:t>How crime rate does change during weekday or weekends?</a:t>
-            </a:r>
-          </a:p>
-          <a:p>
-            <a:pPr lvl="1"/>
-            <a:r>
-              <a:rPr lang="en-US" b="0" i="0" dirty="0">
-                <a:solidFill>
-                  <a:srgbClr val="24292F"/>
-                </a:solidFill>
-                <a:effectLst/>
-                <a:latin typeface="ui-monospace"/>
-              </a:rPr>
-              <a:t>How crime rate does change during day/night?</a:t>
-            </a:r>
-          </a:p>
-          <a:p>
-            <a:pPr lvl="1"/>
-            <a:r>
-              <a:rPr lang="en-US" b="0" i="0" dirty="0">
-                <a:solidFill>
-                  <a:srgbClr val="24292F"/>
-                </a:solidFill>
-                <a:effectLst/>
-                <a:latin typeface="ui-monospace"/>
-              </a:rPr>
-              <a:t>How crime rate does change vs premises type?</a:t>
-            </a:r>
-          </a:p>
-          <a:p>
-            <a:pPr lvl="1"/>
-            <a:r>
-              <a:rPr lang="en-US" dirty="0">
-                <a:solidFill>
-                  <a:srgbClr val="24292F"/>
-                </a:solidFill>
-                <a:latin typeface="ui-monospace"/>
-              </a:rPr>
-              <a:t>How crime rate does vary in city of Toronto?</a:t>
-            </a:r>
-          </a:p>
-          <a:p>
-            <a:pPr lvl="1"/>
-            <a:r>
-              <a:rPr lang="en-US" b="0" i="0" dirty="0">
-                <a:solidFill>
-                  <a:srgbClr val="24292F"/>
-                </a:solidFill>
-                <a:effectLst/>
-                <a:latin typeface="ui-monospace"/>
-              </a:rPr>
-              <a:t>How crime rate v</a:t>
-            </a:r>
-            <a:r>
-              <a:rPr lang="en-US" dirty="0">
-                <a:solidFill>
-                  <a:srgbClr val="24292F"/>
-                </a:solidFill>
-                <a:latin typeface="ui-monospace"/>
-              </a:rPr>
-              <a:t>ary for most and least safe 5 neighborhoods?</a:t>
-            </a:r>
-            <a:endParaRPr lang="en-US" i="0" dirty="0">
+                <a:latin typeface="-apple-system"/>
+                <a:hlinkClick r:id="rId2"/>
+              </a:rPr>
+              <a:t>https://data.torontopolice.on.ca/search?q=crime</a:t>
+            </a:r>
+            <a:endParaRPr lang="en-CA" i="0" dirty="0">
               <a:solidFill>
                 <a:srgbClr val="24292F"/>
               </a:solidFill>
-              <a:latin typeface="ui-monospace"/>
+              <a:latin typeface="-apple-system"/>
             </a:endParaRPr>
           </a:p>
           <a:p>
-            <a:pPr marL="384048" lvl="1">
-              <a:spcBef>
-                <a:spcPts val="1000"/>
-              </a:spcBef>
-              <a:buFont typeface="Franklin Gothic Book" panose="020B0503020102020204" pitchFamily="34" charset="0"/>
-              <a:buChar char="■"/>
-            </a:pPr>
-            <a:r>
-              <a:rPr lang="en-US" sz="2100" i="0" dirty="0">
+            <a:pPr lvl="1"/>
+            <a:r>
+              <a:rPr lang="en-US" b="0" i="0" dirty="0">
                 <a:solidFill>
                   <a:srgbClr val="24292F"/>
                 </a:solidFill>
-                <a:latin typeface="ui-monospace"/>
-              </a:rPr>
-              <a:t>Summary and Results</a:t>
-            </a:r>
-          </a:p>
-          <a:p>
-            <a:pPr marL="384048" lvl="1">
-              <a:spcBef>
-                <a:spcPts val="1000"/>
-              </a:spcBef>
-              <a:buFont typeface="Franklin Gothic Book" panose="020B0503020102020204" pitchFamily="34" charset="0"/>
-              <a:buChar char="■"/>
-            </a:pPr>
-            <a:r>
-              <a:rPr lang="en-US" sz="2100" i="0" dirty="0">
+                <a:effectLst/>
+                <a:latin typeface="-apple-system"/>
+              </a:rPr>
+              <a:t>This dataset includes all Major Crime Indicators (MCI) occurrences by reported date and related offences from 2014 to June 30, 2022</a:t>
+            </a:r>
+          </a:p>
+          <a:p>
+            <a:pPr lvl="1"/>
+            <a:r>
+              <a:rPr lang="en-US" b="0" i="0" dirty="0">
                 <a:solidFill>
                   <a:srgbClr val="24292F"/>
                 </a:solidFill>
-                <a:latin typeface="ui-monospace"/>
-              </a:rPr>
-              <a:t>Q&amp;A</a:t>
+                <a:effectLst/>
+                <a:latin typeface="-apple-system"/>
+              </a:rPr>
+              <a:t>Maintained by Toronto Police Service</a:t>
+            </a:r>
+            <a:r>
+              <a:rPr lang="en-CA" b="0" i="0" dirty="0">
+                <a:solidFill>
+                  <a:srgbClr val="24292F"/>
+                </a:solidFill>
+                <a:effectLst/>
+                <a:latin typeface="-apple-system"/>
+              </a:rPr>
+              <a:t> </a:t>
             </a:r>
           </a:p>
           <a:p>
             <a:pPr lvl="1"/>
-            <a:endParaRPr lang="en-US" b="0" i="0" dirty="0">
+            <a:r>
+              <a:rPr lang="en-CA" b="0" i="0" dirty="0">
+                <a:solidFill>
+                  <a:srgbClr val="24292F"/>
+                </a:solidFill>
+                <a:effectLst/>
+                <a:latin typeface="-apple-system"/>
+              </a:rPr>
+              <a:t>CVS Format via GUI Download</a:t>
+            </a:r>
+          </a:p>
+          <a:p>
+            <a:pPr algn="l"/>
+            <a:r>
+              <a:rPr lang="en-CA" b="0" i="0" strike="noStrike" dirty="0">
+                <a:solidFill>
+                  <a:schemeClr val="tx1"/>
+                </a:solidFill>
+                <a:effectLst/>
+                <a:latin typeface="-apple-system"/>
+              </a:rPr>
+              <a:t>Toronto Open Data</a:t>
+            </a:r>
+          </a:p>
+          <a:p>
+            <a:pPr lvl="1"/>
+            <a:r>
+              <a:rPr lang="en-CA" b="0" i="0" strike="noStrike" dirty="0">
+                <a:solidFill>
+                  <a:schemeClr val="tx1"/>
+                </a:solidFill>
+                <a:effectLst/>
+                <a:latin typeface="-apple-system"/>
+                <a:hlinkClick r:id="rId3">
+                  <a:extLst>
+                    <a:ext uri="{A12FA001-AC4F-418D-AE19-62706E023703}">
+                      <ahyp:hlinkClr xmlns:ahyp="http://schemas.microsoft.com/office/drawing/2018/hyperlinkcolor" val="tx"/>
+                    </a:ext>
+                  </a:extLst>
+                </a:hlinkClick>
+              </a:rPr>
+              <a:t>https://open.toronto.ca/dataset/neighbourhood-profiles/</a:t>
+            </a:r>
+          </a:p>
+          <a:p>
+            <a:pPr lvl="1"/>
+            <a:r>
+              <a:rPr lang="en-CA" b="0" i="0" strike="noStrike" dirty="0">
+                <a:solidFill>
+                  <a:schemeClr val="tx1"/>
+                </a:solidFill>
+                <a:effectLst/>
+                <a:latin typeface="-apple-system"/>
+              </a:rPr>
+              <a:t>Census data collected and maintained by the City of Toronto</a:t>
+            </a:r>
+          </a:p>
+          <a:p>
+            <a:pPr lvl="1"/>
+            <a:r>
+              <a:rPr lang="en-CA" b="0" i="0" strike="noStrike" dirty="0">
+                <a:solidFill>
+                  <a:schemeClr val="tx1"/>
+                </a:solidFill>
+                <a:effectLst/>
+                <a:latin typeface="-apple-system"/>
+              </a:rPr>
+              <a:t>Text format via API Request</a:t>
+            </a:r>
+          </a:p>
+          <a:p>
+            <a:pPr lvl="1"/>
+            <a:endParaRPr lang="en-CA" b="0" i="0" u="none" strike="noStrike" dirty="0">
               <a:solidFill>
-                <a:srgbClr val="24292F"/>
+                <a:schemeClr val="tx1"/>
               </a:solidFill>
               <a:effectLst/>
-              <a:latin typeface="ui-monospace"/>
+              <a:latin typeface="-apple-system"/>
+              <a:hlinkClick r:id="rId3">
+                <a:extLst>
+                  <a:ext uri="{A12FA001-AC4F-418D-AE19-62706E023703}">
+                    <ahyp:hlinkClr xmlns:ahyp="http://schemas.microsoft.com/office/drawing/2018/hyperlinkcolor" val="tx"/>
+                  </a:ext>
+                </a:extLst>
+              </a:hlinkClick>
             </a:endParaRPr>
           </a:p>
           <a:p>
+            <a:pPr algn="l"/>
+            <a:r>
+              <a:rPr lang="en-CA" b="0" i="0" u="none" strike="noStrike" dirty="0">
+                <a:solidFill>
+                  <a:schemeClr val="tx1"/>
+                </a:solidFill>
+                <a:effectLst/>
+                <a:latin typeface="-apple-system"/>
+              </a:rPr>
+              <a:t>Google Maps API</a:t>
+            </a:r>
+          </a:p>
+          <a:p>
             <a:pPr lvl="1"/>
-            <a:endParaRPr lang="en-US" b="0" i="0" dirty="0">
+            <a:r>
+              <a:rPr lang="en-CA" b="0" i="0" dirty="0">
+                <a:solidFill>
+                  <a:schemeClr val="tx1"/>
+                </a:solidFill>
+                <a:effectLst/>
+                <a:latin typeface="-apple-system"/>
+              </a:rPr>
+              <a:t> </a:t>
+            </a:r>
+            <a:r>
+              <a:rPr lang="en-CA" b="0" i="0" u="none" strike="noStrike" dirty="0">
+                <a:solidFill>
+                  <a:schemeClr val="tx1"/>
+                </a:solidFill>
+                <a:effectLst/>
+                <a:latin typeface="-apple-system"/>
+                <a:hlinkClick r:id="rId4">
+                  <a:extLst>
+                    <a:ext uri="{A12FA001-AC4F-418D-AE19-62706E023703}">
+                      <ahyp:hlinkClr xmlns:ahyp="http://schemas.microsoft.com/office/drawing/2018/hyperlinkcolor" val="tx"/>
+                    </a:ext>
+                  </a:extLst>
+                </a:hlinkClick>
+              </a:rPr>
+              <a:t>https://developers.google.com/maps</a:t>
+            </a:r>
+            <a:endParaRPr lang="en-CA" b="0" i="0" u="none" strike="noStrike" dirty="0">
               <a:solidFill>
-                <a:srgbClr val="24292F"/>
+                <a:schemeClr val="tx1"/>
               </a:solidFill>
               <a:effectLst/>
-              <a:latin typeface="ui-monospace"/>
+              <a:latin typeface="-apple-system"/>
             </a:endParaRPr>
           </a:p>
           <a:p>
             <a:pPr lvl="1"/>
-            <a:endParaRPr lang="en-US" b="0" i="0" dirty="0">
-              <a:solidFill>
-                <a:srgbClr val="24292F"/>
-              </a:solidFill>
-              <a:effectLst/>
-              <a:latin typeface="ui-monospace"/>
-            </a:endParaRPr>
-          </a:p>
-          <a:p>
-            <a:endParaRPr lang="en-US" b="0" i="0" dirty="0">
-              <a:solidFill>
-                <a:srgbClr val="24292F"/>
-              </a:solidFill>
-              <a:effectLst/>
-              <a:latin typeface="ui-monospace"/>
-            </a:endParaRPr>
-          </a:p>
-          <a:p>
-            <a:endParaRPr lang="en-CA" dirty="0"/>
+            <a:r>
+              <a:rPr lang="en-CA" i="0" dirty="0">
+                <a:solidFill>
+                  <a:schemeClr val="tx1"/>
+                </a:solidFill>
+                <a:latin typeface="-apple-system"/>
+              </a:rPr>
+              <a:t>Google maintained location data</a:t>
+            </a:r>
+          </a:p>
+          <a:p>
+            <a:pPr lvl="1"/>
+            <a:r>
+              <a:rPr lang="en-CA" b="0" i="0" dirty="0">
+                <a:solidFill>
+                  <a:schemeClr val="tx1"/>
+                </a:solidFill>
+                <a:effectLst/>
+                <a:latin typeface="-apple-system"/>
+              </a:rPr>
+              <a:t>JSON format via API request</a:t>
+            </a:r>
           </a:p>
         </p:txBody>
       </p:sp>
     </p:spTree>
     <p:extLst>
       <p:ext uri="{BB962C8B-B14F-4D97-AF65-F5344CB8AC3E}">
-        <p14:creationId xmlns:p14="http://schemas.microsoft.com/office/powerpoint/2010/main" val="4185398795"/>
+        <p14:creationId xmlns:p14="http://schemas.microsoft.com/office/powerpoint/2010/main" val="3803339574"/>
       </p:ext>
     </p:extLst>
   </p:cSld>
@@ -8887,6 +8955,793 @@
           <p:cNvPr id="2" name="Title 1">
             <a:extLst>
               <a:ext uri="{FF2B5EF4-FFF2-40B4-BE49-F238E27FC236}">
+                <a16:creationId xmlns:a16="http://schemas.microsoft.com/office/drawing/2014/main" id="{DB2A66A4-0466-72DD-A15E-66910EA4D15E}"/>
+              </a:ext>
+            </a:extLst>
+          </p:cNvPr>
+          <p:cNvSpPr>
+            <a:spLocks noGrp="1"/>
+          </p:cNvSpPr>
+          <p:nvPr>
+            <p:ph type="title"/>
+          </p:nvPr>
+        </p:nvSpPr>
+        <p:spPr/>
+        <p:txBody>
+          <a:bodyPr/>
+          <a:lstStyle/>
+          <a:p>
+            <a:r>
+              <a:rPr lang="en-CA" dirty="0"/>
+              <a:t>Highlights</a:t>
+            </a:r>
+          </a:p>
+        </p:txBody>
+      </p:sp>
+      <p:sp>
+        <p:nvSpPr>
+          <p:cNvPr id="3" name="Content Placeholder 2">
+            <a:extLst>
+              <a:ext uri="{FF2B5EF4-FFF2-40B4-BE49-F238E27FC236}">
+                <a16:creationId xmlns:a16="http://schemas.microsoft.com/office/drawing/2014/main" id="{8183B504-BDF3-2291-2B79-C3B3F8DBFE68}"/>
+              </a:ext>
+            </a:extLst>
+          </p:cNvPr>
+          <p:cNvSpPr>
+            <a:spLocks noGrp="1"/>
+          </p:cNvSpPr>
+          <p:nvPr>
+            <p:ph idx="1"/>
+          </p:nvPr>
+        </p:nvSpPr>
+        <p:spPr>
+          <a:xfrm>
+            <a:off x="1371599" y="1476375"/>
+            <a:ext cx="9938825" cy="4695825"/>
+          </a:xfrm>
+        </p:spPr>
+        <p:txBody>
+          <a:bodyPr>
+            <a:normAutofit fontScale="85000" lnSpcReduction="20000"/>
+          </a:bodyPr>
+          <a:lstStyle/>
+          <a:p>
+            <a:r>
+              <a:rPr lang="en-US" b="0" i="0" dirty="0">
+                <a:solidFill>
+                  <a:srgbClr val="24292F"/>
+                </a:solidFill>
+                <a:effectLst/>
+                <a:latin typeface="-apple-system"/>
+              </a:rPr>
+              <a:t>The safest areas in GTA are: </a:t>
+            </a:r>
+          </a:p>
+          <a:p>
+            <a:pPr lvl="1"/>
+            <a:r>
+              <a:rPr lang="en-US" b="0" i="0" dirty="0">
+                <a:solidFill>
+                  <a:srgbClr val="24292F"/>
+                </a:solidFill>
+                <a:effectLst/>
+                <a:latin typeface="-apple-system"/>
+              </a:rPr>
+              <a:t>Pleasant View, </a:t>
+            </a:r>
+          </a:p>
+          <a:p>
+            <a:pPr lvl="1"/>
+            <a:r>
+              <a:rPr lang="en-US" b="0" i="0" dirty="0">
+                <a:solidFill>
+                  <a:srgbClr val="24292F"/>
+                </a:solidFill>
+                <a:effectLst/>
+                <a:latin typeface="-apple-system"/>
+              </a:rPr>
+              <a:t>Centennial Scarborough, </a:t>
+            </a:r>
+          </a:p>
+          <a:p>
+            <a:pPr lvl="1"/>
+            <a:r>
+              <a:rPr lang="en-US" b="0" i="0" dirty="0">
+                <a:solidFill>
+                  <a:srgbClr val="24292F"/>
+                </a:solidFill>
+                <a:effectLst/>
+                <a:latin typeface="-apple-system"/>
+              </a:rPr>
+              <a:t>Mount Pleasant East, </a:t>
+            </a:r>
+          </a:p>
+          <a:p>
+            <a:pPr lvl="1"/>
+            <a:r>
+              <a:rPr lang="en-US" b="0" i="0" dirty="0">
+                <a:solidFill>
+                  <a:srgbClr val="24292F"/>
+                </a:solidFill>
+                <a:effectLst/>
+                <a:latin typeface="-apple-system"/>
+              </a:rPr>
+              <a:t>Yonge </a:t>
+            </a:r>
+            <a:r>
+              <a:rPr lang="en-US" b="0" i="0" dirty="0" err="1">
+                <a:solidFill>
+                  <a:srgbClr val="24292F"/>
+                </a:solidFill>
+                <a:effectLst/>
+                <a:latin typeface="-apple-system"/>
+              </a:rPr>
+              <a:t>St.Clair</a:t>
+            </a:r>
+            <a:r>
+              <a:rPr lang="en-US" b="0" i="0" dirty="0">
+                <a:solidFill>
+                  <a:srgbClr val="24292F"/>
+                </a:solidFill>
+                <a:effectLst/>
+                <a:latin typeface="-apple-system"/>
+              </a:rPr>
+              <a:t> and </a:t>
+            </a:r>
+          </a:p>
+          <a:p>
+            <a:pPr lvl="1"/>
+            <a:r>
+              <a:rPr lang="en-US" b="0" i="0" dirty="0">
+                <a:solidFill>
+                  <a:srgbClr val="24292F"/>
+                </a:solidFill>
+                <a:effectLst/>
+                <a:latin typeface="-apple-system"/>
+              </a:rPr>
+              <a:t>Steels. </a:t>
+            </a:r>
+          </a:p>
+          <a:p>
+            <a:r>
+              <a:rPr lang="en-US" b="0" i="0" dirty="0">
+                <a:solidFill>
+                  <a:srgbClr val="24292F"/>
+                </a:solidFill>
+                <a:effectLst/>
+                <a:latin typeface="-apple-system"/>
+              </a:rPr>
+              <a:t>Five least safe areas are: </a:t>
+            </a:r>
+          </a:p>
+          <a:p>
+            <a:pPr lvl="1"/>
+            <a:r>
+              <a:rPr lang="en-US" b="0" i="0" dirty="0">
+                <a:solidFill>
+                  <a:srgbClr val="24292F"/>
+                </a:solidFill>
+                <a:effectLst/>
+                <a:latin typeface="-apple-system"/>
+              </a:rPr>
+              <a:t>Moss Park, </a:t>
+            </a:r>
+          </a:p>
+          <a:p>
+            <a:pPr lvl="1"/>
+            <a:r>
+              <a:rPr lang="en-US" b="0" i="0" dirty="0">
+                <a:solidFill>
+                  <a:srgbClr val="24292F"/>
+                </a:solidFill>
+                <a:effectLst/>
+                <a:latin typeface="-apple-system"/>
+              </a:rPr>
+              <a:t>Bay Street Corridor, </a:t>
+            </a:r>
+          </a:p>
+          <a:p>
+            <a:pPr lvl="1"/>
+            <a:r>
+              <a:rPr lang="en-US" b="0" i="0" dirty="0">
+                <a:solidFill>
+                  <a:srgbClr val="24292F"/>
+                </a:solidFill>
+                <a:effectLst/>
+                <a:latin typeface="-apple-system"/>
+              </a:rPr>
+              <a:t>Church-Yonge Corridor, </a:t>
+            </a:r>
+          </a:p>
+          <a:p>
+            <a:pPr lvl="1"/>
+            <a:r>
+              <a:rPr lang="en-US" b="0" i="0" dirty="0">
+                <a:solidFill>
+                  <a:srgbClr val="24292F"/>
+                </a:solidFill>
+                <a:effectLst/>
+                <a:latin typeface="-apple-system"/>
+              </a:rPr>
+              <a:t>Kensington-China Town and </a:t>
+            </a:r>
+          </a:p>
+          <a:p>
+            <a:pPr lvl="1"/>
+            <a:r>
+              <a:rPr lang="en-US" b="0" i="0" dirty="0">
+                <a:solidFill>
+                  <a:srgbClr val="24292F"/>
+                </a:solidFill>
+                <a:effectLst/>
+                <a:latin typeface="-apple-system"/>
+              </a:rPr>
+              <a:t>University, indicating high risk factors.</a:t>
+            </a:r>
+          </a:p>
+          <a:p>
+            <a:r>
+              <a:rPr lang="en-US" b="0" i="0" dirty="0">
+                <a:solidFill>
+                  <a:srgbClr val="24292F"/>
+                </a:solidFill>
+                <a:effectLst/>
+                <a:latin typeface="-apple-system"/>
+              </a:rPr>
+              <a:t>Most crimes occur in the evening (6.00pm to 12.00am) and the least crimes occur in the morning (6.00am to 12.00pm)</a:t>
+            </a:r>
+          </a:p>
+          <a:p>
+            <a:r>
+              <a:rPr lang="en-US" b="0" i="0" dirty="0">
+                <a:solidFill>
+                  <a:srgbClr val="24292F"/>
+                </a:solidFill>
+                <a:effectLst/>
+                <a:latin typeface="-apple-system"/>
+              </a:rPr>
+              <a:t>Different types of crime in GTA are (In order from highest to lowest) Assault, Break and Enter, Auto Theft and Theft Over $5000.</a:t>
+            </a:r>
+          </a:p>
+          <a:p>
+            <a:endParaRPr lang="en-CA" dirty="0"/>
+          </a:p>
+        </p:txBody>
+      </p:sp>
+    </p:spTree>
+    <p:extLst>
+      <p:ext uri="{BB962C8B-B14F-4D97-AF65-F5344CB8AC3E}">
+        <p14:creationId xmlns:p14="http://schemas.microsoft.com/office/powerpoint/2010/main" val="723550822"/>
+      </p:ext>
+    </p:extLst>
+  </p:cSld>
+  <p:clrMapOvr>
+    <a:masterClrMapping/>
+  </p:clrMapOvr>
+</p:sld>
+</file>
+
+<file path=ppt/slides/slide31.xml><?xml version="1.0" encoding="utf-8"?>
+<p:sld xmlns:a="http://schemas.openxmlformats.org/drawingml/2006/main" xmlns:r="http://schemas.openxmlformats.org/officeDocument/2006/relationships" xmlns:p="http://schemas.openxmlformats.org/presentationml/2006/main">
+  <p:cSld>
+    <p:spTree>
+      <p:nvGrpSpPr>
+        <p:cNvPr id="1" name=""/>
+        <p:cNvGrpSpPr/>
+        <p:nvPr/>
+      </p:nvGrpSpPr>
+      <p:grpSpPr>
+        <a:xfrm>
+          <a:off x="0" y="0"/>
+          <a:ext cx="0" cy="0"/>
+          <a:chOff x="0" y="0"/>
+          <a:chExt cx="0" cy="0"/>
+        </a:xfrm>
+      </p:grpSpPr>
+      <p:sp>
+        <p:nvSpPr>
+          <p:cNvPr id="2" name="Title 1">
+            <a:extLst>
+              <a:ext uri="{FF2B5EF4-FFF2-40B4-BE49-F238E27FC236}">
+                <a16:creationId xmlns:a16="http://schemas.microsoft.com/office/drawing/2014/main" id="{DB2A66A4-0466-72DD-A15E-66910EA4D15E}"/>
+              </a:ext>
+            </a:extLst>
+          </p:cNvPr>
+          <p:cNvSpPr>
+            <a:spLocks noGrp="1"/>
+          </p:cNvSpPr>
+          <p:nvPr>
+            <p:ph type="title"/>
+          </p:nvPr>
+        </p:nvSpPr>
+        <p:spPr/>
+        <p:txBody>
+          <a:bodyPr/>
+          <a:lstStyle/>
+          <a:p>
+            <a:r>
+              <a:rPr lang="en-CA" dirty="0"/>
+              <a:t>Findings</a:t>
+            </a:r>
+          </a:p>
+        </p:txBody>
+      </p:sp>
+      <p:sp>
+        <p:nvSpPr>
+          <p:cNvPr id="7" name="TextBox 6">
+            <a:extLst>
+              <a:ext uri="{FF2B5EF4-FFF2-40B4-BE49-F238E27FC236}">
+                <a16:creationId xmlns:a16="http://schemas.microsoft.com/office/drawing/2014/main" id="{5E218D8C-5843-4BAF-C148-BBDD3AAFF3D4}"/>
+              </a:ext>
+            </a:extLst>
+          </p:cNvPr>
+          <p:cNvSpPr txBox="1"/>
+          <p:nvPr/>
+        </p:nvSpPr>
+        <p:spPr>
+          <a:xfrm>
+            <a:off x="1371600" y="1546980"/>
+            <a:ext cx="10501532" cy="3693319"/>
+          </a:xfrm>
+          <a:prstGeom prst="rect">
+            <a:avLst/>
+          </a:prstGeom>
+          <a:noFill/>
+        </p:spPr>
+        <p:txBody>
+          <a:bodyPr wrap="square">
+            <a:spAutoFit/>
+          </a:bodyPr>
+          <a:lstStyle/>
+          <a:p>
+            <a:pPr algn="l"/>
+            <a:r>
+              <a:rPr lang="en-US" b="1" dirty="0">
+                <a:solidFill>
+                  <a:srgbClr val="24292F"/>
+                </a:solidFill>
+                <a:latin typeface="-apple-system"/>
+              </a:rPr>
+              <a:t>Location:</a:t>
+            </a:r>
+          </a:p>
+          <a:p>
+            <a:pPr algn="l"/>
+            <a:endParaRPr lang="en-US" b="1" dirty="0">
+              <a:solidFill>
+                <a:srgbClr val="24292F"/>
+              </a:solidFill>
+              <a:latin typeface="-apple-system"/>
+            </a:endParaRPr>
+          </a:p>
+          <a:p>
+            <a:pPr marL="457200" indent="-457200" algn="l">
+              <a:buFont typeface="+mj-lt"/>
+              <a:buAutoNum type="arabicPeriod"/>
+            </a:pPr>
+            <a:r>
+              <a:rPr lang="en-US" b="0" i="0" dirty="0">
+                <a:solidFill>
+                  <a:srgbClr val="24292F"/>
+                </a:solidFill>
+                <a:effectLst/>
+                <a:latin typeface="-apple-system"/>
+              </a:rPr>
+              <a:t>Criminal Activity Varies Significantly between Toronto’s Neighborhoods</a:t>
+            </a:r>
+          </a:p>
+          <a:p>
+            <a:pPr marL="457200" indent="-457200" algn="l">
+              <a:buFont typeface="+mj-lt"/>
+              <a:buAutoNum type="arabicPeriod"/>
+            </a:pPr>
+            <a:r>
+              <a:rPr lang="en-US" dirty="0">
+                <a:solidFill>
+                  <a:srgbClr val="24292F"/>
+                </a:solidFill>
+                <a:latin typeface="-apple-system"/>
+              </a:rPr>
+              <a:t>There is no clear </a:t>
+            </a:r>
+            <a:r>
+              <a:rPr lang="en-US" b="1" dirty="0">
+                <a:solidFill>
+                  <a:srgbClr val="24292F"/>
+                </a:solidFill>
+                <a:latin typeface="-apple-system"/>
+              </a:rPr>
+              <a:t>overall</a:t>
+            </a:r>
+            <a:r>
+              <a:rPr lang="en-US" dirty="0">
+                <a:solidFill>
+                  <a:srgbClr val="24292F"/>
+                </a:solidFill>
+                <a:latin typeface="-apple-system"/>
+              </a:rPr>
+              <a:t> trend for criminal activity for the past 7 years</a:t>
+            </a:r>
+          </a:p>
+          <a:p>
+            <a:pPr marL="457200" indent="-457200">
+              <a:buFont typeface="Arial" panose="020B0604020202020204" pitchFamily="34" charset="0"/>
+              <a:buChar char="•"/>
+            </a:pPr>
+            <a:r>
+              <a:rPr lang="en-US" b="0" i="0" dirty="0">
+                <a:solidFill>
+                  <a:srgbClr val="24292F"/>
+                </a:solidFill>
+                <a:effectLst/>
+                <a:latin typeface="-apple-system"/>
+              </a:rPr>
+              <a:t>There are </a:t>
+            </a:r>
+            <a:r>
+              <a:rPr lang="en-US" b="1" dirty="0">
+                <a:solidFill>
+                  <a:srgbClr val="24292F"/>
+                </a:solidFill>
+                <a:latin typeface="-apple-system"/>
+              </a:rPr>
+              <a:t>specific</a:t>
+            </a:r>
+            <a:r>
+              <a:rPr lang="en-US" dirty="0">
+                <a:solidFill>
+                  <a:srgbClr val="24292F"/>
+                </a:solidFill>
+                <a:latin typeface="-apple-system"/>
+              </a:rPr>
+              <a:t> neighborhoods that showed an increase in criminal activity correlated to time</a:t>
+            </a:r>
+            <a:endParaRPr lang="en-US" b="0" i="0" dirty="0">
+              <a:solidFill>
+                <a:srgbClr val="24292F"/>
+              </a:solidFill>
+              <a:effectLst/>
+              <a:latin typeface="-apple-system"/>
+            </a:endParaRPr>
+          </a:p>
+          <a:p>
+            <a:pPr algn="l"/>
+            <a:endParaRPr lang="en-US" b="0" i="0" dirty="0">
+              <a:solidFill>
+                <a:srgbClr val="24292F"/>
+              </a:solidFill>
+              <a:effectLst/>
+              <a:latin typeface="-apple-system"/>
+            </a:endParaRPr>
+          </a:p>
+          <a:p>
+            <a:pPr algn="l"/>
+            <a:r>
+              <a:rPr lang="en-US" b="1" dirty="0">
+                <a:solidFill>
+                  <a:srgbClr val="24292F"/>
+                </a:solidFill>
+                <a:latin typeface="-apple-system"/>
+              </a:rPr>
+              <a:t>Categorical:</a:t>
+            </a:r>
+          </a:p>
+          <a:p>
+            <a:pPr algn="l"/>
+            <a:endParaRPr lang="en-US" b="1" i="0" dirty="0">
+              <a:solidFill>
+                <a:srgbClr val="24292F"/>
+              </a:solidFill>
+              <a:effectLst/>
+              <a:latin typeface="-apple-system"/>
+            </a:endParaRPr>
+          </a:p>
+          <a:p>
+            <a:pPr marL="457200" indent="-457200" algn="l">
+              <a:buFont typeface="+mj-lt"/>
+              <a:buAutoNum type="arabicPeriod"/>
+            </a:pPr>
+            <a:r>
+              <a:rPr lang="en-US" dirty="0">
+                <a:solidFill>
+                  <a:srgbClr val="24292F"/>
+                </a:solidFill>
+                <a:latin typeface="-apple-system"/>
+              </a:rPr>
+              <a:t>All categories were statistically significant</a:t>
+            </a:r>
+          </a:p>
+          <a:p>
+            <a:pPr marL="457200" indent="-457200" algn="l">
+              <a:buFont typeface="+mj-lt"/>
+              <a:buAutoNum type="arabicPeriod"/>
+            </a:pPr>
+            <a:r>
+              <a:rPr lang="en-US" dirty="0">
+                <a:solidFill>
+                  <a:srgbClr val="24292F"/>
+                </a:solidFill>
+                <a:latin typeface="-apple-system"/>
+              </a:rPr>
+              <a:t>Variation between categories was significant for the Premise type and time of day</a:t>
+            </a:r>
+          </a:p>
+          <a:p>
+            <a:pPr marL="457200" indent="-457200" algn="l">
+              <a:buFont typeface="+mj-lt"/>
+              <a:buAutoNum type="arabicPeriod"/>
+            </a:pPr>
+            <a:r>
+              <a:rPr lang="en-US" dirty="0">
+                <a:solidFill>
+                  <a:srgbClr val="24292F"/>
+                </a:solidFill>
+                <a:latin typeface="-apple-system"/>
+              </a:rPr>
+              <a:t>Variation was less significant for the seasonal and weekend/weekday parameters</a:t>
+            </a:r>
+          </a:p>
+          <a:p>
+            <a:pPr marL="457200" indent="-457200" algn="l">
+              <a:buFont typeface="+mj-lt"/>
+              <a:buAutoNum type="arabicPeriod"/>
+            </a:pPr>
+            <a:r>
+              <a:rPr lang="en-US" dirty="0">
+                <a:solidFill>
+                  <a:srgbClr val="24292F"/>
+                </a:solidFill>
+                <a:latin typeface="-apple-system"/>
+              </a:rPr>
+              <a:t>More than 50% of criminal activity was attributed to a single category</a:t>
+            </a:r>
+          </a:p>
+          <a:p>
+            <a:pPr marL="457200" indent="-457200" algn="l">
+              <a:buFont typeface="+mj-lt"/>
+              <a:buAutoNum type="arabicPeriod"/>
+            </a:pPr>
+            <a:endParaRPr lang="en-US" dirty="0">
+              <a:solidFill>
+                <a:srgbClr val="24292F"/>
+              </a:solidFill>
+              <a:latin typeface="-apple-system"/>
+            </a:endParaRPr>
+          </a:p>
+        </p:txBody>
+      </p:sp>
+    </p:spTree>
+    <p:extLst>
+      <p:ext uri="{BB962C8B-B14F-4D97-AF65-F5344CB8AC3E}">
+        <p14:creationId xmlns:p14="http://schemas.microsoft.com/office/powerpoint/2010/main" val="1592626981"/>
+      </p:ext>
+    </p:extLst>
+  </p:cSld>
+  <p:clrMapOvr>
+    <a:masterClrMapping/>
+  </p:clrMapOvr>
+</p:sld>
+</file>
+
+<file path=ppt/slides/slide32.xml><?xml version="1.0" encoding="utf-8"?>
+<p:sld xmlns:a="http://schemas.openxmlformats.org/drawingml/2006/main" xmlns:r="http://schemas.openxmlformats.org/officeDocument/2006/relationships" xmlns:p="http://schemas.openxmlformats.org/presentationml/2006/main">
+  <p:cSld>
+    <p:spTree>
+      <p:nvGrpSpPr>
+        <p:cNvPr id="1" name=""/>
+        <p:cNvGrpSpPr/>
+        <p:nvPr/>
+      </p:nvGrpSpPr>
+      <p:grpSpPr>
+        <a:xfrm>
+          <a:off x="0" y="0"/>
+          <a:ext cx="0" cy="0"/>
+          <a:chOff x="0" y="0"/>
+          <a:chExt cx="0" cy="0"/>
+        </a:xfrm>
+      </p:grpSpPr>
+      <p:sp>
+        <p:nvSpPr>
+          <p:cNvPr id="2" name="Title 1">
+            <a:extLst>
+              <a:ext uri="{FF2B5EF4-FFF2-40B4-BE49-F238E27FC236}">
+                <a16:creationId xmlns:a16="http://schemas.microsoft.com/office/drawing/2014/main" id="{DB2A66A4-0466-72DD-A15E-66910EA4D15E}"/>
+              </a:ext>
+            </a:extLst>
+          </p:cNvPr>
+          <p:cNvSpPr>
+            <a:spLocks noGrp="1"/>
+          </p:cNvSpPr>
+          <p:nvPr>
+            <p:ph type="title"/>
+          </p:nvPr>
+        </p:nvSpPr>
+        <p:spPr/>
+        <p:txBody>
+          <a:bodyPr/>
+          <a:lstStyle/>
+          <a:p>
+            <a:r>
+              <a:rPr lang="en-CA" dirty="0"/>
+              <a:t>Future Steps</a:t>
+            </a:r>
+          </a:p>
+        </p:txBody>
+      </p:sp>
+      <p:sp>
+        <p:nvSpPr>
+          <p:cNvPr id="7" name="TextBox 6">
+            <a:extLst>
+              <a:ext uri="{FF2B5EF4-FFF2-40B4-BE49-F238E27FC236}">
+                <a16:creationId xmlns:a16="http://schemas.microsoft.com/office/drawing/2014/main" id="{5E218D8C-5843-4BAF-C148-BBDD3AAFF3D4}"/>
+              </a:ext>
+            </a:extLst>
+          </p:cNvPr>
+          <p:cNvSpPr txBox="1"/>
+          <p:nvPr/>
+        </p:nvSpPr>
+        <p:spPr>
+          <a:xfrm>
+            <a:off x="1371600" y="2742734"/>
+            <a:ext cx="10501532" cy="923330"/>
+          </a:xfrm>
+          <a:prstGeom prst="rect">
+            <a:avLst/>
+          </a:prstGeom>
+          <a:noFill/>
+        </p:spPr>
+        <p:txBody>
+          <a:bodyPr wrap="square">
+            <a:spAutoFit/>
+          </a:bodyPr>
+          <a:lstStyle/>
+          <a:p>
+            <a:pPr marL="457200" indent="-457200" algn="l">
+              <a:buFont typeface="+mj-lt"/>
+              <a:buAutoNum type="arabicPeriod"/>
+            </a:pPr>
+            <a:r>
+              <a:rPr lang="en-US" b="0" i="0" dirty="0">
+                <a:solidFill>
+                  <a:srgbClr val="24292F"/>
+                </a:solidFill>
+                <a:effectLst/>
+                <a:latin typeface="-apple-system"/>
+              </a:rPr>
+              <a:t>Analyze the historic trend in more detail for each Neighborhood</a:t>
+            </a:r>
+          </a:p>
+          <a:p>
+            <a:pPr marL="457200" indent="-457200" algn="l">
+              <a:buFont typeface="+mj-lt"/>
+              <a:buAutoNum type="arabicPeriod"/>
+            </a:pPr>
+            <a:r>
+              <a:rPr lang="en-US" b="0" i="0" dirty="0">
+                <a:solidFill>
+                  <a:srgbClr val="24292F"/>
+                </a:solidFill>
+                <a:effectLst/>
+                <a:latin typeface="-apple-system"/>
+              </a:rPr>
+              <a:t>Establish a bonus risk factor for Neighborhoods with statistically correlated reduction in year-to-year criminal activity and a penalty to neighborhoods with statisticall</a:t>
+            </a:r>
+            <a:r>
+              <a:rPr lang="en-US" dirty="0">
+                <a:solidFill>
+                  <a:srgbClr val="24292F"/>
+                </a:solidFill>
+                <a:latin typeface="-apple-system"/>
+              </a:rPr>
+              <a:t>y significant increases.</a:t>
+            </a:r>
+          </a:p>
+        </p:txBody>
+      </p:sp>
+    </p:spTree>
+    <p:extLst>
+      <p:ext uri="{BB962C8B-B14F-4D97-AF65-F5344CB8AC3E}">
+        <p14:creationId xmlns:p14="http://schemas.microsoft.com/office/powerpoint/2010/main" val="1143527213"/>
+      </p:ext>
+    </p:extLst>
+  </p:cSld>
+  <p:clrMapOvr>
+    <a:masterClrMapping/>
+  </p:clrMapOvr>
+</p:sld>
+</file>
+
+<file path=ppt/slides/slide33.xml><?xml version="1.0" encoding="utf-8"?>
+<p:sld xmlns:a="http://schemas.openxmlformats.org/drawingml/2006/main" xmlns:r="http://schemas.openxmlformats.org/officeDocument/2006/relationships" xmlns:p="http://schemas.openxmlformats.org/presentationml/2006/main">
+  <p:cSld>
+    <p:spTree>
+      <p:nvGrpSpPr>
+        <p:cNvPr id="1" name=""/>
+        <p:cNvGrpSpPr/>
+        <p:nvPr/>
+      </p:nvGrpSpPr>
+      <p:grpSpPr>
+        <a:xfrm>
+          <a:off x="0" y="0"/>
+          <a:ext cx="0" cy="0"/>
+          <a:chOff x="0" y="0"/>
+          <a:chExt cx="0" cy="0"/>
+        </a:xfrm>
+      </p:grpSpPr>
+      <p:sp>
+        <p:nvSpPr>
+          <p:cNvPr id="2" name="Title 1">
+            <a:extLst>
+              <a:ext uri="{FF2B5EF4-FFF2-40B4-BE49-F238E27FC236}">
+                <a16:creationId xmlns:a16="http://schemas.microsoft.com/office/drawing/2014/main" id="{61675758-E7B2-301C-2DEF-FFECF3B735F3}"/>
+              </a:ext>
+            </a:extLst>
+          </p:cNvPr>
+          <p:cNvSpPr>
+            <a:spLocks noGrp="1"/>
+          </p:cNvSpPr>
+          <p:nvPr>
+            <p:ph type="title"/>
+          </p:nvPr>
+        </p:nvSpPr>
+        <p:spPr>
+          <a:xfrm>
+            <a:off x="3265714" y="2766951"/>
+            <a:ext cx="6887687" cy="3038598"/>
+          </a:xfrm>
+        </p:spPr>
+        <p:txBody>
+          <a:bodyPr>
+            <a:normAutofit/>
+          </a:bodyPr>
+          <a:lstStyle/>
+          <a:p>
+            <a:r>
+              <a:rPr lang="en-US" sz="9600" dirty="0" err="1"/>
+              <a:t>Dateslider</a:t>
+            </a:r>
+            <a:r>
+              <a:rPr lang="en-US" sz="9600" dirty="0"/>
+              <a:t>!</a:t>
+            </a:r>
+          </a:p>
+        </p:txBody>
+      </p:sp>
+    </p:spTree>
+    <p:extLst>
+      <p:ext uri="{BB962C8B-B14F-4D97-AF65-F5344CB8AC3E}">
+        <p14:creationId xmlns:p14="http://schemas.microsoft.com/office/powerpoint/2010/main" val="3803850150"/>
+      </p:ext>
+    </p:extLst>
+  </p:cSld>
+  <p:clrMapOvr>
+    <a:masterClrMapping/>
+  </p:clrMapOvr>
+</p:sld>
+</file>
+
+<file path=ppt/slides/slide34.xml><?xml version="1.0" encoding="utf-8"?>
+<p:sld xmlns:a="http://schemas.openxmlformats.org/drawingml/2006/main" xmlns:r="http://schemas.openxmlformats.org/officeDocument/2006/relationships" xmlns:p="http://schemas.openxmlformats.org/presentationml/2006/main">
+  <p:cSld>
+    <p:spTree>
+      <p:nvGrpSpPr>
+        <p:cNvPr id="1" name=""/>
+        <p:cNvGrpSpPr/>
+        <p:nvPr/>
+      </p:nvGrpSpPr>
+      <p:grpSpPr>
+        <a:xfrm>
+          <a:off x="0" y="0"/>
+          <a:ext cx="0" cy="0"/>
+          <a:chOff x="0" y="0"/>
+          <a:chExt cx="0" cy="0"/>
+        </a:xfrm>
+      </p:grpSpPr>
+      <p:sp>
+        <p:nvSpPr>
+          <p:cNvPr id="2" name="Title 1">
+            <a:extLst>
+              <a:ext uri="{FF2B5EF4-FFF2-40B4-BE49-F238E27FC236}">
                 <a16:creationId xmlns:a16="http://schemas.microsoft.com/office/drawing/2014/main" id="{2A934928-B5A5-E8D3-9D8F-E19D4495A629}"/>
               </a:ext>
             </a:extLst>
@@ -8923,7 +9778,7 @@
 </p:sld>
 </file>
 
-<file path=ppt/slides/slide31.xml><?xml version="1.0" encoding="utf-8"?>
+<file path=ppt/slides/slide35.xml><?xml version="1.0" encoding="utf-8"?>
 <p:sld xmlns:a="http://schemas.openxmlformats.org/drawingml/2006/main" xmlns:r="http://schemas.openxmlformats.org/officeDocument/2006/relationships" xmlns:p="http://schemas.openxmlformats.org/presentationml/2006/main">
   <p:cSld>
     <p:spTree>
@@ -9014,14 +9869,19 @@
             <p:ph type="title"/>
           </p:nvPr>
         </p:nvSpPr>
-        <p:spPr/>
+        <p:spPr>
+          <a:xfrm>
+            <a:off x="1295400" y="388916"/>
+            <a:ext cx="9601200" cy="1485900"/>
+          </a:xfrm>
+        </p:spPr>
         <p:txBody>
           <a:bodyPr/>
           <a:lstStyle/>
           <a:p>
             <a:r>
               <a:rPr lang="en-CA" dirty="0"/>
-              <a:t>Resources</a:t>
+              <a:t>Research Questions and Deliverables</a:t>
             </a:r>
           </a:p>
         </p:txBody>
@@ -9042,127 +9902,205 @@
             <p:ph idx="1"/>
           </p:nvPr>
         </p:nvSpPr>
-        <p:spPr/>
-        <p:txBody>
-          <a:bodyPr/>
+        <p:spPr>
+          <a:xfrm>
+            <a:off x="855023" y="1444336"/>
+            <a:ext cx="11150929" cy="4885212"/>
+          </a:xfrm>
+        </p:spPr>
+        <p:txBody>
+          <a:bodyPr>
+            <a:normAutofit/>
+          </a:bodyPr>
           <a:lstStyle/>
           <a:p>
-            <a:pPr algn="l"/>
-            <a:r>
-              <a:rPr lang="en-CA" b="0" i="0" dirty="0">
+            <a:pPr marL="0" indent="0" algn="l">
+              <a:buNone/>
+            </a:pPr>
+            <a:r>
+              <a:rPr lang="en-US" b="1" i="0" dirty="0">
                 <a:solidFill>
                   <a:srgbClr val="24292F"/>
                 </a:solidFill>
                 <a:effectLst/>
                 <a:latin typeface="-apple-system"/>
               </a:rPr>
-              <a:t> </a:t>
-            </a:r>
-            <a:r>
-              <a:rPr lang="en-CA" b="0" i="0" u="none" strike="noStrike" dirty="0">
-                <a:solidFill>
-                  <a:schemeClr val="tx1"/>
+              <a:t>Research Questions</a:t>
+            </a:r>
+          </a:p>
+          <a:p>
+            <a:pPr marL="457200" indent="-457200" algn="l">
+              <a:buFont typeface="+mj-lt"/>
+              <a:buAutoNum type="arabicPeriod"/>
+            </a:pPr>
+            <a:r>
+              <a:rPr lang="en-US" b="0" i="0" dirty="0">
+                <a:solidFill>
+                  <a:srgbClr val="24292F"/>
                 </a:solidFill>
                 <a:effectLst/>
                 <a:latin typeface="-apple-system"/>
-                <a:hlinkClick r:id="rId2">
-                  <a:extLst>
-                    <a:ext uri="{A12FA001-AC4F-418D-AE19-62706E023703}">
-                      <ahyp:hlinkClr xmlns:ahyp="http://schemas.microsoft.com/office/drawing/2018/hyperlinkcolor" val="tx"/>
-                    </a:ext>
-                  </a:extLst>
-                </a:hlinkClick>
-              </a:rPr>
-              <a:t>https://open.toronto.ca/dataset/neighbourhood-profiles/</a:t>
+              </a:rPr>
+              <a:t>Does criminal activity vary significantly between different Neighborhoods in Toronto?</a:t>
+            </a:r>
+          </a:p>
+          <a:p>
+            <a:pPr marL="457200" indent="-457200" algn="l">
+              <a:buFont typeface="+mj-lt"/>
+              <a:buAutoNum type="arabicPeriod"/>
+            </a:pPr>
+            <a:r>
+              <a:rPr lang="en-US" dirty="0">
+                <a:solidFill>
+                  <a:srgbClr val="24292F"/>
+                </a:solidFill>
+                <a:latin typeface="-apple-system"/>
+              </a:rPr>
+              <a:t>Is there a historic trend for criminal activity for the City of Toronto and for each Neighborhood?</a:t>
+            </a:r>
+          </a:p>
+          <a:p>
+            <a:pPr marL="457200" indent="-457200" algn="l">
+              <a:buFont typeface="+mj-lt"/>
+              <a:buAutoNum type="arabicPeriod"/>
+            </a:pPr>
+            <a:r>
+              <a:rPr lang="en-US" dirty="0">
+                <a:solidFill>
+                  <a:srgbClr val="24292F"/>
+                </a:solidFill>
+                <a:latin typeface="-apple-system"/>
+              </a:rPr>
+              <a:t>Is criminal activity affected significantly by the following circumstances:</a:t>
+            </a:r>
+          </a:p>
+          <a:p>
+            <a:pPr marL="987552" lvl="1" indent="-457200">
+              <a:buFont typeface="+mj-lt"/>
+              <a:buAutoNum type="arabicPeriod"/>
+            </a:pPr>
+            <a:r>
+              <a:rPr lang="en-CA" b="0" i="0" dirty="0">
+                <a:solidFill>
+                  <a:srgbClr val="24292F"/>
+                </a:solidFill>
+                <a:effectLst/>
+                <a:latin typeface="-apple-system"/>
+              </a:rPr>
+              <a:t>Premise type?</a:t>
+            </a:r>
+          </a:p>
+          <a:p>
+            <a:pPr marL="987552" lvl="1" indent="-457200">
+              <a:buFont typeface="+mj-lt"/>
+              <a:buAutoNum type="arabicPeriod"/>
+            </a:pPr>
+            <a:r>
+              <a:rPr lang="en-CA" b="0" i="0" dirty="0">
+                <a:solidFill>
+                  <a:srgbClr val="24292F"/>
+                </a:solidFill>
+                <a:effectLst/>
+                <a:latin typeface="-apple-system"/>
+              </a:rPr>
+              <a:t>Time of Day?</a:t>
+            </a:r>
+          </a:p>
+          <a:p>
+            <a:pPr marL="987552" lvl="1" indent="-457200">
+              <a:buFont typeface="+mj-lt"/>
+              <a:buAutoNum type="arabicPeriod"/>
+            </a:pPr>
+            <a:r>
+              <a:rPr lang="en-CA" b="0" i="0" dirty="0">
+                <a:solidFill>
+                  <a:srgbClr val="24292F"/>
+                </a:solidFill>
+                <a:effectLst/>
+                <a:latin typeface="-apple-system"/>
+              </a:rPr>
+              <a:t>Season?</a:t>
+            </a:r>
+          </a:p>
+          <a:p>
+            <a:pPr marL="987552" lvl="1" indent="-457200">
+              <a:buFont typeface="+mj-lt"/>
+              <a:buAutoNum type="arabicPeriod"/>
+            </a:pPr>
+            <a:r>
+              <a:rPr lang="en-CA" b="0" i="0" dirty="0">
+                <a:solidFill>
+                  <a:srgbClr val="24292F"/>
+                </a:solidFill>
+                <a:effectLst/>
+                <a:latin typeface="-apple-system"/>
+              </a:rPr>
+              <a:t>Weekday/Weekend?</a:t>
+            </a:r>
+            <a:endParaRPr lang="en-CA" i="0" dirty="0">
+              <a:solidFill>
+                <a:srgbClr val="24292F"/>
+              </a:solidFill>
+              <a:latin typeface="-apple-system"/>
+            </a:endParaRPr>
+          </a:p>
+          <a:p>
+            <a:pPr marL="457200" indent="-457200">
+              <a:buFont typeface="+mj-lt"/>
+              <a:buAutoNum type="arabicPeriod"/>
+            </a:pPr>
+            <a:r>
+              <a:rPr lang="en-CA" i="0" dirty="0">
+                <a:solidFill>
+                  <a:srgbClr val="24292F"/>
+                </a:solidFill>
+                <a:latin typeface="-apple-system"/>
+              </a:rPr>
+              <a:t>Does the type of criminal activity vary significantly?</a:t>
+            </a:r>
+          </a:p>
+          <a:p>
+            <a:pPr marL="0" indent="0">
+              <a:buNone/>
+            </a:pPr>
+            <a:r>
+              <a:rPr lang="en-CA" b="1" i="0" dirty="0">
+                <a:solidFill>
+                  <a:srgbClr val="24292F"/>
+                </a:solidFill>
+                <a:effectLst/>
+                <a:latin typeface="-apple-system"/>
+              </a:rPr>
+              <a:t>Deliverables</a:t>
+            </a:r>
+          </a:p>
+          <a:p>
+            <a:pPr marL="0" indent="0">
+              <a:buNone/>
+            </a:pPr>
+            <a:r>
+              <a:rPr lang="en-CA" dirty="0">
+                <a:solidFill>
+                  <a:srgbClr val="24292F"/>
+                </a:solidFill>
+                <a:latin typeface="-apple-system"/>
+              </a:rPr>
+              <a:t>Provide a location based and category based quantitative risk factor based on the data for statistically significant findings.</a:t>
             </a:r>
             <a:endParaRPr lang="en-CA" b="0" i="0" dirty="0">
               <a:solidFill>
-                <a:schemeClr val="tx1"/>
+                <a:srgbClr val="24292F"/>
               </a:solidFill>
               <a:effectLst/>
               <a:latin typeface="-apple-system"/>
             </a:endParaRPr>
           </a:p>
-          <a:p>
-            <a:pPr algn="l"/>
-            <a:r>
-              <a:rPr lang="en-CA" b="0" i="0" dirty="0">
-                <a:solidFill>
-                  <a:schemeClr val="tx1"/>
-                </a:solidFill>
-                <a:effectLst/>
-                <a:latin typeface="-apple-system"/>
-              </a:rPr>
-              <a:t> </a:t>
-            </a:r>
-            <a:r>
-              <a:rPr lang="en-CA" b="0" i="0" u="none" strike="noStrike" dirty="0">
-                <a:solidFill>
-                  <a:schemeClr val="tx1"/>
-                </a:solidFill>
-                <a:effectLst/>
-                <a:latin typeface="-apple-system"/>
-                <a:hlinkClick r:id="rId3">
-                  <a:extLst>
-                    <a:ext uri="{A12FA001-AC4F-418D-AE19-62706E023703}">
-                      <ahyp:hlinkClr xmlns:ahyp="http://schemas.microsoft.com/office/drawing/2018/hyperlinkcolor" val="tx"/>
-                    </a:ext>
-                  </a:extLst>
-                </a:hlinkClick>
-              </a:rPr>
-              <a:t>https://open.toronto.ca/dataset/neighbourhood-crime-rates/</a:t>
-            </a:r>
-            <a:endParaRPr lang="en-CA" b="0" i="0" dirty="0">
-              <a:solidFill>
-                <a:schemeClr val="tx1"/>
-              </a:solidFill>
-              <a:effectLst/>
-              <a:latin typeface="-apple-system"/>
-            </a:endParaRPr>
-          </a:p>
-          <a:p>
-            <a:pPr algn="l"/>
-            <a:r>
-              <a:rPr lang="en-CA" b="0" i="0" dirty="0">
-                <a:solidFill>
-                  <a:schemeClr val="tx1"/>
-                </a:solidFill>
-                <a:effectLst/>
-                <a:latin typeface="-apple-system"/>
-              </a:rPr>
-              <a:t> </a:t>
-            </a:r>
-            <a:r>
-              <a:rPr lang="en-CA" b="0" i="0" u="none" strike="noStrike" dirty="0">
-                <a:solidFill>
-                  <a:schemeClr val="tx1"/>
-                </a:solidFill>
-                <a:effectLst/>
-                <a:latin typeface="-apple-system"/>
-                <a:hlinkClick r:id="rId4">
-                  <a:extLst>
-                    <a:ext uri="{A12FA001-AC4F-418D-AE19-62706E023703}">
-                      <ahyp:hlinkClr xmlns:ahyp="http://schemas.microsoft.com/office/drawing/2018/hyperlinkcolor" val="tx"/>
-                    </a:ext>
-                  </a:extLst>
-                </a:hlinkClick>
-              </a:rPr>
-              <a:t>https://developers.google.com/maps</a:t>
-            </a:r>
-            <a:endParaRPr lang="en-CA" b="0" i="0" dirty="0">
-              <a:solidFill>
-                <a:schemeClr val="tx1"/>
-              </a:solidFill>
-              <a:effectLst/>
-              <a:latin typeface="-apple-system"/>
-            </a:endParaRPr>
-          </a:p>
         </p:txBody>
       </p:sp>
     </p:spTree>
     <p:extLst>
       <p:ext uri="{BB962C8B-B14F-4D97-AF65-F5344CB8AC3E}">
-        <p14:creationId xmlns:p14="http://schemas.microsoft.com/office/powerpoint/2010/main" val="3803339574"/>
+        <p14:creationId xmlns:p14="http://schemas.microsoft.com/office/powerpoint/2010/main" val="153286774"/>
       </p:ext>
     </p:extLst>
   </p:cSld>
@@ -9205,51 +10143,29 @@
             <p:ph type="title"/>
           </p:nvPr>
         </p:nvSpPr>
-        <p:spPr/>
-        <p:txBody>
-          <a:bodyPr/>
-          <a:lstStyle/>
-          <a:p>
-            <a:r>
-              <a:rPr lang="en-CA" dirty="0"/>
-              <a:t>Neighborhood Locations</a:t>
-            </a:r>
-          </a:p>
-        </p:txBody>
-      </p:sp>
-      <p:pic>
-        <p:nvPicPr>
-          <p:cNvPr id="5" name="Content Placeholder 4">
-            <a:extLst>
-              <a:ext uri="{FF2B5EF4-FFF2-40B4-BE49-F238E27FC236}">
-                <a16:creationId xmlns:a16="http://schemas.microsoft.com/office/drawing/2014/main" id="{35C0AB8D-EC34-C4D1-9C60-E08F0E11E376}"/>
-              </a:ext>
-            </a:extLst>
-          </p:cNvPr>
-          <p:cNvPicPr>
-            <a:picLocks noGrp="1" noChangeAspect="1"/>
-          </p:cNvPicPr>
-          <p:nvPr>
-            <p:ph idx="1"/>
-          </p:nvPr>
-        </p:nvPicPr>
-        <p:blipFill>
-          <a:blip r:embed="rId2"/>
-          <a:stretch>
-            <a:fillRect/>
-          </a:stretch>
-        </p:blipFill>
         <p:spPr>
           <a:xfrm>
-            <a:off x="2346200" y="1314449"/>
-            <a:ext cx="7521700" cy="5430427"/>
+            <a:off x="2030681" y="2621478"/>
+            <a:ext cx="8858993" cy="2116777"/>
           </a:xfrm>
         </p:spPr>
-      </p:pic>
+        <p:txBody>
+          <a:bodyPr>
+            <a:normAutofit/>
+          </a:bodyPr>
+          <a:lstStyle/>
+          <a:p>
+            <a:r>
+              <a:rPr lang="en-CA" sz="5400" dirty="0"/>
+              <a:t>Qualitative / Visual Results</a:t>
+            </a:r>
+          </a:p>
+        </p:txBody>
+      </p:sp>
     </p:spTree>
     <p:extLst>
       <p:ext uri="{BB962C8B-B14F-4D97-AF65-F5344CB8AC3E}">
-        <p14:creationId xmlns:p14="http://schemas.microsoft.com/office/powerpoint/2010/main" val="841782528"/>
+        <p14:creationId xmlns:p14="http://schemas.microsoft.com/office/powerpoint/2010/main" val="3224334585"/>
       </p:ext>
     </p:extLst>
   </p:cSld>
@@ -9281,7 +10197,7 @@
           <p:cNvPr id="2" name="Title 1">
             <a:extLst>
               <a:ext uri="{FF2B5EF4-FFF2-40B4-BE49-F238E27FC236}">
-                <a16:creationId xmlns:a16="http://schemas.microsoft.com/office/drawing/2014/main" id="{4F2F52CB-CA1D-1C07-3F4C-00F90029DA83}"/>
+                <a16:creationId xmlns:a16="http://schemas.microsoft.com/office/drawing/2014/main" id="{4AD75F1A-A857-CD13-799F-9953B7053E44}"/>
               </a:ext>
             </a:extLst>
           </p:cNvPr>
@@ -9292,35 +10208,51 @@
             <p:ph type="title"/>
           </p:nvPr>
         </p:nvSpPr>
+        <p:spPr/>
+        <p:txBody>
+          <a:bodyPr/>
+          <a:lstStyle/>
+          <a:p>
+            <a:r>
+              <a:rPr lang="en-CA" dirty="0"/>
+              <a:t>Neighborhood Locations</a:t>
+            </a:r>
+          </a:p>
+        </p:txBody>
+      </p:sp>
+      <p:pic>
+        <p:nvPicPr>
+          <p:cNvPr id="5" name="Content Placeholder 4">
+            <a:extLst>
+              <a:ext uri="{FF2B5EF4-FFF2-40B4-BE49-F238E27FC236}">
+                <a16:creationId xmlns:a16="http://schemas.microsoft.com/office/drawing/2014/main" id="{35C0AB8D-EC34-C4D1-9C60-E08F0E11E376}"/>
+              </a:ext>
+            </a:extLst>
+          </p:cNvPr>
+          <p:cNvPicPr>
+            <a:picLocks noGrp="1" noChangeAspect="1"/>
+          </p:cNvPicPr>
+          <p:nvPr>
+            <p:ph idx="1"/>
+          </p:nvPr>
+        </p:nvPicPr>
+        <p:blipFill>
+          <a:blip r:embed="rId2"/>
+          <a:stretch>
+            <a:fillRect/>
+          </a:stretch>
+        </p:blipFill>
         <p:spPr>
           <a:xfrm>
-            <a:off x="1771650" y="2562225"/>
-            <a:ext cx="9601200" cy="1485900"/>
+            <a:off x="2536205" y="1302574"/>
+            <a:ext cx="7521700" cy="5430427"/>
           </a:xfrm>
         </p:spPr>
-        <p:txBody>
-          <a:bodyPr/>
-          <a:lstStyle/>
-          <a:p>
-            <a:pPr algn="ctr"/>
-            <a:r>
-              <a:rPr lang="en-US" b="0" i="0" dirty="0">
-                <a:solidFill>
-                  <a:srgbClr val="24292F"/>
-                </a:solidFill>
-                <a:effectLst/>
-                <a:latin typeface="ui-monospace"/>
-              </a:rPr>
-              <a:t>What are the safest Areas in GTA?</a:t>
-            </a:r>
-            <a:endParaRPr lang="en-CA" dirty="0"/>
-          </a:p>
-        </p:txBody>
-      </p:sp>
+      </p:pic>
     </p:spTree>
     <p:extLst>
       <p:ext uri="{BB962C8B-B14F-4D97-AF65-F5344CB8AC3E}">
-        <p14:creationId xmlns:p14="http://schemas.microsoft.com/office/powerpoint/2010/main" val="3926789471"/>
+        <p14:creationId xmlns:p14="http://schemas.microsoft.com/office/powerpoint/2010/main" val="841782528"/>
       </p:ext>
     </p:extLst>
   </p:cSld>
@@ -9352,7 +10284,7 @@
           <p:cNvPr id="2" name="Title 1">
             <a:extLst>
               <a:ext uri="{FF2B5EF4-FFF2-40B4-BE49-F238E27FC236}">
-                <a16:creationId xmlns:a16="http://schemas.microsoft.com/office/drawing/2014/main" id="{617987CF-0B6C-12B2-C7EC-71F62F4E8FFF}"/>
+                <a16:creationId xmlns:a16="http://schemas.microsoft.com/office/drawing/2014/main" id="{4F2F52CB-CA1D-1C07-3F4C-00F90029DA83}"/>
               </a:ext>
             </a:extLst>
           </p:cNvPr>
@@ -9363,51 +10295,35 @@
             <p:ph type="title"/>
           </p:nvPr>
         </p:nvSpPr>
-        <p:spPr/>
+        <p:spPr>
+          <a:xfrm>
+            <a:off x="1771650" y="2562225"/>
+            <a:ext cx="9601200" cy="1485900"/>
+          </a:xfrm>
+        </p:spPr>
         <p:txBody>
           <a:bodyPr/>
           <a:lstStyle/>
           <a:p>
-            <a:r>
-              <a:rPr lang="en-CA" dirty="0"/>
-              <a:t>Neighborhood Crimes Distribution</a:t>
-            </a:r>
-          </a:p>
-        </p:txBody>
-      </p:sp>
-      <p:pic>
-        <p:nvPicPr>
-          <p:cNvPr id="5" name="Content Placeholder 4">
-            <a:extLst>
-              <a:ext uri="{FF2B5EF4-FFF2-40B4-BE49-F238E27FC236}">
-                <a16:creationId xmlns:a16="http://schemas.microsoft.com/office/drawing/2014/main" id="{1443AFB5-C391-F400-5222-34C5FA3AB8C8}"/>
-              </a:ext>
-            </a:extLst>
-          </p:cNvPr>
-          <p:cNvPicPr>
-            <a:picLocks noGrp="1" noChangeAspect="1"/>
-          </p:cNvPicPr>
-          <p:nvPr>
-            <p:ph idx="1"/>
-          </p:nvPr>
-        </p:nvPicPr>
-        <p:blipFill>
-          <a:blip r:embed="rId2"/>
-          <a:stretch>
-            <a:fillRect/>
-          </a:stretch>
-        </p:blipFill>
-        <p:spPr>
-          <a:xfrm>
-            <a:off x="1743074" y="2362201"/>
-            <a:ext cx="9229725" cy="2914650"/>
-          </a:xfrm>
-        </p:spPr>
-      </p:pic>
+            <a:pPr algn="ctr"/>
+            <a:r>
+              <a:rPr lang="en-US" b="0" i="0" dirty="0">
+                <a:solidFill>
+                  <a:srgbClr val="24292F"/>
+                </a:solidFill>
+                <a:effectLst/>
+                <a:latin typeface="ui-monospace"/>
+              </a:rPr>
+              <a:t>What are the safest Areas in GTA?</a:t>
+            </a:r>
+            <a:endParaRPr lang="en-CA" dirty="0"/>
+          </a:p>
+        </p:txBody>
+      </p:sp>
     </p:spTree>
     <p:extLst>
       <p:ext uri="{BB962C8B-B14F-4D97-AF65-F5344CB8AC3E}">
-        <p14:creationId xmlns:p14="http://schemas.microsoft.com/office/powerpoint/2010/main" val="1541532427"/>
+        <p14:creationId xmlns:p14="http://schemas.microsoft.com/office/powerpoint/2010/main" val="3926789471"/>
       </p:ext>
     </p:extLst>
   </p:cSld>
@@ -9439,7 +10355,7 @@
           <p:cNvPr id="2" name="Title 1">
             <a:extLst>
               <a:ext uri="{FF2B5EF4-FFF2-40B4-BE49-F238E27FC236}">
-                <a16:creationId xmlns:a16="http://schemas.microsoft.com/office/drawing/2014/main" id="{973EA171-1F03-3E35-734C-95E498359CAD}"/>
+                <a16:creationId xmlns:a16="http://schemas.microsoft.com/office/drawing/2014/main" id="{617987CF-0B6C-12B2-C7EC-71F62F4E8FFF}"/>
               </a:ext>
             </a:extLst>
           </p:cNvPr>
@@ -9457,7 +10373,7 @@
           <a:p>
             <a:r>
               <a:rPr lang="en-CA" dirty="0"/>
-              <a:t>Crime Rate by Districts </a:t>
+              <a:t>Neighborhood Crimes Distribution</a:t>
             </a:r>
           </a:p>
         </p:txBody>
@@ -9467,7 +10383,7 @@
           <p:cNvPr id="5" name="Content Placeholder 4">
             <a:extLst>
               <a:ext uri="{FF2B5EF4-FFF2-40B4-BE49-F238E27FC236}">
-                <a16:creationId xmlns:a16="http://schemas.microsoft.com/office/drawing/2014/main" id="{508DF046-244D-FAB2-3F28-A9C3C454264F}"/>
+                <a16:creationId xmlns:a16="http://schemas.microsoft.com/office/drawing/2014/main" id="{1443AFB5-C391-F400-5222-34C5FA3AB8C8}"/>
               </a:ext>
             </a:extLst>
           </p:cNvPr>
@@ -9486,15 +10402,15 @@
         </p:blipFill>
         <p:spPr>
           <a:xfrm>
-            <a:off x="2160348" y="1609725"/>
-            <a:ext cx="7871303" cy="4836214"/>
+            <a:off x="1219200" y="2171699"/>
+            <a:ext cx="10674742" cy="3370971"/>
           </a:xfrm>
         </p:spPr>
       </p:pic>
     </p:spTree>
     <p:extLst>
       <p:ext uri="{BB962C8B-B14F-4D97-AF65-F5344CB8AC3E}">
-        <p14:creationId xmlns:p14="http://schemas.microsoft.com/office/powerpoint/2010/main" val="646730223"/>
+        <p14:creationId xmlns:p14="http://schemas.microsoft.com/office/powerpoint/2010/main" val="1541532427"/>
       </p:ext>
     </p:extLst>
   </p:cSld>
@@ -9526,7 +10442,7 @@
           <p:cNvPr id="2" name="Title 1">
             <a:extLst>
               <a:ext uri="{FF2B5EF4-FFF2-40B4-BE49-F238E27FC236}">
-                <a16:creationId xmlns:a16="http://schemas.microsoft.com/office/drawing/2014/main" id="{FFADB4E9-B607-B6CD-20C9-C56A2EE71033}"/>
+                <a16:creationId xmlns:a16="http://schemas.microsoft.com/office/drawing/2014/main" id="{973EA171-1F03-3E35-734C-95E498359CAD}"/>
               </a:ext>
             </a:extLst>
           </p:cNvPr>
@@ -9544,12 +10460,8 @@
           <a:p>
             <a:r>
               <a:rPr lang="en-CA" dirty="0"/>
-              <a:t>Crime Rate by Neighborhood </a:t>
-            </a:r>
-            <a:br>
-              <a:rPr lang="en-CA" dirty="0"/>
-            </a:br>
-            <a:endParaRPr lang="en-CA" dirty="0"/>
+              <a:t>Crime Rate by Districts </a:t>
+            </a:r>
           </a:p>
         </p:txBody>
       </p:sp>
@@ -9558,7 +10470,7 @@
           <p:cNvPr id="5" name="Content Placeholder 4">
             <a:extLst>
               <a:ext uri="{FF2B5EF4-FFF2-40B4-BE49-F238E27FC236}">
-                <a16:creationId xmlns:a16="http://schemas.microsoft.com/office/drawing/2014/main" id="{D16007E5-543F-D93C-CD3C-65923EF4CD11}"/>
+                <a16:creationId xmlns:a16="http://schemas.microsoft.com/office/drawing/2014/main" id="{508DF046-244D-FAB2-3F28-A9C3C454264F}"/>
               </a:ext>
             </a:extLst>
           </p:cNvPr>
@@ -9577,15 +10489,15 @@
         </p:blipFill>
         <p:spPr>
           <a:xfrm>
-            <a:off x="3050536" y="2286000"/>
-            <a:ext cx="6243328" cy="3581400"/>
+            <a:off x="2160348" y="1609725"/>
+            <a:ext cx="7871303" cy="4836214"/>
           </a:xfrm>
         </p:spPr>
       </p:pic>
     </p:spTree>
     <p:extLst>
       <p:ext uri="{BB962C8B-B14F-4D97-AF65-F5344CB8AC3E}">
-        <p14:creationId xmlns:p14="http://schemas.microsoft.com/office/powerpoint/2010/main" val="2432110934"/>
+        <p14:creationId xmlns:p14="http://schemas.microsoft.com/office/powerpoint/2010/main" val="646730223"/>
       </p:ext>
     </p:extLst>
   </p:cSld>

--- a/Team4-version1.pptx
+++ b/Team4-version1.pptx
@@ -8,38 +8,39 @@
     <p:sldId id="256" r:id="rId2"/>
     <p:sldId id="288" r:id="rId3"/>
     <p:sldId id="259" r:id="rId4"/>
-    <p:sldId id="292" r:id="rId5"/>
-    <p:sldId id="293" r:id="rId6"/>
-    <p:sldId id="258" r:id="rId7"/>
-    <p:sldId id="274" r:id="rId8"/>
-    <p:sldId id="262" r:id="rId9"/>
-    <p:sldId id="260" r:id="rId10"/>
-    <p:sldId id="261" r:id="rId11"/>
-    <p:sldId id="295" r:id="rId12"/>
-    <p:sldId id="264" r:id="rId13"/>
-    <p:sldId id="268" r:id="rId14"/>
-    <p:sldId id="267" r:id="rId15"/>
-    <p:sldId id="266" r:id="rId16"/>
-    <p:sldId id="265" r:id="rId17"/>
-    <p:sldId id="296" r:id="rId18"/>
-    <p:sldId id="269" r:id="rId19"/>
-    <p:sldId id="271" r:id="rId20"/>
-    <p:sldId id="275" r:id="rId21"/>
-    <p:sldId id="276" r:id="rId22"/>
-    <p:sldId id="277" r:id="rId23"/>
-    <p:sldId id="278" r:id="rId24"/>
-    <p:sldId id="279" r:id="rId25"/>
-    <p:sldId id="280" r:id="rId26"/>
-    <p:sldId id="281" r:id="rId27"/>
-    <p:sldId id="283" r:id="rId28"/>
-    <p:sldId id="284" r:id="rId29"/>
-    <p:sldId id="299" r:id="rId30"/>
-    <p:sldId id="297" r:id="rId31"/>
+    <p:sldId id="301" r:id="rId5"/>
+    <p:sldId id="292" r:id="rId6"/>
+    <p:sldId id="293" r:id="rId7"/>
+    <p:sldId id="258" r:id="rId8"/>
+    <p:sldId id="274" r:id="rId9"/>
+    <p:sldId id="262" r:id="rId10"/>
+    <p:sldId id="260" r:id="rId11"/>
+    <p:sldId id="261" r:id="rId12"/>
+    <p:sldId id="295" r:id="rId13"/>
+    <p:sldId id="264" r:id="rId14"/>
+    <p:sldId id="268" r:id="rId15"/>
+    <p:sldId id="267" r:id="rId16"/>
+    <p:sldId id="266" r:id="rId17"/>
+    <p:sldId id="265" r:id="rId18"/>
+    <p:sldId id="296" r:id="rId19"/>
+    <p:sldId id="269" r:id="rId20"/>
+    <p:sldId id="271" r:id="rId21"/>
+    <p:sldId id="275" r:id="rId22"/>
+    <p:sldId id="276" r:id="rId23"/>
+    <p:sldId id="277" r:id="rId24"/>
+    <p:sldId id="278" r:id="rId25"/>
+    <p:sldId id="279" r:id="rId26"/>
+    <p:sldId id="280" r:id="rId27"/>
+    <p:sldId id="281" r:id="rId28"/>
+    <p:sldId id="283" r:id="rId29"/>
+    <p:sldId id="284" r:id="rId30"/>
+    <p:sldId id="299" r:id="rId31"/>
     <p:sldId id="291" r:id="rId32"/>
-    <p:sldId id="300" r:id="rId33"/>
-    <p:sldId id="298" r:id="rId34"/>
-    <p:sldId id="286" r:id="rId35"/>
-    <p:sldId id="287" r:id="rId36"/>
+    <p:sldId id="297" r:id="rId33"/>
+    <p:sldId id="300" r:id="rId34"/>
+    <p:sldId id="298" r:id="rId35"/>
+    <p:sldId id="286" r:id="rId36"/>
+    <p:sldId id="287" r:id="rId37"/>
   </p:sldIdLst>
   <p:sldSz cx="12192000" cy="6858000"/>
   <p:notesSz cx="6858000" cy="9144000"/>
@@ -150,6 +151,7 @@
           <p14:sldIdLst>
             <p14:sldId id="288"/>
             <p14:sldId id="259"/>
+            <p14:sldId id="301"/>
             <p14:sldId id="292"/>
             <p14:sldId id="293"/>
             <p14:sldId id="258"/>
@@ -192,8 +194,8 @@
         </p14:section>
         <p14:section name="Conclusion" id="{1CBD9171-63D2-40A3-8391-327FC8E90633}">
           <p14:sldIdLst>
+            <p14:sldId id="291"/>
             <p14:sldId id="297"/>
-            <p14:sldId id="291"/>
             <p14:sldId id="300"/>
             <p14:sldId id="298"/>
             <p14:sldId id="286"/>
@@ -4239,6 +4241,93 @@
           <p:cNvPr id="2" name="Title 1">
             <a:extLst>
               <a:ext uri="{FF2B5EF4-FFF2-40B4-BE49-F238E27FC236}">
+                <a16:creationId xmlns:a16="http://schemas.microsoft.com/office/drawing/2014/main" id="{973EA171-1F03-3E35-734C-95E498359CAD}"/>
+              </a:ext>
+            </a:extLst>
+          </p:cNvPr>
+          <p:cNvSpPr>
+            <a:spLocks noGrp="1"/>
+          </p:cNvSpPr>
+          <p:nvPr>
+            <p:ph type="title"/>
+          </p:nvPr>
+        </p:nvSpPr>
+        <p:spPr/>
+        <p:txBody>
+          <a:bodyPr/>
+          <a:lstStyle/>
+          <a:p>
+            <a:r>
+              <a:rPr lang="en-CA" dirty="0"/>
+              <a:t>Crime Rate by Districts </a:t>
+            </a:r>
+          </a:p>
+        </p:txBody>
+      </p:sp>
+      <p:pic>
+        <p:nvPicPr>
+          <p:cNvPr id="5" name="Content Placeholder 4">
+            <a:extLst>
+              <a:ext uri="{FF2B5EF4-FFF2-40B4-BE49-F238E27FC236}">
+                <a16:creationId xmlns:a16="http://schemas.microsoft.com/office/drawing/2014/main" id="{508DF046-244D-FAB2-3F28-A9C3C454264F}"/>
+              </a:ext>
+            </a:extLst>
+          </p:cNvPr>
+          <p:cNvPicPr>
+            <a:picLocks noGrp="1" noChangeAspect="1"/>
+          </p:cNvPicPr>
+          <p:nvPr>
+            <p:ph idx="1"/>
+          </p:nvPr>
+        </p:nvPicPr>
+        <p:blipFill>
+          <a:blip r:embed="rId2"/>
+          <a:stretch>
+            <a:fillRect/>
+          </a:stretch>
+        </p:blipFill>
+        <p:spPr>
+          <a:xfrm>
+            <a:off x="2160348" y="1609725"/>
+            <a:ext cx="7871303" cy="4836214"/>
+          </a:xfrm>
+        </p:spPr>
+      </p:pic>
+    </p:spTree>
+    <p:extLst>
+      <p:ext uri="{BB962C8B-B14F-4D97-AF65-F5344CB8AC3E}">
+        <p14:creationId xmlns:p14="http://schemas.microsoft.com/office/powerpoint/2010/main" val="646730223"/>
+      </p:ext>
+    </p:extLst>
+  </p:cSld>
+  <p:clrMapOvr>
+    <a:masterClrMapping/>
+  </p:clrMapOvr>
+</p:sld>
+</file>
+
+<file path=ppt/slides/slide11.xml><?xml version="1.0" encoding="utf-8"?>
+<p:sld xmlns:a="http://schemas.openxmlformats.org/drawingml/2006/main" xmlns:r="http://schemas.openxmlformats.org/officeDocument/2006/relationships" xmlns:p="http://schemas.openxmlformats.org/presentationml/2006/main">
+  <p:cSld>
+    <p:spTree>
+      <p:nvGrpSpPr>
+        <p:cNvPr id="1" name=""/>
+        <p:cNvGrpSpPr/>
+        <p:nvPr/>
+      </p:nvGrpSpPr>
+      <p:grpSpPr>
+        <a:xfrm>
+          <a:off x="0" y="0"/>
+          <a:ext cx="0" cy="0"/>
+          <a:chOff x="0" y="0"/>
+          <a:chExt cx="0" cy="0"/>
+        </a:xfrm>
+      </p:grpSpPr>
+      <p:sp>
+        <p:nvSpPr>
+          <p:cNvPr id="2" name="Title 1">
+            <a:extLst>
+              <a:ext uri="{FF2B5EF4-FFF2-40B4-BE49-F238E27FC236}">
                 <a16:creationId xmlns:a16="http://schemas.microsoft.com/office/drawing/2014/main" id="{FFADB4E9-B607-B6CD-20C9-C56A2EE71033}"/>
               </a:ext>
             </a:extLst>
@@ -4338,7 +4427,7 @@
 </p:sld>
 </file>
 
-<file path=ppt/slides/slide11.xml><?xml version="1.0" encoding="utf-8"?>
+<file path=ppt/slides/slide12.xml><?xml version="1.0" encoding="utf-8"?>
 <p:sld xmlns:a="http://schemas.openxmlformats.org/drawingml/2006/main" xmlns:r="http://schemas.openxmlformats.org/officeDocument/2006/relationships" xmlns:p="http://schemas.openxmlformats.org/presentationml/2006/main">
   <p:cSld>
     <p:spTree>
@@ -4403,7 +4492,7 @@
 </p:sld>
 </file>
 
-<file path=ppt/slides/slide12.xml><?xml version="1.0" encoding="utf-8"?>
+<file path=ppt/slides/slide13.xml><?xml version="1.0" encoding="utf-8"?>
 <p:sld xmlns:a="http://schemas.openxmlformats.org/drawingml/2006/main" xmlns:r="http://schemas.openxmlformats.org/officeDocument/2006/relationships" xmlns:p="http://schemas.openxmlformats.org/presentationml/2006/main">
   <p:cSld>
     <p:spTree>
@@ -4490,7 +4579,7 @@
 </p:sld>
 </file>
 
-<file path=ppt/slides/slide13.xml><?xml version="1.0" encoding="utf-8"?>
+<file path=ppt/slides/slide14.xml><?xml version="1.0" encoding="utf-8"?>
 <p:sld xmlns:a="http://schemas.openxmlformats.org/drawingml/2006/main" xmlns:r="http://schemas.openxmlformats.org/officeDocument/2006/relationships" xmlns:p="http://schemas.openxmlformats.org/presentationml/2006/main">
   <p:cSld>
     <p:spTree>
@@ -4577,7 +4666,7 @@
 </p:sld>
 </file>
 
-<file path=ppt/slides/slide14.xml><?xml version="1.0" encoding="utf-8"?>
+<file path=ppt/slides/slide15.xml><?xml version="1.0" encoding="utf-8"?>
 <p:sld xmlns:a="http://schemas.openxmlformats.org/drawingml/2006/main" xmlns:r="http://schemas.openxmlformats.org/officeDocument/2006/relationships" xmlns:p="http://schemas.openxmlformats.org/presentationml/2006/main">
   <p:cSld>
     <p:spTree>
@@ -4664,7 +4753,7 @@
 </p:sld>
 </file>
 
-<file path=ppt/slides/slide15.xml><?xml version="1.0" encoding="utf-8"?>
+<file path=ppt/slides/slide16.xml><?xml version="1.0" encoding="utf-8"?>
 <p:sld xmlns:a="http://schemas.openxmlformats.org/drawingml/2006/main" xmlns:r="http://schemas.openxmlformats.org/officeDocument/2006/relationships" xmlns:p="http://schemas.openxmlformats.org/presentationml/2006/main">
   <p:cSld>
     <p:spTree>
@@ -4751,7 +4840,7 @@
 </p:sld>
 </file>
 
-<file path=ppt/slides/slide16.xml><?xml version="1.0" encoding="utf-8"?>
+<file path=ppt/slides/slide17.xml><?xml version="1.0" encoding="utf-8"?>
 <p:sld xmlns:a="http://schemas.openxmlformats.org/drawingml/2006/main" xmlns:r="http://schemas.openxmlformats.org/officeDocument/2006/relationships" xmlns:p="http://schemas.openxmlformats.org/presentationml/2006/main">
   <p:cSld>
     <p:spTree>
@@ -4838,71 +4927,6 @@
 </p:sld>
 </file>
 
-<file path=ppt/slides/slide17.xml><?xml version="1.0" encoding="utf-8"?>
-<p:sld xmlns:a="http://schemas.openxmlformats.org/drawingml/2006/main" xmlns:r="http://schemas.openxmlformats.org/officeDocument/2006/relationships" xmlns:p="http://schemas.openxmlformats.org/presentationml/2006/main">
-  <p:cSld>
-    <p:spTree>
-      <p:nvGrpSpPr>
-        <p:cNvPr id="1" name=""/>
-        <p:cNvGrpSpPr/>
-        <p:nvPr/>
-      </p:nvGrpSpPr>
-      <p:grpSpPr>
-        <a:xfrm>
-          <a:off x="0" y="0"/>
-          <a:ext cx="0" cy="0"/>
-          <a:chOff x="0" y="0"/>
-          <a:chExt cx="0" cy="0"/>
-        </a:xfrm>
-      </p:grpSpPr>
-      <p:sp>
-        <p:nvSpPr>
-          <p:cNvPr id="2" name="Title 1">
-            <a:extLst>
-              <a:ext uri="{FF2B5EF4-FFF2-40B4-BE49-F238E27FC236}">
-                <a16:creationId xmlns:a16="http://schemas.microsoft.com/office/drawing/2014/main" id="{4AD75F1A-A857-CD13-799F-9953B7053E44}"/>
-              </a:ext>
-            </a:extLst>
-          </p:cNvPr>
-          <p:cNvSpPr>
-            <a:spLocks noGrp="1"/>
-          </p:cNvSpPr>
-          <p:nvPr>
-            <p:ph type="title"/>
-          </p:nvPr>
-        </p:nvSpPr>
-        <p:spPr>
-          <a:xfrm>
-            <a:off x="2707575" y="2704606"/>
-            <a:ext cx="8858993" cy="2116777"/>
-          </a:xfrm>
-        </p:spPr>
-        <p:txBody>
-          <a:bodyPr>
-            <a:normAutofit/>
-          </a:bodyPr>
-          <a:lstStyle/>
-          <a:p>
-            <a:r>
-              <a:rPr lang="en-CA" sz="5400" dirty="0"/>
-              <a:t>Historic Results</a:t>
-            </a:r>
-          </a:p>
-        </p:txBody>
-      </p:sp>
-    </p:spTree>
-    <p:extLst>
-      <p:ext uri="{BB962C8B-B14F-4D97-AF65-F5344CB8AC3E}">
-        <p14:creationId xmlns:p14="http://schemas.microsoft.com/office/powerpoint/2010/main" val="3450020213"/>
-      </p:ext>
-    </p:extLst>
-  </p:cSld>
-  <p:clrMapOvr>
-    <a:masterClrMapping/>
-  </p:clrMapOvr>
-</p:sld>
-</file>
-
 <file path=ppt/slides/slide18.xml><?xml version="1.0" encoding="utf-8"?>
 <p:sld xmlns:a="http://schemas.openxmlformats.org/drawingml/2006/main" xmlns:r="http://schemas.openxmlformats.org/officeDocument/2006/relationships" xmlns:p="http://schemas.openxmlformats.org/presentationml/2006/main">
   <p:cSld>
@@ -4925,7 +4949,7 @@
           <p:cNvPr id="2" name="Title 1">
             <a:extLst>
               <a:ext uri="{FF2B5EF4-FFF2-40B4-BE49-F238E27FC236}">
-                <a16:creationId xmlns:a16="http://schemas.microsoft.com/office/drawing/2014/main" id="{EC30828E-8A64-2364-2BB8-29283068F41D}"/>
+                <a16:creationId xmlns:a16="http://schemas.microsoft.com/office/drawing/2014/main" id="{4AD75F1A-A857-CD13-799F-9953B7053E44}"/>
               </a:ext>
             </a:extLst>
           </p:cNvPr>
@@ -4938,70 +4962,8 @@
         </p:nvSpPr>
         <p:spPr>
           <a:xfrm>
-            <a:off x="1371600" y="685800"/>
-            <a:ext cx="10403058" cy="1485900"/>
-          </a:xfrm>
-        </p:spPr>
-        <p:txBody>
-          <a:bodyPr/>
-          <a:lstStyle/>
-          <a:p>
-            <a:r>
-              <a:rPr lang="en-CA" dirty="0"/>
-              <a:t>Regression Analysis for the city of Toronto</a:t>
-            </a:r>
-          </a:p>
-        </p:txBody>
-      </p:sp>
-      <p:pic>
-        <p:nvPicPr>
-          <p:cNvPr id="5" name="Content Placeholder 4">
-            <a:extLst>
-              <a:ext uri="{FF2B5EF4-FFF2-40B4-BE49-F238E27FC236}">
-                <a16:creationId xmlns:a16="http://schemas.microsoft.com/office/drawing/2014/main" id="{46F98269-A912-8AE1-7BDC-DEAE99FF346C}"/>
-              </a:ext>
-            </a:extLst>
-          </p:cNvPr>
-          <p:cNvPicPr>
-            <a:picLocks noGrp="1" noChangeAspect="1"/>
-          </p:cNvPicPr>
-          <p:nvPr>
-            <p:ph sz="half" idx="2"/>
-          </p:nvPr>
-        </p:nvPicPr>
-        <p:blipFill>
-          <a:blip r:embed="rId2"/>
-          <a:stretch>
-            <a:fillRect/>
-          </a:stretch>
-        </p:blipFill>
-        <p:spPr>
-          <a:xfrm>
-            <a:off x="5011387" y="1812860"/>
-            <a:ext cx="6927765" cy="4618510"/>
-          </a:xfrm>
-        </p:spPr>
-      </p:pic>
-      <p:sp>
-        <p:nvSpPr>
-          <p:cNvPr id="12" name="Content Placeholder 11">
-            <a:extLst>
-              <a:ext uri="{FF2B5EF4-FFF2-40B4-BE49-F238E27FC236}">
-                <a16:creationId xmlns:a16="http://schemas.microsoft.com/office/drawing/2014/main" id="{F52D127A-4561-4608-453F-9D857B49D621}"/>
-              </a:ext>
-            </a:extLst>
-          </p:cNvPr>
-          <p:cNvSpPr>
-            <a:spLocks noGrp="1"/>
-          </p:cNvSpPr>
-          <p:nvPr>
-            <p:ph sz="quarter" idx="4"/>
-          </p:nvPr>
-        </p:nvSpPr>
-        <p:spPr>
-          <a:xfrm>
-            <a:off x="1048493" y="2171700"/>
-            <a:ext cx="3962893" cy="4259669"/>
+            <a:off x="2707575" y="2704606"/>
+            <a:ext cx="8858993" cy="2116777"/>
           </a:xfrm>
         </p:spPr>
         <p:txBody>
@@ -5011,43 +4973,16 @@
           <a:lstStyle/>
           <a:p>
             <a:r>
-              <a:rPr lang="en-US" altLang="en-US" dirty="0">
-                <a:solidFill>
-                  <a:schemeClr val="tx1"/>
-                </a:solidFill>
-              </a:rPr>
-              <a:t>The r-squared is: 12.6%</a:t>
-            </a:r>
-          </a:p>
-          <a:p>
-            <a:r>
-              <a:rPr lang="en-US" altLang="en-US" dirty="0">
-                <a:solidFill>
-                  <a:schemeClr val="tx1"/>
-                </a:solidFill>
-              </a:rPr>
-              <a:t>Data is not correlated to time</a:t>
-            </a:r>
-          </a:p>
-          <a:p>
-            <a:r>
-              <a:rPr lang="en-US" altLang="en-US" dirty="0">
-                <a:solidFill>
-                  <a:schemeClr val="tx1"/>
-                </a:solidFill>
-              </a:rPr>
-              <a:t>Over -all criminal activity clearly dropped in 2020, this could potentially be related to COVID </a:t>
-            </a:r>
-          </a:p>
-          <a:p>
-            <a:endParaRPr lang="en-CA" dirty="0"/>
+              <a:rPr lang="en-CA" sz="5400" dirty="0"/>
+              <a:t>Historic Results</a:t>
+            </a:r>
           </a:p>
         </p:txBody>
       </p:sp>
     </p:spTree>
     <p:extLst>
       <p:ext uri="{BB962C8B-B14F-4D97-AF65-F5344CB8AC3E}">
-        <p14:creationId xmlns:p14="http://schemas.microsoft.com/office/powerpoint/2010/main" val="3331545274"/>
+        <p14:creationId xmlns:p14="http://schemas.microsoft.com/office/powerpoint/2010/main" val="3450020213"/>
       </p:ext>
     </p:extLst>
   </p:cSld>
@@ -5079,7 +5014,7 @@
           <p:cNvPr id="2" name="Title 1">
             <a:extLst>
               <a:ext uri="{FF2B5EF4-FFF2-40B4-BE49-F238E27FC236}">
-                <a16:creationId xmlns:a16="http://schemas.microsoft.com/office/drawing/2014/main" id="{F70752FB-0749-6E73-214D-0BCABBD3272C}"/>
+                <a16:creationId xmlns:a16="http://schemas.microsoft.com/office/drawing/2014/main" id="{EC30828E-8A64-2364-2BB8-29283068F41D}"/>
               </a:ext>
             </a:extLst>
           </p:cNvPr>
@@ -5090,31 +5025,29 @@
             <p:ph type="title"/>
           </p:nvPr>
         </p:nvSpPr>
-        <p:spPr/>
+        <p:spPr>
+          <a:xfrm>
+            <a:off x="1371600" y="685800"/>
+            <a:ext cx="10403058" cy="1485900"/>
+          </a:xfrm>
+        </p:spPr>
         <p:txBody>
           <a:bodyPr/>
           <a:lstStyle/>
           <a:p>
             <a:r>
               <a:rPr lang="en-CA" dirty="0"/>
-              <a:t>Regression Analysis for 5 least Safe </a:t>
-            </a:r>
-            <a:br>
-              <a:rPr lang="en-CA" dirty="0"/>
-            </a:br>
-            <a:r>
-              <a:rPr lang="en-CA" dirty="0"/>
-              <a:t>Neighborhoods</a:t>
+              <a:t>Regression Analysis for the city of Toronto</a:t>
             </a:r>
           </a:p>
         </p:txBody>
       </p:sp>
       <p:pic>
         <p:nvPicPr>
-          <p:cNvPr id="13" name="Content Placeholder 12">
+          <p:cNvPr id="5" name="Content Placeholder 4">
             <a:extLst>
               <a:ext uri="{FF2B5EF4-FFF2-40B4-BE49-F238E27FC236}">
-                <a16:creationId xmlns:a16="http://schemas.microsoft.com/office/drawing/2014/main" id="{019101EE-CDA2-2A44-68AB-301F89A724FB}"/>
+                <a16:creationId xmlns:a16="http://schemas.microsoft.com/office/drawing/2014/main" id="{46F98269-A912-8AE1-7BDC-DEAE99FF346C}"/>
               </a:ext>
             </a:extLst>
           </p:cNvPr>
@@ -5122,7 +5055,7 @@
             <a:picLocks noGrp="1" noChangeAspect="1"/>
           </p:cNvPicPr>
           <p:nvPr>
-            <p:ph sz="quarter" idx="4"/>
+            <p:ph sz="half" idx="2"/>
           </p:nvPr>
         </p:nvPicPr>
         <p:blipFill>
@@ -5133,17 +5066,17 @@
         </p:blipFill>
         <p:spPr>
           <a:xfrm>
-            <a:off x="5367316" y="2171700"/>
-            <a:ext cx="6515122" cy="4343415"/>
+            <a:off x="5011387" y="1812860"/>
+            <a:ext cx="6927765" cy="4618510"/>
           </a:xfrm>
         </p:spPr>
       </p:pic>
       <p:sp>
         <p:nvSpPr>
-          <p:cNvPr id="11" name="Content Placeholder 10">
+          <p:cNvPr id="12" name="Content Placeholder 11">
             <a:extLst>
               <a:ext uri="{FF2B5EF4-FFF2-40B4-BE49-F238E27FC236}">
-                <a16:creationId xmlns:a16="http://schemas.microsoft.com/office/drawing/2014/main" id="{ECF19495-D46C-B566-020C-49AD96F38C4D}"/>
+                <a16:creationId xmlns:a16="http://schemas.microsoft.com/office/drawing/2014/main" id="{F52D127A-4561-4608-453F-9D857B49D621}"/>
               </a:ext>
             </a:extLst>
           </p:cNvPr>
@@ -5151,17 +5084,19 @@
             <a:spLocks noGrp="1"/>
           </p:cNvSpPr>
           <p:nvPr>
-            <p:ph sz="half" idx="2"/>
+            <p:ph sz="quarter" idx="4"/>
           </p:nvPr>
         </p:nvSpPr>
         <p:spPr>
           <a:xfrm>
-            <a:off x="1202787" y="2503349"/>
-            <a:ext cx="4443984" cy="3855248"/>
+            <a:off x="1048493" y="2171700"/>
+            <a:ext cx="3962893" cy="4259669"/>
           </a:xfrm>
         </p:spPr>
         <p:txBody>
-          <a:bodyPr/>
+          <a:bodyPr>
+            <a:normAutofit/>
+          </a:bodyPr>
           <a:lstStyle/>
           <a:p>
             <a:r>
@@ -5170,7 +5105,7 @@
                   <a:schemeClr val="tx1"/>
                 </a:solidFill>
               </a:rPr>
-              <a:t>The r-squared is: 65%</a:t>
+              <a:t>The r-squared is: 12.6%</a:t>
             </a:r>
           </a:p>
           <a:p>
@@ -5180,7 +5115,7 @@
                   <a:schemeClr val="tx1"/>
                 </a:solidFill>
               </a:rPr>
-              <a:t>Data appears to be positively correlated with time</a:t>
+              <a:t>Data is not correlated to time</a:t>
             </a:r>
           </a:p>
           <a:p>
@@ -5190,38 +5125,8 @@
                   <a:schemeClr val="tx1"/>
                 </a:solidFill>
               </a:rPr>
-              <a:t>Crime dropped in 2021</a:t>
-            </a:r>
-          </a:p>
-          <a:p>
-            <a:r>
-              <a:rPr lang="en-US" altLang="en-US" dirty="0">
-                <a:solidFill>
-                  <a:schemeClr val="tx1"/>
-                </a:solidFill>
-              </a:rPr>
-              <a:t>2022 data would help establish a trend </a:t>
-            </a:r>
-          </a:p>
-          <a:p>
-            <a:endParaRPr lang="en-US" altLang="en-US" sz="1600" dirty="0">
-              <a:solidFill>
-                <a:schemeClr val="tx1"/>
-              </a:solidFill>
-              <a:latin typeface="Arial" panose="020B0604020202020204" pitchFamily="34" charset="0"/>
-            </a:endParaRPr>
-          </a:p>
-          <a:p>
-            <a:endParaRPr kumimoji="0" lang="en-US" altLang="en-US" sz="4400" b="0" i="0" u="none" strike="noStrike" cap="none" normalizeH="0" baseline="0" dirty="0">
-              <a:ln>
-                <a:noFill/>
-              </a:ln>
-              <a:solidFill>
-                <a:schemeClr val="tx1"/>
-              </a:solidFill>
-              <a:effectLst/>
-              <a:latin typeface="Arial" panose="020B0604020202020204" pitchFamily="34" charset="0"/>
-            </a:endParaRPr>
+              <a:t>Over -all criminal activity clearly dropped in 2020, this could potentially be related to COVID </a:t>
+            </a:r>
           </a:p>
           <a:p>
             <a:endParaRPr lang="en-CA" dirty="0"/>
@@ -5231,7 +5136,7 @@
     </p:spTree>
     <p:extLst>
       <p:ext uri="{BB962C8B-B14F-4D97-AF65-F5344CB8AC3E}">
-        <p14:creationId xmlns:p14="http://schemas.microsoft.com/office/powerpoint/2010/main" val="3946225886"/>
+        <p14:creationId xmlns:p14="http://schemas.microsoft.com/office/powerpoint/2010/main" val="3331545274"/>
       </p:ext>
     </p:extLst>
   </p:cSld>
@@ -5499,6 +5404,190 @@
           </a:p>
         </p:txBody>
       </p:sp>
+      <p:pic>
+        <p:nvPicPr>
+          <p:cNvPr id="13" name="Content Placeholder 12">
+            <a:extLst>
+              <a:ext uri="{FF2B5EF4-FFF2-40B4-BE49-F238E27FC236}">
+                <a16:creationId xmlns:a16="http://schemas.microsoft.com/office/drawing/2014/main" id="{019101EE-CDA2-2A44-68AB-301F89A724FB}"/>
+              </a:ext>
+            </a:extLst>
+          </p:cNvPr>
+          <p:cNvPicPr>
+            <a:picLocks noGrp="1" noChangeAspect="1"/>
+          </p:cNvPicPr>
+          <p:nvPr>
+            <p:ph sz="quarter" idx="4"/>
+          </p:nvPr>
+        </p:nvPicPr>
+        <p:blipFill>
+          <a:blip r:embed="rId2"/>
+          <a:stretch>
+            <a:fillRect/>
+          </a:stretch>
+        </p:blipFill>
+        <p:spPr>
+          <a:xfrm>
+            <a:off x="5367316" y="2171700"/>
+            <a:ext cx="6515122" cy="4343415"/>
+          </a:xfrm>
+        </p:spPr>
+      </p:pic>
+      <p:sp>
+        <p:nvSpPr>
+          <p:cNvPr id="11" name="Content Placeholder 10">
+            <a:extLst>
+              <a:ext uri="{FF2B5EF4-FFF2-40B4-BE49-F238E27FC236}">
+                <a16:creationId xmlns:a16="http://schemas.microsoft.com/office/drawing/2014/main" id="{ECF19495-D46C-B566-020C-49AD96F38C4D}"/>
+              </a:ext>
+            </a:extLst>
+          </p:cNvPr>
+          <p:cNvSpPr>
+            <a:spLocks noGrp="1"/>
+          </p:cNvSpPr>
+          <p:nvPr>
+            <p:ph sz="half" idx="2"/>
+          </p:nvPr>
+        </p:nvSpPr>
+        <p:spPr>
+          <a:xfrm>
+            <a:off x="1202787" y="2503349"/>
+            <a:ext cx="4443984" cy="3855248"/>
+          </a:xfrm>
+        </p:spPr>
+        <p:txBody>
+          <a:bodyPr/>
+          <a:lstStyle/>
+          <a:p>
+            <a:r>
+              <a:rPr lang="en-US" altLang="en-US" dirty="0">
+                <a:solidFill>
+                  <a:schemeClr val="tx1"/>
+                </a:solidFill>
+              </a:rPr>
+              <a:t>The r-squared is: 65%</a:t>
+            </a:r>
+          </a:p>
+          <a:p>
+            <a:r>
+              <a:rPr lang="en-US" altLang="en-US" dirty="0">
+                <a:solidFill>
+                  <a:schemeClr val="tx1"/>
+                </a:solidFill>
+              </a:rPr>
+              <a:t>Data appears to be positively correlated with time</a:t>
+            </a:r>
+          </a:p>
+          <a:p>
+            <a:r>
+              <a:rPr lang="en-US" altLang="en-US" dirty="0">
+                <a:solidFill>
+                  <a:schemeClr val="tx1"/>
+                </a:solidFill>
+              </a:rPr>
+              <a:t>Crime dropped in 2021</a:t>
+            </a:r>
+          </a:p>
+          <a:p>
+            <a:r>
+              <a:rPr lang="en-US" altLang="en-US" dirty="0">
+                <a:solidFill>
+                  <a:schemeClr val="tx1"/>
+                </a:solidFill>
+              </a:rPr>
+              <a:t>2022 data would help establish a trend </a:t>
+            </a:r>
+          </a:p>
+          <a:p>
+            <a:endParaRPr lang="en-US" altLang="en-US" sz="1600" dirty="0">
+              <a:solidFill>
+                <a:schemeClr val="tx1"/>
+              </a:solidFill>
+              <a:latin typeface="Arial" panose="020B0604020202020204" pitchFamily="34" charset="0"/>
+            </a:endParaRPr>
+          </a:p>
+          <a:p>
+            <a:endParaRPr kumimoji="0" lang="en-US" altLang="en-US" sz="4400" b="0" i="0" u="none" strike="noStrike" cap="none" normalizeH="0" baseline="0" dirty="0">
+              <a:ln>
+                <a:noFill/>
+              </a:ln>
+              <a:solidFill>
+                <a:schemeClr val="tx1"/>
+              </a:solidFill>
+              <a:effectLst/>
+              <a:latin typeface="Arial" panose="020B0604020202020204" pitchFamily="34" charset="0"/>
+            </a:endParaRPr>
+          </a:p>
+          <a:p>
+            <a:endParaRPr lang="en-CA" dirty="0"/>
+          </a:p>
+        </p:txBody>
+      </p:sp>
+    </p:spTree>
+    <p:extLst>
+      <p:ext uri="{BB962C8B-B14F-4D97-AF65-F5344CB8AC3E}">
+        <p14:creationId xmlns:p14="http://schemas.microsoft.com/office/powerpoint/2010/main" val="3946225886"/>
+      </p:ext>
+    </p:extLst>
+  </p:cSld>
+  <p:clrMapOvr>
+    <a:masterClrMapping/>
+  </p:clrMapOvr>
+</p:sld>
+</file>
+
+<file path=ppt/slides/slide21.xml><?xml version="1.0" encoding="utf-8"?>
+<p:sld xmlns:a="http://schemas.openxmlformats.org/drawingml/2006/main" xmlns:r="http://schemas.openxmlformats.org/officeDocument/2006/relationships" xmlns:p="http://schemas.openxmlformats.org/presentationml/2006/main">
+  <p:cSld>
+    <p:spTree>
+      <p:nvGrpSpPr>
+        <p:cNvPr id="1" name=""/>
+        <p:cNvGrpSpPr/>
+        <p:nvPr/>
+      </p:nvGrpSpPr>
+      <p:grpSpPr>
+        <a:xfrm>
+          <a:off x="0" y="0"/>
+          <a:ext cx="0" cy="0"/>
+          <a:chOff x="0" y="0"/>
+          <a:chExt cx="0" cy="0"/>
+        </a:xfrm>
+      </p:grpSpPr>
+      <p:sp>
+        <p:nvSpPr>
+          <p:cNvPr id="2" name="Title 1">
+            <a:extLst>
+              <a:ext uri="{FF2B5EF4-FFF2-40B4-BE49-F238E27FC236}">
+                <a16:creationId xmlns:a16="http://schemas.microsoft.com/office/drawing/2014/main" id="{F70752FB-0749-6E73-214D-0BCABBD3272C}"/>
+              </a:ext>
+            </a:extLst>
+          </p:cNvPr>
+          <p:cNvSpPr>
+            <a:spLocks noGrp="1"/>
+          </p:cNvSpPr>
+          <p:nvPr>
+            <p:ph type="title"/>
+          </p:nvPr>
+        </p:nvSpPr>
+        <p:spPr/>
+        <p:txBody>
+          <a:bodyPr/>
+          <a:lstStyle/>
+          <a:p>
+            <a:r>
+              <a:rPr lang="en-CA" dirty="0"/>
+              <a:t>Regression Analysis for 5 least Safe </a:t>
+            </a:r>
+            <a:br>
+              <a:rPr lang="en-CA" dirty="0"/>
+            </a:br>
+            <a:r>
+              <a:rPr lang="en-CA" dirty="0"/>
+              <a:t>Neighborhoods</a:t>
+            </a:r>
+          </a:p>
+        </p:txBody>
+      </p:sp>
       <p:sp>
         <p:nvSpPr>
           <p:cNvPr id="11" name="Content Placeholder 10">
@@ -5616,7 +5705,7 @@
 </p:sld>
 </file>
 
-<file path=ppt/slides/slide21.xml><?xml version="1.0" encoding="utf-8"?>
+<file path=ppt/slides/slide22.xml><?xml version="1.0" encoding="utf-8"?>
 <p:sld xmlns:a="http://schemas.openxmlformats.org/drawingml/2006/main" xmlns:r="http://schemas.openxmlformats.org/officeDocument/2006/relationships" xmlns:p="http://schemas.openxmlformats.org/presentationml/2006/main">
   <p:cSld>
     <p:spTree>
@@ -5773,7 +5862,7 @@
 </p:sld>
 </file>
 
-<file path=ppt/slides/slide22.xml><?xml version="1.0" encoding="utf-8"?>
+<file path=ppt/slides/slide23.xml><?xml version="1.0" encoding="utf-8"?>
 <p:sld xmlns:a="http://schemas.openxmlformats.org/drawingml/2006/main" xmlns:r="http://schemas.openxmlformats.org/officeDocument/2006/relationships" xmlns:p="http://schemas.openxmlformats.org/presentationml/2006/main">
   <p:cSld>
     <p:spTree>
@@ -5930,7 +6019,7 @@
 </p:sld>
 </file>
 
-<file path=ppt/slides/slide23.xml><?xml version="1.0" encoding="utf-8"?>
+<file path=ppt/slides/slide24.xml><?xml version="1.0" encoding="utf-8"?>
 <p:sld xmlns:a="http://schemas.openxmlformats.org/drawingml/2006/main" xmlns:r="http://schemas.openxmlformats.org/officeDocument/2006/relationships" xmlns:p="http://schemas.openxmlformats.org/presentationml/2006/main">
   <p:cSld>
     <p:spTree>
@@ -6153,360 +6242,6 @@
     <p:extLst>
       <p:ext uri="{BB962C8B-B14F-4D97-AF65-F5344CB8AC3E}">
         <p14:creationId xmlns:p14="http://schemas.microsoft.com/office/powerpoint/2010/main" val="3855056731"/>
-      </p:ext>
-    </p:extLst>
-  </p:cSld>
-  <p:clrMapOvr>
-    <a:masterClrMapping/>
-  </p:clrMapOvr>
-</p:sld>
-</file>
-
-<file path=ppt/slides/slide24.xml><?xml version="1.0" encoding="utf-8"?>
-<p:sld xmlns:a="http://schemas.openxmlformats.org/drawingml/2006/main" xmlns:r="http://schemas.openxmlformats.org/officeDocument/2006/relationships" xmlns:p="http://schemas.openxmlformats.org/presentationml/2006/main">
-  <p:cSld>
-    <p:spTree>
-      <p:nvGrpSpPr>
-        <p:cNvPr id="1" name=""/>
-        <p:cNvGrpSpPr/>
-        <p:nvPr/>
-      </p:nvGrpSpPr>
-      <p:grpSpPr>
-        <a:xfrm>
-          <a:off x="0" y="0"/>
-          <a:ext cx="0" cy="0"/>
-          <a:chOff x="0" y="0"/>
-          <a:chExt cx="0" cy="0"/>
-        </a:xfrm>
-      </p:grpSpPr>
-      <p:sp>
-        <p:nvSpPr>
-          <p:cNvPr id="2" name="Title 1">
-            <a:extLst>
-              <a:ext uri="{FF2B5EF4-FFF2-40B4-BE49-F238E27FC236}">
-                <a16:creationId xmlns:a16="http://schemas.microsoft.com/office/drawing/2014/main" id="{F70752FB-0749-6E73-214D-0BCABBD3272C}"/>
-              </a:ext>
-            </a:extLst>
-          </p:cNvPr>
-          <p:cNvSpPr>
-            <a:spLocks noGrp="1"/>
-          </p:cNvSpPr>
-          <p:nvPr>
-            <p:ph type="title"/>
-          </p:nvPr>
-        </p:nvSpPr>
-        <p:spPr/>
-        <p:txBody>
-          <a:bodyPr/>
-          <a:lstStyle/>
-          <a:p>
-            <a:r>
-              <a:rPr lang="en-CA" dirty="0"/>
-              <a:t>Regression Analysis for 5 Most Safe </a:t>
-            </a:r>
-            <a:br>
-              <a:rPr lang="en-CA" dirty="0"/>
-            </a:br>
-            <a:r>
-              <a:rPr lang="en-CA" dirty="0"/>
-              <a:t>Neighborhoods</a:t>
-            </a:r>
-          </a:p>
-        </p:txBody>
-      </p:sp>
-      <p:sp>
-        <p:nvSpPr>
-          <p:cNvPr id="11" name="Content Placeholder 10">
-            <a:extLst>
-              <a:ext uri="{FF2B5EF4-FFF2-40B4-BE49-F238E27FC236}">
-                <a16:creationId xmlns:a16="http://schemas.microsoft.com/office/drawing/2014/main" id="{ECF19495-D46C-B566-020C-49AD96F38C4D}"/>
-              </a:ext>
-            </a:extLst>
-          </p:cNvPr>
-          <p:cNvSpPr>
-            <a:spLocks noGrp="1"/>
-          </p:cNvSpPr>
-          <p:nvPr>
-            <p:ph sz="half" idx="2"/>
-          </p:nvPr>
-        </p:nvSpPr>
-        <p:spPr/>
-        <p:txBody>
-          <a:bodyPr/>
-          <a:lstStyle/>
-          <a:p>
-            <a:r>
-              <a:rPr lang="en-US" altLang="en-US" dirty="0">
-                <a:solidFill>
-                  <a:srgbClr val="000000"/>
-                </a:solidFill>
-                <a:latin typeface="Courier New" panose="02070309020205020404" pitchFamily="49" charset="0"/>
-                <a:cs typeface="Courier New" panose="02070309020205020404" pitchFamily="49" charset="0"/>
-              </a:rPr>
-              <a:t>The r-squared is:</a:t>
-            </a:r>
-            <a:r>
-              <a:rPr kumimoji="0" lang="en-US" altLang="en-US" sz="2000" b="0" i="0" u="none" strike="noStrike" cap="none" normalizeH="0" baseline="0" dirty="0">
-                <a:ln>
-                  <a:noFill/>
-                </a:ln>
-                <a:solidFill>
-                  <a:srgbClr val="000000"/>
-                </a:solidFill>
-                <a:effectLst/>
-                <a:latin typeface="Courier New" panose="02070309020205020404" pitchFamily="49" charset="0"/>
-                <a:cs typeface="Courier New" panose="02070309020205020404" pitchFamily="49" charset="0"/>
-              </a:rPr>
-              <a:t> 12%</a:t>
-            </a:r>
-            <a:endParaRPr lang="en-US" altLang="en-US" dirty="0">
-              <a:solidFill>
-                <a:srgbClr val="000000"/>
-              </a:solidFill>
-              <a:latin typeface="Courier New" panose="02070309020205020404" pitchFamily="49" charset="0"/>
-              <a:cs typeface="Courier New" panose="02070309020205020404" pitchFamily="49" charset="0"/>
-            </a:endParaRPr>
-          </a:p>
-          <a:p>
-            <a:endParaRPr lang="en-CA" dirty="0"/>
-          </a:p>
-        </p:txBody>
-      </p:sp>
-      <p:sp>
-        <p:nvSpPr>
-          <p:cNvPr id="8" name="Rectangle 1">
-            <a:extLst>
-              <a:ext uri="{FF2B5EF4-FFF2-40B4-BE49-F238E27FC236}">
-                <a16:creationId xmlns:a16="http://schemas.microsoft.com/office/drawing/2014/main" id="{F1410BBA-68AE-34B0-2D8A-0C5BC109D97B}"/>
-              </a:ext>
-            </a:extLst>
-          </p:cNvPr>
-          <p:cNvSpPr>
-            <a:spLocks noChangeArrowheads="1"/>
-          </p:cNvSpPr>
-          <p:nvPr/>
-        </p:nvSpPr>
-        <p:spPr bwMode="auto">
-          <a:xfrm>
-            <a:off x="0" y="167044"/>
-            <a:ext cx="25648" cy="123111"/>
-          </a:xfrm>
-          <a:prstGeom prst="rect">
-            <a:avLst/>
-          </a:prstGeom>
-          <a:solidFill>
-            <a:srgbClr val="FFFFFF"/>
-          </a:solidFill>
-          <a:ln>
-            <a:noFill/>
-          </a:ln>
-          <a:effectLst/>
-          <a:extLst>
-            <a:ext uri="{91240B29-F687-4F45-9708-019B960494DF}">
-              <a14:hiddenLine xmlns:a14="http://schemas.microsoft.com/office/drawing/2010/main" w="9525">
-                <a:solidFill>
-                  <a:schemeClr val="tx1"/>
-                </a:solidFill>
-                <a:miter lim="800000"/>
-                <a:headEnd/>
-                <a:tailEnd/>
-              </a14:hiddenLine>
-            </a:ext>
-            <a:ext uri="{AF507438-7753-43E0-B8FC-AC1667EBCBE1}">
-              <a14:hiddenEffects xmlns:a14="http://schemas.microsoft.com/office/drawing/2010/main">
-                <a:effectLst>
-                  <a:outerShdw dist="35921" dir="2700000" algn="ctr" rotWithShape="0">
-                    <a:schemeClr val="bg2"/>
-                  </a:outerShdw>
-                </a:effectLst>
-              </a14:hiddenEffects>
-            </a:ext>
-          </a:extLst>
-        </p:spPr>
-        <p:txBody>
-          <a:bodyPr vert="horz" wrap="none" lIns="0" tIns="0" rIns="0" bIns="0" numCol="1" anchor="ctr" anchorCtr="0" compatLnSpc="1">
-            <a:prstTxWarp prst="textNoShape">
-              <a:avLst/>
-            </a:prstTxWarp>
-            <a:spAutoFit/>
-          </a:bodyPr>
-          <a:lstStyle/>
-          <a:p>
-            <a:pPr marL="0" marR="0" lvl="0" indent="0" algn="l" defTabSz="914400" rtl="0" eaLnBrk="0" fontAlgn="base" latinLnBrk="0" hangingPunct="0">
-              <a:lnSpc>
-                <a:spcPct val="100000"/>
-              </a:lnSpc>
-              <a:spcBef>
-                <a:spcPct val="0"/>
-              </a:spcBef>
-              <a:spcAft>
-                <a:spcPct val="0"/>
-              </a:spcAft>
-              <a:buClrTx/>
-              <a:buSzTx/>
-              <a:buFontTx/>
-              <a:buNone/>
-              <a:tabLst/>
-            </a:pPr>
-            <a:r>
-              <a:rPr kumimoji="0" lang="en-US" altLang="en-US" sz="800" b="0" i="0" u="none" strike="noStrike" cap="none" normalizeH="0" baseline="0" dirty="0">
-                <a:ln>
-                  <a:noFill/>
-                </a:ln>
-                <a:solidFill>
-                  <a:schemeClr val="tx1"/>
-                </a:solidFill>
-                <a:effectLst/>
-              </a:rPr>
-              <a:t> </a:t>
-            </a:r>
-            <a:endParaRPr kumimoji="0" lang="en-US" altLang="en-US" sz="1800" b="0" i="0" u="none" strike="noStrike" cap="none" normalizeH="0" baseline="0" dirty="0">
-              <a:ln>
-                <a:noFill/>
-              </a:ln>
-              <a:solidFill>
-                <a:schemeClr val="tx1"/>
-              </a:solidFill>
-              <a:effectLst/>
-              <a:latin typeface="Arial" panose="020B0604020202020204" pitchFamily="34" charset="0"/>
-            </a:endParaRPr>
-          </a:p>
-        </p:txBody>
-      </p:sp>
-      <p:pic>
-        <p:nvPicPr>
-          <p:cNvPr id="6" name="Content Placeholder 5">
-            <a:extLst>
-              <a:ext uri="{FF2B5EF4-FFF2-40B4-BE49-F238E27FC236}">
-                <a16:creationId xmlns:a16="http://schemas.microsoft.com/office/drawing/2014/main" id="{BB238F39-3F34-3289-8FDD-AF65B356FDEA}"/>
-              </a:ext>
-            </a:extLst>
-          </p:cNvPr>
-          <p:cNvPicPr>
-            <a:picLocks noGrp="1" noChangeAspect="1"/>
-          </p:cNvPicPr>
-          <p:nvPr>
-            <p:ph sz="quarter" idx="4"/>
-          </p:nvPr>
-        </p:nvPicPr>
-        <p:blipFill>
-          <a:blip r:embed="rId2"/>
-          <a:stretch>
-            <a:fillRect/>
-          </a:stretch>
-        </p:blipFill>
-        <p:spPr>
-          <a:xfrm>
-            <a:off x="5522886" y="2405575"/>
-            <a:ext cx="6192863" cy="4128576"/>
-          </a:xfrm>
-        </p:spPr>
-      </p:pic>
-      <p:sp>
-        <p:nvSpPr>
-          <p:cNvPr id="9" name="Rectangle 1">
-            <a:extLst>
-              <a:ext uri="{FF2B5EF4-FFF2-40B4-BE49-F238E27FC236}">
-                <a16:creationId xmlns:a16="http://schemas.microsoft.com/office/drawing/2014/main" id="{7F9B93F6-954F-0114-383C-EC5B33B7FD28}"/>
-              </a:ext>
-            </a:extLst>
-          </p:cNvPr>
-          <p:cNvSpPr>
-            <a:spLocks noChangeArrowheads="1"/>
-          </p:cNvSpPr>
-          <p:nvPr/>
-        </p:nvSpPr>
-        <p:spPr bwMode="auto">
-          <a:xfrm>
-            <a:off x="0" y="167044"/>
-            <a:ext cx="25648" cy="123111"/>
-          </a:xfrm>
-          <a:prstGeom prst="rect">
-            <a:avLst/>
-          </a:prstGeom>
-          <a:solidFill>
-            <a:srgbClr val="FFFFFF"/>
-          </a:solidFill>
-          <a:ln>
-            <a:noFill/>
-          </a:ln>
-          <a:effectLst/>
-          <a:extLst>
-            <a:ext uri="{91240B29-F687-4F45-9708-019B960494DF}">
-              <a14:hiddenLine xmlns:a14="http://schemas.microsoft.com/office/drawing/2010/main" w="9525">
-                <a:solidFill>
-                  <a:schemeClr val="tx1"/>
-                </a:solidFill>
-                <a:miter lim="800000"/>
-                <a:headEnd/>
-                <a:tailEnd/>
-              </a14:hiddenLine>
-            </a:ext>
-            <a:ext uri="{AF507438-7753-43E0-B8FC-AC1667EBCBE1}">
-              <a14:hiddenEffects xmlns:a14="http://schemas.microsoft.com/office/drawing/2010/main">
-                <a:effectLst>
-                  <a:outerShdw dist="35921" dir="2700000" algn="ctr" rotWithShape="0">
-                    <a:schemeClr val="bg2"/>
-                  </a:outerShdw>
-                </a:effectLst>
-              </a14:hiddenEffects>
-            </a:ext>
-          </a:extLst>
-        </p:spPr>
-        <p:txBody>
-          <a:bodyPr vert="horz" wrap="none" lIns="0" tIns="0" rIns="0" bIns="0" numCol="1" anchor="ctr" anchorCtr="0" compatLnSpc="1">
-            <a:prstTxWarp prst="textNoShape">
-              <a:avLst/>
-            </a:prstTxWarp>
-            <a:spAutoFit/>
-          </a:bodyPr>
-          <a:lstStyle/>
-          <a:p>
-            <a:pPr marL="0" marR="0" lvl="0" indent="0" algn="l" defTabSz="914400" rtl="0" eaLnBrk="0" fontAlgn="base" latinLnBrk="0" hangingPunct="0">
-              <a:lnSpc>
-                <a:spcPct val="100000"/>
-              </a:lnSpc>
-              <a:spcBef>
-                <a:spcPct val="0"/>
-              </a:spcBef>
-              <a:spcAft>
-                <a:spcPct val="0"/>
-              </a:spcAft>
-              <a:buClrTx/>
-              <a:buSzTx/>
-              <a:buFontTx/>
-              <a:buNone/>
-              <a:tabLst/>
-            </a:pPr>
-            <a:r>
-              <a:rPr kumimoji="0" lang="en-US" altLang="en-US" sz="800" b="0" i="0" u="none" strike="noStrike" cap="none" normalizeH="0" baseline="0" dirty="0">
-                <a:ln>
-                  <a:noFill/>
-                </a:ln>
-                <a:solidFill>
-                  <a:schemeClr val="tx1"/>
-                </a:solidFill>
-                <a:effectLst/>
-              </a:rPr>
-              <a:t> </a:t>
-            </a:r>
-            <a:endParaRPr kumimoji="0" lang="en-US" altLang="en-US" sz="1800" b="0" i="0" u="none" strike="noStrike" cap="none" normalizeH="0" baseline="0" dirty="0">
-              <a:ln>
-                <a:noFill/>
-              </a:ln>
-              <a:solidFill>
-                <a:schemeClr val="tx1"/>
-              </a:solidFill>
-              <a:effectLst/>
-              <a:latin typeface="Arial" panose="020B0604020202020204" pitchFamily="34" charset="0"/>
-            </a:endParaRPr>
-          </a:p>
-        </p:txBody>
-      </p:sp>
-    </p:spTree>
-    <p:extLst>
-      <p:ext uri="{BB962C8B-B14F-4D97-AF65-F5344CB8AC3E}">
-        <p14:creationId xmlns:p14="http://schemas.microsoft.com/office/powerpoint/2010/main" val="796000082"/>
       </p:ext>
     </p:extLst>
   </p:cSld>
@@ -6611,6 +6346,360 @@
                 <a:latin typeface="Courier New" panose="02070309020205020404" pitchFamily="49" charset="0"/>
                 <a:cs typeface="Courier New" panose="02070309020205020404" pitchFamily="49" charset="0"/>
               </a:rPr>
+              <a:t> 12%</a:t>
+            </a:r>
+            <a:endParaRPr lang="en-US" altLang="en-US" dirty="0">
+              <a:solidFill>
+                <a:srgbClr val="000000"/>
+              </a:solidFill>
+              <a:latin typeface="Courier New" panose="02070309020205020404" pitchFamily="49" charset="0"/>
+              <a:cs typeface="Courier New" panose="02070309020205020404" pitchFamily="49" charset="0"/>
+            </a:endParaRPr>
+          </a:p>
+          <a:p>
+            <a:endParaRPr lang="en-CA" dirty="0"/>
+          </a:p>
+        </p:txBody>
+      </p:sp>
+      <p:sp>
+        <p:nvSpPr>
+          <p:cNvPr id="8" name="Rectangle 1">
+            <a:extLst>
+              <a:ext uri="{FF2B5EF4-FFF2-40B4-BE49-F238E27FC236}">
+                <a16:creationId xmlns:a16="http://schemas.microsoft.com/office/drawing/2014/main" id="{F1410BBA-68AE-34B0-2D8A-0C5BC109D97B}"/>
+              </a:ext>
+            </a:extLst>
+          </p:cNvPr>
+          <p:cNvSpPr>
+            <a:spLocks noChangeArrowheads="1"/>
+          </p:cNvSpPr>
+          <p:nvPr/>
+        </p:nvSpPr>
+        <p:spPr bwMode="auto">
+          <a:xfrm>
+            <a:off x="0" y="167044"/>
+            <a:ext cx="25648" cy="123111"/>
+          </a:xfrm>
+          <a:prstGeom prst="rect">
+            <a:avLst/>
+          </a:prstGeom>
+          <a:solidFill>
+            <a:srgbClr val="FFFFFF"/>
+          </a:solidFill>
+          <a:ln>
+            <a:noFill/>
+          </a:ln>
+          <a:effectLst/>
+          <a:extLst>
+            <a:ext uri="{91240B29-F687-4F45-9708-019B960494DF}">
+              <a14:hiddenLine xmlns:a14="http://schemas.microsoft.com/office/drawing/2010/main" w="9525">
+                <a:solidFill>
+                  <a:schemeClr val="tx1"/>
+                </a:solidFill>
+                <a:miter lim="800000"/>
+                <a:headEnd/>
+                <a:tailEnd/>
+              </a14:hiddenLine>
+            </a:ext>
+            <a:ext uri="{AF507438-7753-43E0-B8FC-AC1667EBCBE1}">
+              <a14:hiddenEffects xmlns:a14="http://schemas.microsoft.com/office/drawing/2010/main">
+                <a:effectLst>
+                  <a:outerShdw dist="35921" dir="2700000" algn="ctr" rotWithShape="0">
+                    <a:schemeClr val="bg2"/>
+                  </a:outerShdw>
+                </a:effectLst>
+              </a14:hiddenEffects>
+            </a:ext>
+          </a:extLst>
+        </p:spPr>
+        <p:txBody>
+          <a:bodyPr vert="horz" wrap="none" lIns="0" tIns="0" rIns="0" bIns="0" numCol="1" anchor="ctr" anchorCtr="0" compatLnSpc="1">
+            <a:prstTxWarp prst="textNoShape">
+              <a:avLst/>
+            </a:prstTxWarp>
+            <a:spAutoFit/>
+          </a:bodyPr>
+          <a:lstStyle/>
+          <a:p>
+            <a:pPr marL="0" marR="0" lvl="0" indent="0" algn="l" defTabSz="914400" rtl="0" eaLnBrk="0" fontAlgn="base" latinLnBrk="0" hangingPunct="0">
+              <a:lnSpc>
+                <a:spcPct val="100000"/>
+              </a:lnSpc>
+              <a:spcBef>
+                <a:spcPct val="0"/>
+              </a:spcBef>
+              <a:spcAft>
+                <a:spcPct val="0"/>
+              </a:spcAft>
+              <a:buClrTx/>
+              <a:buSzTx/>
+              <a:buFontTx/>
+              <a:buNone/>
+              <a:tabLst/>
+            </a:pPr>
+            <a:r>
+              <a:rPr kumimoji="0" lang="en-US" altLang="en-US" sz="800" b="0" i="0" u="none" strike="noStrike" cap="none" normalizeH="0" baseline="0" dirty="0">
+                <a:ln>
+                  <a:noFill/>
+                </a:ln>
+                <a:solidFill>
+                  <a:schemeClr val="tx1"/>
+                </a:solidFill>
+                <a:effectLst/>
+              </a:rPr>
+              <a:t> </a:t>
+            </a:r>
+            <a:endParaRPr kumimoji="0" lang="en-US" altLang="en-US" sz="1800" b="0" i="0" u="none" strike="noStrike" cap="none" normalizeH="0" baseline="0" dirty="0">
+              <a:ln>
+                <a:noFill/>
+              </a:ln>
+              <a:solidFill>
+                <a:schemeClr val="tx1"/>
+              </a:solidFill>
+              <a:effectLst/>
+              <a:latin typeface="Arial" panose="020B0604020202020204" pitchFamily="34" charset="0"/>
+            </a:endParaRPr>
+          </a:p>
+        </p:txBody>
+      </p:sp>
+      <p:pic>
+        <p:nvPicPr>
+          <p:cNvPr id="6" name="Content Placeholder 5">
+            <a:extLst>
+              <a:ext uri="{FF2B5EF4-FFF2-40B4-BE49-F238E27FC236}">
+                <a16:creationId xmlns:a16="http://schemas.microsoft.com/office/drawing/2014/main" id="{BB238F39-3F34-3289-8FDD-AF65B356FDEA}"/>
+              </a:ext>
+            </a:extLst>
+          </p:cNvPr>
+          <p:cNvPicPr>
+            <a:picLocks noGrp="1" noChangeAspect="1"/>
+          </p:cNvPicPr>
+          <p:nvPr>
+            <p:ph sz="quarter" idx="4"/>
+          </p:nvPr>
+        </p:nvPicPr>
+        <p:blipFill>
+          <a:blip r:embed="rId2"/>
+          <a:stretch>
+            <a:fillRect/>
+          </a:stretch>
+        </p:blipFill>
+        <p:spPr>
+          <a:xfrm>
+            <a:off x="5522886" y="2405575"/>
+            <a:ext cx="6192863" cy="4128576"/>
+          </a:xfrm>
+        </p:spPr>
+      </p:pic>
+      <p:sp>
+        <p:nvSpPr>
+          <p:cNvPr id="9" name="Rectangle 1">
+            <a:extLst>
+              <a:ext uri="{FF2B5EF4-FFF2-40B4-BE49-F238E27FC236}">
+                <a16:creationId xmlns:a16="http://schemas.microsoft.com/office/drawing/2014/main" id="{7F9B93F6-954F-0114-383C-EC5B33B7FD28}"/>
+              </a:ext>
+            </a:extLst>
+          </p:cNvPr>
+          <p:cNvSpPr>
+            <a:spLocks noChangeArrowheads="1"/>
+          </p:cNvSpPr>
+          <p:nvPr/>
+        </p:nvSpPr>
+        <p:spPr bwMode="auto">
+          <a:xfrm>
+            <a:off x="0" y="167044"/>
+            <a:ext cx="25648" cy="123111"/>
+          </a:xfrm>
+          <a:prstGeom prst="rect">
+            <a:avLst/>
+          </a:prstGeom>
+          <a:solidFill>
+            <a:srgbClr val="FFFFFF"/>
+          </a:solidFill>
+          <a:ln>
+            <a:noFill/>
+          </a:ln>
+          <a:effectLst/>
+          <a:extLst>
+            <a:ext uri="{91240B29-F687-4F45-9708-019B960494DF}">
+              <a14:hiddenLine xmlns:a14="http://schemas.microsoft.com/office/drawing/2010/main" w="9525">
+                <a:solidFill>
+                  <a:schemeClr val="tx1"/>
+                </a:solidFill>
+                <a:miter lim="800000"/>
+                <a:headEnd/>
+                <a:tailEnd/>
+              </a14:hiddenLine>
+            </a:ext>
+            <a:ext uri="{AF507438-7753-43E0-B8FC-AC1667EBCBE1}">
+              <a14:hiddenEffects xmlns:a14="http://schemas.microsoft.com/office/drawing/2010/main">
+                <a:effectLst>
+                  <a:outerShdw dist="35921" dir="2700000" algn="ctr" rotWithShape="0">
+                    <a:schemeClr val="bg2"/>
+                  </a:outerShdw>
+                </a:effectLst>
+              </a14:hiddenEffects>
+            </a:ext>
+          </a:extLst>
+        </p:spPr>
+        <p:txBody>
+          <a:bodyPr vert="horz" wrap="none" lIns="0" tIns="0" rIns="0" bIns="0" numCol="1" anchor="ctr" anchorCtr="0" compatLnSpc="1">
+            <a:prstTxWarp prst="textNoShape">
+              <a:avLst/>
+            </a:prstTxWarp>
+            <a:spAutoFit/>
+          </a:bodyPr>
+          <a:lstStyle/>
+          <a:p>
+            <a:pPr marL="0" marR="0" lvl="0" indent="0" algn="l" defTabSz="914400" rtl="0" eaLnBrk="0" fontAlgn="base" latinLnBrk="0" hangingPunct="0">
+              <a:lnSpc>
+                <a:spcPct val="100000"/>
+              </a:lnSpc>
+              <a:spcBef>
+                <a:spcPct val="0"/>
+              </a:spcBef>
+              <a:spcAft>
+                <a:spcPct val="0"/>
+              </a:spcAft>
+              <a:buClrTx/>
+              <a:buSzTx/>
+              <a:buFontTx/>
+              <a:buNone/>
+              <a:tabLst/>
+            </a:pPr>
+            <a:r>
+              <a:rPr kumimoji="0" lang="en-US" altLang="en-US" sz="800" b="0" i="0" u="none" strike="noStrike" cap="none" normalizeH="0" baseline="0" dirty="0">
+                <a:ln>
+                  <a:noFill/>
+                </a:ln>
+                <a:solidFill>
+                  <a:schemeClr val="tx1"/>
+                </a:solidFill>
+                <a:effectLst/>
+              </a:rPr>
+              <a:t> </a:t>
+            </a:r>
+            <a:endParaRPr kumimoji="0" lang="en-US" altLang="en-US" sz="1800" b="0" i="0" u="none" strike="noStrike" cap="none" normalizeH="0" baseline="0" dirty="0">
+              <a:ln>
+                <a:noFill/>
+              </a:ln>
+              <a:solidFill>
+                <a:schemeClr val="tx1"/>
+              </a:solidFill>
+              <a:effectLst/>
+              <a:latin typeface="Arial" panose="020B0604020202020204" pitchFamily="34" charset="0"/>
+            </a:endParaRPr>
+          </a:p>
+        </p:txBody>
+      </p:sp>
+    </p:spTree>
+    <p:extLst>
+      <p:ext uri="{BB962C8B-B14F-4D97-AF65-F5344CB8AC3E}">
+        <p14:creationId xmlns:p14="http://schemas.microsoft.com/office/powerpoint/2010/main" val="796000082"/>
+      </p:ext>
+    </p:extLst>
+  </p:cSld>
+  <p:clrMapOvr>
+    <a:masterClrMapping/>
+  </p:clrMapOvr>
+</p:sld>
+</file>
+
+<file path=ppt/slides/slide26.xml><?xml version="1.0" encoding="utf-8"?>
+<p:sld xmlns:a="http://schemas.openxmlformats.org/drawingml/2006/main" xmlns:r="http://schemas.openxmlformats.org/officeDocument/2006/relationships" xmlns:p="http://schemas.openxmlformats.org/presentationml/2006/main">
+  <p:cSld>
+    <p:spTree>
+      <p:nvGrpSpPr>
+        <p:cNvPr id="1" name=""/>
+        <p:cNvGrpSpPr/>
+        <p:nvPr/>
+      </p:nvGrpSpPr>
+      <p:grpSpPr>
+        <a:xfrm>
+          <a:off x="0" y="0"/>
+          <a:ext cx="0" cy="0"/>
+          <a:chOff x="0" y="0"/>
+          <a:chExt cx="0" cy="0"/>
+        </a:xfrm>
+      </p:grpSpPr>
+      <p:sp>
+        <p:nvSpPr>
+          <p:cNvPr id="2" name="Title 1">
+            <a:extLst>
+              <a:ext uri="{FF2B5EF4-FFF2-40B4-BE49-F238E27FC236}">
+                <a16:creationId xmlns:a16="http://schemas.microsoft.com/office/drawing/2014/main" id="{F70752FB-0749-6E73-214D-0BCABBD3272C}"/>
+              </a:ext>
+            </a:extLst>
+          </p:cNvPr>
+          <p:cNvSpPr>
+            <a:spLocks noGrp="1"/>
+          </p:cNvSpPr>
+          <p:nvPr>
+            <p:ph type="title"/>
+          </p:nvPr>
+        </p:nvSpPr>
+        <p:spPr/>
+        <p:txBody>
+          <a:bodyPr/>
+          <a:lstStyle/>
+          <a:p>
+            <a:r>
+              <a:rPr lang="en-CA" dirty="0"/>
+              <a:t>Regression Analysis for 5 Most Safe </a:t>
+            </a:r>
+            <a:br>
+              <a:rPr lang="en-CA" dirty="0"/>
+            </a:br>
+            <a:r>
+              <a:rPr lang="en-CA" dirty="0"/>
+              <a:t>Neighborhoods</a:t>
+            </a:r>
+          </a:p>
+        </p:txBody>
+      </p:sp>
+      <p:sp>
+        <p:nvSpPr>
+          <p:cNvPr id="11" name="Content Placeholder 10">
+            <a:extLst>
+              <a:ext uri="{FF2B5EF4-FFF2-40B4-BE49-F238E27FC236}">
+                <a16:creationId xmlns:a16="http://schemas.microsoft.com/office/drawing/2014/main" id="{ECF19495-D46C-B566-020C-49AD96F38C4D}"/>
+              </a:ext>
+            </a:extLst>
+          </p:cNvPr>
+          <p:cNvSpPr>
+            <a:spLocks noGrp="1"/>
+          </p:cNvSpPr>
+          <p:nvPr>
+            <p:ph sz="half" idx="2"/>
+          </p:nvPr>
+        </p:nvSpPr>
+        <p:spPr/>
+        <p:txBody>
+          <a:bodyPr/>
+          <a:lstStyle/>
+          <a:p>
+            <a:r>
+              <a:rPr lang="en-US" altLang="en-US" dirty="0">
+                <a:solidFill>
+                  <a:srgbClr val="000000"/>
+                </a:solidFill>
+                <a:latin typeface="Courier New" panose="02070309020205020404" pitchFamily="49" charset="0"/>
+                <a:cs typeface="Courier New" panose="02070309020205020404" pitchFamily="49" charset="0"/>
+              </a:rPr>
+              <a:t>The r-squared is:</a:t>
+            </a:r>
+            <a:r>
+              <a:rPr kumimoji="0" lang="en-US" altLang="en-US" sz="2000" b="0" i="0" u="none" strike="noStrike" cap="none" normalizeH="0" baseline="0" dirty="0">
+                <a:ln>
+                  <a:noFill/>
+                </a:ln>
+                <a:solidFill>
+                  <a:srgbClr val="000000"/>
+                </a:solidFill>
+                <a:effectLst/>
+                <a:latin typeface="Courier New" panose="02070309020205020404" pitchFamily="49" charset="0"/>
+                <a:cs typeface="Courier New" panose="02070309020205020404" pitchFamily="49" charset="0"/>
+              </a:rPr>
               <a:t> 0.00%</a:t>
             </a:r>
             <a:r>
@@ -6983,7 +7072,7 @@
 </p:sld>
 </file>
 
-<file path=ppt/slides/slide26.xml><?xml version="1.0" encoding="utf-8"?>
+<file path=ppt/slides/slide27.xml><?xml version="1.0" encoding="utf-8"?>
 <p:sld xmlns:a="http://schemas.openxmlformats.org/drawingml/2006/main" xmlns:r="http://schemas.openxmlformats.org/officeDocument/2006/relationships" xmlns:p="http://schemas.openxmlformats.org/presentationml/2006/main">
   <p:cSld>
     <p:spTree>
@@ -7337,7 +7426,7 @@
 </p:sld>
 </file>
 
-<file path=ppt/slides/slide27.xml><?xml version="1.0" encoding="utf-8"?>
+<file path=ppt/slides/slide28.xml><?xml version="1.0" encoding="utf-8"?>
 <p:sld xmlns:a="http://schemas.openxmlformats.org/drawingml/2006/main" xmlns:r="http://schemas.openxmlformats.org/officeDocument/2006/relationships" xmlns:p="http://schemas.openxmlformats.org/presentationml/2006/main">
   <p:cSld>
     <p:spTree>
@@ -7792,7 +7881,7 @@
 </p:sld>
 </file>
 
-<file path=ppt/slides/slide28.xml><?xml version="1.0" encoding="utf-8"?>
+<file path=ppt/slides/slide29.xml><?xml version="1.0" encoding="utf-8"?>
 <p:sld xmlns:a="http://schemas.openxmlformats.org/drawingml/2006/main" xmlns:r="http://schemas.openxmlformats.org/officeDocument/2006/relationships" xmlns:p="http://schemas.openxmlformats.org/presentationml/2006/main">
   <p:cSld>
     <p:spTree>
@@ -8348,7 +8437,327 @@
 </p:sld>
 </file>
 
-<file path=ppt/slides/slide29.xml><?xml version="1.0" encoding="utf-8"?>
+<file path=ppt/slides/slide3.xml><?xml version="1.0" encoding="utf-8"?>
+<p:sld xmlns:a="http://schemas.openxmlformats.org/drawingml/2006/main" xmlns:r="http://schemas.openxmlformats.org/officeDocument/2006/relationships" xmlns:p="http://schemas.openxmlformats.org/presentationml/2006/main">
+  <p:cSld>
+    <p:spTree>
+      <p:nvGrpSpPr>
+        <p:cNvPr id="1" name=""/>
+        <p:cNvGrpSpPr/>
+        <p:nvPr/>
+      </p:nvGrpSpPr>
+      <p:grpSpPr>
+        <a:xfrm>
+          <a:off x="0" y="0"/>
+          <a:ext cx="0" cy="0"/>
+          <a:chOff x="0" y="0"/>
+          <a:chExt cx="0" cy="0"/>
+        </a:xfrm>
+      </p:grpSpPr>
+      <p:sp>
+        <p:nvSpPr>
+          <p:cNvPr id="2" name="Title 1">
+            <a:extLst>
+              <a:ext uri="{FF2B5EF4-FFF2-40B4-BE49-F238E27FC236}">
+                <a16:creationId xmlns:a16="http://schemas.microsoft.com/office/drawing/2014/main" id="{08F6DCCF-81CB-EAA5-420A-F1E21683A02D}"/>
+              </a:ext>
+            </a:extLst>
+          </p:cNvPr>
+          <p:cNvSpPr>
+            <a:spLocks noGrp="1"/>
+          </p:cNvSpPr>
+          <p:nvPr>
+            <p:ph type="title"/>
+          </p:nvPr>
+        </p:nvSpPr>
+        <p:spPr/>
+        <p:txBody>
+          <a:bodyPr/>
+          <a:lstStyle/>
+          <a:p>
+            <a:r>
+              <a:rPr lang="en-CA" dirty="0"/>
+              <a:t>Data Sources</a:t>
+            </a:r>
+          </a:p>
+        </p:txBody>
+      </p:sp>
+      <p:sp>
+        <p:nvSpPr>
+          <p:cNvPr id="3" name="Content Placeholder 2">
+            <a:extLst>
+              <a:ext uri="{FF2B5EF4-FFF2-40B4-BE49-F238E27FC236}">
+                <a16:creationId xmlns:a16="http://schemas.microsoft.com/office/drawing/2014/main" id="{941BD0C8-BE10-C349-15BC-FFC2C5DEA7E5}"/>
+              </a:ext>
+            </a:extLst>
+          </p:cNvPr>
+          <p:cNvSpPr>
+            <a:spLocks noGrp="1"/>
+          </p:cNvSpPr>
+          <p:nvPr>
+            <p:ph idx="1"/>
+          </p:nvPr>
+        </p:nvSpPr>
+        <p:spPr>
+          <a:xfrm>
+            <a:off x="819397" y="1681843"/>
+            <a:ext cx="11150929" cy="4885212"/>
+          </a:xfrm>
+        </p:spPr>
+        <p:txBody>
+          <a:bodyPr>
+            <a:normAutofit fontScale="92500" lnSpcReduction="20000"/>
+          </a:bodyPr>
+          <a:lstStyle/>
+          <a:p>
+            <a:pPr algn="l"/>
+            <a:r>
+              <a:rPr lang="en-CA" b="0" i="0" dirty="0">
+                <a:solidFill>
+                  <a:srgbClr val="24292F"/>
+                </a:solidFill>
+                <a:effectLst/>
+                <a:latin typeface="-apple-system"/>
+              </a:rPr>
+              <a:t>Toronto Major Crime Indicators</a:t>
+            </a:r>
+          </a:p>
+          <a:p>
+            <a:pPr lvl="1"/>
+            <a:r>
+              <a:rPr lang="en-CA" b="0" i="0" dirty="0">
+                <a:solidFill>
+                  <a:srgbClr val="24292F"/>
+                </a:solidFill>
+                <a:effectLst/>
+                <a:latin typeface="-apple-system"/>
+                <a:hlinkClick r:id="rId2"/>
+              </a:rPr>
+              <a:t>https://data.torontopolice.on.ca/search?q=crime</a:t>
+            </a:r>
+            <a:endParaRPr lang="en-CA" i="0" dirty="0">
+              <a:solidFill>
+                <a:srgbClr val="24292F"/>
+              </a:solidFill>
+              <a:latin typeface="-apple-system"/>
+            </a:endParaRPr>
+          </a:p>
+          <a:p>
+            <a:pPr lvl="1"/>
+            <a:r>
+              <a:rPr lang="en-US" b="0" i="0" dirty="0">
+                <a:solidFill>
+                  <a:srgbClr val="24292F"/>
+                </a:solidFill>
+                <a:effectLst/>
+                <a:latin typeface="-apple-system"/>
+              </a:rPr>
+              <a:t>This dataset includes all Major Crime Indicators (MCI) occurrences by reported date and related offences from 2014 to June 30, 2022</a:t>
+            </a:r>
+          </a:p>
+          <a:p>
+            <a:pPr lvl="1"/>
+            <a:r>
+              <a:rPr lang="en-US" b="0" i="0" dirty="0">
+                <a:solidFill>
+                  <a:srgbClr val="24292F"/>
+                </a:solidFill>
+                <a:effectLst/>
+                <a:latin typeface="-apple-system"/>
+              </a:rPr>
+              <a:t>Maintained by Toronto Police Service</a:t>
+            </a:r>
+            <a:r>
+              <a:rPr lang="en-CA" b="0" i="0" dirty="0">
+                <a:solidFill>
+                  <a:srgbClr val="24292F"/>
+                </a:solidFill>
+                <a:effectLst/>
+                <a:latin typeface="-apple-system"/>
+              </a:rPr>
+              <a:t> </a:t>
+            </a:r>
+          </a:p>
+          <a:p>
+            <a:pPr lvl="1"/>
+            <a:r>
+              <a:rPr lang="en-CA" b="0" i="0" dirty="0">
+                <a:solidFill>
+                  <a:srgbClr val="24292F"/>
+                </a:solidFill>
+                <a:effectLst/>
+                <a:latin typeface="-apple-system"/>
+              </a:rPr>
+              <a:t>CVS Format via GUI Download</a:t>
+            </a:r>
+          </a:p>
+          <a:p>
+            <a:pPr algn="l"/>
+            <a:r>
+              <a:rPr lang="en-CA" b="0" i="0" strike="noStrike" dirty="0">
+                <a:solidFill>
+                  <a:schemeClr val="tx1"/>
+                </a:solidFill>
+                <a:effectLst/>
+                <a:latin typeface="-apple-system"/>
+              </a:rPr>
+              <a:t>Toronto Open Data</a:t>
+            </a:r>
+          </a:p>
+          <a:p>
+            <a:pPr lvl="1"/>
+            <a:r>
+              <a:rPr lang="en-CA" b="0" i="0" strike="noStrike" dirty="0">
+                <a:solidFill>
+                  <a:schemeClr val="tx1"/>
+                </a:solidFill>
+                <a:effectLst/>
+                <a:latin typeface="-apple-system"/>
+                <a:hlinkClick r:id="rId3">
+                  <a:extLst>
+                    <a:ext uri="{A12FA001-AC4F-418D-AE19-62706E023703}">
+                      <ahyp:hlinkClr xmlns:ahyp="http://schemas.microsoft.com/office/drawing/2018/hyperlinkcolor" val="tx"/>
+                    </a:ext>
+                  </a:extLst>
+                </a:hlinkClick>
+              </a:rPr>
+              <a:t>https://open.toronto.ca/dataset/neighbourhood-profiles/</a:t>
+            </a:r>
+          </a:p>
+          <a:p>
+            <a:pPr lvl="1"/>
+            <a:r>
+              <a:rPr lang="en-CA" b="0" i="0" strike="noStrike" dirty="0">
+                <a:solidFill>
+                  <a:schemeClr val="tx1"/>
+                </a:solidFill>
+                <a:effectLst/>
+                <a:latin typeface="-apple-system"/>
+              </a:rPr>
+              <a:t>Census data collected and maintained by the City of Toronto</a:t>
+            </a:r>
+          </a:p>
+          <a:p>
+            <a:pPr lvl="1"/>
+            <a:r>
+              <a:rPr lang="en-CA" b="0" i="0" strike="noStrike" dirty="0">
+                <a:solidFill>
+                  <a:schemeClr val="tx1"/>
+                </a:solidFill>
+                <a:effectLst/>
+                <a:latin typeface="-apple-system"/>
+              </a:rPr>
+              <a:t>Text format via API Request</a:t>
+            </a:r>
+          </a:p>
+          <a:p>
+            <a:pPr lvl="1"/>
+            <a:endParaRPr lang="en-CA" b="0" i="0" u="none" strike="noStrike" dirty="0">
+              <a:solidFill>
+                <a:schemeClr val="tx1"/>
+              </a:solidFill>
+              <a:effectLst/>
+              <a:latin typeface="-apple-system"/>
+              <a:hlinkClick r:id="rId3">
+                <a:extLst>
+                  <a:ext uri="{A12FA001-AC4F-418D-AE19-62706E023703}">
+                    <ahyp:hlinkClr xmlns:ahyp="http://schemas.microsoft.com/office/drawing/2018/hyperlinkcolor" val="tx"/>
+                  </a:ext>
+                </a:extLst>
+              </a:hlinkClick>
+            </a:endParaRPr>
+          </a:p>
+          <a:p>
+            <a:pPr algn="l"/>
+            <a:r>
+              <a:rPr lang="en-CA" b="0" i="0" u="none" strike="noStrike" dirty="0">
+                <a:solidFill>
+                  <a:schemeClr val="tx1"/>
+                </a:solidFill>
+                <a:effectLst/>
+                <a:latin typeface="-apple-system"/>
+              </a:rPr>
+              <a:t>Google Maps API</a:t>
+            </a:r>
+          </a:p>
+          <a:p>
+            <a:pPr lvl="1"/>
+            <a:r>
+              <a:rPr lang="en-CA" b="0" i="0" dirty="0">
+                <a:solidFill>
+                  <a:schemeClr val="tx1"/>
+                </a:solidFill>
+                <a:effectLst/>
+                <a:latin typeface="-apple-system"/>
+              </a:rPr>
+              <a:t> </a:t>
+            </a:r>
+            <a:r>
+              <a:rPr lang="en-CA" b="0" i="0" u="none" strike="noStrike" dirty="0">
+                <a:solidFill>
+                  <a:schemeClr val="tx1"/>
+                </a:solidFill>
+                <a:effectLst/>
+                <a:latin typeface="-apple-system"/>
+                <a:hlinkClick r:id="rId4">
+                  <a:extLst>
+                    <a:ext uri="{A12FA001-AC4F-418D-AE19-62706E023703}">
+                      <ahyp:hlinkClr xmlns:ahyp="http://schemas.microsoft.com/office/drawing/2018/hyperlinkcolor" val="tx"/>
+                    </a:ext>
+                  </a:extLst>
+                </a:hlinkClick>
+              </a:rPr>
+              <a:t>https://developers.google.com/maps</a:t>
+            </a:r>
+            <a:endParaRPr lang="en-CA" b="0" i="0" u="none" strike="noStrike" dirty="0">
+              <a:solidFill>
+                <a:schemeClr val="tx1"/>
+              </a:solidFill>
+              <a:effectLst/>
+              <a:latin typeface="-apple-system"/>
+            </a:endParaRPr>
+          </a:p>
+          <a:p>
+            <a:pPr lvl="1"/>
+            <a:r>
+              <a:rPr lang="en-CA" i="0" dirty="0">
+                <a:solidFill>
+                  <a:schemeClr val="tx1"/>
+                </a:solidFill>
+                <a:latin typeface="-apple-system"/>
+              </a:rPr>
+              <a:t>Google maintained location data</a:t>
+            </a:r>
+          </a:p>
+          <a:p>
+            <a:pPr lvl="1"/>
+            <a:r>
+              <a:rPr lang="en-CA" b="0" i="0" dirty="0">
+                <a:solidFill>
+                  <a:schemeClr val="tx1"/>
+                </a:solidFill>
+                <a:effectLst/>
+                <a:latin typeface="-apple-system"/>
+              </a:rPr>
+              <a:t>JSON format via API request</a:t>
+            </a:r>
+          </a:p>
+        </p:txBody>
+      </p:sp>
+    </p:spTree>
+    <p:extLst>
+      <p:ext uri="{BB962C8B-B14F-4D97-AF65-F5344CB8AC3E}">
+        <p14:creationId xmlns:p14="http://schemas.microsoft.com/office/powerpoint/2010/main" val="3803339574"/>
+      </p:ext>
+    </p:extLst>
+  </p:cSld>
+  <p:clrMapOvr>
+    <a:masterClrMapping/>
+  </p:clrMapOvr>
+</p:sld>
+</file>
+
+<file path=ppt/slides/slide30.xml><?xml version="1.0" encoding="utf-8"?>
 <p:sld xmlns:a="http://schemas.openxmlformats.org/drawingml/2006/main" xmlns:r="http://schemas.openxmlformats.org/officeDocument/2006/relationships" xmlns:p="http://schemas.openxmlformats.org/presentationml/2006/main">
   <p:cSld>
     <p:spTree>
@@ -8613,614 +9022,6 @@
 </p:sld>
 </file>
 
-<file path=ppt/slides/slide3.xml><?xml version="1.0" encoding="utf-8"?>
-<p:sld xmlns:a="http://schemas.openxmlformats.org/drawingml/2006/main" xmlns:r="http://schemas.openxmlformats.org/officeDocument/2006/relationships" xmlns:p="http://schemas.openxmlformats.org/presentationml/2006/main">
-  <p:cSld>
-    <p:spTree>
-      <p:nvGrpSpPr>
-        <p:cNvPr id="1" name=""/>
-        <p:cNvGrpSpPr/>
-        <p:nvPr/>
-      </p:nvGrpSpPr>
-      <p:grpSpPr>
-        <a:xfrm>
-          <a:off x="0" y="0"/>
-          <a:ext cx="0" cy="0"/>
-          <a:chOff x="0" y="0"/>
-          <a:chExt cx="0" cy="0"/>
-        </a:xfrm>
-      </p:grpSpPr>
-      <p:sp>
-        <p:nvSpPr>
-          <p:cNvPr id="2" name="Title 1">
-            <a:extLst>
-              <a:ext uri="{FF2B5EF4-FFF2-40B4-BE49-F238E27FC236}">
-                <a16:creationId xmlns:a16="http://schemas.microsoft.com/office/drawing/2014/main" id="{08F6DCCF-81CB-EAA5-420A-F1E21683A02D}"/>
-              </a:ext>
-            </a:extLst>
-          </p:cNvPr>
-          <p:cNvSpPr>
-            <a:spLocks noGrp="1"/>
-          </p:cNvSpPr>
-          <p:nvPr>
-            <p:ph type="title"/>
-          </p:nvPr>
-        </p:nvSpPr>
-        <p:spPr/>
-        <p:txBody>
-          <a:bodyPr/>
-          <a:lstStyle/>
-          <a:p>
-            <a:r>
-              <a:rPr lang="en-CA" dirty="0"/>
-              <a:t>Data Sources</a:t>
-            </a:r>
-          </a:p>
-        </p:txBody>
-      </p:sp>
-      <p:sp>
-        <p:nvSpPr>
-          <p:cNvPr id="3" name="Content Placeholder 2">
-            <a:extLst>
-              <a:ext uri="{FF2B5EF4-FFF2-40B4-BE49-F238E27FC236}">
-                <a16:creationId xmlns:a16="http://schemas.microsoft.com/office/drawing/2014/main" id="{941BD0C8-BE10-C349-15BC-FFC2C5DEA7E5}"/>
-              </a:ext>
-            </a:extLst>
-          </p:cNvPr>
-          <p:cNvSpPr>
-            <a:spLocks noGrp="1"/>
-          </p:cNvSpPr>
-          <p:nvPr>
-            <p:ph idx="1"/>
-          </p:nvPr>
-        </p:nvSpPr>
-        <p:spPr>
-          <a:xfrm>
-            <a:off x="819397" y="1681843"/>
-            <a:ext cx="11150929" cy="4885212"/>
-          </a:xfrm>
-        </p:spPr>
-        <p:txBody>
-          <a:bodyPr>
-            <a:normAutofit fontScale="92500" lnSpcReduction="20000"/>
-          </a:bodyPr>
-          <a:lstStyle/>
-          <a:p>
-            <a:pPr algn="l"/>
-            <a:r>
-              <a:rPr lang="en-CA" b="0" i="0" dirty="0">
-                <a:solidFill>
-                  <a:srgbClr val="24292F"/>
-                </a:solidFill>
-                <a:effectLst/>
-                <a:latin typeface="-apple-system"/>
-              </a:rPr>
-              <a:t>Toronto Major Crime Indicators</a:t>
-            </a:r>
-          </a:p>
-          <a:p>
-            <a:pPr lvl="1"/>
-            <a:r>
-              <a:rPr lang="en-CA" b="0" i="0" dirty="0">
-                <a:solidFill>
-                  <a:srgbClr val="24292F"/>
-                </a:solidFill>
-                <a:effectLst/>
-                <a:latin typeface="-apple-system"/>
-                <a:hlinkClick r:id="rId2"/>
-              </a:rPr>
-              <a:t>https://data.torontopolice.on.ca/search?q=crime</a:t>
-            </a:r>
-            <a:endParaRPr lang="en-CA" i="0" dirty="0">
-              <a:solidFill>
-                <a:srgbClr val="24292F"/>
-              </a:solidFill>
-              <a:latin typeface="-apple-system"/>
-            </a:endParaRPr>
-          </a:p>
-          <a:p>
-            <a:pPr lvl="1"/>
-            <a:r>
-              <a:rPr lang="en-US" b="0" i="0" dirty="0">
-                <a:solidFill>
-                  <a:srgbClr val="24292F"/>
-                </a:solidFill>
-                <a:effectLst/>
-                <a:latin typeface="-apple-system"/>
-              </a:rPr>
-              <a:t>This dataset includes all Major Crime Indicators (MCI) occurrences by reported date and related offences from 2014 to June 30, 2022</a:t>
-            </a:r>
-          </a:p>
-          <a:p>
-            <a:pPr lvl="1"/>
-            <a:r>
-              <a:rPr lang="en-US" b="0" i="0" dirty="0">
-                <a:solidFill>
-                  <a:srgbClr val="24292F"/>
-                </a:solidFill>
-                <a:effectLst/>
-                <a:latin typeface="-apple-system"/>
-              </a:rPr>
-              <a:t>Maintained by Toronto Police Service</a:t>
-            </a:r>
-            <a:r>
-              <a:rPr lang="en-CA" b="0" i="0" dirty="0">
-                <a:solidFill>
-                  <a:srgbClr val="24292F"/>
-                </a:solidFill>
-                <a:effectLst/>
-                <a:latin typeface="-apple-system"/>
-              </a:rPr>
-              <a:t> </a:t>
-            </a:r>
-          </a:p>
-          <a:p>
-            <a:pPr lvl="1"/>
-            <a:r>
-              <a:rPr lang="en-CA" b="0" i="0" dirty="0">
-                <a:solidFill>
-                  <a:srgbClr val="24292F"/>
-                </a:solidFill>
-                <a:effectLst/>
-                <a:latin typeface="-apple-system"/>
-              </a:rPr>
-              <a:t>CVS Format via GUI Download</a:t>
-            </a:r>
-          </a:p>
-          <a:p>
-            <a:pPr algn="l"/>
-            <a:r>
-              <a:rPr lang="en-CA" b="0" i="0" strike="noStrike" dirty="0">
-                <a:solidFill>
-                  <a:schemeClr val="tx1"/>
-                </a:solidFill>
-                <a:effectLst/>
-                <a:latin typeface="-apple-system"/>
-              </a:rPr>
-              <a:t>Toronto Open Data</a:t>
-            </a:r>
-          </a:p>
-          <a:p>
-            <a:pPr lvl="1"/>
-            <a:r>
-              <a:rPr lang="en-CA" b="0" i="0" strike="noStrike" dirty="0">
-                <a:solidFill>
-                  <a:schemeClr val="tx1"/>
-                </a:solidFill>
-                <a:effectLst/>
-                <a:latin typeface="-apple-system"/>
-                <a:hlinkClick r:id="rId3">
-                  <a:extLst>
-                    <a:ext uri="{A12FA001-AC4F-418D-AE19-62706E023703}">
-                      <ahyp:hlinkClr xmlns:ahyp="http://schemas.microsoft.com/office/drawing/2018/hyperlinkcolor" val="tx"/>
-                    </a:ext>
-                  </a:extLst>
-                </a:hlinkClick>
-              </a:rPr>
-              <a:t>https://open.toronto.ca/dataset/neighbourhood-profiles/</a:t>
-            </a:r>
-          </a:p>
-          <a:p>
-            <a:pPr lvl="1"/>
-            <a:r>
-              <a:rPr lang="en-CA" b="0" i="0" strike="noStrike" dirty="0">
-                <a:solidFill>
-                  <a:schemeClr val="tx1"/>
-                </a:solidFill>
-                <a:effectLst/>
-                <a:latin typeface="-apple-system"/>
-              </a:rPr>
-              <a:t>Census data collected and maintained by the City of Toronto</a:t>
-            </a:r>
-          </a:p>
-          <a:p>
-            <a:pPr lvl="1"/>
-            <a:r>
-              <a:rPr lang="en-CA" b="0" i="0" strike="noStrike" dirty="0">
-                <a:solidFill>
-                  <a:schemeClr val="tx1"/>
-                </a:solidFill>
-                <a:effectLst/>
-                <a:latin typeface="-apple-system"/>
-              </a:rPr>
-              <a:t>Text format via API Request</a:t>
-            </a:r>
-          </a:p>
-          <a:p>
-            <a:pPr lvl="1"/>
-            <a:endParaRPr lang="en-CA" b="0" i="0" u="none" strike="noStrike" dirty="0">
-              <a:solidFill>
-                <a:schemeClr val="tx1"/>
-              </a:solidFill>
-              <a:effectLst/>
-              <a:latin typeface="-apple-system"/>
-              <a:hlinkClick r:id="rId3">
-                <a:extLst>
-                  <a:ext uri="{A12FA001-AC4F-418D-AE19-62706E023703}">
-                    <ahyp:hlinkClr xmlns:ahyp="http://schemas.microsoft.com/office/drawing/2018/hyperlinkcolor" val="tx"/>
-                  </a:ext>
-                </a:extLst>
-              </a:hlinkClick>
-            </a:endParaRPr>
-          </a:p>
-          <a:p>
-            <a:pPr algn="l"/>
-            <a:r>
-              <a:rPr lang="en-CA" b="0" i="0" u="none" strike="noStrike" dirty="0">
-                <a:solidFill>
-                  <a:schemeClr val="tx1"/>
-                </a:solidFill>
-                <a:effectLst/>
-                <a:latin typeface="-apple-system"/>
-              </a:rPr>
-              <a:t>Google Maps API</a:t>
-            </a:r>
-          </a:p>
-          <a:p>
-            <a:pPr lvl="1"/>
-            <a:r>
-              <a:rPr lang="en-CA" b="0" i="0" dirty="0">
-                <a:solidFill>
-                  <a:schemeClr val="tx1"/>
-                </a:solidFill>
-                <a:effectLst/>
-                <a:latin typeface="-apple-system"/>
-              </a:rPr>
-              <a:t> </a:t>
-            </a:r>
-            <a:r>
-              <a:rPr lang="en-CA" b="0" i="0" u="none" strike="noStrike" dirty="0">
-                <a:solidFill>
-                  <a:schemeClr val="tx1"/>
-                </a:solidFill>
-                <a:effectLst/>
-                <a:latin typeface="-apple-system"/>
-                <a:hlinkClick r:id="rId4">
-                  <a:extLst>
-                    <a:ext uri="{A12FA001-AC4F-418D-AE19-62706E023703}">
-                      <ahyp:hlinkClr xmlns:ahyp="http://schemas.microsoft.com/office/drawing/2018/hyperlinkcolor" val="tx"/>
-                    </a:ext>
-                  </a:extLst>
-                </a:hlinkClick>
-              </a:rPr>
-              <a:t>https://developers.google.com/maps</a:t>
-            </a:r>
-            <a:endParaRPr lang="en-CA" b="0" i="0" u="none" strike="noStrike" dirty="0">
-              <a:solidFill>
-                <a:schemeClr val="tx1"/>
-              </a:solidFill>
-              <a:effectLst/>
-              <a:latin typeface="-apple-system"/>
-            </a:endParaRPr>
-          </a:p>
-          <a:p>
-            <a:pPr lvl="1"/>
-            <a:r>
-              <a:rPr lang="en-CA" i="0" dirty="0">
-                <a:solidFill>
-                  <a:schemeClr val="tx1"/>
-                </a:solidFill>
-                <a:latin typeface="-apple-system"/>
-              </a:rPr>
-              <a:t>Google maintained location data</a:t>
-            </a:r>
-          </a:p>
-          <a:p>
-            <a:pPr lvl="1"/>
-            <a:r>
-              <a:rPr lang="en-CA" b="0" i="0" dirty="0">
-                <a:solidFill>
-                  <a:schemeClr val="tx1"/>
-                </a:solidFill>
-                <a:effectLst/>
-                <a:latin typeface="-apple-system"/>
-              </a:rPr>
-              <a:t>JSON format via API request</a:t>
-            </a:r>
-          </a:p>
-        </p:txBody>
-      </p:sp>
-    </p:spTree>
-    <p:extLst>
-      <p:ext uri="{BB962C8B-B14F-4D97-AF65-F5344CB8AC3E}">
-        <p14:creationId xmlns:p14="http://schemas.microsoft.com/office/powerpoint/2010/main" val="3803339574"/>
-      </p:ext>
-    </p:extLst>
-  </p:cSld>
-  <p:clrMapOvr>
-    <a:masterClrMapping/>
-  </p:clrMapOvr>
-</p:sld>
-</file>
-
-<file path=ppt/slides/slide30.xml><?xml version="1.0" encoding="utf-8"?>
-<p:sld xmlns:a="http://schemas.openxmlformats.org/drawingml/2006/main" xmlns:r="http://schemas.openxmlformats.org/officeDocument/2006/relationships" xmlns:p="http://schemas.openxmlformats.org/presentationml/2006/main">
-  <p:cSld>
-    <p:spTree>
-      <p:nvGrpSpPr>
-        <p:cNvPr id="1" name=""/>
-        <p:cNvGrpSpPr/>
-        <p:nvPr/>
-      </p:nvGrpSpPr>
-      <p:grpSpPr>
-        <a:xfrm>
-          <a:off x="0" y="0"/>
-          <a:ext cx="0" cy="0"/>
-          <a:chOff x="0" y="0"/>
-          <a:chExt cx="0" cy="0"/>
-        </a:xfrm>
-      </p:grpSpPr>
-      <p:sp>
-        <p:nvSpPr>
-          <p:cNvPr id="2" name="Title 1">
-            <a:extLst>
-              <a:ext uri="{FF2B5EF4-FFF2-40B4-BE49-F238E27FC236}">
-                <a16:creationId xmlns:a16="http://schemas.microsoft.com/office/drawing/2014/main" id="{DB2A66A4-0466-72DD-A15E-66910EA4D15E}"/>
-              </a:ext>
-            </a:extLst>
-          </p:cNvPr>
-          <p:cNvSpPr>
-            <a:spLocks noGrp="1"/>
-          </p:cNvSpPr>
-          <p:nvPr>
-            <p:ph type="title"/>
-          </p:nvPr>
-        </p:nvSpPr>
-        <p:spPr/>
-        <p:txBody>
-          <a:bodyPr/>
-          <a:lstStyle/>
-          <a:p>
-            <a:r>
-              <a:rPr lang="en-CA" dirty="0"/>
-              <a:t>Highlights</a:t>
-            </a:r>
-          </a:p>
-        </p:txBody>
-      </p:sp>
-      <p:sp>
-        <p:nvSpPr>
-          <p:cNvPr id="3" name="Content Placeholder 2">
-            <a:extLst>
-              <a:ext uri="{FF2B5EF4-FFF2-40B4-BE49-F238E27FC236}">
-                <a16:creationId xmlns:a16="http://schemas.microsoft.com/office/drawing/2014/main" id="{8183B504-BDF3-2291-2B79-C3B3F8DBFE68}"/>
-              </a:ext>
-            </a:extLst>
-          </p:cNvPr>
-          <p:cNvSpPr>
-            <a:spLocks noGrp="1"/>
-          </p:cNvSpPr>
-          <p:nvPr>
-            <p:ph idx="1"/>
-          </p:nvPr>
-        </p:nvSpPr>
-        <p:spPr>
-          <a:xfrm>
-            <a:off x="1371599" y="1476375"/>
-            <a:ext cx="9938825" cy="4695825"/>
-          </a:xfrm>
-        </p:spPr>
-        <p:txBody>
-          <a:bodyPr>
-            <a:normAutofit fontScale="85000" lnSpcReduction="20000"/>
-          </a:bodyPr>
-          <a:lstStyle/>
-          <a:p>
-            <a:r>
-              <a:rPr lang="en-US" b="0" i="0" dirty="0">
-                <a:solidFill>
-                  <a:srgbClr val="24292F"/>
-                </a:solidFill>
-                <a:effectLst/>
-                <a:latin typeface="-apple-system"/>
-              </a:rPr>
-              <a:t>The safest areas in GTA are: </a:t>
-            </a:r>
-          </a:p>
-          <a:p>
-            <a:pPr lvl="1"/>
-            <a:r>
-              <a:rPr lang="en-US" b="0" i="0" dirty="0">
-                <a:solidFill>
-                  <a:srgbClr val="24292F"/>
-                </a:solidFill>
-                <a:effectLst/>
-                <a:latin typeface="-apple-system"/>
-              </a:rPr>
-              <a:t>Pleasant View, </a:t>
-            </a:r>
-          </a:p>
-          <a:p>
-            <a:pPr lvl="1"/>
-            <a:r>
-              <a:rPr lang="en-US" b="0" i="0" dirty="0">
-                <a:solidFill>
-                  <a:srgbClr val="24292F"/>
-                </a:solidFill>
-                <a:effectLst/>
-                <a:latin typeface="-apple-system"/>
-              </a:rPr>
-              <a:t>Centennial Scarborough, </a:t>
-            </a:r>
-          </a:p>
-          <a:p>
-            <a:pPr lvl="1"/>
-            <a:r>
-              <a:rPr lang="en-US" b="0" i="0" dirty="0">
-                <a:solidFill>
-                  <a:srgbClr val="24292F"/>
-                </a:solidFill>
-                <a:effectLst/>
-                <a:latin typeface="-apple-system"/>
-              </a:rPr>
-              <a:t>Mount Pleasant East, </a:t>
-            </a:r>
-          </a:p>
-          <a:p>
-            <a:pPr lvl="1"/>
-            <a:r>
-              <a:rPr lang="en-US" b="0" i="0" dirty="0">
-                <a:solidFill>
-                  <a:srgbClr val="24292F"/>
-                </a:solidFill>
-                <a:effectLst/>
-                <a:latin typeface="-apple-system"/>
-              </a:rPr>
-              <a:t>Yonge </a:t>
-            </a:r>
-            <a:r>
-              <a:rPr lang="en-US" b="0" i="0" dirty="0" err="1">
-                <a:solidFill>
-                  <a:srgbClr val="24292F"/>
-                </a:solidFill>
-                <a:effectLst/>
-                <a:latin typeface="-apple-system"/>
-              </a:rPr>
-              <a:t>St.Clair</a:t>
-            </a:r>
-            <a:r>
-              <a:rPr lang="en-US" b="0" i="0" dirty="0">
-                <a:solidFill>
-                  <a:srgbClr val="24292F"/>
-                </a:solidFill>
-                <a:effectLst/>
-                <a:latin typeface="-apple-system"/>
-              </a:rPr>
-              <a:t> and </a:t>
-            </a:r>
-          </a:p>
-          <a:p>
-            <a:pPr lvl="1"/>
-            <a:r>
-              <a:rPr lang="en-US" b="0" i="0" dirty="0">
-                <a:solidFill>
-                  <a:srgbClr val="24292F"/>
-                </a:solidFill>
-                <a:effectLst/>
-                <a:latin typeface="-apple-system"/>
-              </a:rPr>
-              <a:t>Steels. </a:t>
-            </a:r>
-          </a:p>
-          <a:p>
-            <a:r>
-              <a:rPr lang="en-US" b="0" i="0" dirty="0">
-                <a:solidFill>
-                  <a:srgbClr val="24292F"/>
-                </a:solidFill>
-                <a:effectLst/>
-                <a:latin typeface="-apple-system"/>
-              </a:rPr>
-              <a:t>Five least safe areas are: </a:t>
-            </a:r>
-          </a:p>
-          <a:p>
-            <a:pPr lvl="1"/>
-            <a:r>
-              <a:rPr lang="en-US" b="0" i="0" dirty="0">
-                <a:solidFill>
-                  <a:srgbClr val="24292F"/>
-                </a:solidFill>
-                <a:effectLst/>
-                <a:latin typeface="-apple-system"/>
-              </a:rPr>
-              <a:t>Moss Park, </a:t>
-            </a:r>
-          </a:p>
-          <a:p>
-            <a:pPr lvl="1"/>
-            <a:r>
-              <a:rPr lang="en-US" b="0" i="0" dirty="0">
-                <a:solidFill>
-                  <a:srgbClr val="24292F"/>
-                </a:solidFill>
-                <a:effectLst/>
-                <a:latin typeface="-apple-system"/>
-              </a:rPr>
-              <a:t>Bay Street Corridor, </a:t>
-            </a:r>
-          </a:p>
-          <a:p>
-            <a:pPr lvl="1"/>
-            <a:r>
-              <a:rPr lang="en-US" b="0" i="0" dirty="0">
-                <a:solidFill>
-                  <a:srgbClr val="24292F"/>
-                </a:solidFill>
-                <a:effectLst/>
-                <a:latin typeface="-apple-system"/>
-              </a:rPr>
-              <a:t>Church-Yonge Corridor, </a:t>
-            </a:r>
-          </a:p>
-          <a:p>
-            <a:pPr lvl="1"/>
-            <a:r>
-              <a:rPr lang="en-US" b="0" i="0" dirty="0">
-                <a:solidFill>
-                  <a:srgbClr val="24292F"/>
-                </a:solidFill>
-                <a:effectLst/>
-                <a:latin typeface="-apple-system"/>
-              </a:rPr>
-              <a:t>Kensington-China Town and </a:t>
-            </a:r>
-          </a:p>
-          <a:p>
-            <a:pPr lvl="1"/>
-            <a:r>
-              <a:rPr lang="en-US" b="0" i="0" dirty="0">
-                <a:solidFill>
-                  <a:srgbClr val="24292F"/>
-                </a:solidFill>
-                <a:effectLst/>
-                <a:latin typeface="-apple-system"/>
-              </a:rPr>
-              <a:t>University, indicating high risk factors.</a:t>
-            </a:r>
-          </a:p>
-          <a:p>
-            <a:r>
-              <a:rPr lang="en-US" b="0" i="0" dirty="0">
-                <a:solidFill>
-                  <a:srgbClr val="24292F"/>
-                </a:solidFill>
-                <a:effectLst/>
-                <a:latin typeface="-apple-system"/>
-              </a:rPr>
-              <a:t>Most crimes occur in the evening (6.00pm to 12.00am) and the least crimes occur in the morning (6.00am to 12.00pm)</a:t>
-            </a:r>
-          </a:p>
-          <a:p>
-            <a:r>
-              <a:rPr lang="en-US" b="0" i="0" dirty="0">
-                <a:solidFill>
-                  <a:srgbClr val="24292F"/>
-                </a:solidFill>
-                <a:effectLst/>
-                <a:latin typeface="-apple-system"/>
-              </a:rPr>
-              <a:t>Different types of crime in GTA are (In order from highest to lowest) Assault, Break and Enter, Auto Theft and Theft Over $5000.</a:t>
-            </a:r>
-          </a:p>
-          <a:p>
-            <a:endParaRPr lang="en-CA" dirty="0"/>
-          </a:p>
-        </p:txBody>
-      </p:sp>
-    </p:spTree>
-    <p:extLst>
-      <p:ext uri="{BB962C8B-B14F-4D97-AF65-F5344CB8AC3E}">
-        <p14:creationId xmlns:p14="http://schemas.microsoft.com/office/powerpoint/2010/main" val="723550822"/>
-      </p:ext>
-    </p:extLst>
-  </p:cSld>
-  <p:clrMapOvr>
-    <a:masterClrMapping/>
-  </p:clrMapOvr>
-</p:sld>
-</file>
-
 <file path=ppt/slides/slide31.xml><?xml version="1.0" encoding="utf-8"?>
 <p:sld xmlns:a="http://schemas.openxmlformats.org/drawingml/2006/main" xmlns:r="http://schemas.openxmlformats.org/officeDocument/2006/relationships" xmlns:p="http://schemas.openxmlformats.org/presentationml/2006/main">
   <p:cSld>
@@ -9261,7 +9062,7 @@
           <a:p>
             <a:r>
               <a:rPr lang="en-CA" dirty="0"/>
-              <a:t>Findings</a:t>
+              <a:t>Statistical Findings</a:t>
             </a:r>
           </a:p>
         </p:txBody>
@@ -9281,7 +9082,7 @@
         <p:spPr>
           <a:xfrm>
             <a:off x="1371600" y="1546980"/>
-            <a:ext cx="10501532" cy="3693319"/>
+            <a:ext cx="10501532" cy="3139321"/>
           </a:xfrm>
           <a:prstGeom prst="rect">
             <a:avLst/>
@@ -9342,31 +9143,13 @@
                 </a:solidFill>
                 <a:latin typeface="-apple-system"/>
               </a:rPr>
-              <a:t>There is no clear </a:t>
-            </a:r>
-            <a:r>
-              <a:rPr lang="en-US" b="1" dirty="0">
-                <a:solidFill>
-                  <a:srgbClr val="24292F"/>
-                </a:solidFill>
-                <a:latin typeface="-apple-system"/>
-              </a:rPr>
-              <a:t>overall</a:t>
-            </a:r>
-            <a:r>
-              <a:rPr lang="en-US" dirty="0">
-                <a:solidFill>
-                  <a:srgbClr val="24292F"/>
-                </a:solidFill>
-                <a:latin typeface="-apple-system"/>
-              </a:rPr>
-              <a:t> trend for criminal activity for the past 7 years</a:t>
-            </a:r>
-          </a:p>
-          <a:p>
-            <a:pPr marL="457200" indent="-457200">
-              <a:buFont typeface="Arial" panose="020B0604020202020204" pitchFamily="34" charset="0"/>
-              <a:buChar char="•"/>
+              <a:t>There is no clear correlation for criminal activity for the past 7 years</a:t>
+            </a:r>
+          </a:p>
+          <a:p>
+            <a:pPr marL="457200" indent="-457200" algn="l">
+              <a:buFont typeface="+mj-lt"/>
+              <a:buAutoNum type="arabicPeriod"/>
             </a:pPr>
             <a:r>
               <a:rPr lang="en-US" b="0" i="0" dirty="0">
@@ -9379,22 +9162,13 @@
               <a:t>There are </a:t>
             </a:r>
             <a:r>
-              <a:rPr lang="en-US" b="1" dirty="0">
+              <a:rPr lang="en-US" dirty="0">
                 <a:solidFill>
                   <a:srgbClr val="24292F"/>
                 </a:solidFill>
                 <a:latin typeface="-apple-system"/>
               </a:rPr>
-              <a:t>specific</a:t>
-            </a:r>
-            <a:r>
-              <a:rPr lang="en-US" dirty="0">
-                <a:solidFill>
-                  <a:srgbClr val="24292F"/>
-                </a:solidFill>
-                <a:latin typeface="-apple-system"/>
-              </a:rPr>
-              <a:t> neighborhoods that showed an increase in criminal activity correlated to time</a:t>
+              <a:t>specific neighborhoods that showed an increase in criminal activity correlated to time</a:t>
             </a:r>
             <a:endParaRPr lang="en-US" b="0" i="0" dirty="0">
               <a:solidFill>
@@ -9448,37 +9222,7 @@
                 </a:solidFill>
                 <a:latin typeface="-apple-system"/>
               </a:rPr>
-              <a:t>All categories were statistically significant</a:t>
-            </a:r>
-          </a:p>
-          <a:p>
-            <a:pPr marL="457200" indent="-457200" algn="l">
-              <a:buFont typeface="+mj-lt"/>
-              <a:buAutoNum type="arabicPeriod"/>
-            </a:pPr>
-            <a:r>
-              <a:rPr lang="en-US" dirty="0">
-                <a:solidFill>
-                  <a:srgbClr val="24292F"/>
-                </a:solidFill>
-                <a:latin typeface="-apple-system"/>
-              </a:rPr>
-              <a:t>Variation between categories was significant for the Premise type and time of day</a:t>
-            </a:r>
-          </a:p>
-          <a:p>
-            <a:pPr marL="457200" indent="-457200" algn="l">
-              <a:buFont typeface="+mj-lt"/>
-              <a:buAutoNum type="arabicPeriod"/>
-            </a:pPr>
-            <a:r>
-              <a:rPr lang="en-US" dirty="0">
-                <a:solidFill>
-                  <a:srgbClr val="24292F"/>
-                </a:solidFill>
-                <a:latin typeface="-apple-system"/>
-              </a:rPr>
-              <a:t>Variation was less significant for the seasonal and weekend/weekday parameters</a:t>
+              <a:t>All circumstantial categories were statistically significant</a:t>
             </a:r>
           </a:p>
           <a:p>
@@ -9563,43 +9307,39 @@
           <a:p>
             <a:r>
               <a:rPr lang="en-CA" dirty="0"/>
-              <a:t>Future Steps</a:t>
-            </a:r>
-          </a:p>
-        </p:txBody>
-      </p:sp>
-      <p:sp>
-        <p:nvSpPr>
-          <p:cNvPr id="7" name="TextBox 6">
+              <a:t>Conclusions</a:t>
+            </a:r>
+          </a:p>
+        </p:txBody>
+      </p:sp>
+      <p:sp>
+        <p:nvSpPr>
+          <p:cNvPr id="3" name="Content Placeholder 2">
             <a:extLst>
               <a:ext uri="{FF2B5EF4-FFF2-40B4-BE49-F238E27FC236}">
-                <a16:creationId xmlns:a16="http://schemas.microsoft.com/office/drawing/2014/main" id="{5E218D8C-5843-4BAF-C148-BBDD3AAFF3D4}"/>
+                <a16:creationId xmlns:a16="http://schemas.microsoft.com/office/drawing/2014/main" id="{8183B504-BDF3-2291-2B79-C3B3F8DBFE68}"/>
               </a:ext>
             </a:extLst>
           </p:cNvPr>
-          <p:cNvSpPr txBox="1"/>
-          <p:nvPr/>
+          <p:cNvSpPr>
+            <a:spLocks noGrp="1"/>
+          </p:cNvSpPr>
+          <p:nvPr>
+            <p:ph idx="1"/>
+          </p:nvPr>
         </p:nvSpPr>
         <p:spPr>
           <a:xfrm>
-            <a:off x="1371600" y="2742734"/>
-            <a:ext cx="10501532" cy="923330"/>
+            <a:off x="1219200" y="1448972"/>
+            <a:ext cx="10822745" cy="5289453"/>
           </a:xfrm>
-          <a:prstGeom prst="rect">
-            <a:avLst/>
-          </a:prstGeom>
-          <a:noFill/>
         </p:spPr>
         <p:txBody>
-          <a:bodyPr wrap="square">
-            <a:spAutoFit/>
+          <a:bodyPr>
+            <a:normAutofit/>
           </a:bodyPr>
           <a:lstStyle/>
           <a:p>
-            <a:pPr marL="457200" indent="-457200" algn="l">
-              <a:buFont typeface="+mj-lt"/>
-              <a:buAutoNum type="arabicPeriod"/>
-            </a:pPr>
             <a:r>
               <a:rPr lang="en-US" b="0" i="0" dirty="0">
                 <a:solidFill>
@@ -9608,14 +9348,10 @@
                 <a:effectLst/>
                 <a:latin typeface="-apple-system"/>
               </a:rPr>
-              <a:t>Analyze the historic trend in more detail for each Neighborhood</a:t>
-            </a:r>
-          </a:p>
-          <a:p>
-            <a:pPr marL="457200" indent="-457200" algn="l">
-              <a:buFont typeface="+mj-lt"/>
-              <a:buAutoNum type="arabicPeriod"/>
-            </a:pPr>
+              <a:t>Crime rates trend in Toronto is not strongly correlated with time.</a:t>
+            </a:r>
+          </a:p>
+          <a:p>
             <a:r>
               <a:rPr lang="en-US" b="0" i="0" dirty="0">
                 <a:solidFill>
@@ -9624,24 +9360,108 @@
                 <a:effectLst/>
                 <a:latin typeface="-apple-system"/>
               </a:rPr>
-              <a:t>Establish a bonus risk factor for Neighborhoods with statistically correlated reduction in year-to-year criminal activity and a penalty to neighborhoods with statisticall</a:t>
-            </a:r>
-            <a:r>
-              <a:rPr lang="en-US" dirty="0">
+              <a:t>Correlation with time varies between specific neighborhoods.</a:t>
+            </a:r>
+          </a:p>
+          <a:p>
+            <a:r>
+              <a:rPr lang="en-US" b="0" i="0" dirty="0">
                 <a:solidFill>
                   <a:srgbClr val="24292F"/>
                 </a:solidFill>
+                <a:effectLst/>
                 <a:latin typeface="-apple-system"/>
               </a:rPr>
-              <a:t>y significant increases.</a:t>
-            </a:r>
+              <a:t>The safest areas in GTA are:  Pleasant View, Centennial Scarborough, Mount Pleasant East, Yonge </a:t>
+            </a:r>
+            <a:r>
+              <a:rPr lang="en-US" b="0" i="0" dirty="0" err="1">
+                <a:solidFill>
+                  <a:srgbClr val="24292F"/>
+                </a:solidFill>
+                <a:effectLst/>
+                <a:latin typeface="-apple-system"/>
+              </a:rPr>
+              <a:t>St.Clair</a:t>
+            </a:r>
+            <a:r>
+              <a:rPr lang="en-US" b="0" i="0" dirty="0">
+                <a:solidFill>
+                  <a:srgbClr val="24292F"/>
+                </a:solidFill>
+                <a:effectLst/>
+                <a:latin typeface="-apple-system"/>
+              </a:rPr>
+              <a:t> and Steels. </a:t>
+            </a:r>
+          </a:p>
+          <a:p>
+            <a:r>
+              <a:rPr lang="en-US" b="0" i="0" dirty="0">
+                <a:solidFill>
+                  <a:srgbClr val="24292F"/>
+                </a:solidFill>
+                <a:effectLst/>
+                <a:latin typeface="-apple-system"/>
+              </a:rPr>
+              <a:t>Five least safe areas are: Moss Park, Bay Street Corridor, Church-Yonge Corridor, Kensington-China Town and University.</a:t>
+            </a:r>
+          </a:p>
+          <a:p>
+            <a:r>
+              <a:rPr lang="en-US" b="0" i="0" dirty="0">
+                <a:solidFill>
+                  <a:srgbClr val="24292F"/>
+                </a:solidFill>
+                <a:effectLst/>
+                <a:latin typeface="-apple-system"/>
+              </a:rPr>
+              <a:t>Most crimes occur in the evening (6.00pm to 12.00am) and the least crimes occur in the morning (6.00am to 12.00pm)</a:t>
+            </a:r>
+          </a:p>
+          <a:p>
+            <a:r>
+              <a:rPr lang="en-US" b="0" i="0" dirty="0">
+                <a:solidFill>
+                  <a:srgbClr val="24292F"/>
+                </a:solidFill>
+                <a:effectLst/>
+                <a:latin typeface="-apple-system"/>
+              </a:rPr>
+              <a:t>Different types of crime in GTA are (In order from highest to lowest) Assault, Break and Enter, Auto Theft and Theft Over $5000.</a:t>
+            </a:r>
+          </a:p>
+          <a:p>
+            <a:r>
+              <a:rPr lang="en-US" dirty="0">
+                <a:solidFill>
+                  <a:srgbClr val="24292F"/>
+                </a:solidFill>
+                <a:latin typeface="-apple-system"/>
+              </a:rPr>
+              <a:t>Variation between categories was significant for the Premise type and time of day</a:t>
+            </a:r>
+          </a:p>
+          <a:p>
+            <a:r>
+              <a:rPr lang="en-US" dirty="0">
+                <a:solidFill>
+                  <a:srgbClr val="24292F"/>
+                </a:solidFill>
+                <a:latin typeface="-apple-system"/>
+              </a:rPr>
+              <a:t>Variation was less significant for the seasonal and weekend/weekday parameters</a:t>
+            </a:r>
+          </a:p>
+          <a:p>
+            <a:endParaRPr lang="en-CA" dirty="0"/>
           </a:p>
         </p:txBody>
       </p:sp>
     </p:spTree>
     <p:extLst>
       <p:ext uri="{BB962C8B-B14F-4D97-AF65-F5344CB8AC3E}">
-        <p14:creationId xmlns:p14="http://schemas.microsoft.com/office/powerpoint/2010/main" val="1143527213"/>
+        <p14:creationId xmlns:p14="http://schemas.microsoft.com/office/powerpoint/2010/main" val="723550822"/>
       </p:ext>
     </p:extLst>
   </p:cSld>
@@ -9673,7 +9493,7 @@
           <p:cNvPr id="2" name="Title 1">
             <a:extLst>
               <a:ext uri="{FF2B5EF4-FFF2-40B4-BE49-F238E27FC236}">
-                <a16:creationId xmlns:a16="http://schemas.microsoft.com/office/drawing/2014/main" id="{61675758-E7B2-301C-2DEF-FFECF3B735F3}"/>
+                <a16:creationId xmlns:a16="http://schemas.microsoft.com/office/drawing/2014/main" id="{DB2A66A4-0466-72DD-A15E-66910EA4D15E}"/>
               </a:ext>
             </a:extLst>
           </p:cNvPr>
@@ -9684,25 +9504,84 @@
             <p:ph type="title"/>
           </p:nvPr>
         </p:nvSpPr>
+        <p:spPr/>
+        <p:txBody>
+          <a:bodyPr/>
+          <a:lstStyle/>
+          <a:p>
+            <a:r>
+              <a:rPr lang="en-CA" dirty="0"/>
+              <a:t>Future Steps</a:t>
+            </a:r>
+          </a:p>
+        </p:txBody>
+      </p:sp>
+      <p:sp>
+        <p:nvSpPr>
+          <p:cNvPr id="7" name="TextBox 6">
+            <a:extLst>
+              <a:ext uri="{FF2B5EF4-FFF2-40B4-BE49-F238E27FC236}">
+                <a16:creationId xmlns:a16="http://schemas.microsoft.com/office/drawing/2014/main" id="{5E218D8C-5843-4BAF-C148-BBDD3AAFF3D4}"/>
+              </a:ext>
+            </a:extLst>
+          </p:cNvPr>
+          <p:cNvSpPr txBox="1"/>
+          <p:nvPr/>
+        </p:nvSpPr>
         <p:spPr>
           <a:xfrm>
-            <a:off x="3265714" y="2766951"/>
-            <a:ext cx="6887687" cy="3038598"/>
+            <a:off x="1371600" y="2742734"/>
+            <a:ext cx="10501532" cy="923330"/>
           </a:xfrm>
+          <a:prstGeom prst="rect">
+            <a:avLst/>
+          </a:prstGeom>
+          <a:noFill/>
         </p:spPr>
         <p:txBody>
-          <a:bodyPr>
-            <a:normAutofit/>
+          <a:bodyPr wrap="square">
+            <a:spAutoFit/>
           </a:bodyPr>
           <a:lstStyle/>
           <a:p>
-            <a:r>
-              <a:rPr lang="en-US" sz="9600" dirty="0" err="1"/>
-              <a:t>Dateslider</a:t>
-            </a:r>
-            <a:r>
-              <a:rPr lang="en-US" sz="9600" dirty="0"/>
-              <a:t>!</a:t>
+            <a:pPr marL="457200" indent="-457200" algn="l">
+              <a:buFont typeface="+mj-lt"/>
+              <a:buAutoNum type="arabicPeriod"/>
+            </a:pPr>
+            <a:r>
+              <a:rPr lang="en-US" b="0" i="0" dirty="0">
+                <a:solidFill>
+                  <a:srgbClr val="24292F"/>
+                </a:solidFill>
+                <a:effectLst/>
+                <a:latin typeface="-apple-system"/>
+              </a:rPr>
+              <a:t>Analyze the historic trend in more detail for each Neighborhood</a:t>
+            </a:r>
+          </a:p>
+          <a:p>
+            <a:pPr marL="457200" indent="-457200" algn="l">
+              <a:buFont typeface="+mj-lt"/>
+              <a:buAutoNum type="arabicPeriod"/>
+            </a:pPr>
+            <a:r>
+              <a:rPr lang="en-US" b="0" i="0" dirty="0">
+                <a:solidFill>
+                  <a:srgbClr val="24292F"/>
+                </a:solidFill>
+                <a:effectLst/>
+                <a:latin typeface="-apple-system"/>
+              </a:rPr>
+              <a:t>Establish a bonus risk factor for Neighborhoods with statistically correlated reduction in year-to-year criminal activity and a penalty to neighborhoods with statisticall</a:t>
+            </a:r>
+            <a:r>
+              <a:rPr lang="en-US" dirty="0">
+                <a:solidFill>
+                  <a:srgbClr val="24292F"/>
+                </a:solidFill>
+                <a:latin typeface="-apple-system"/>
+              </a:rPr>
+              <a:t>y significant increases.</a:t>
             </a:r>
           </a:p>
         </p:txBody>
@@ -9710,7 +9589,7 @@
     </p:spTree>
     <p:extLst>
       <p:ext uri="{BB962C8B-B14F-4D97-AF65-F5344CB8AC3E}">
-        <p14:creationId xmlns:p14="http://schemas.microsoft.com/office/powerpoint/2010/main" val="3803850150"/>
+        <p14:creationId xmlns:p14="http://schemas.microsoft.com/office/powerpoint/2010/main" val="1143527213"/>
       </p:ext>
     </p:extLst>
   </p:cSld>
@@ -9742,6 +9621,75 @@
           <p:cNvPr id="2" name="Title 1">
             <a:extLst>
               <a:ext uri="{FF2B5EF4-FFF2-40B4-BE49-F238E27FC236}">
+                <a16:creationId xmlns:a16="http://schemas.microsoft.com/office/drawing/2014/main" id="{61675758-E7B2-301C-2DEF-FFECF3B735F3}"/>
+              </a:ext>
+            </a:extLst>
+          </p:cNvPr>
+          <p:cNvSpPr>
+            <a:spLocks noGrp="1"/>
+          </p:cNvSpPr>
+          <p:nvPr>
+            <p:ph type="title"/>
+          </p:nvPr>
+        </p:nvSpPr>
+        <p:spPr>
+          <a:xfrm>
+            <a:off x="3265714" y="2766951"/>
+            <a:ext cx="6887687" cy="3038598"/>
+          </a:xfrm>
+        </p:spPr>
+        <p:txBody>
+          <a:bodyPr>
+            <a:normAutofit/>
+          </a:bodyPr>
+          <a:lstStyle/>
+          <a:p>
+            <a:r>
+              <a:rPr lang="en-US" sz="9600" dirty="0" err="1"/>
+              <a:t>Dateslider</a:t>
+            </a:r>
+            <a:r>
+              <a:rPr lang="en-US" sz="9600" dirty="0"/>
+              <a:t>!</a:t>
+            </a:r>
+          </a:p>
+        </p:txBody>
+      </p:sp>
+    </p:spTree>
+    <p:extLst>
+      <p:ext uri="{BB962C8B-B14F-4D97-AF65-F5344CB8AC3E}">
+        <p14:creationId xmlns:p14="http://schemas.microsoft.com/office/powerpoint/2010/main" val="3803850150"/>
+      </p:ext>
+    </p:extLst>
+  </p:cSld>
+  <p:clrMapOvr>
+    <a:masterClrMapping/>
+  </p:clrMapOvr>
+</p:sld>
+</file>
+
+<file path=ppt/slides/slide35.xml><?xml version="1.0" encoding="utf-8"?>
+<p:sld xmlns:a="http://schemas.openxmlformats.org/drawingml/2006/main" xmlns:r="http://schemas.openxmlformats.org/officeDocument/2006/relationships" xmlns:p="http://schemas.openxmlformats.org/presentationml/2006/main">
+  <p:cSld>
+    <p:spTree>
+      <p:nvGrpSpPr>
+        <p:cNvPr id="1" name=""/>
+        <p:cNvGrpSpPr/>
+        <p:nvPr/>
+      </p:nvGrpSpPr>
+      <p:grpSpPr>
+        <a:xfrm>
+          <a:off x="0" y="0"/>
+          <a:ext cx="0" cy="0"/>
+          <a:chOff x="0" y="0"/>
+          <a:chExt cx="0" cy="0"/>
+        </a:xfrm>
+      </p:grpSpPr>
+      <p:sp>
+        <p:nvSpPr>
+          <p:cNvPr id="2" name="Title 1">
+            <a:extLst>
+              <a:ext uri="{FF2B5EF4-FFF2-40B4-BE49-F238E27FC236}">
                 <a16:creationId xmlns:a16="http://schemas.microsoft.com/office/drawing/2014/main" id="{2A934928-B5A5-E8D3-9D8F-E19D4495A629}"/>
               </a:ext>
             </a:extLst>
@@ -9778,7 +9726,7 @@
 </p:sld>
 </file>
 
-<file path=ppt/slides/slide35.xml><?xml version="1.0" encoding="utf-8"?>
+<file path=ppt/slides/slide36.xml><?xml version="1.0" encoding="utf-8"?>
 <p:sld xmlns:a="http://schemas.openxmlformats.org/drawingml/2006/main" xmlns:r="http://schemas.openxmlformats.org/officeDocument/2006/relationships" xmlns:p="http://schemas.openxmlformats.org/presentationml/2006/main">
   <p:cSld>
     <p:spTree>
@@ -9869,19 +9817,14 @@
             <p:ph type="title"/>
           </p:nvPr>
         </p:nvSpPr>
-        <p:spPr>
-          <a:xfrm>
-            <a:off x="1295400" y="388916"/>
-            <a:ext cx="9601200" cy="1485900"/>
-          </a:xfrm>
-        </p:spPr>
+        <p:spPr/>
         <p:txBody>
           <a:bodyPr/>
           <a:lstStyle/>
           <a:p>
             <a:r>
               <a:rPr lang="en-CA" dirty="0"/>
-              <a:t>Research Questions and Deliverables</a:t>
+              <a:t>Data Set Limitations</a:t>
             </a:r>
           </a:p>
         </p:txBody>
@@ -9904,7 +9847,7 @@
         </p:nvSpPr>
         <p:spPr>
           <a:xfrm>
-            <a:off x="855023" y="1444336"/>
+            <a:off x="819397" y="1681843"/>
             <a:ext cx="11150929" cy="4885212"/>
           </a:xfrm>
         </p:spPr>
@@ -9914,25 +9857,20 @@
           </a:bodyPr>
           <a:lstStyle/>
           <a:p>
-            <a:pPr marL="0" indent="0" algn="l">
-              <a:buNone/>
-            </a:pPr>
-            <a:r>
-              <a:rPr lang="en-US" b="1" i="0" dirty="0">
+            <a:pPr algn="l"/>
+            <a:r>
+              <a:rPr lang="en-CA" b="0" i="0" dirty="0">
                 <a:solidFill>
                   <a:srgbClr val="24292F"/>
                 </a:solidFill>
                 <a:effectLst/>
                 <a:latin typeface="-apple-system"/>
               </a:rPr>
-              <a:t>Research Questions</a:t>
-            </a:r>
-          </a:p>
-          <a:p>
-            <a:pPr marL="457200" indent="-457200" algn="l">
-              <a:buFont typeface="+mj-lt"/>
-              <a:buAutoNum type="arabicPeriod"/>
-            </a:pPr>
+              <a:t>Toronto Major Crime Indicators</a:t>
+            </a:r>
+          </a:p>
+          <a:p>
+            <a:pPr lvl="1"/>
             <a:r>
               <a:rPr lang="en-US" b="0" i="0" dirty="0">
                 <a:solidFill>
@@ -9941,152 +9879,23 @@
                 <a:effectLst/>
                 <a:latin typeface="-apple-system"/>
               </a:rPr>
-              <a:t>Does criminal activity vary significantly between different Neighborhoods in Toronto?</a:t>
-            </a:r>
-          </a:p>
-          <a:p>
-            <a:pPr marL="457200" indent="-457200" algn="l">
-              <a:buFont typeface="+mj-lt"/>
-              <a:buAutoNum type="arabicPeriod"/>
-            </a:pPr>
-            <a:r>
-              <a:rPr lang="en-US" dirty="0">
+              <a:t>Missing values</a:t>
+            </a:r>
+          </a:p>
+          <a:p>
+            <a:pPr lvl="1"/>
+            <a:r>
+              <a:rPr lang="en-US" i="0" dirty="0">
                 <a:solidFill>
                   <a:srgbClr val="24292F"/>
                 </a:solidFill>
                 <a:latin typeface="-apple-system"/>
               </a:rPr>
-              <a:t>Is there a historic trend for criminal activity for the City of Toronto and for each Neighborhood?</a:t>
-            </a:r>
-          </a:p>
-          <a:p>
-            <a:pPr marL="457200" indent="-457200" algn="l">
-              <a:buFont typeface="+mj-lt"/>
-              <a:buAutoNum type="arabicPeriod"/>
-            </a:pPr>
-            <a:r>
-              <a:rPr lang="en-US" dirty="0">
-                <a:solidFill>
-                  <a:srgbClr val="24292F"/>
-                </a:solidFill>
-                <a:latin typeface="-apple-system"/>
-              </a:rPr>
-              <a:t>Is criminal activity affected significantly by the following circumstances:</a:t>
-            </a:r>
-          </a:p>
-          <a:p>
-            <a:pPr marL="987552" lvl="1" indent="-457200">
-              <a:buFont typeface="+mj-lt"/>
-              <a:buAutoNum type="arabicPeriod"/>
-            </a:pPr>
-            <a:r>
-              <a:rPr lang="en-CA" b="0" i="0" dirty="0">
-                <a:solidFill>
-                  <a:srgbClr val="24292F"/>
-                </a:solidFill>
-                <a:effectLst/>
-                <a:latin typeface="-apple-system"/>
-              </a:rPr>
-              <a:t>Premise type?</a:t>
-            </a:r>
-          </a:p>
-          <a:p>
-            <a:pPr marL="987552" lvl="1" indent="-457200">
-              <a:buFont typeface="+mj-lt"/>
-              <a:buAutoNum type="arabicPeriod"/>
-            </a:pPr>
-            <a:r>
-              <a:rPr lang="en-CA" b="0" i="0" dirty="0">
-                <a:solidFill>
-                  <a:srgbClr val="24292F"/>
-                </a:solidFill>
-                <a:effectLst/>
-                <a:latin typeface="-apple-system"/>
-              </a:rPr>
-              <a:t>Time of Day?</a:t>
-            </a:r>
-          </a:p>
-          <a:p>
-            <a:pPr marL="987552" lvl="1" indent="-457200">
-              <a:buFont typeface="+mj-lt"/>
-              <a:buAutoNum type="arabicPeriod"/>
-            </a:pPr>
-            <a:r>
-              <a:rPr lang="en-CA" b="0" i="0" dirty="0">
-                <a:solidFill>
-                  <a:srgbClr val="24292F"/>
-                </a:solidFill>
-                <a:effectLst/>
-                <a:latin typeface="-apple-system"/>
-              </a:rPr>
-              <a:t>Season?</a:t>
-            </a:r>
-          </a:p>
-          <a:p>
-            <a:pPr marL="987552" lvl="1" indent="-457200">
-              <a:buFont typeface="+mj-lt"/>
-              <a:buAutoNum type="arabicPeriod"/>
-            </a:pPr>
-            <a:r>
-              <a:rPr lang="en-CA" b="0" i="0" dirty="0">
-                <a:solidFill>
-                  <a:srgbClr val="24292F"/>
-                </a:solidFill>
-                <a:effectLst/>
-                <a:latin typeface="-apple-system"/>
-              </a:rPr>
-              <a:t>Weekday/Weekend?</a:t>
-            </a:r>
-            <a:endParaRPr lang="en-CA" i="0" dirty="0">
-              <a:solidFill>
-                <a:srgbClr val="24292F"/>
-              </a:solidFill>
-              <a:latin typeface="-apple-system"/>
-            </a:endParaRPr>
-          </a:p>
-          <a:p>
-            <a:pPr marL="457200" indent="-457200">
-              <a:buFont typeface="+mj-lt"/>
-              <a:buAutoNum type="arabicPeriod"/>
-            </a:pPr>
-            <a:r>
-              <a:rPr lang="en-CA" i="0" dirty="0">
-                <a:solidFill>
-                  <a:srgbClr val="24292F"/>
-                </a:solidFill>
-                <a:latin typeface="-apple-system"/>
-              </a:rPr>
-              <a:t>Does the type of criminal activity vary significantly?</a:t>
-            </a:r>
-          </a:p>
-          <a:p>
-            <a:pPr marL="0" indent="0">
-              <a:buNone/>
-            </a:pPr>
-            <a:r>
-              <a:rPr lang="en-CA" b="1" i="0" dirty="0">
-                <a:solidFill>
-                  <a:srgbClr val="24292F"/>
-                </a:solidFill>
-                <a:effectLst/>
-                <a:latin typeface="-apple-system"/>
-              </a:rPr>
-              <a:t>Deliverables</a:t>
-            </a:r>
-          </a:p>
-          <a:p>
-            <a:pPr marL="0" indent="0">
-              <a:buNone/>
-            </a:pPr>
-            <a:r>
-              <a:rPr lang="en-CA" dirty="0">
-                <a:solidFill>
-                  <a:srgbClr val="24292F"/>
-                </a:solidFill>
-                <a:latin typeface="-apple-system"/>
-              </a:rPr>
-              <a:t>Provide a location based and category based quantitative risk factor based on the data for statistically significant findings.</a:t>
-            </a:r>
+              <a:t>Data entry errors</a:t>
+            </a:r>
+          </a:p>
+          <a:p>
+            <a:pPr lvl="1"/>
             <a:endParaRPr lang="en-CA" b="0" i="0" dirty="0">
               <a:solidFill>
                 <a:srgbClr val="24292F"/>
@@ -10095,12 +9904,87 @@
               <a:latin typeface="-apple-system"/>
             </a:endParaRPr>
           </a:p>
+          <a:p>
+            <a:pPr algn="l"/>
+            <a:r>
+              <a:rPr lang="en-CA" b="0" i="0" strike="noStrike" dirty="0">
+                <a:solidFill>
+                  <a:schemeClr val="tx1"/>
+                </a:solidFill>
+                <a:effectLst/>
+                <a:latin typeface="-apple-system"/>
+              </a:rPr>
+              <a:t>Toronto Open Data</a:t>
+            </a:r>
+          </a:p>
+          <a:p>
+            <a:pPr lvl="1"/>
+            <a:r>
+              <a:rPr lang="en-CA" b="0" i="0" strike="noStrike" dirty="0">
+                <a:solidFill>
+                  <a:schemeClr val="tx1"/>
+                </a:solidFill>
+                <a:effectLst/>
+                <a:latin typeface="-apple-system"/>
+              </a:rPr>
+              <a:t>Population Data for 2016 only</a:t>
+            </a:r>
+          </a:p>
+          <a:p>
+            <a:pPr lvl="1"/>
+            <a:endParaRPr lang="en-CA" b="0" i="0" u="none" strike="noStrike" dirty="0">
+              <a:solidFill>
+                <a:schemeClr val="tx1"/>
+              </a:solidFill>
+              <a:effectLst/>
+              <a:latin typeface="-apple-system"/>
+              <a:hlinkClick r:id="rId2">
+                <a:extLst>
+                  <a:ext uri="{A12FA001-AC4F-418D-AE19-62706E023703}">
+                    <ahyp:hlinkClr xmlns:ahyp="http://schemas.microsoft.com/office/drawing/2018/hyperlinkcolor" val="tx"/>
+                  </a:ext>
+                </a:extLst>
+              </a:hlinkClick>
+            </a:endParaRPr>
+          </a:p>
+          <a:p>
+            <a:pPr algn="l"/>
+            <a:r>
+              <a:rPr lang="en-CA" b="0" i="0" u="none" strike="noStrike" dirty="0">
+                <a:solidFill>
+                  <a:schemeClr val="tx1"/>
+                </a:solidFill>
+                <a:effectLst/>
+                <a:latin typeface="-apple-system"/>
+              </a:rPr>
+              <a:t>Google Maps API</a:t>
+            </a:r>
+          </a:p>
+          <a:p>
+            <a:pPr lvl="1"/>
+            <a:r>
+              <a:rPr lang="en-CA" i="0" dirty="0">
+                <a:solidFill>
+                  <a:schemeClr val="tx1"/>
+                </a:solidFill>
+                <a:latin typeface="-apple-system"/>
+              </a:rPr>
+              <a:t>Association of Neighbourhoods and Districts contain missing values</a:t>
+            </a:r>
+            <a:endParaRPr lang="en-CA" b="0" i="0" dirty="0">
+              <a:solidFill>
+                <a:schemeClr val="tx1"/>
+              </a:solidFill>
+              <a:effectLst/>
+              <a:latin typeface="-apple-system"/>
+            </a:endParaRPr>
+          </a:p>
         </p:txBody>
       </p:sp>
     </p:spTree>
     <p:extLst>
       <p:ext uri="{BB962C8B-B14F-4D97-AF65-F5344CB8AC3E}">
-        <p14:creationId xmlns:p14="http://schemas.microsoft.com/office/powerpoint/2010/main" val="153286774"/>
+        <p14:creationId xmlns:p14="http://schemas.microsoft.com/office/powerpoint/2010/main" val="462056720"/>
       </p:ext>
     </p:extLst>
   </p:cSld>
@@ -10132,6 +10016,280 @@
           <p:cNvPr id="2" name="Title 1">
             <a:extLst>
               <a:ext uri="{FF2B5EF4-FFF2-40B4-BE49-F238E27FC236}">
+                <a16:creationId xmlns:a16="http://schemas.microsoft.com/office/drawing/2014/main" id="{08F6DCCF-81CB-EAA5-420A-F1E21683A02D}"/>
+              </a:ext>
+            </a:extLst>
+          </p:cNvPr>
+          <p:cNvSpPr>
+            <a:spLocks noGrp="1"/>
+          </p:cNvSpPr>
+          <p:nvPr>
+            <p:ph type="title"/>
+          </p:nvPr>
+        </p:nvSpPr>
+        <p:spPr>
+          <a:xfrm>
+            <a:off x="1295400" y="388916"/>
+            <a:ext cx="9601200" cy="1485900"/>
+          </a:xfrm>
+        </p:spPr>
+        <p:txBody>
+          <a:bodyPr/>
+          <a:lstStyle/>
+          <a:p>
+            <a:r>
+              <a:rPr lang="en-CA" dirty="0"/>
+              <a:t>Research Questions and Deliverables</a:t>
+            </a:r>
+          </a:p>
+        </p:txBody>
+      </p:sp>
+      <p:sp>
+        <p:nvSpPr>
+          <p:cNvPr id="3" name="Content Placeholder 2">
+            <a:extLst>
+              <a:ext uri="{FF2B5EF4-FFF2-40B4-BE49-F238E27FC236}">
+                <a16:creationId xmlns:a16="http://schemas.microsoft.com/office/drawing/2014/main" id="{941BD0C8-BE10-C349-15BC-FFC2C5DEA7E5}"/>
+              </a:ext>
+            </a:extLst>
+          </p:cNvPr>
+          <p:cNvSpPr>
+            <a:spLocks noGrp="1"/>
+          </p:cNvSpPr>
+          <p:nvPr>
+            <p:ph idx="1"/>
+          </p:nvPr>
+        </p:nvSpPr>
+        <p:spPr>
+          <a:xfrm>
+            <a:off x="855023" y="1444336"/>
+            <a:ext cx="11150929" cy="4885212"/>
+          </a:xfrm>
+        </p:spPr>
+        <p:txBody>
+          <a:bodyPr>
+            <a:normAutofit/>
+          </a:bodyPr>
+          <a:lstStyle/>
+          <a:p>
+            <a:pPr marL="0" indent="0" algn="l">
+              <a:buNone/>
+            </a:pPr>
+            <a:r>
+              <a:rPr lang="en-US" b="1" i="0" dirty="0">
+                <a:solidFill>
+                  <a:srgbClr val="24292F"/>
+                </a:solidFill>
+                <a:effectLst/>
+                <a:latin typeface="-apple-system"/>
+              </a:rPr>
+              <a:t>Research Questions</a:t>
+            </a:r>
+          </a:p>
+          <a:p>
+            <a:pPr marL="457200" indent="-457200" algn="l">
+              <a:buFont typeface="+mj-lt"/>
+              <a:buAutoNum type="arabicPeriod"/>
+            </a:pPr>
+            <a:r>
+              <a:rPr lang="en-US" b="0" i="0" dirty="0">
+                <a:solidFill>
+                  <a:srgbClr val="24292F"/>
+                </a:solidFill>
+                <a:effectLst/>
+                <a:latin typeface="-apple-system"/>
+              </a:rPr>
+              <a:t>Does criminal activity vary significantly between different Neighborhoods in Toronto?</a:t>
+            </a:r>
+          </a:p>
+          <a:p>
+            <a:pPr marL="457200" indent="-457200" algn="l">
+              <a:buFont typeface="+mj-lt"/>
+              <a:buAutoNum type="arabicPeriod"/>
+            </a:pPr>
+            <a:r>
+              <a:rPr lang="en-US" dirty="0">
+                <a:solidFill>
+                  <a:srgbClr val="24292F"/>
+                </a:solidFill>
+                <a:latin typeface="-apple-system"/>
+              </a:rPr>
+              <a:t>Is there a historic trend for criminal activity for the City of Toronto and for each Neighborhood?</a:t>
+            </a:r>
+          </a:p>
+          <a:p>
+            <a:pPr marL="457200" indent="-457200" algn="l">
+              <a:buFont typeface="+mj-lt"/>
+              <a:buAutoNum type="arabicPeriod"/>
+            </a:pPr>
+            <a:r>
+              <a:rPr lang="en-US" dirty="0">
+                <a:solidFill>
+                  <a:srgbClr val="24292F"/>
+                </a:solidFill>
+                <a:latin typeface="-apple-system"/>
+              </a:rPr>
+              <a:t>Is criminal activity affected significantly by the following circumstances:</a:t>
+            </a:r>
+          </a:p>
+          <a:p>
+            <a:pPr marL="987552" lvl="1" indent="-457200">
+              <a:buFont typeface="+mj-lt"/>
+              <a:buAutoNum type="arabicPeriod"/>
+            </a:pPr>
+            <a:r>
+              <a:rPr lang="en-CA" b="0" i="0" dirty="0">
+                <a:solidFill>
+                  <a:srgbClr val="24292F"/>
+                </a:solidFill>
+                <a:effectLst/>
+                <a:latin typeface="-apple-system"/>
+              </a:rPr>
+              <a:t>Premise type?</a:t>
+            </a:r>
+          </a:p>
+          <a:p>
+            <a:pPr marL="987552" lvl="1" indent="-457200">
+              <a:buFont typeface="+mj-lt"/>
+              <a:buAutoNum type="arabicPeriod"/>
+            </a:pPr>
+            <a:r>
+              <a:rPr lang="en-CA" b="0" i="0" dirty="0">
+                <a:solidFill>
+                  <a:srgbClr val="24292F"/>
+                </a:solidFill>
+                <a:effectLst/>
+                <a:latin typeface="-apple-system"/>
+              </a:rPr>
+              <a:t>Time of Day?</a:t>
+            </a:r>
+          </a:p>
+          <a:p>
+            <a:pPr marL="987552" lvl="1" indent="-457200">
+              <a:buFont typeface="+mj-lt"/>
+              <a:buAutoNum type="arabicPeriod"/>
+            </a:pPr>
+            <a:r>
+              <a:rPr lang="en-CA" b="0" i="0" dirty="0">
+                <a:solidFill>
+                  <a:srgbClr val="24292F"/>
+                </a:solidFill>
+                <a:effectLst/>
+                <a:latin typeface="-apple-system"/>
+              </a:rPr>
+              <a:t>Season?</a:t>
+            </a:r>
+          </a:p>
+          <a:p>
+            <a:pPr marL="987552" lvl="1" indent="-457200">
+              <a:buFont typeface="+mj-lt"/>
+              <a:buAutoNum type="arabicPeriod"/>
+            </a:pPr>
+            <a:r>
+              <a:rPr lang="en-CA" b="0" i="0" dirty="0">
+                <a:solidFill>
+                  <a:srgbClr val="24292F"/>
+                </a:solidFill>
+                <a:effectLst/>
+                <a:latin typeface="-apple-system"/>
+              </a:rPr>
+              <a:t>Weekday/Weekend?</a:t>
+            </a:r>
+            <a:endParaRPr lang="en-CA" i="0" dirty="0">
+              <a:solidFill>
+                <a:srgbClr val="24292F"/>
+              </a:solidFill>
+              <a:latin typeface="-apple-system"/>
+            </a:endParaRPr>
+          </a:p>
+          <a:p>
+            <a:pPr marL="457200" indent="-457200">
+              <a:buFont typeface="+mj-lt"/>
+              <a:buAutoNum type="arabicPeriod"/>
+            </a:pPr>
+            <a:r>
+              <a:rPr lang="en-CA" i="0" dirty="0">
+                <a:solidFill>
+                  <a:srgbClr val="24292F"/>
+                </a:solidFill>
+                <a:latin typeface="-apple-system"/>
+              </a:rPr>
+              <a:t>Does the type of criminal activity vary significantly?</a:t>
+            </a:r>
+          </a:p>
+          <a:p>
+            <a:pPr marL="0" indent="0">
+              <a:buNone/>
+            </a:pPr>
+            <a:r>
+              <a:rPr lang="en-CA" b="1" i="0" dirty="0">
+                <a:solidFill>
+                  <a:srgbClr val="24292F"/>
+                </a:solidFill>
+                <a:effectLst/>
+                <a:latin typeface="-apple-system"/>
+              </a:rPr>
+              <a:t>Deliverables</a:t>
+            </a:r>
+          </a:p>
+          <a:p>
+            <a:pPr marL="0" indent="0">
+              <a:buNone/>
+            </a:pPr>
+            <a:r>
+              <a:rPr lang="en-CA" dirty="0">
+                <a:solidFill>
+                  <a:srgbClr val="24292F"/>
+                </a:solidFill>
+                <a:latin typeface="-apple-system"/>
+              </a:rPr>
+              <a:t>Provide a location based and category based quantitative risk factor based on the data for statistically significant findings.</a:t>
+            </a:r>
+            <a:endParaRPr lang="en-CA" b="0" i="0" dirty="0">
+              <a:solidFill>
+                <a:srgbClr val="24292F"/>
+              </a:solidFill>
+              <a:effectLst/>
+              <a:latin typeface="-apple-system"/>
+            </a:endParaRPr>
+          </a:p>
+        </p:txBody>
+      </p:sp>
+    </p:spTree>
+    <p:extLst>
+      <p:ext uri="{BB962C8B-B14F-4D97-AF65-F5344CB8AC3E}">
+        <p14:creationId xmlns:p14="http://schemas.microsoft.com/office/powerpoint/2010/main" val="153286774"/>
+      </p:ext>
+    </p:extLst>
+  </p:cSld>
+  <p:clrMapOvr>
+    <a:masterClrMapping/>
+  </p:clrMapOvr>
+</p:sld>
+</file>
+
+<file path=ppt/slides/slide6.xml><?xml version="1.0" encoding="utf-8"?>
+<p:sld xmlns:a="http://schemas.openxmlformats.org/drawingml/2006/main" xmlns:r="http://schemas.openxmlformats.org/officeDocument/2006/relationships" xmlns:p="http://schemas.openxmlformats.org/presentationml/2006/main">
+  <p:cSld>
+    <p:spTree>
+      <p:nvGrpSpPr>
+        <p:cNvPr id="1" name=""/>
+        <p:cNvGrpSpPr/>
+        <p:nvPr/>
+      </p:nvGrpSpPr>
+      <p:grpSpPr>
+        <a:xfrm>
+          <a:off x="0" y="0"/>
+          <a:ext cx="0" cy="0"/>
+          <a:chOff x="0" y="0"/>
+          <a:chExt cx="0" cy="0"/>
+        </a:xfrm>
+      </p:grpSpPr>
+      <p:sp>
+        <p:nvSpPr>
+          <p:cNvPr id="2" name="Title 1">
+            <a:extLst>
+              <a:ext uri="{FF2B5EF4-FFF2-40B4-BE49-F238E27FC236}">
                 <a16:creationId xmlns:a16="http://schemas.microsoft.com/office/drawing/2014/main" id="{4AD75F1A-A857-CD13-799F-9953B7053E44}"/>
               </a:ext>
             </a:extLst>
@@ -10175,7 +10333,7 @@
 </p:sld>
 </file>
 
-<file path=ppt/slides/slide6.xml><?xml version="1.0" encoding="utf-8"?>
+<file path=ppt/slides/slide7.xml><?xml version="1.0" encoding="utf-8"?>
 <p:sld xmlns:a="http://schemas.openxmlformats.org/drawingml/2006/main" xmlns:r="http://schemas.openxmlformats.org/officeDocument/2006/relationships" xmlns:p="http://schemas.openxmlformats.org/presentationml/2006/main">
   <p:cSld>
     <p:spTree>
@@ -10262,77 +10420,6 @@
 </p:sld>
 </file>
 
-<file path=ppt/slides/slide7.xml><?xml version="1.0" encoding="utf-8"?>
-<p:sld xmlns:a="http://schemas.openxmlformats.org/drawingml/2006/main" xmlns:r="http://schemas.openxmlformats.org/officeDocument/2006/relationships" xmlns:p="http://schemas.openxmlformats.org/presentationml/2006/main">
-  <p:cSld>
-    <p:spTree>
-      <p:nvGrpSpPr>
-        <p:cNvPr id="1" name=""/>
-        <p:cNvGrpSpPr/>
-        <p:nvPr/>
-      </p:nvGrpSpPr>
-      <p:grpSpPr>
-        <a:xfrm>
-          <a:off x="0" y="0"/>
-          <a:ext cx="0" cy="0"/>
-          <a:chOff x="0" y="0"/>
-          <a:chExt cx="0" cy="0"/>
-        </a:xfrm>
-      </p:grpSpPr>
-      <p:sp>
-        <p:nvSpPr>
-          <p:cNvPr id="2" name="Title 1">
-            <a:extLst>
-              <a:ext uri="{FF2B5EF4-FFF2-40B4-BE49-F238E27FC236}">
-                <a16:creationId xmlns:a16="http://schemas.microsoft.com/office/drawing/2014/main" id="{4F2F52CB-CA1D-1C07-3F4C-00F90029DA83}"/>
-              </a:ext>
-            </a:extLst>
-          </p:cNvPr>
-          <p:cNvSpPr>
-            <a:spLocks noGrp="1"/>
-          </p:cNvSpPr>
-          <p:nvPr>
-            <p:ph type="title"/>
-          </p:nvPr>
-        </p:nvSpPr>
-        <p:spPr>
-          <a:xfrm>
-            <a:off x="1771650" y="2562225"/>
-            <a:ext cx="9601200" cy="1485900"/>
-          </a:xfrm>
-        </p:spPr>
-        <p:txBody>
-          <a:bodyPr/>
-          <a:lstStyle/>
-          <a:p>
-            <a:pPr algn="ctr"/>
-            <a:r>
-              <a:rPr lang="en-US" b="0" i="0" dirty="0">
-                <a:solidFill>
-                  <a:srgbClr val="24292F"/>
-                </a:solidFill>
-                <a:effectLst/>
-                <a:latin typeface="ui-monospace"/>
-              </a:rPr>
-              <a:t>What are the safest Areas in GTA?</a:t>
-            </a:r>
-            <a:endParaRPr lang="en-CA" dirty="0"/>
-          </a:p>
-        </p:txBody>
-      </p:sp>
-    </p:spTree>
-    <p:extLst>
-      <p:ext uri="{BB962C8B-B14F-4D97-AF65-F5344CB8AC3E}">
-        <p14:creationId xmlns:p14="http://schemas.microsoft.com/office/powerpoint/2010/main" val="3926789471"/>
-      </p:ext>
-    </p:extLst>
-  </p:cSld>
-  <p:clrMapOvr>
-    <a:masterClrMapping/>
-  </p:clrMapOvr>
-</p:sld>
-</file>
-
 <file path=ppt/slides/slide8.xml><?xml version="1.0" encoding="utf-8"?>
 <p:sld xmlns:a="http://schemas.openxmlformats.org/drawingml/2006/main" xmlns:r="http://schemas.openxmlformats.org/officeDocument/2006/relationships" xmlns:p="http://schemas.openxmlformats.org/presentationml/2006/main">
   <p:cSld>
@@ -10355,7 +10442,7 @@
           <p:cNvPr id="2" name="Title 1">
             <a:extLst>
               <a:ext uri="{FF2B5EF4-FFF2-40B4-BE49-F238E27FC236}">
-                <a16:creationId xmlns:a16="http://schemas.microsoft.com/office/drawing/2014/main" id="{617987CF-0B6C-12B2-C7EC-71F62F4E8FFF}"/>
+                <a16:creationId xmlns:a16="http://schemas.microsoft.com/office/drawing/2014/main" id="{4F2F52CB-CA1D-1C07-3F4C-00F90029DA83}"/>
               </a:ext>
             </a:extLst>
           </p:cNvPr>
@@ -10366,51 +10453,35 @@
             <p:ph type="title"/>
           </p:nvPr>
         </p:nvSpPr>
-        <p:spPr/>
+        <p:spPr>
+          <a:xfrm>
+            <a:off x="1771650" y="2562225"/>
+            <a:ext cx="9601200" cy="1485900"/>
+          </a:xfrm>
+        </p:spPr>
         <p:txBody>
           <a:bodyPr/>
           <a:lstStyle/>
           <a:p>
-            <a:r>
-              <a:rPr lang="en-CA" dirty="0"/>
-              <a:t>Neighborhood Crimes Distribution</a:t>
-            </a:r>
-          </a:p>
-        </p:txBody>
-      </p:sp>
-      <p:pic>
-        <p:nvPicPr>
-          <p:cNvPr id="5" name="Content Placeholder 4">
-            <a:extLst>
-              <a:ext uri="{FF2B5EF4-FFF2-40B4-BE49-F238E27FC236}">
-                <a16:creationId xmlns:a16="http://schemas.microsoft.com/office/drawing/2014/main" id="{1443AFB5-C391-F400-5222-34C5FA3AB8C8}"/>
-              </a:ext>
-            </a:extLst>
-          </p:cNvPr>
-          <p:cNvPicPr>
-            <a:picLocks noGrp="1" noChangeAspect="1"/>
-          </p:cNvPicPr>
-          <p:nvPr>
-            <p:ph idx="1"/>
-          </p:nvPr>
-        </p:nvPicPr>
-        <p:blipFill>
-          <a:blip r:embed="rId2"/>
-          <a:stretch>
-            <a:fillRect/>
-          </a:stretch>
-        </p:blipFill>
-        <p:spPr>
-          <a:xfrm>
-            <a:off x="1219200" y="2171699"/>
-            <a:ext cx="10674742" cy="3370971"/>
-          </a:xfrm>
-        </p:spPr>
-      </p:pic>
+            <a:pPr algn="ctr"/>
+            <a:r>
+              <a:rPr lang="en-US" b="0" i="0" dirty="0">
+                <a:solidFill>
+                  <a:srgbClr val="24292F"/>
+                </a:solidFill>
+                <a:effectLst/>
+                <a:latin typeface="ui-monospace"/>
+              </a:rPr>
+              <a:t>What are the safest Areas in GTA?</a:t>
+            </a:r>
+            <a:endParaRPr lang="en-CA" dirty="0"/>
+          </a:p>
+        </p:txBody>
+      </p:sp>
     </p:spTree>
     <p:extLst>
       <p:ext uri="{BB962C8B-B14F-4D97-AF65-F5344CB8AC3E}">
-        <p14:creationId xmlns:p14="http://schemas.microsoft.com/office/powerpoint/2010/main" val="1541532427"/>
+        <p14:creationId xmlns:p14="http://schemas.microsoft.com/office/powerpoint/2010/main" val="3926789471"/>
       </p:ext>
     </p:extLst>
   </p:cSld>
@@ -10442,7 +10513,7 @@
           <p:cNvPr id="2" name="Title 1">
             <a:extLst>
               <a:ext uri="{FF2B5EF4-FFF2-40B4-BE49-F238E27FC236}">
-                <a16:creationId xmlns:a16="http://schemas.microsoft.com/office/drawing/2014/main" id="{973EA171-1F03-3E35-734C-95E498359CAD}"/>
+                <a16:creationId xmlns:a16="http://schemas.microsoft.com/office/drawing/2014/main" id="{617987CF-0B6C-12B2-C7EC-71F62F4E8FFF}"/>
               </a:ext>
             </a:extLst>
           </p:cNvPr>
@@ -10460,7 +10531,7 @@
           <a:p>
             <a:r>
               <a:rPr lang="en-CA" dirty="0"/>
-              <a:t>Crime Rate by Districts </a:t>
+              <a:t>Neighborhood Crimes Distribution</a:t>
             </a:r>
           </a:p>
         </p:txBody>
@@ -10470,7 +10541,7 @@
           <p:cNvPr id="5" name="Content Placeholder 4">
             <a:extLst>
               <a:ext uri="{FF2B5EF4-FFF2-40B4-BE49-F238E27FC236}">
-                <a16:creationId xmlns:a16="http://schemas.microsoft.com/office/drawing/2014/main" id="{508DF046-244D-FAB2-3F28-A9C3C454264F}"/>
+                <a16:creationId xmlns:a16="http://schemas.microsoft.com/office/drawing/2014/main" id="{1443AFB5-C391-F400-5222-34C5FA3AB8C8}"/>
               </a:ext>
             </a:extLst>
           </p:cNvPr>
@@ -10489,15 +10560,15 @@
         </p:blipFill>
         <p:spPr>
           <a:xfrm>
-            <a:off x="2160348" y="1609725"/>
-            <a:ext cx="7871303" cy="4836214"/>
+            <a:off x="1219200" y="2171699"/>
+            <a:ext cx="10674742" cy="3370971"/>
           </a:xfrm>
         </p:spPr>
       </p:pic>
     </p:spTree>
     <p:extLst>
       <p:ext uri="{BB962C8B-B14F-4D97-AF65-F5344CB8AC3E}">
-        <p14:creationId xmlns:p14="http://schemas.microsoft.com/office/powerpoint/2010/main" val="646730223"/>
+        <p14:creationId xmlns:p14="http://schemas.microsoft.com/office/powerpoint/2010/main" val="1541532427"/>
       </p:ext>
     </p:extLst>
   </p:cSld>

--- a/Team4-version1.pptx
+++ b/Team4-version1.pptx
@@ -12,35 +12,34 @@
     <p:sldId id="292" r:id="rId6"/>
     <p:sldId id="293" r:id="rId7"/>
     <p:sldId id="258" r:id="rId8"/>
-    <p:sldId id="274" r:id="rId9"/>
-    <p:sldId id="262" r:id="rId10"/>
-    <p:sldId id="260" r:id="rId11"/>
-    <p:sldId id="261" r:id="rId12"/>
-    <p:sldId id="295" r:id="rId13"/>
-    <p:sldId id="264" r:id="rId14"/>
-    <p:sldId id="268" r:id="rId15"/>
-    <p:sldId id="267" r:id="rId16"/>
-    <p:sldId id="266" r:id="rId17"/>
-    <p:sldId id="265" r:id="rId18"/>
-    <p:sldId id="296" r:id="rId19"/>
-    <p:sldId id="269" r:id="rId20"/>
-    <p:sldId id="271" r:id="rId21"/>
-    <p:sldId id="275" r:id="rId22"/>
-    <p:sldId id="276" r:id="rId23"/>
-    <p:sldId id="277" r:id="rId24"/>
-    <p:sldId id="278" r:id="rId25"/>
-    <p:sldId id="279" r:id="rId26"/>
-    <p:sldId id="280" r:id="rId27"/>
-    <p:sldId id="281" r:id="rId28"/>
-    <p:sldId id="283" r:id="rId29"/>
-    <p:sldId id="284" r:id="rId30"/>
-    <p:sldId id="299" r:id="rId31"/>
-    <p:sldId id="291" r:id="rId32"/>
-    <p:sldId id="297" r:id="rId33"/>
-    <p:sldId id="300" r:id="rId34"/>
-    <p:sldId id="298" r:id="rId35"/>
-    <p:sldId id="286" r:id="rId36"/>
-    <p:sldId id="287" r:id="rId37"/>
+    <p:sldId id="262" r:id="rId9"/>
+    <p:sldId id="260" r:id="rId10"/>
+    <p:sldId id="261" r:id="rId11"/>
+    <p:sldId id="296" r:id="rId12"/>
+    <p:sldId id="269" r:id="rId13"/>
+    <p:sldId id="271" r:id="rId14"/>
+    <p:sldId id="275" r:id="rId15"/>
+    <p:sldId id="276" r:id="rId16"/>
+    <p:sldId id="277" r:id="rId17"/>
+    <p:sldId id="278" r:id="rId18"/>
+    <p:sldId id="279" r:id="rId19"/>
+    <p:sldId id="280" r:id="rId20"/>
+    <p:sldId id="281" r:id="rId21"/>
+    <p:sldId id="283" r:id="rId22"/>
+    <p:sldId id="284" r:id="rId23"/>
+    <p:sldId id="295" r:id="rId24"/>
+    <p:sldId id="264" r:id="rId25"/>
+    <p:sldId id="268" r:id="rId26"/>
+    <p:sldId id="267" r:id="rId27"/>
+    <p:sldId id="266" r:id="rId28"/>
+    <p:sldId id="265" r:id="rId29"/>
+    <p:sldId id="299" r:id="rId30"/>
+    <p:sldId id="291" r:id="rId31"/>
+    <p:sldId id="297" r:id="rId32"/>
+    <p:sldId id="300" r:id="rId33"/>
+    <p:sldId id="298" r:id="rId34"/>
+    <p:sldId id="286" r:id="rId35"/>
+    <p:sldId id="287" r:id="rId36"/>
   </p:sldIdLst>
   <p:sldSz cx="12192000" cy="6858000"/>
   <p:notesSz cx="6858000" cy="9144000"/>
@@ -155,20 +154,9 @@
             <p14:sldId id="292"/>
             <p14:sldId id="293"/>
             <p14:sldId id="258"/>
-            <p14:sldId id="274"/>
             <p14:sldId id="262"/>
             <p14:sldId id="260"/>
             <p14:sldId id="261"/>
-          </p14:sldIdLst>
-        </p14:section>
-        <p14:section name="Categorical Results" id="{163070D5-1233-40A7-926D-630A8A0B27CC}">
-          <p14:sldIdLst>
-            <p14:sldId id="295"/>
-            <p14:sldId id="264"/>
-            <p14:sldId id="268"/>
-            <p14:sldId id="267"/>
-            <p14:sldId id="266"/>
-            <p14:sldId id="265"/>
           </p14:sldIdLst>
         </p14:section>
         <p14:section name="Historic Results" id="{DF0DB968-3457-4E94-9405-8436F5028901}">
@@ -185,6 +173,16 @@
             <p14:sldId id="281"/>
             <p14:sldId id="283"/>
             <p14:sldId id="284"/>
+          </p14:sldIdLst>
+        </p14:section>
+        <p14:section name="Categorical Results" id="{163070D5-1233-40A7-926D-630A8A0B27CC}">
+          <p14:sldIdLst>
+            <p14:sldId id="295"/>
+            <p14:sldId id="264"/>
+            <p14:sldId id="268"/>
+            <p14:sldId id="267"/>
+            <p14:sldId id="266"/>
+            <p14:sldId id="265"/>
           </p14:sldIdLst>
         </p14:section>
         <p14:section name="Risk Factors" id="{8600E0B2-E851-400A-B724-62DD4D17C0E0}">
@@ -4241,93 +4239,6 @@
           <p:cNvPr id="2" name="Title 1">
             <a:extLst>
               <a:ext uri="{FF2B5EF4-FFF2-40B4-BE49-F238E27FC236}">
-                <a16:creationId xmlns:a16="http://schemas.microsoft.com/office/drawing/2014/main" id="{973EA171-1F03-3E35-734C-95E498359CAD}"/>
-              </a:ext>
-            </a:extLst>
-          </p:cNvPr>
-          <p:cNvSpPr>
-            <a:spLocks noGrp="1"/>
-          </p:cNvSpPr>
-          <p:nvPr>
-            <p:ph type="title"/>
-          </p:nvPr>
-        </p:nvSpPr>
-        <p:spPr/>
-        <p:txBody>
-          <a:bodyPr/>
-          <a:lstStyle/>
-          <a:p>
-            <a:r>
-              <a:rPr lang="en-CA" dirty="0"/>
-              <a:t>Crime Rate by Districts </a:t>
-            </a:r>
-          </a:p>
-        </p:txBody>
-      </p:sp>
-      <p:pic>
-        <p:nvPicPr>
-          <p:cNvPr id="5" name="Content Placeholder 4">
-            <a:extLst>
-              <a:ext uri="{FF2B5EF4-FFF2-40B4-BE49-F238E27FC236}">
-                <a16:creationId xmlns:a16="http://schemas.microsoft.com/office/drawing/2014/main" id="{508DF046-244D-FAB2-3F28-A9C3C454264F}"/>
-              </a:ext>
-            </a:extLst>
-          </p:cNvPr>
-          <p:cNvPicPr>
-            <a:picLocks noGrp="1" noChangeAspect="1"/>
-          </p:cNvPicPr>
-          <p:nvPr>
-            <p:ph idx="1"/>
-          </p:nvPr>
-        </p:nvPicPr>
-        <p:blipFill>
-          <a:blip r:embed="rId2"/>
-          <a:stretch>
-            <a:fillRect/>
-          </a:stretch>
-        </p:blipFill>
-        <p:spPr>
-          <a:xfrm>
-            <a:off x="2160348" y="1609725"/>
-            <a:ext cx="7871303" cy="4836214"/>
-          </a:xfrm>
-        </p:spPr>
-      </p:pic>
-    </p:spTree>
-    <p:extLst>
-      <p:ext uri="{BB962C8B-B14F-4D97-AF65-F5344CB8AC3E}">
-        <p14:creationId xmlns:p14="http://schemas.microsoft.com/office/powerpoint/2010/main" val="646730223"/>
-      </p:ext>
-    </p:extLst>
-  </p:cSld>
-  <p:clrMapOvr>
-    <a:masterClrMapping/>
-  </p:clrMapOvr>
-</p:sld>
-</file>
-
-<file path=ppt/slides/slide11.xml><?xml version="1.0" encoding="utf-8"?>
-<p:sld xmlns:a="http://schemas.openxmlformats.org/drawingml/2006/main" xmlns:r="http://schemas.openxmlformats.org/officeDocument/2006/relationships" xmlns:p="http://schemas.openxmlformats.org/presentationml/2006/main">
-  <p:cSld>
-    <p:spTree>
-      <p:nvGrpSpPr>
-        <p:cNvPr id="1" name=""/>
-        <p:cNvGrpSpPr/>
-        <p:nvPr/>
-      </p:nvGrpSpPr>
-      <p:grpSpPr>
-        <a:xfrm>
-          <a:off x="0" y="0"/>
-          <a:ext cx="0" cy="0"/>
-          <a:chOff x="0" y="0"/>
-          <a:chExt cx="0" cy="0"/>
-        </a:xfrm>
-      </p:grpSpPr>
-      <p:sp>
-        <p:nvSpPr>
-          <p:cNvPr id="2" name="Title 1">
-            <a:extLst>
-              <a:ext uri="{FF2B5EF4-FFF2-40B4-BE49-F238E27FC236}">
                 <a16:creationId xmlns:a16="http://schemas.microsoft.com/office/drawing/2014/main" id="{FFADB4E9-B607-B6CD-20C9-C56A2EE71033}"/>
               </a:ext>
             </a:extLst>
@@ -4427,6 +4338,71 @@
 </p:sld>
 </file>
 
+<file path=ppt/slides/slide11.xml><?xml version="1.0" encoding="utf-8"?>
+<p:sld xmlns:a="http://schemas.openxmlformats.org/drawingml/2006/main" xmlns:r="http://schemas.openxmlformats.org/officeDocument/2006/relationships" xmlns:p="http://schemas.openxmlformats.org/presentationml/2006/main">
+  <p:cSld>
+    <p:spTree>
+      <p:nvGrpSpPr>
+        <p:cNvPr id="1" name=""/>
+        <p:cNvGrpSpPr/>
+        <p:nvPr/>
+      </p:nvGrpSpPr>
+      <p:grpSpPr>
+        <a:xfrm>
+          <a:off x="0" y="0"/>
+          <a:ext cx="0" cy="0"/>
+          <a:chOff x="0" y="0"/>
+          <a:chExt cx="0" cy="0"/>
+        </a:xfrm>
+      </p:grpSpPr>
+      <p:sp>
+        <p:nvSpPr>
+          <p:cNvPr id="2" name="Title 1">
+            <a:extLst>
+              <a:ext uri="{FF2B5EF4-FFF2-40B4-BE49-F238E27FC236}">
+                <a16:creationId xmlns:a16="http://schemas.microsoft.com/office/drawing/2014/main" id="{4AD75F1A-A857-CD13-799F-9953B7053E44}"/>
+              </a:ext>
+            </a:extLst>
+          </p:cNvPr>
+          <p:cNvSpPr>
+            <a:spLocks noGrp="1"/>
+          </p:cNvSpPr>
+          <p:nvPr>
+            <p:ph type="title"/>
+          </p:nvPr>
+        </p:nvSpPr>
+        <p:spPr>
+          <a:xfrm>
+            <a:off x="2707575" y="2704606"/>
+            <a:ext cx="8858993" cy="2116777"/>
+          </a:xfrm>
+        </p:spPr>
+        <p:txBody>
+          <a:bodyPr>
+            <a:normAutofit/>
+          </a:bodyPr>
+          <a:lstStyle/>
+          <a:p>
+            <a:r>
+              <a:rPr lang="en-CA" sz="5400" dirty="0"/>
+              <a:t>Historic Results</a:t>
+            </a:r>
+          </a:p>
+        </p:txBody>
+      </p:sp>
+    </p:spTree>
+    <p:extLst>
+      <p:ext uri="{BB962C8B-B14F-4D97-AF65-F5344CB8AC3E}">
+        <p14:creationId xmlns:p14="http://schemas.microsoft.com/office/powerpoint/2010/main" val="3450020213"/>
+      </p:ext>
+    </p:extLst>
+  </p:cSld>
+  <p:clrMapOvr>
+    <a:masterClrMapping/>
+  </p:clrMapOvr>
+</p:sld>
+</file>
+
 <file path=ppt/slides/slide12.xml><?xml version="1.0" encoding="utf-8"?>
 <p:sld xmlns:a="http://schemas.openxmlformats.org/drawingml/2006/main" xmlns:r="http://schemas.openxmlformats.org/officeDocument/2006/relationships" xmlns:p="http://schemas.openxmlformats.org/presentationml/2006/main">
   <p:cSld>
@@ -4449,7 +4425,7 @@
           <p:cNvPr id="2" name="Title 1">
             <a:extLst>
               <a:ext uri="{FF2B5EF4-FFF2-40B4-BE49-F238E27FC236}">
-                <a16:creationId xmlns:a16="http://schemas.microsoft.com/office/drawing/2014/main" id="{4AD75F1A-A857-CD13-799F-9953B7053E44}"/>
+                <a16:creationId xmlns:a16="http://schemas.microsoft.com/office/drawing/2014/main" id="{EC30828E-8A64-2364-2BB8-29283068F41D}"/>
               </a:ext>
             </a:extLst>
           </p:cNvPr>
@@ -4462,8 +4438,70 @@
         </p:nvSpPr>
         <p:spPr>
           <a:xfrm>
-            <a:off x="2707575" y="2704606"/>
-            <a:ext cx="8858993" cy="2116777"/>
+            <a:off x="1371600" y="685800"/>
+            <a:ext cx="10403058" cy="1485900"/>
+          </a:xfrm>
+        </p:spPr>
+        <p:txBody>
+          <a:bodyPr/>
+          <a:lstStyle/>
+          <a:p>
+            <a:r>
+              <a:rPr lang="en-CA" dirty="0"/>
+              <a:t>Regression Analysis for the city of Toronto</a:t>
+            </a:r>
+          </a:p>
+        </p:txBody>
+      </p:sp>
+      <p:pic>
+        <p:nvPicPr>
+          <p:cNvPr id="5" name="Content Placeholder 4">
+            <a:extLst>
+              <a:ext uri="{FF2B5EF4-FFF2-40B4-BE49-F238E27FC236}">
+                <a16:creationId xmlns:a16="http://schemas.microsoft.com/office/drawing/2014/main" id="{46F98269-A912-8AE1-7BDC-DEAE99FF346C}"/>
+              </a:ext>
+            </a:extLst>
+          </p:cNvPr>
+          <p:cNvPicPr>
+            <a:picLocks noGrp="1" noChangeAspect="1"/>
+          </p:cNvPicPr>
+          <p:nvPr>
+            <p:ph sz="half" idx="2"/>
+          </p:nvPr>
+        </p:nvPicPr>
+        <p:blipFill>
+          <a:blip r:embed="rId2"/>
+          <a:stretch>
+            <a:fillRect/>
+          </a:stretch>
+        </p:blipFill>
+        <p:spPr>
+          <a:xfrm>
+            <a:off x="5011387" y="1812860"/>
+            <a:ext cx="6927765" cy="4618510"/>
+          </a:xfrm>
+        </p:spPr>
+      </p:pic>
+      <p:sp>
+        <p:nvSpPr>
+          <p:cNvPr id="12" name="Content Placeholder 11">
+            <a:extLst>
+              <a:ext uri="{FF2B5EF4-FFF2-40B4-BE49-F238E27FC236}">
+                <a16:creationId xmlns:a16="http://schemas.microsoft.com/office/drawing/2014/main" id="{F52D127A-4561-4608-453F-9D857B49D621}"/>
+              </a:ext>
+            </a:extLst>
+          </p:cNvPr>
+          <p:cNvSpPr>
+            <a:spLocks noGrp="1"/>
+          </p:cNvSpPr>
+          <p:nvPr>
+            <p:ph sz="quarter" idx="4"/>
+          </p:nvPr>
+        </p:nvSpPr>
+        <p:spPr>
+          <a:xfrm>
+            <a:off x="1048493" y="2171700"/>
+            <a:ext cx="3962893" cy="4259669"/>
           </a:xfrm>
         </p:spPr>
         <p:txBody>
@@ -4473,16 +4511,43 @@
           <a:lstStyle/>
           <a:p>
             <a:r>
-              <a:rPr lang="en-CA" sz="5400" dirty="0"/>
-              <a:t>Categorical Results</a:t>
-            </a:r>
+              <a:rPr lang="en-US" altLang="en-US" dirty="0">
+                <a:solidFill>
+                  <a:schemeClr val="tx1"/>
+                </a:solidFill>
+              </a:rPr>
+              <a:t>The r-squared is: 12.6%</a:t>
+            </a:r>
+          </a:p>
+          <a:p>
+            <a:r>
+              <a:rPr lang="en-US" altLang="en-US" dirty="0">
+                <a:solidFill>
+                  <a:schemeClr val="tx1"/>
+                </a:solidFill>
+              </a:rPr>
+              <a:t>Data is not correlated to time</a:t>
+            </a:r>
+          </a:p>
+          <a:p>
+            <a:r>
+              <a:rPr lang="en-US" altLang="en-US" dirty="0">
+                <a:solidFill>
+                  <a:schemeClr val="tx1"/>
+                </a:solidFill>
+              </a:rPr>
+              <a:t>Over -all criminal activity clearly dropped in 2020, this could potentially be related to COVID </a:t>
+            </a:r>
+          </a:p>
+          <a:p>
+            <a:endParaRPr lang="en-CA" dirty="0"/>
           </a:p>
         </p:txBody>
       </p:sp>
     </p:spTree>
     <p:extLst>
       <p:ext uri="{BB962C8B-B14F-4D97-AF65-F5344CB8AC3E}">
-        <p14:creationId xmlns:p14="http://schemas.microsoft.com/office/powerpoint/2010/main" val="2997289025"/>
+        <p14:creationId xmlns:p14="http://schemas.microsoft.com/office/powerpoint/2010/main" val="3331545274"/>
       </p:ext>
     </p:extLst>
   </p:cSld>
@@ -4514,7 +4579,7 @@
           <p:cNvPr id="2" name="Title 1">
             <a:extLst>
               <a:ext uri="{FF2B5EF4-FFF2-40B4-BE49-F238E27FC236}">
-                <a16:creationId xmlns:a16="http://schemas.microsoft.com/office/drawing/2014/main" id="{F41FB0B3-C0EC-49B1-10F9-DCF5D266C164}"/>
+                <a16:creationId xmlns:a16="http://schemas.microsoft.com/office/drawing/2014/main" id="{F70752FB-0749-6E73-214D-0BCABBD3272C}"/>
               </a:ext>
             </a:extLst>
           </p:cNvPr>
@@ -4532,17 +4597,24 @@
           <a:p>
             <a:r>
               <a:rPr lang="en-CA" dirty="0"/>
-              <a:t>What type of Crimes happen in GTA?</a:t>
+              <a:t>Regression Analysis for 5 least Safe </a:t>
+            </a:r>
+            <a:br>
+              <a:rPr lang="en-CA" dirty="0"/>
+            </a:br>
+            <a:r>
+              <a:rPr lang="en-CA" dirty="0"/>
+              <a:t>Neighborhoods</a:t>
             </a:r>
           </a:p>
         </p:txBody>
       </p:sp>
       <p:pic>
         <p:nvPicPr>
-          <p:cNvPr id="5" name="Content Placeholder 4">
+          <p:cNvPr id="13" name="Content Placeholder 12">
             <a:extLst>
               <a:ext uri="{FF2B5EF4-FFF2-40B4-BE49-F238E27FC236}">
-                <a16:creationId xmlns:a16="http://schemas.microsoft.com/office/drawing/2014/main" id="{BFF021D4-DFE0-7DBC-0936-D12D6E786CFA}"/>
+                <a16:creationId xmlns:a16="http://schemas.microsoft.com/office/drawing/2014/main" id="{019101EE-CDA2-2A44-68AB-301F89A724FB}"/>
               </a:ext>
             </a:extLst>
           </p:cNvPr>
@@ -4550,7 +4622,7 @@
             <a:picLocks noGrp="1" noChangeAspect="1"/>
           </p:cNvPicPr>
           <p:nvPr>
-            <p:ph idx="1"/>
+            <p:ph sz="quarter" idx="4"/>
           </p:nvPr>
         </p:nvPicPr>
         <p:blipFill>
@@ -4561,15 +4633,105 @@
         </p:blipFill>
         <p:spPr>
           <a:xfrm>
-            <a:off x="3486150" y="2286000"/>
-            <a:ext cx="5372100" cy="3581400"/>
+            <a:off x="5367316" y="2171700"/>
+            <a:ext cx="6515122" cy="4343415"/>
           </a:xfrm>
         </p:spPr>
       </p:pic>
+      <p:sp>
+        <p:nvSpPr>
+          <p:cNvPr id="11" name="Content Placeholder 10">
+            <a:extLst>
+              <a:ext uri="{FF2B5EF4-FFF2-40B4-BE49-F238E27FC236}">
+                <a16:creationId xmlns:a16="http://schemas.microsoft.com/office/drawing/2014/main" id="{ECF19495-D46C-B566-020C-49AD96F38C4D}"/>
+              </a:ext>
+            </a:extLst>
+          </p:cNvPr>
+          <p:cNvSpPr>
+            <a:spLocks noGrp="1"/>
+          </p:cNvSpPr>
+          <p:nvPr>
+            <p:ph sz="half" idx="2"/>
+          </p:nvPr>
+        </p:nvSpPr>
+        <p:spPr>
+          <a:xfrm>
+            <a:off x="1202787" y="2503349"/>
+            <a:ext cx="4443984" cy="3855248"/>
+          </a:xfrm>
+        </p:spPr>
+        <p:txBody>
+          <a:bodyPr/>
+          <a:lstStyle/>
+          <a:p>
+            <a:r>
+              <a:rPr lang="en-US" altLang="en-US" dirty="0">
+                <a:solidFill>
+                  <a:schemeClr val="tx1"/>
+                </a:solidFill>
+              </a:rPr>
+              <a:t>The r-squared is: 65%</a:t>
+            </a:r>
+          </a:p>
+          <a:p>
+            <a:r>
+              <a:rPr lang="en-US" altLang="en-US" dirty="0">
+                <a:solidFill>
+                  <a:schemeClr val="tx1"/>
+                </a:solidFill>
+              </a:rPr>
+              <a:t>Data appears to be positively correlated with time</a:t>
+            </a:r>
+          </a:p>
+          <a:p>
+            <a:r>
+              <a:rPr lang="en-US" altLang="en-US" dirty="0">
+                <a:solidFill>
+                  <a:schemeClr val="tx1"/>
+                </a:solidFill>
+              </a:rPr>
+              <a:t>Crime dropped in 2021</a:t>
+            </a:r>
+          </a:p>
+          <a:p>
+            <a:r>
+              <a:rPr lang="en-US" altLang="en-US" dirty="0">
+                <a:solidFill>
+                  <a:schemeClr val="tx1"/>
+                </a:solidFill>
+              </a:rPr>
+              <a:t>2022 data would help establish a trend </a:t>
+            </a:r>
+          </a:p>
+          <a:p>
+            <a:endParaRPr lang="en-US" altLang="en-US" sz="1600" dirty="0">
+              <a:solidFill>
+                <a:schemeClr val="tx1"/>
+              </a:solidFill>
+              <a:latin typeface="Arial" panose="020B0604020202020204" pitchFamily="34" charset="0"/>
+            </a:endParaRPr>
+          </a:p>
+          <a:p>
+            <a:endParaRPr kumimoji="0" lang="en-US" altLang="en-US" sz="4400" b="0" i="0" u="none" strike="noStrike" cap="none" normalizeH="0" baseline="0" dirty="0">
+              <a:ln>
+                <a:noFill/>
+              </a:ln>
+              <a:solidFill>
+                <a:schemeClr val="tx1"/>
+              </a:solidFill>
+              <a:effectLst/>
+              <a:latin typeface="Arial" panose="020B0604020202020204" pitchFamily="34" charset="0"/>
+            </a:endParaRPr>
+          </a:p>
+          <a:p>
+            <a:endParaRPr lang="en-CA" dirty="0"/>
+          </a:p>
+        </p:txBody>
+      </p:sp>
     </p:spTree>
     <p:extLst>
       <p:ext uri="{BB962C8B-B14F-4D97-AF65-F5344CB8AC3E}">
-        <p14:creationId xmlns:p14="http://schemas.microsoft.com/office/powerpoint/2010/main" val="1988094546"/>
+        <p14:creationId xmlns:p14="http://schemas.microsoft.com/office/powerpoint/2010/main" val="3946225886"/>
       </p:ext>
     </p:extLst>
   </p:cSld>
@@ -4601,7 +4763,7 @@
           <p:cNvPr id="2" name="Title 1">
             <a:extLst>
               <a:ext uri="{FF2B5EF4-FFF2-40B4-BE49-F238E27FC236}">
-                <a16:creationId xmlns:a16="http://schemas.microsoft.com/office/drawing/2014/main" id="{F41FB0B3-C0EC-49B1-10F9-DCF5D266C164}"/>
+                <a16:creationId xmlns:a16="http://schemas.microsoft.com/office/drawing/2014/main" id="{F70752FB-0749-6E73-214D-0BCABBD3272C}"/>
               </a:ext>
             </a:extLst>
           </p:cNvPr>
@@ -4619,17 +4781,99 @@
           <a:p>
             <a:r>
               <a:rPr lang="en-CA" dirty="0"/>
-              <a:t>What are crime rates per Premises Type?</a:t>
-            </a:r>
+              <a:t>Regression Analysis for 5 least Safe </a:t>
+            </a:r>
+            <a:br>
+              <a:rPr lang="en-CA" dirty="0"/>
+            </a:br>
+            <a:r>
+              <a:rPr lang="en-CA" dirty="0"/>
+              <a:t>Neighborhoods</a:t>
+            </a:r>
+          </a:p>
+        </p:txBody>
+      </p:sp>
+      <p:sp>
+        <p:nvSpPr>
+          <p:cNvPr id="11" name="Content Placeholder 10">
+            <a:extLst>
+              <a:ext uri="{FF2B5EF4-FFF2-40B4-BE49-F238E27FC236}">
+                <a16:creationId xmlns:a16="http://schemas.microsoft.com/office/drawing/2014/main" id="{ECF19495-D46C-B566-020C-49AD96F38C4D}"/>
+              </a:ext>
+            </a:extLst>
+          </p:cNvPr>
+          <p:cNvSpPr>
+            <a:spLocks noGrp="1"/>
+          </p:cNvSpPr>
+          <p:nvPr>
+            <p:ph sz="half" idx="2"/>
+          </p:nvPr>
+        </p:nvSpPr>
+        <p:spPr/>
+        <p:txBody>
+          <a:bodyPr/>
+          <a:lstStyle/>
+          <a:p>
+            <a:r>
+              <a:rPr kumimoji="0" lang="en-US" altLang="en-US" sz="2000" b="0" i="0" u="none" strike="noStrike" cap="none" normalizeH="0" baseline="0" dirty="0">
+                <a:ln>
+                  <a:noFill/>
+                </a:ln>
+                <a:solidFill>
+                  <a:srgbClr val="000000"/>
+                </a:solidFill>
+                <a:effectLst/>
+                <a:latin typeface="Courier New" panose="02070309020205020404" pitchFamily="49" charset="0"/>
+                <a:cs typeface="Courier New" panose="02070309020205020404" pitchFamily="49" charset="0"/>
+              </a:rPr>
+              <a:t>The r-squared is: 3.2%</a:t>
+            </a:r>
+          </a:p>
+          <a:p>
+            <a:r>
+              <a:rPr lang="en-US" altLang="en-US" dirty="0">
+                <a:solidFill>
+                  <a:srgbClr val="000000"/>
+                </a:solidFill>
+                <a:latin typeface="Courier New" panose="02070309020205020404" pitchFamily="49" charset="0"/>
+                <a:cs typeface="Courier New" panose="02070309020205020404" pitchFamily="49" charset="0"/>
+              </a:rPr>
+              <a:t>Data is not correlated with time</a:t>
+            </a:r>
+            <a:r>
+              <a:rPr kumimoji="0" lang="en-US" altLang="en-US" sz="1600" b="0" i="0" u="none" strike="noStrike" cap="none" normalizeH="0" baseline="0" dirty="0">
+                <a:ln>
+                  <a:noFill/>
+                </a:ln>
+                <a:solidFill>
+                  <a:schemeClr val="tx1"/>
+                </a:solidFill>
+                <a:effectLst/>
+              </a:rPr>
+              <a:t> </a:t>
+            </a:r>
+            <a:endParaRPr kumimoji="0" lang="en-US" altLang="en-US" sz="4400" b="0" i="0" u="none" strike="noStrike" cap="none" normalizeH="0" baseline="0" dirty="0">
+              <a:ln>
+                <a:noFill/>
+              </a:ln>
+              <a:solidFill>
+                <a:schemeClr val="tx1"/>
+              </a:solidFill>
+              <a:effectLst/>
+              <a:latin typeface="Arial" panose="020B0604020202020204" pitchFamily="34" charset="0"/>
+            </a:endParaRPr>
+          </a:p>
+          <a:p>
+            <a:endParaRPr lang="en-CA" dirty="0"/>
           </a:p>
         </p:txBody>
       </p:sp>
       <p:pic>
         <p:nvPicPr>
-          <p:cNvPr id="5" name="Content Placeholder 4">
+          <p:cNvPr id="6" name="Content Placeholder 5">
             <a:extLst>
               <a:ext uri="{FF2B5EF4-FFF2-40B4-BE49-F238E27FC236}">
-                <a16:creationId xmlns:a16="http://schemas.microsoft.com/office/drawing/2014/main" id="{F9D1F2B8-5D68-6D3E-C624-7E3661D17562}"/>
+                <a16:creationId xmlns:a16="http://schemas.microsoft.com/office/drawing/2014/main" id="{2D7E63FD-4308-3FA2-A4D4-A58B6DAD8FF6}"/>
               </a:ext>
             </a:extLst>
           </p:cNvPr>
@@ -4637,7 +4881,7 @@
             <a:picLocks noGrp="1" noChangeAspect="1"/>
           </p:cNvPicPr>
           <p:nvPr>
-            <p:ph idx="1"/>
+            <p:ph sz="quarter" idx="4"/>
           </p:nvPr>
         </p:nvPicPr>
         <p:blipFill>
@@ -4648,15 +4892,15 @@
         </p:blipFill>
         <p:spPr>
           <a:xfrm>
-            <a:off x="3756563" y="2171700"/>
-            <a:ext cx="5372100" cy="3581400"/>
+            <a:off x="5833463" y="2391508"/>
+            <a:ext cx="6213963" cy="4142643"/>
           </a:xfrm>
         </p:spPr>
       </p:pic>
     </p:spTree>
     <p:extLst>
       <p:ext uri="{BB962C8B-B14F-4D97-AF65-F5344CB8AC3E}">
-        <p14:creationId xmlns:p14="http://schemas.microsoft.com/office/powerpoint/2010/main" val="1186539443"/>
+        <p14:creationId xmlns:p14="http://schemas.microsoft.com/office/powerpoint/2010/main" val="3447179957"/>
       </p:ext>
     </p:extLst>
   </p:cSld>
@@ -4688,7 +4932,7 @@
           <p:cNvPr id="2" name="Title 1">
             <a:extLst>
               <a:ext uri="{FF2B5EF4-FFF2-40B4-BE49-F238E27FC236}">
-                <a16:creationId xmlns:a16="http://schemas.microsoft.com/office/drawing/2014/main" id="{8ACAEE24-9689-6BB3-9C7D-1E5EBE4CB1D6}"/>
+                <a16:creationId xmlns:a16="http://schemas.microsoft.com/office/drawing/2014/main" id="{F70752FB-0749-6E73-214D-0BCABBD3272C}"/>
               </a:ext>
             </a:extLst>
           </p:cNvPr>
@@ -4706,17 +4950,87 @@
           <a:p>
             <a:r>
               <a:rPr lang="en-CA" dirty="0"/>
-              <a:t>What are crime rates in different seasons?</a:t>
-            </a:r>
+              <a:t>Regression Analysis for 5 Least Safe </a:t>
+            </a:r>
+            <a:br>
+              <a:rPr lang="en-CA" dirty="0"/>
+            </a:br>
+            <a:r>
+              <a:rPr lang="en-CA" dirty="0"/>
+              <a:t>Neighborhoods</a:t>
+            </a:r>
+          </a:p>
+        </p:txBody>
+      </p:sp>
+      <p:sp>
+        <p:nvSpPr>
+          <p:cNvPr id="11" name="Content Placeholder 10">
+            <a:extLst>
+              <a:ext uri="{FF2B5EF4-FFF2-40B4-BE49-F238E27FC236}">
+                <a16:creationId xmlns:a16="http://schemas.microsoft.com/office/drawing/2014/main" id="{ECF19495-D46C-B566-020C-49AD96F38C4D}"/>
+              </a:ext>
+            </a:extLst>
+          </p:cNvPr>
+          <p:cNvSpPr>
+            <a:spLocks noGrp="1"/>
+          </p:cNvSpPr>
+          <p:nvPr>
+            <p:ph sz="half" idx="2"/>
+          </p:nvPr>
+        </p:nvSpPr>
+        <p:spPr/>
+        <p:txBody>
+          <a:bodyPr/>
+          <a:lstStyle/>
+          <a:p>
+            <a:r>
+              <a:rPr kumimoji="0" lang="en-US" altLang="en-US" sz="2000" b="0" i="0" u="none" strike="noStrike" cap="none" normalizeH="0" baseline="0" dirty="0">
+                <a:ln>
+                  <a:noFill/>
+                </a:ln>
+                <a:solidFill>
+                  <a:srgbClr val="000000"/>
+                </a:solidFill>
+                <a:effectLst/>
+                <a:latin typeface="Courier New" panose="02070309020205020404" pitchFamily="49" charset="0"/>
+                <a:cs typeface="Courier New" panose="02070309020205020404" pitchFamily="49" charset="0"/>
+              </a:rPr>
+              <a:t>The r-squared is: 75%</a:t>
+            </a:r>
+            <a:r>
+              <a:rPr kumimoji="0" lang="en-US" altLang="en-US" sz="1600" b="0" i="0" u="none" strike="noStrike" cap="none" normalizeH="0" baseline="0" dirty="0">
+                <a:ln>
+                  <a:noFill/>
+                </a:ln>
+                <a:solidFill>
+                  <a:schemeClr val="tx1"/>
+                </a:solidFill>
+                <a:effectLst/>
+              </a:rPr>
+              <a:t> </a:t>
+            </a:r>
+            <a:endParaRPr kumimoji="0" lang="en-US" altLang="en-US" sz="4400" b="0" i="0" u="none" strike="noStrike" cap="none" normalizeH="0" baseline="0" dirty="0">
+              <a:ln>
+                <a:noFill/>
+              </a:ln>
+              <a:solidFill>
+                <a:schemeClr val="tx1"/>
+              </a:solidFill>
+              <a:effectLst/>
+              <a:latin typeface="Arial" panose="020B0604020202020204" pitchFamily="34" charset="0"/>
+            </a:endParaRPr>
+          </a:p>
+          <a:p>
+            <a:endParaRPr lang="en-CA" dirty="0"/>
           </a:p>
         </p:txBody>
       </p:sp>
       <p:pic>
         <p:nvPicPr>
-          <p:cNvPr id="5" name="Content Placeholder 4">
+          <p:cNvPr id="7" name="Content Placeholder 6">
             <a:extLst>
               <a:ext uri="{FF2B5EF4-FFF2-40B4-BE49-F238E27FC236}">
-                <a16:creationId xmlns:a16="http://schemas.microsoft.com/office/drawing/2014/main" id="{69A6BBD4-0027-FD67-7F4A-683BF19A1CD6}"/>
+                <a16:creationId xmlns:a16="http://schemas.microsoft.com/office/drawing/2014/main" id="{188D998D-ACB0-A83A-CD24-0AE752E997B4}"/>
               </a:ext>
             </a:extLst>
           </p:cNvPr>
@@ -4724,7 +5038,7 @@
             <a:picLocks noGrp="1" noChangeAspect="1"/>
           </p:cNvPicPr>
           <p:nvPr>
-            <p:ph idx="1"/>
+            <p:ph sz="quarter" idx="4"/>
           </p:nvPr>
         </p:nvPicPr>
         <p:blipFill>
@@ -4735,15 +5049,15 @@
         </p:blipFill>
         <p:spPr>
           <a:xfrm>
-            <a:off x="3486150" y="2286000"/>
-            <a:ext cx="5372100" cy="3581400"/>
+            <a:off x="5983373" y="2635934"/>
+            <a:ext cx="5543549" cy="3695700"/>
           </a:xfrm>
         </p:spPr>
       </p:pic>
     </p:spTree>
     <p:extLst>
       <p:ext uri="{BB962C8B-B14F-4D97-AF65-F5344CB8AC3E}">
-        <p14:creationId xmlns:p14="http://schemas.microsoft.com/office/powerpoint/2010/main" val="2304800371"/>
+        <p14:creationId xmlns:p14="http://schemas.microsoft.com/office/powerpoint/2010/main" val="2106327601"/>
       </p:ext>
     </p:extLst>
   </p:cSld>
@@ -4775,7 +5089,7 @@
           <p:cNvPr id="2" name="Title 1">
             <a:extLst>
               <a:ext uri="{FF2B5EF4-FFF2-40B4-BE49-F238E27FC236}">
-                <a16:creationId xmlns:a16="http://schemas.microsoft.com/office/drawing/2014/main" id="{C6BCE2EE-C4BE-5823-99C1-66485637BBFE}"/>
+                <a16:creationId xmlns:a16="http://schemas.microsoft.com/office/drawing/2014/main" id="{F70752FB-0749-6E73-214D-0BCABBD3272C}"/>
               </a:ext>
             </a:extLst>
           </p:cNvPr>
@@ -4793,17 +5107,87 @@
           <a:p>
             <a:r>
               <a:rPr lang="en-CA" dirty="0"/>
-              <a:t>Crime rate is more of less during weekend or weekday?</a:t>
-            </a:r>
+              <a:t>Regression Analysis for 5 Least Safe </a:t>
+            </a:r>
+            <a:br>
+              <a:rPr lang="en-CA" dirty="0"/>
+            </a:br>
+            <a:r>
+              <a:rPr lang="en-CA" dirty="0"/>
+              <a:t>Neighborhoods</a:t>
+            </a:r>
+          </a:p>
+        </p:txBody>
+      </p:sp>
+      <p:sp>
+        <p:nvSpPr>
+          <p:cNvPr id="11" name="Content Placeholder 10">
+            <a:extLst>
+              <a:ext uri="{FF2B5EF4-FFF2-40B4-BE49-F238E27FC236}">
+                <a16:creationId xmlns:a16="http://schemas.microsoft.com/office/drawing/2014/main" id="{ECF19495-D46C-B566-020C-49AD96F38C4D}"/>
+              </a:ext>
+            </a:extLst>
+          </p:cNvPr>
+          <p:cNvSpPr>
+            <a:spLocks noGrp="1"/>
+          </p:cNvSpPr>
+          <p:nvPr>
+            <p:ph sz="half" idx="2"/>
+          </p:nvPr>
+        </p:nvSpPr>
+        <p:spPr/>
+        <p:txBody>
+          <a:bodyPr/>
+          <a:lstStyle/>
+          <a:p>
+            <a:r>
+              <a:rPr kumimoji="0" lang="en-US" altLang="en-US" sz="2000" b="0" i="0" u="none" strike="noStrike" cap="none" normalizeH="0" baseline="0" dirty="0">
+                <a:ln>
+                  <a:noFill/>
+                </a:ln>
+                <a:solidFill>
+                  <a:srgbClr val="000000"/>
+                </a:solidFill>
+                <a:effectLst/>
+                <a:latin typeface="Courier New" panose="02070309020205020404" pitchFamily="49" charset="0"/>
+                <a:cs typeface="Courier New" panose="02070309020205020404" pitchFamily="49" charset="0"/>
+              </a:rPr>
+              <a:t>The r-squared is: 3.5%</a:t>
+            </a:r>
+            <a:r>
+              <a:rPr kumimoji="0" lang="en-US" altLang="en-US" sz="1600" b="0" i="0" u="none" strike="noStrike" cap="none" normalizeH="0" baseline="0" dirty="0">
+                <a:ln>
+                  <a:noFill/>
+                </a:ln>
+                <a:solidFill>
+                  <a:schemeClr val="tx1"/>
+                </a:solidFill>
+                <a:effectLst/>
+              </a:rPr>
+              <a:t> </a:t>
+            </a:r>
+            <a:endParaRPr kumimoji="0" lang="en-US" altLang="en-US" sz="4400" b="0" i="0" u="none" strike="noStrike" cap="none" normalizeH="0" baseline="0" dirty="0">
+              <a:ln>
+                <a:noFill/>
+              </a:ln>
+              <a:solidFill>
+                <a:schemeClr val="tx1"/>
+              </a:solidFill>
+              <a:effectLst/>
+              <a:latin typeface="Arial" panose="020B0604020202020204" pitchFamily="34" charset="0"/>
+            </a:endParaRPr>
+          </a:p>
+          <a:p>
+            <a:endParaRPr lang="en-CA" dirty="0"/>
           </a:p>
         </p:txBody>
       </p:sp>
       <p:pic>
         <p:nvPicPr>
-          <p:cNvPr id="5" name="Content Placeholder 4">
+          <p:cNvPr id="6" name="Content Placeholder 5">
             <a:extLst>
               <a:ext uri="{FF2B5EF4-FFF2-40B4-BE49-F238E27FC236}">
-                <a16:creationId xmlns:a16="http://schemas.microsoft.com/office/drawing/2014/main" id="{B5DA33C7-F6D2-B6A5-BF28-BA06B2F145E3}"/>
+                <a16:creationId xmlns:a16="http://schemas.microsoft.com/office/drawing/2014/main" id="{30D86344-26B4-FD61-1794-C17DCFB2952D}"/>
               </a:ext>
             </a:extLst>
           </p:cNvPr>
@@ -4811,7 +5195,7 @@
             <a:picLocks noGrp="1" noChangeAspect="1"/>
           </p:cNvPicPr>
           <p:nvPr>
-            <p:ph idx="1"/>
+            <p:ph sz="quarter" idx="4"/>
           </p:nvPr>
         </p:nvPicPr>
         <p:blipFill>
@@ -4822,15 +5206,15 @@
         </p:blipFill>
         <p:spPr>
           <a:xfrm>
-            <a:off x="3486150" y="2286000"/>
-            <a:ext cx="5372100" cy="3581400"/>
+            <a:off x="6376418" y="2681303"/>
+            <a:ext cx="5714999" cy="3810000"/>
           </a:xfrm>
         </p:spPr>
       </p:pic>
     </p:spTree>
     <p:extLst>
       <p:ext uri="{BB962C8B-B14F-4D97-AF65-F5344CB8AC3E}">
-        <p14:creationId xmlns:p14="http://schemas.microsoft.com/office/powerpoint/2010/main" val="2353076344"/>
+        <p14:creationId xmlns:p14="http://schemas.microsoft.com/office/powerpoint/2010/main" val="2501679752"/>
       </p:ext>
     </p:extLst>
   </p:cSld>
@@ -4862,7 +5246,7 @@
           <p:cNvPr id="2" name="Title 1">
             <a:extLst>
               <a:ext uri="{FF2B5EF4-FFF2-40B4-BE49-F238E27FC236}">
-                <a16:creationId xmlns:a16="http://schemas.microsoft.com/office/drawing/2014/main" id="{7EB92946-A8D2-55A4-5EAF-E66CA7C7935F}"/>
+                <a16:creationId xmlns:a16="http://schemas.microsoft.com/office/drawing/2014/main" id="{F70752FB-0749-6E73-214D-0BCABBD3272C}"/>
               </a:ext>
             </a:extLst>
           </p:cNvPr>
@@ -4880,17 +5264,61 @@
           <a:p>
             <a:r>
               <a:rPr lang="en-CA" dirty="0"/>
-              <a:t>What Time of day the crime rate are more?</a:t>
-            </a:r>
+              <a:t>Regression Analysis for 5 Least Safe </a:t>
+            </a:r>
+            <a:br>
+              <a:rPr lang="en-CA" dirty="0"/>
+            </a:br>
+            <a:r>
+              <a:rPr lang="en-CA" dirty="0"/>
+              <a:t>Neighborhoods</a:t>
+            </a:r>
+          </a:p>
+        </p:txBody>
+      </p:sp>
+      <p:sp>
+        <p:nvSpPr>
+          <p:cNvPr id="11" name="Content Placeholder 10">
+            <a:extLst>
+              <a:ext uri="{FF2B5EF4-FFF2-40B4-BE49-F238E27FC236}">
+                <a16:creationId xmlns:a16="http://schemas.microsoft.com/office/drawing/2014/main" id="{ECF19495-D46C-B566-020C-49AD96F38C4D}"/>
+              </a:ext>
+            </a:extLst>
+          </p:cNvPr>
+          <p:cNvSpPr>
+            <a:spLocks noGrp="1"/>
+          </p:cNvSpPr>
+          <p:nvPr>
+            <p:ph sz="half" idx="2"/>
+          </p:nvPr>
+        </p:nvSpPr>
+        <p:spPr/>
+        <p:txBody>
+          <a:bodyPr/>
+          <a:lstStyle/>
+          <a:p>
+            <a:r>
+              <a:rPr lang="en-US" altLang="en-US" dirty="0">
+                <a:solidFill>
+                  <a:srgbClr val="000000"/>
+                </a:solidFill>
+                <a:latin typeface="Courier New" panose="02070309020205020404" pitchFamily="49" charset="0"/>
+                <a:cs typeface="Courier New" panose="02070309020205020404" pitchFamily="49" charset="0"/>
+              </a:rPr>
+              <a:t>The r-squared is:62%</a:t>
+            </a:r>
+          </a:p>
+          <a:p>
+            <a:endParaRPr lang="en-CA" dirty="0"/>
           </a:p>
         </p:txBody>
       </p:sp>
       <p:pic>
         <p:nvPicPr>
-          <p:cNvPr id="5" name="Content Placeholder 4">
+          <p:cNvPr id="7" name="Content Placeholder 6">
             <a:extLst>
               <a:ext uri="{FF2B5EF4-FFF2-40B4-BE49-F238E27FC236}">
-                <a16:creationId xmlns:a16="http://schemas.microsoft.com/office/drawing/2014/main" id="{309DEC54-CAA7-BF6F-2DF2-AF771B565721}"/>
+                <a16:creationId xmlns:a16="http://schemas.microsoft.com/office/drawing/2014/main" id="{946C877D-ED02-EC54-E42C-27D32FCF1D1A}"/>
               </a:ext>
             </a:extLst>
           </p:cNvPr>
@@ -4898,7 +5326,7 @@
             <a:picLocks noGrp="1" noChangeAspect="1"/>
           </p:cNvPicPr>
           <p:nvPr>
-            <p:ph idx="1"/>
+            <p:ph sz="quarter" idx="4"/>
           </p:nvPr>
         </p:nvPicPr>
         <p:blipFill>
@@ -4909,15 +5337,116 @@
         </p:blipFill>
         <p:spPr>
           <a:xfrm>
-            <a:off x="3486150" y="2286000"/>
-            <a:ext cx="5372100" cy="3581400"/>
+            <a:off x="5598270" y="2433917"/>
+            <a:ext cx="6457156" cy="4304771"/>
           </a:xfrm>
         </p:spPr>
       </p:pic>
+      <p:sp>
+        <p:nvSpPr>
+          <p:cNvPr id="8" name="Rectangle 1">
+            <a:extLst>
+              <a:ext uri="{FF2B5EF4-FFF2-40B4-BE49-F238E27FC236}">
+                <a16:creationId xmlns:a16="http://schemas.microsoft.com/office/drawing/2014/main" id="{F1410BBA-68AE-34B0-2D8A-0C5BC109D97B}"/>
+              </a:ext>
+            </a:extLst>
+          </p:cNvPr>
+          <p:cNvSpPr>
+            <a:spLocks noChangeArrowheads="1"/>
+          </p:cNvSpPr>
+          <p:nvPr/>
+        </p:nvSpPr>
+        <p:spPr bwMode="auto">
+          <a:xfrm>
+            <a:off x="0" y="167044"/>
+            <a:ext cx="25648" cy="123111"/>
+          </a:xfrm>
+          <a:prstGeom prst="rect">
+            <a:avLst/>
+          </a:prstGeom>
+          <a:solidFill>
+            <a:srgbClr val="FFFFFF"/>
+          </a:solidFill>
+          <a:ln>
+            <a:noFill/>
+          </a:ln>
+          <a:effectLst/>
+          <a:extLst>
+            <a:ext uri="{91240B29-F687-4F45-9708-019B960494DF}">
+              <a14:hiddenLine xmlns:a14="http://schemas.microsoft.com/office/drawing/2010/main" w="9525">
+                <a:solidFill>
+                  <a:schemeClr val="tx1"/>
+                </a:solidFill>
+                <a:miter lim="800000"/>
+                <a:headEnd/>
+                <a:tailEnd/>
+              </a14:hiddenLine>
+            </a:ext>
+            <a:ext uri="{AF507438-7753-43E0-B8FC-AC1667EBCBE1}">
+              <a14:hiddenEffects xmlns:a14="http://schemas.microsoft.com/office/drawing/2010/main">
+                <a:effectLst>
+                  <a:outerShdw dist="35921" dir="2700000" algn="ctr" rotWithShape="0">
+                    <a:schemeClr val="bg2"/>
+                  </a:outerShdw>
+                </a:effectLst>
+              </a14:hiddenEffects>
+            </a:ext>
+          </a:extLst>
+        </p:spPr>
+        <p:txBody>
+          <a:bodyPr vert="horz" wrap="none" lIns="0" tIns="0" rIns="0" bIns="0" numCol="1" anchor="ctr" anchorCtr="0" compatLnSpc="1">
+            <a:prstTxWarp prst="textNoShape">
+              <a:avLst/>
+            </a:prstTxWarp>
+            <a:spAutoFit/>
+          </a:bodyPr>
+          <a:lstStyle/>
+          <a:p>
+            <a:pPr marL="0" marR="0" lvl="0" indent="0" algn="l" defTabSz="914400" rtl="0" eaLnBrk="0" fontAlgn="base" latinLnBrk="0" hangingPunct="0">
+              <a:lnSpc>
+                <a:spcPct val="100000"/>
+              </a:lnSpc>
+              <a:spcBef>
+                <a:spcPct val="0"/>
+              </a:spcBef>
+              <a:spcAft>
+                <a:spcPct val="0"/>
+              </a:spcAft>
+              <a:buClrTx/>
+              <a:buSzTx/>
+              <a:buFontTx/>
+              <a:buNone/>
+              <a:tabLst/>
+            </a:pPr>
+            <a:r>
+              <a:rPr kumimoji="0" lang="en-US" altLang="en-US" sz="800" b="0" i="0" u="none" strike="noStrike" cap="none" normalizeH="0" baseline="0" dirty="0">
+                <a:ln>
+                  <a:noFill/>
+                </a:ln>
+                <a:solidFill>
+                  <a:schemeClr val="tx1"/>
+                </a:solidFill>
+                <a:effectLst/>
+              </a:rPr>
+              <a:t> </a:t>
+            </a:r>
+            <a:endParaRPr kumimoji="0" lang="en-US" altLang="en-US" sz="1800" b="0" i="0" u="none" strike="noStrike" cap="none" normalizeH="0" baseline="0" dirty="0">
+              <a:ln>
+                <a:noFill/>
+              </a:ln>
+              <a:solidFill>
+                <a:schemeClr val="tx1"/>
+              </a:solidFill>
+              <a:effectLst/>
+              <a:latin typeface="Arial" panose="020B0604020202020204" pitchFamily="34" charset="0"/>
+            </a:endParaRPr>
+          </a:p>
+        </p:txBody>
+      </p:sp>
     </p:spTree>
     <p:extLst>
       <p:ext uri="{BB962C8B-B14F-4D97-AF65-F5344CB8AC3E}">
-        <p14:creationId xmlns:p14="http://schemas.microsoft.com/office/powerpoint/2010/main" val="2624519925"/>
+        <p14:creationId xmlns:p14="http://schemas.microsoft.com/office/powerpoint/2010/main" val="3855056731"/>
       </p:ext>
     </p:extLst>
   </p:cSld>
@@ -4949,7 +5478,7 @@
           <p:cNvPr id="2" name="Title 1">
             <a:extLst>
               <a:ext uri="{FF2B5EF4-FFF2-40B4-BE49-F238E27FC236}">
-                <a16:creationId xmlns:a16="http://schemas.microsoft.com/office/drawing/2014/main" id="{4AD75F1A-A857-CD13-799F-9953B7053E44}"/>
+                <a16:creationId xmlns:a16="http://schemas.microsoft.com/office/drawing/2014/main" id="{F70752FB-0749-6E73-214D-0BCABBD3272C}"/>
               </a:ext>
             </a:extLst>
           </p:cNvPr>
@@ -4960,29 +5489,318 @@
             <p:ph type="title"/>
           </p:nvPr>
         </p:nvSpPr>
+        <p:spPr/>
+        <p:txBody>
+          <a:bodyPr/>
+          <a:lstStyle/>
+          <a:p>
+            <a:r>
+              <a:rPr lang="en-CA" dirty="0"/>
+              <a:t>Regression Analysis for 5 Most Safe </a:t>
+            </a:r>
+            <a:br>
+              <a:rPr lang="en-CA" dirty="0"/>
+            </a:br>
+            <a:r>
+              <a:rPr lang="en-CA" dirty="0"/>
+              <a:t>Neighborhoods</a:t>
+            </a:r>
+          </a:p>
+        </p:txBody>
+      </p:sp>
+      <p:sp>
+        <p:nvSpPr>
+          <p:cNvPr id="11" name="Content Placeholder 10">
+            <a:extLst>
+              <a:ext uri="{FF2B5EF4-FFF2-40B4-BE49-F238E27FC236}">
+                <a16:creationId xmlns:a16="http://schemas.microsoft.com/office/drawing/2014/main" id="{ECF19495-D46C-B566-020C-49AD96F38C4D}"/>
+              </a:ext>
+            </a:extLst>
+          </p:cNvPr>
+          <p:cNvSpPr>
+            <a:spLocks noGrp="1"/>
+          </p:cNvSpPr>
+          <p:nvPr>
+            <p:ph sz="half" idx="2"/>
+          </p:nvPr>
+        </p:nvSpPr>
+        <p:spPr/>
+        <p:txBody>
+          <a:bodyPr/>
+          <a:lstStyle/>
+          <a:p>
+            <a:r>
+              <a:rPr lang="en-US" altLang="en-US" dirty="0">
+                <a:solidFill>
+                  <a:srgbClr val="000000"/>
+                </a:solidFill>
+                <a:latin typeface="Courier New" panose="02070309020205020404" pitchFamily="49" charset="0"/>
+                <a:cs typeface="Courier New" panose="02070309020205020404" pitchFamily="49" charset="0"/>
+              </a:rPr>
+              <a:t>The r-squared is:</a:t>
+            </a:r>
+            <a:r>
+              <a:rPr kumimoji="0" lang="en-US" altLang="en-US" sz="2000" b="0" i="0" u="none" strike="noStrike" cap="none" normalizeH="0" baseline="0" dirty="0">
+                <a:ln>
+                  <a:noFill/>
+                </a:ln>
+                <a:solidFill>
+                  <a:srgbClr val="000000"/>
+                </a:solidFill>
+                <a:effectLst/>
+                <a:latin typeface="Courier New" panose="02070309020205020404" pitchFamily="49" charset="0"/>
+                <a:cs typeface="Courier New" panose="02070309020205020404" pitchFamily="49" charset="0"/>
+              </a:rPr>
+              <a:t> 12%</a:t>
+            </a:r>
+            <a:endParaRPr lang="en-US" altLang="en-US" dirty="0">
+              <a:solidFill>
+                <a:srgbClr val="000000"/>
+              </a:solidFill>
+              <a:latin typeface="Courier New" panose="02070309020205020404" pitchFamily="49" charset="0"/>
+              <a:cs typeface="Courier New" panose="02070309020205020404" pitchFamily="49" charset="0"/>
+            </a:endParaRPr>
+          </a:p>
+          <a:p>
+            <a:endParaRPr lang="en-CA" dirty="0"/>
+          </a:p>
+        </p:txBody>
+      </p:sp>
+      <p:sp>
+        <p:nvSpPr>
+          <p:cNvPr id="8" name="Rectangle 1">
+            <a:extLst>
+              <a:ext uri="{FF2B5EF4-FFF2-40B4-BE49-F238E27FC236}">
+                <a16:creationId xmlns:a16="http://schemas.microsoft.com/office/drawing/2014/main" id="{F1410BBA-68AE-34B0-2D8A-0C5BC109D97B}"/>
+              </a:ext>
+            </a:extLst>
+          </p:cNvPr>
+          <p:cNvSpPr>
+            <a:spLocks noChangeArrowheads="1"/>
+          </p:cNvSpPr>
+          <p:nvPr/>
+        </p:nvSpPr>
+        <p:spPr bwMode="auto">
+          <a:xfrm>
+            <a:off x="0" y="167044"/>
+            <a:ext cx="25648" cy="123111"/>
+          </a:xfrm>
+          <a:prstGeom prst="rect">
+            <a:avLst/>
+          </a:prstGeom>
+          <a:solidFill>
+            <a:srgbClr val="FFFFFF"/>
+          </a:solidFill>
+          <a:ln>
+            <a:noFill/>
+          </a:ln>
+          <a:effectLst/>
+          <a:extLst>
+            <a:ext uri="{91240B29-F687-4F45-9708-019B960494DF}">
+              <a14:hiddenLine xmlns:a14="http://schemas.microsoft.com/office/drawing/2010/main" w="9525">
+                <a:solidFill>
+                  <a:schemeClr val="tx1"/>
+                </a:solidFill>
+                <a:miter lim="800000"/>
+                <a:headEnd/>
+                <a:tailEnd/>
+              </a14:hiddenLine>
+            </a:ext>
+            <a:ext uri="{AF507438-7753-43E0-B8FC-AC1667EBCBE1}">
+              <a14:hiddenEffects xmlns:a14="http://schemas.microsoft.com/office/drawing/2010/main">
+                <a:effectLst>
+                  <a:outerShdw dist="35921" dir="2700000" algn="ctr" rotWithShape="0">
+                    <a:schemeClr val="bg2"/>
+                  </a:outerShdw>
+                </a:effectLst>
+              </a14:hiddenEffects>
+            </a:ext>
+          </a:extLst>
+        </p:spPr>
+        <p:txBody>
+          <a:bodyPr vert="horz" wrap="none" lIns="0" tIns="0" rIns="0" bIns="0" numCol="1" anchor="ctr" anchorCtr="0" compatLnSpc="1">
+            <a:prstTxWarp prst="textNoShape">
+              <a:avLst/>
+            </a:prstTxWarp>
+            <a:spAutoFit/>
+          </a:bodyPr>
+          <a:lstStyle/>
+          <a:p>
+            <a:pPr marL="0" marR="0" lvl="0" indent="0" algn="l" defTabSz="914400" rtl="0" eaLnBrk="0" fontAlgn="base" latinLnBrk="0" hangingPunct="0">
+              <a:lnSpc>
+                <a:spcPct val="100000"/>
+              </a:lnSpc>
+              <a:spcBef>
+                <a:spcPct val="0"/>
+              </a:spcBef>
+              <a:spcAft>
+                <a:spcPct val="0"/>
+              </a:spcAft>
+              <a:buClrTx/>
+              <a:buSzTx/>
+              <a:buFontTx/>
+              <a:buNone/>
+              <a:tabLst/>
+            </a:pPr>
+            <a:r>
+              <a:rPr kumimoji="0" lang="en-US" altLang="en-US" sz="800" b="0" i="0" u="none" strike="noStrike" cap="none" normalizeH="0" baseline="0" dirty="0">
+                <a:ln>
+                  <a:noFill/>
+                </a:ln>
+                <a:solidFill>
+                  <a:schemeClr val="tx1"/>
+                </a:solidFill>
+                <a:effectLst/>
+              </a:rPr>
+              <a:t> </a:t>
+            </a:r>
+            <a:endParaRPr kumimoji="0" lang="en-US" altLang="en-US" sz="1800" b="0" i="0" u="none" strike="noStrike" cap="none" normalizeH="0" baseline="0" dirty="0">
+              <a:ln>
+                <a:noFill/>
+              </a:ln>
+              <a:solidFill>
+                <a:schemeClr val="tx1"/>
+              </a:solidFill>
+              <a:effectLst/>
+              <a:latin typeface="Arial" panose="020B0604020202020204" pitchFamily="34" charset="0"/>
+            </a:endParaRPr>
+          </a:p>
+        </p:txBody>
+      </p:sp>
+      <p:pic>
+        <p:nvPicPr>
+          <p:cNvPr id="6" name="Content Placeholder 5">
+            <a:extLst>
+              <a:ext uri="{FF2B5EF4-FFF2-40B4-BE49-F238E27FC236}">
+                <a16:creationId xmlns:a16="http://schemas.microsoft.com/office/drawing/2014/main" id="{BB238F39-3F34-3289-8FDD-AF65B356FDEA}"/>
+              </a:ext>
+            </a:extLst>
+          </p:cNvPr>
+          <p:cNvPicPr>
+            <a:picLocks noGrp="1" noChangeAspect="1"/>
+          </p:cNvPicPr>
+          <p:nvPr>
+            <p:ph sz="quarter" idx="4"/>
+          </p:nvPr>
+        </p:nvPicPr>
+        <p:blipFill>
+          <a:blip r:embed="rId2"/>
+          <a:stretch>
+            <a:fillRect/>
+          </a:stretch>
+        </p:blipFill>
         <p:spPr>
           <a:xfrm>
-            <a:off x="2707575" y="2704606"/>
-            <a:ext cx="8858993" cy="2116777"/>
+            <a:off x="5522886" y="2405575"/>
+            <a:ext cx="6192863" cy="4128576"/>
           </a:xfrm>
         </p:spPr>
-        <p:txBody>
-          <a:bodyPr>
-            <a:normAutofit/>
+      </p:pic>
+      <p:sp>
+        <p:nvSpPr>
+          <p:cNvPr id="9" name="Rectangle 1">
+            <a:extLst>
+              <a:ext uri="{FF2B5EF4-FFF2-40B4-BE49-F238E27FC236}">
+                <a16:creationId xmlns:a16="http://schemas.microsoft.com/office/drawing/2014/main" id="{7F9B93F6-954F-0114-383C-EC5B33B7FD28}"/>
+              </a:ext>
+            </a:extLst>
+          </p:cNvPr>
+          <p:cNvSpPr>
+            <a:spLocks noChangeArrowheads="1"/>
+          </p:cNvSpPr>
+          <p:nvPr/>
+        </p:nvSpPr>
+        <p:spPr bwMode="auto">
+          <a:xfrm>
+            <a:off x="0" y="167044"/>
+            <a:ext cx="25648" cy="123111"/>
+          </a:xfrm>
+          <a:prstGeom prst="rect">
+            <a:avLst/>
+          </a:prstGeom>
+          <a:solidFill>
+            <a:srgbClr val="FFFFFF"/>
+          </a:solidFill>
+          <a:ln>
+            <a:noFill/>
+          </a:ln>
+          <a:effectLst/>
+          <a:extLst>
+            <a:ext uri="{91240B29-F687-4F45-9708-019B960494DF}">
+              <a14:hiddenLine xmlns:a14="http://schemas.microsoft.com/office/drawing/2010/main" w="9525">
+                <a:solidFill>
+                  <a:schemeClr val="tx1"/>
+                </a:solidFill>
+                <a:miter lim="800000"/>
+                <a:headEnd/>
+                <a:tailEnd/>
+              </a14:hiddenLine>
+            </a:ext>
+            <a:ext uri="{AF507438-7753-43E0-B8FC-AC1667EBCBE1}">
+              <a14:hiddenEffects xmlns:a14="http://schemas.microsoft.com/office/drawing/2010/main">
+                <a:effectLst>
+                  <a:outerShdw dist="35921" dir="2700000" algn="ctr" rotWithShape="0">
+                    <a:schemeClr val="bg2"/>
+                  </a:outerShdw>
+                </a:effectLst>
+              </a14:hiddenEffects>
+            </a:ext>
+          </a:extLst>
+        </p:spPr>
+        <p:txBody>
+          <a:bodyPr vert="horz" wrap="none" lIns="0" tIns="0" rIns="0" bIns="0" numCol="1" anchor="ctr" anchorCtr="0" compatLnSpc="1">
+            <a:prstTxWarp prst="textNoShape">
+              <a:avLst/>
+            </a:prstTxWarp>
+            <a:spAutoFit/>
           </a:bodyPr>
           <a:lstStyle/>
           <a:p>
-            <a:r>
-              <a:rPr lang="en-CA" sz="5400" dirty="0"/>
-              <a:t>Historic Results</a:t>
-            </a:r>
+            <a:pPr marL="0" marR="0" lvl="0" indent="0" algn="l" defTabSz="914400" rtl="0" eaLnBrk="0" fontAlgn="base" latinLnBrk="0" hangingPunct="0">
+              <a:lnSpc>
+                <a:spcPct val="100000"/>
+              </a:lnSpc>
+              <a:spcBef>
+                <a:spcPct val="0"/>
+              </a:spcBef>
+              <a:spcAft>
+                <a:spcPct val="0"/>
+              </a:spcAft>
+              <a:buClrTx/>
+              <a:buSzTx/>
+              <a:buFontTx/>
+              <a:buNone/>
+              <a:tabLst/>
+            </a:pPr>
+            <a:r>
+              <a:rPr kumimoji="0" lang="en-US" altLang="en-US" sz="800" b="0" i="0" u="none" strike="noStrike" cap="none" normalizeH="0" baseline="0" dirty="0">
+                <a:ln>
+                  <a:noFill/>
+                </a:ln>
+                <a:solidFill>
+                  <a:schemeClr val="tx1"/>
+                </a:solidFill>
+                <a:effectLst/>
+              </a:rPr>
+              <a:t> </a:t>
+            </a:r>
+            <a:endParaRPr kumimoji="0" lang="en-US" altLang="en-US" sz="1800" b="0" i="0" u="none" strike="noStrike" cap="none" normalizeH="0" baseline="0" dirty="0">
+              <a:ln>
+                <a:noFill/>
+              </a:ln>
+              <a:solidFill>
+                <a:schemeClr val="tx1"/>
+              </a:solidFill>
+              <a:effectLst/>
+              <a:latin typeface="Arial" panose="020B0604020202020204" pitchFamily="34" charset="0"/>
+            </a:endParaRPr>
           </a:p>
         </p:txBody>
       </p:sp>
     </p:spTree>
     <p:extLst>
       <p:ext uri="{BB962C8B-B14F-4D97-AF65-F5344CB8AC3E}">
-        <p14:creationId xmlns:p14="http://schemas.microsoft.com/office/powerpoint/2010/main" val="3450020213"/>
+        <p14:creationId xmlns:p14="http://schemas.microsoft.com/office/powerpoint/2010/main" val="796000082"/>
       </p:ext>
     </p:extLst>
   </p:cSld>
@@ -5014,7 +5832,7 @@
           <p:cNvPr id="2" name="Title 1">
             <a:extLst>
               <a:ext uri="{FF2B5EF4-FFF2-40B4-BE49-F238E27FC236}">
-                <a16:creationId xmlns:a16="http://schemas.microsoft.com/office/drawing/2014/main" id="{EC30828E-8A64-2364-2BB8-29283068F41D}"/>
+                <a16:creationId xmlns:a16="http://schemas.microsoft.com/office/drawing/2014/main" id="{F70752FB-0749-6E73-214D-0BCABBD3272C}"/>
               </a:ext>
             </a:extLst>
           </p:cNvPr>
@@ -5025,29 +5843,315 @@
             <p:ph type="title"/>
           </p:nvPr>
         </p:nvSpPr>
-        <p:spPr>
-          <a:xfrm>
-            <a:off x="1371600" y="685800"/>
-            <a:ext cx="10403058" cy="1485900"/>
-          </a:xfrm>
-        </p:spPr>
+        <p:spPr/>
         <p:txBody>
           <a:bodyPr/>
           <a:lstStyle/>
           <a:p>
             <a:r>
               <a:rPr lang="en-CA" dirty="0"/>
-              <a:t>Regression Analysis for the city of Toronto</a:t>
-            </a:r>
+              <a:t>Regression Analysis for 5 Most Safe </a:t>
+            </a:r>
+            <a:br>
+              <a:rPr lang="en-CA" dirty="0"/>
+            </a:br>
+            <a:r>
+              <a:rPr lang="en-CA" dirty="0"/>
+              <a:t>Neighborhoods</a:t>
+            </a:r>
+          </a:p>
+        </p:txBody>
+      </p:sp>
+      <p:sp>
+        <p:nvSpPr>
+          <p:cNvPr id="11" name="Content Placeholder 10">
+            <a:extLst>
+              <a:ext uri="{FF2B5EF4-FFF2-40B4-BE49-F238E27FC236}">
+                <a16:creationId xmlns:a16="http://schemas.microsoft.com/office/drawing/2014/main" id="{ECF19495-D46C-B566-020C-49AD96F38C4D}"/>
+              </a:ext>
+            </a:extLst>
+          </p:cNvPr>
+          <p:cNvSpPr>
+            <a:spLocks noGrp="1"/>
+          </p:cNvSpPr>
+          <p:nvPr>
+            <p:ph sz="half" idx="2"/>
+          </p:nvPr>
+        </p:nvSpPr>
+        <p:spPr/>
+        <p:txBody>
+          <a:bodyPr/>
+          <a:lstStyle/>
+          <a:p>
+            <a:r>
+              <a:rPr lang="en-US" altLang="en-US" dirty="0">
+                <a:solidFill>
+                  <a:srgbClr val="000000"/>
+                </a:solidFill>
+                <a:latin typeface="Courier New" panose="02070309020205020404" pitchFamily="49" charset="0"/>
+                <a:cs typeface="Courier New" panose="02070309020205020404" pitchFamily="49" charset="0"/>
+              </a:rPr>
+              <a:t>The r-squared is:</a:t>
+            </a:r>
+            <a:r>
+              <a:rPr kumimoji="0" lang="en-US" altLang="en-US" sz="2000" b="0" i="0" u="none" strike="noStrike" cap="none" normalizeH="0" baseline="0" dirty="0">
+                <a:ln>
+                  <a:noFill/>
+                </a:ln>
+                <a:solidFill>
+                  <a:srgbClr val="000000"/>
+                </a:solidFill>
+                <a:effectLst/>
+                <a:latin typeface="Courier New" panose="02070309020205020404" pitchFamily="49" charset="0"/>
+                <a:cs typeface="Courier New" panose="02070309020205020404" pitchFamily="49" charset="0"/>
+              </a:rPr>
+              <a:t> 0.00%</a:t>
+            </a:r>
+            <a:r>
+              <a:rPr kumimoji="0" lang="en-US" altLang="en-US" sz="1600" b="0" i="0" u="none" strike="noStrike" cap="none" normalizeH="0" baseline="0" dirty="0">
+                <a:ln>
+                  <a:noFill/>
+                </a:ln>
+                <a:solidFill>
+                  <a:schemeClr val="tx1"/>
+                </a:solidFill>
+                <a:effectLst/>
+              </a:rPr>
+              <a:t> </a:t>
+            </a:r>
+            <a:endParaRPr kumimoji="0" lang="en-US" altLang="en-US" sz="4400" b="0" i="0" u="none" strike="noStrike" cap="none" normalizeH="0" baseline="0" dirty="0">
+              <a:ln>
+                <a:noFill/>
+              </a:ln>
+              <a:solidFill>
+                <a:schemeClr val="tx1"/>
+              </a:solidFill>
+              <a:effectLst/>
+              <a:latin typeface="Arial" panose="020B0604020202020204" pitchFamily="34" charset="0"/>
+            </a:endParaRPr>
+          </a:p>
+          <a:p>
+            <a:endParaRPr lang="en-US" altLang="en-US" dirty="0">
+              <a:solidFill>
+                <a:srgbClr val="000000"/>
+              </a:solidFill>
+              <a:latin typeface="Courier New" panose="02070309020205020404" pitchFamily="49" charset="0"/>
+              <a:cs typeface="Courier New" panose="02070309020205020404" pitchFamily="49" charset="0"/>
+            </a:endParaRPr>
+          </a:p>
+          <a:p>
+            <a:endParaRPr lang="en-CA" dirty="0"/>
+          </a:p>
+        </p:txBody>
+      </p:sp>
+      <p:sp>
+        <p:nvSpPr>
+          <p:cNvPr id="8" name="Rectangle 1">
+            <a:extLst>
+              <a:ext uri="{FF2B5EF4-FFF2-40B4-BE49-F238E27FC236}">
+                <a16:creationId xmlns:a16="http://schemas.microsoft.com/office/drawing/2014/main" id="{F1410BBA-68AE-34B0-2D8A-0C5BC109D97B}"/>
+              </a:ext>
+            </a:extLst>
+          </p:cNvPr>
+          <p:cNvSpPr>
+            <a:spLocks noChangeArrowheads="1"/>
+          </p:cNvSpPr>
+          <p:nvPr/>
+        </p:nvSpPr>
+        <p:spPr bwMode="auto">
+          <a:xfrm>
+            <a:off x="0" y="167044"/>
+            <a:ext cx="25648" cy="123111"/>
+          </a:xfrm>
+          <a:prstGeom prst="rect">
+            <a:avLst/>
+          </a:prstGeom>
+          <a:solidFill>
+            <a:srgbClr val="FFFFFF"/>
+          </a:solidFill>
+          <a:ln>
+            <a:noFill/>
+          </a:ln>
+          <a:effectLst/>
+          <a:extLst>
+            <a:ext uri="{91240B29-F687-4F45-9708-019B960494DF}">
+              <a14:hiddenLine xmlns:a14="http://schemas.microsoft.com/office/drawing/2010/main" w="9525">
+                <a:solidFill>
+                  <a:schemeClr val="tx1"/>
+                </a:solidFill>
+                <a:miter lim="800000"/>
+                <a:headEnd/>
+                <a:tailEnd/>
+              </a14:hiddenLine>
+            </a:ext>
+            <a:ext uri="{AF507438-7753-43E0-B8FC-AC1667EBCBE1}">
+              <a14:hiddenEffects xmlns:a14="http://schemas.microsoft.com/office/drawing/2010/main">
+                <a:effectLst>
+                  <a:outerShdw dist="35921" dir="2700000" algn="ctr" rotWithShape="0">
+                    <a:schemeClr val="bg2"/>
+                  </a:outerShdw>
+                </a:effectLst>
+              </a14:hiddenEffects>
+            </a:ext>
+          </a:extLst>
+        </p:spPr>
+        <p:txBody>
+          <a:bodyPr vert="horz" wrap="none" lIns="0" tIns="0" rIns="0" bIns="0" numCol="1" anchor="ctr" anchorCtr="0" compatLnSpc="1">
+            <a:prstTxWarp prst="textNoShape">
+              <a:avLst/>
+            </a:prstTxWarp>
+            <a:spAutoFit/>
+          </a:bodyPr>
+          <a:lstStyle/>
+          <a:p>
+            <a:pPr marL="0" marR="0" lvl="0" indent="0" algn="l" defTabSz="914400" rtl="0" eaLnBrk="0" fontAlgn="base" latinLnBrk="0" hangingPunct="0">
+              <a:lnSpc>
+                <a:spcPct val="100000"/>
+              </a:lnSpc>
+              <a:spcBef>
+                <a:spcPct val="0"/>
+              </a:spcBef>
+              <a:spcAft>
+                <a:spcPct val="0"/>
+              </a:spcAft>
+              <a:buClrTx/>
+              <a:buSzTx/>
+              <a:buFontTx/>
+              <a:buNone/>
+              <a:tabLst/>
+            </a:pPr>
+            <a:r>
+              <a:rPr kumimoji="0" lang="en-US" altLang="en-US" sz="800" b="0" i="0" u="none" strike="noStrike" cap="none" normalizeH="0" baseline="0" dirty="0">
+                <a:ln>
+                  <a:noFill/>
+                </a:ln>
+                <a:solidFill>
+                  <a:schemeClr val="tx1"/>
+                </a:solidFill>
+                <a:effectLst/>
+              </a:rPr>
+              <a:t> </a:t>
+            </a:r>
+            <a:endParaRPr kumimoji="0" lang="en-US" altLang="en-US" sz="1800" b="0" i="0" u="none" strike="noStrike" cap="none" normalizeH="0" baseline="0" dirty="0">
+              <a:ln>
+                <a:noFill/>
+              </a:ln>
+              <a:solidFill>
+                <a:schemeClr val="tx1"/>
+              </a:solidFill>
+              <a:effectLst/>
+              <a:latin typeface="Arial" panose="020B0604020202020204" pitchFamily="34" charset="0"/>
+            </a:endParaRPr>
+          </a:p>
+        </p:txBody>
+      </p:sp>
+      <p:sp>
+        <p:nvSpPr>
+          <p:cNvPr id="9" name="Rectangle 1">
+            <a:extLst>
+              <a:ext uri="{FF2B5EF4-FFF2-40B4-BE49-F238E27FC236}">
+                <a16:creationId xmlns:a16="http://schemas.microsoft.com/office/drawing/2014/main" id="{7F9B93F6-954F-0114-383C-EC5B33B7FD28}"/>
+              </a:ext>
+            </a:extLst>
+          </p:cNvPr>
+          <p:cNvSpPr>
+            <a:spLocks noChangeArrowheads="1"/>
+          </p:cNvSpPr>
+          <p:nvPr/>
+        </p:nvSpPr>
+        <p:spPr bwMode="auto">
+          <a:xfrm>
+            <a:off x="0" y="167044"/>
+            <a:ext cx="25648" cy="123111"/>
+          </a:xfrm>
+          <a:prstGeom prst="rect">
+            <a:avLst/>
+          </a:prstGeom>
+          <a:solidFill>
+            <a:srgbClr val="FFFFFF"/>
+          </a:solidFill>
+          <a:ln>
+            <a:noFill/>
+          </a:ln>
+          <a:effectLst/>
+          <a:extLst>
+            <a:ext uri="{91240B29-F687-4F45-9708-019B960494DF}">
+              <a14:hiddenLine xmlns:a14="http://schemas.microsoft.com/office/drawing/2010/main" w="9525">
+                <a:solidFill>
+                  <a:schemeClr val="tx1"/>
+                </a:solidFill>
+                <a:miter lim="800000"/>
+                <a:headEnd/>
+                <a:tailEnd/>
+              </a14:hiddenLine>
+            </a:ext>
+            <a:ext uri="{AF507438-7753-43E0-B8FC-AC1667EBCBE1}">
+              <a14:hiddenEffects xmlns:a14="http://schemas.microsoft.com/office/drawing/2010/main">
+                <a:effectLst>
+                  <a:outerShdw dist="35921" dir="2700000" algn="ctr" rotWithShape="0">
+                    <a:schemeClr val="bg2"/>
+                  </a:outerShdw>
+                </a:effectLst>
+              </a14:hiddenEffects>
+            </a:ext>
+          </a:extLst>
+        </p:spPr>
+        <p:txBody>
+          <a:bodyPr vert="horz" wrap="none" lIns="0" tIns="0" rIns="0" bIns="0" numCol="1" anchor="ctr" anchorCtr="0" compatLnSpc="1">
+            <a:prstTxWarp prst="textNoShape">
+              <a:avLst/>
+            </a:prstTxWarp>
+            <a:spAutoFit/>
+          </a:bodyPr>
+          <a:lstStyle/>
+          <a:p>
+            <a:pPr marL="0" marR="0" lvl="0" indent="0" algn="l" defTabSz="914400" rtl="0" eaLnBrk="0" fontAlgn="base" latinLnBrk="0" hangingPunct="0">
+              <a:lnSpc>
+                <a:spcPct val="100000"/>
+              </a:lnSpc>
+              <a:spcBef>
+                <a:spcPct val="0"/>
+              </a:spcBef>
+              <a:spcAft>
+                <a:spcPct val="0"/>
+              </a:spcAft>
+              <a:buClrTx/>
+              <a:buSzTx/>
+              <a:buFontTx/>
+              <a:buNone/>
+              <a:tabLst/>
+            </a:pPr>
+            <a:r>
+              <a:rPr kumimoji="0" lang="en-US" altLang="en-US" sz="800" b="0" i="0" u="none" strike="noStrike" cap="none" normalizeH="0" baseline="0" dirty="0">
+                <a:ln>
+                  <a:noFill/>
+                </a:ln>
+                <a:solidFill>
+                  <a:schemeClr val="tx1"/>
+                </a:solidFill>
+                <a:effectLst/>
+              </a:rPr>
+              <a:t> </a:t>
+            </a:r>
+            <a:endParaRPr kumimoji="0" lang="en-US" altLang="en-US" sz="1800" b="0" i="0" u="none" strike="noStrike" cap="none" normalizeH="0" baseline="0" dirty="0">
+              <a:ln>
+                <a:noFill/>
+              </a:ln>
+              <a:solidFill>
+                <a:schemeClr val="tx1"/>
+              </a:solidFill>
+              <a:effectLst/>
+              <a:latin typeface="Arial" panose="020B0604020202020204" pitchFamily="34" charset="0"/>
+            </a:endParaRPr>
           </a:p>
         </p:txBody>
       </p:sp>
       <p:pic>
         <p:nvPicPr>
-          <p:cNvPr id="5" name="Content Placeholder 4">
+          <p:cNvPr id="7" name="Content Placeholder 6">
             <a:extLst>
               <a:ext uri="{FF2B5EF4-FFF2-40B4-BE49-F238E27FC236}">
-                <a16:creationId xmlns:a16="http://schemas.microsoft.com/office/drawing/2014/main" id="{46F98269-A912-8AE1-7BDC-DEAE99FF346C}"/>
+                <a16:creationId xmlns:a16="http://schemas.microsoft.com/office/drawing/2014/main" id="{1A3BC8AA-4F5F-3F44-B93C-63B98F655E3A}"/>
               </a:ext>
             </a:extLst>
           </p:cNvPr>
@@ -5055,7 +6159,7 @@
             <a:picLocks noGrp="1" noChangeAspect="1"/>
           </p:cNvPicPr>
           <p:nvPr>
-            <p:ph sz="half" idx="2"/>
+            <p:ph sz="quarter" idx="4"/>
           </p:nvPr>
         </p:nvPicPr>
         <p:blipFill>
@@ -5066,77 +6170,104 @@
         </p:blipFill>
         <p:spPr>
           <a:xfrm>
-            <a:off x="5011387" y="1812860"/>
-            <a:ext cx="6927765" cy="4618510"/>
+            <a:off x="5769308" y="2433711"/>
+            <a:ext cx="6150659" cy="4100440"/>
           </a:xfrm>
         </p:spPr>
       </p:pic>
       <p:sp>
         <p:nvSpPr>
-          <p:cNvPr id="12" name="Content Placeholder 11">
+          <p:cNvPr id="10" name="Rectangle 1">
             <a:extLst>
               <a:ext uri="{FF2B5EF4-FFF2-40B4-BE49-F238E27FC236}">
-                <a16:creationId xmlns:a16="http://schemas.microsoft.com/office/drawing/2014/main" id="{F52D127A-4561-4608-453F-9D857B49D621}"/>
+                <a16:creationId xmlns:a16="http://schemas.microsoft.com/office/drawing/2014/main" id="{862452C8-F5A8-EE19-DB84-DF016D73C7D5}"/>
               </a:ext>
             </a:extLst>
           </p:cNvPr>
           <p:cNvSpPr>
-            <a:spLocks noGrp="1"/>
-          </p:cNvSpPr>
-          <p:nvPr>
-            <p:ph sz="quarter" idx="4"/>
-          </p:nvPr>
-        </p:nvSpPr>
-        <p:spPr>
+            <a:spLocks noChangeArrowheads="1"/>
+          </p:cNvSpPr>
+          <p:nvPr/>
+        </p:nvSpPr>
+        <p:spPr bwMode="auto">
           <a:xfrm>
-            <a:off x="1048493" y="2171700"/>
-            <a:ext cx="3962893" cy="4259669"/>
+            <a:off x="0" y="90100"/>
+            <a:ext cx="65" cy="276999"/>
           </a:xfrm>
+          <a:prstGeom prst="rect">
+            <a:avLst/>
+          </a:prstGeom>
+          <a:solidFill>
+            <a:srgbClr val="FFFFFF"/>
+          </a:solidFill>
+          <a:ln>
+            <a:noFill/>
+          </a:ln>
+          <a:effectLst/>
+          <a:extLst>
+            <a:ext uri="{91240B29-F687-4F45-9708-019B960494DF}">
+              <a14:hiddenLine xmlns:a14="http://schemas.microsoft.com/office/drawing/2010/main" w="9525">
+                <a:solidFill>
+                  <a:schemeClr val="tx1"/>
+                </a:solidFill>
+                <a:miter lim="800000"/>
+                <a:headEnd/>
+                <a:tailEnd/>
+              </a14:hiddenLine>
+            </a:ext>
+            <a:ext uri="{AF507438-7753-43E0-B8FC-AC1667EBCBE1}">
+              <a14:hiddenEffects xmlns:a14="http://schemas.microsoft.com/office/drawing/2010/main">
+                <a:effectLst>
+                  <a:outerShdw dist="35921" dir="2700000" algn="ctr" rotWithShape="0">
+                    <a:schemeClr val="bg2"/>
+                  </a:outerShdw>
+                </a:effectLst>
+              </a14:hiddenEffects>
+            </a:ext>
+          </a:extLst>
         </p:spPr>
         <p:txBody>
-          <a:bodyPr>
-            <a:normAutofit/>
+          <a:bodyPr vert="horz" wrap="none" lIns="0" tIns="0" rIns="0" bIns="0" numCol="1" anchor="ctr" anchorCtr="0" compatLnSpc="1">
+            <a:prstTxWarp prst="textNoShape">
+              <a:avLst/>
+            </a:prstTxWarp>
+            <a:spAutoFit/>
           </a:bodyPr>
           <a:lstStyle/>
           <a:p>
-            <a:r>
-              <a:rPr lang="en-US" altLang="en-US" dirty="0">
-                <a:solidFill>
-                  <a:schemeClr val="tx1"/>
-                </a:solidFill>
-              </a:rPr>
-              <a:t>The r-squared is: 12.6%</a:t>
-            </a:r>
-          </a:p>
-          <a:p>
-            <a:r>
-              <a:rPr lang="en-US" altLang="en-US" dirty="0">
-                <a:solidFill>
-                  <a:schemeClr val="tx1"/>
-                </a:solidFill>
-              </a:rPr>
-              <a:t>Data is not correlated to time</a:t>
-            </a:r>
-          </a:p>
-          <a:p>
-            <a:r>
-              <a:rPr lang="en-US" altLang="en-US" dirty="0">
-                <a:solidFill>
-                  <a:schemeClr val="tx1"/>
-                </a:solidFill>
-              </a:rPr>
-              <a:t>Over -all criminal activity clearly dropped in 2020, this could potentially be related to COVID </a:t>
-            </a:r>
-          </a:p>
-          <a:p>
-            <a:endParaRPr lang="en-CA" dirty="0"/>
+            <a:pPr marL="0" marR="0" lvl="0" indent="0" algn="l" defTabSz="914400" rtl="0" eaLnBrk="0" fontAlgn="base" latinLnBrk="0" hangingPunct="0">
+              <a:lnSpc>
+                <a:spcPct val="100000"/>
+              </a:lnSpc>
+              <a:spcBef>
+                <a:spcPct val="0"/>
+              </a:spcBef>
+              <a:spcAft>
+                <a:spcPct val="0"/>
+              </a:spcAft>
+              <a:buClrTx/>
+              <a:buSzTx/>
+              <a:buFontTx/>
+              <a:buNone/>
+              <a:tabLst/>
+            </a:pPr>
+            <a:endParaRPr kumimoji="0" lang="en-US" altLang="en-US" sz="1800" b="0" i="0" u="none" strike="noStrike" cap="none" normalizeH="0" baseline="0" dirty="0">
+              <a:ln>
+                <a:noFill/>
+              </a:ln>
+              <a:solidFill>
+                <a:schemeClr val="tx1"/>
+              </a:solidFill>
+              <a:effectLst/>
+              <a:latin typeface="Arial" panose="020B0604020202020204" pitchFamily="34" charset="0"/>
+            </a:endParaRPr>
           </a:p>
         </p:txBody>
       </p:sp>
     </p:spTree>
     <p:extLst>
       <p:ext uri="{BB962C8B-B14F-4D97-AF65-F5344CB8AC3E}">
-        <p14:creationId xmlns:p14="http://schemas.microsoft.com/office/powerpoint/2010/main" val="3331545274"/>
+        <p14:creationId xmlns:p14="http://schemas.microsoft.com/office/powerpoint/2010/main" val="952005636"/>
       </p:ext>
     </p:extLst>
   </p:cSld>
@@ -5392,1726 +6523,6 @@
           <a:p>
             <a:r>
               <a:rPr lang="en-CA" dirty="0"/>
-              <a:t>Regression Analysis for 5 least Safe </a:t>
-            </a:r>
-            <a:br>
-              <a:rPr lang="en-CA" dirty="0"/>
-            </a:br>
-            <a:r>
-              <a:rPr lang="en-CA" dirty="0"/>
-              <a:t>Neighborhoods</a:t>
-            </a:r>
-          </a:p>
-        </p:txBody>
-      </p:sp>
-      <p:pic>
-        <p:nvPicPr>
-          <p:cNvPr id="13" name="Content Placeholder 12">
-            <a:extLst>
-              <a:ext uri="{FF2B5EF4-FFF2-40B4-BE49-F238E27FC236}">
-                <a16:creationId xmlns:a16="http://schemas.microsoft.com/office/drawing/2014/main" id="{019101EE-CDA2-2A44-68AB-301F89A724FB}"/>
-              </a:ext>
-            </a:extLst>
-          </p:cNvPr>
-          <p:cNvPicPr>
-            <a:picLocks noGrp="1" noChangeAspect="1"/>
-          </p:cNvPicPr>
-          <p:nvPr>
-            <p:ph sz="quarter" idx="4"/>
-          </p:nvPr>
-        </p:nvPicPr>
-        <p:blipFill>
-          <a:blip r:embed="rId2"/>
-          <a:stretch>
-            <a:fillRect/>
-          </a:stretch>
-        </p:blipFill>
-        <p:spPr>
-          <a:xfrm>
-            <a:off x="5367316" y="2171700"/>
-            <a:ext cx="6515122" cy="4343415"/>
-          </a:xfrm>
-        </p:spPr>
-      </p:pic>
-      <p:sp>
-        <p:nvSpPr>
-          <p:cNvPr id="11" name="Content Placeholder 10">
-            <a:extLst>
-              <a:ext uri="{FF2B5EF4-FFF2-40B4-BE49-F238E27FC236}">
-                <a16:creationId xmlns:a16="http://schemas.microsoft.com/office/drawing/2014/main" id="{ECF19495-D46C-B566-020C-49AD96F38C4D}"/>
-              </a:ext>
-            </a:extLst>
-          </p:cNvPr>
-          <p:cNvSpPr>
-            <a:spLocks noGrp="1"/>
-          </p:cNvSpPr>
-          <p:nvPr>
-            <p:ph sz="half" idx="2"/>
-          </p:nvPr>
-        </p:nvSpPr>
-        <p:spPr>
-          <a:xfrm>
-            <a:off x="1202787" y="2503349"/>
-            <a:ext cx="4443984" cy="3855248"/>
-          </a:xfrm>
-        </p:spPr>
-        <p:txBody>
-          <a:bodyPr/>
-          <a:lstStyle/>
-          <a:p>
-            <a:r>
-              <a:rPr lang="en-US" altLang="en-US" dirty="0">
-                <a:solidFill>
-                  <a:schemeClr val="tx1"/>
-                </a:solidFill>
-              </a:rPr>
-              <a:t>The r-squared is: 65%</a:t>
-            </a:r>
-          </a:p>
-          <a:p>
-            <a:r>
-              <a:rPr lang="en-US" altLang="en-US" dirty="0">
-                <a:solidFill>
-                  <a:schemeClr val="tx1"/>
-                </a:solidFill>
-              </a:rPr>
-              <a:t>Data appears to be positively correlated with time</a:t>
-            </a:r>
-          </a:p>
-          <a:p>
-            <a:r>
-              <a:rPr lang="en-US" altLang="en-US" dirty="0">
-                <a:solidFill>
-                  <a:schemeClr val="tx1"/>
-                </a:solidFill>
-              </a:rPr>
-              <a:t>Crime dropped in 2021</a:t>
-            </a:r>
-          </a:p>
-          <a:p>
-            <a:r>
-              <a:rPr lang="en-US" altLang="en-US" dirty="0">
-                <a:solidFill>
-                  <a:schemeClr val="tx1"/>
-                </a:solidFill>
-              </a:rPr>
-              <a:t>2022 data would help establish a trend </a:t>
-            </a:r>
-          </a:p>
-          <a:p>
-            <a:endParaRPr lang="en-US" altLang="en-US" sz="1600" dirty="0">
-              <a:solidFill>
-                <a:schemeClr val="tx1"/>
-              </a:solidFill>
-              <a:latin typeface="Arial" panose="020B0604020202020204" pitchFamily="34" charset="0"/>
-            </a:endParaRPr>
-          </a:p>
-          <a:p>
-            <a:endParaRPr kumimoji="0" lang="en-US" altLang="en-US" sz="4400" b="0" i="0" u="none" strike="noStrike" cap="none" normalizeH="0" baseline="0" dirty="0">
-              <a:ln>
-                <a:noFill/>
-              </a:ln>
-              <a:solidFill>
-                <a:schemeClr val="tx1"/>
-              </a:solidFill>
-              <a:effectLst/>
-              <a:latin typeface="Arial" panose="020B0604020202020204" pitchFamily="34" charset="0"/>
-            </a:endParaRPr>
-          </a:p>
-          <a:p>
-            <a:endParaRPr lang="en-CA" dirty="0"/>
-          </a:p>
-        </p:txBody>
-      </p:sp>
-    </p:spTree>
-    <p:extLst>
-      <p:ext uri="{BB962C8B-B14F-4D97-AF65-F5344CB8AC3E}">
-        <p14:creationId xmlns:p14="http://schemas.microsoft.com/office/powerpoint/2010/main" val="3946225886"/>
-      </p:ext>
-    </p:extLst>
-  </p:cSld>
-  <p:clrMapOvr>
-    <a:masterClrMapping/>
-  </p:clrMapOvr>
-</p:sld>
-</file>
-
-<file path=ppt/slides/slide21.xml><?xml version="1.0" encoding="utf-8"?>
-<p:sld xmlns:a="http://schemas.openxmlformats.org/drawingml/2006/main" xmlns:r="http://schemas.openxmlformats.org/officeDocument/2006/relationships" xmlns:p="http://schemas.openxmlformats.org/presentationml/2006/main">
-  <p:cSld>
-    <p:spTree>
-      <p:nvGrpSpPr>
-        <p:cNvPr id="1" name=""/>
-        <p:cNvGrpSpPr/>
-        <p:nvPr/>
-      </p:nvGrpSpPr>
-      <p:grpSpPr>
-        <a:xfrm>
-          <a:off x="0" y="0"/>
-          <a:ext cx="0" cy="0"/>
-          <a:chOff x="0" y="0"/>
-          <a:chExt cx="0" cy="0"/>
-        </a:xfrm>
-      </p:grpSpPr>
-      <p:sp>
-        <p:nvSpPr>
-          <p:cNvPr id="2" name="Title 1">
-            <a:extLst>
-              <a:ext uri="{FF2B5EF4-FFF2-40B4-BE49-F238E27FC236}">
-                <a16:creationId xmlns:a16="http://schemas.microsoft.com/office/drawing/2014/main" id="{F70752FB-0749-6E73-214D-0BCABBD3272C}"/>
-              </a:ext>
-            </a:extLst>
-          </p:cNvPr>
-          <p:cNvSpPr>
-            <a:spLocks noGrp="1"/>
-          </p:cNvSpPr>
-          <p:nvPr>
-            <p:ph type="title"/>
-          </p:nvPr>
-        </p:nvSpPr>
-        <p:spPr/>
-        <p:txBody>
-          <a:bodyPr/>
-          <a:lstStyle/>
-          <a:p>
-            <a:r>
-              <a:rPr lang="en-CA" dirty="0"/>
-              <a:t>Regression Analysis for 5 least Safe </a:t>
-            </a:r>
-            <a:br>
-              <a:rPr lang="en-CA" dirty="0"/>
-            </a:br>
-            <a:r>
-              <a:rPr lang="en-CA" dirty="0"/>
-              <a:t>Neighborhoods</a:t>
-            </a:r>
-          </a:p>
-        </p:txBody>
-      </p:sp>
-      <p:sp>
-        <p:nvSpPr>
-          <p:cNvPr id="11" name="Content Placeholder 10">
-            <a:extLst>
-              <a:ext uri="{FF2B5EF4-FFF2-40B4-BE49-F238E27FC236}">
-                <a16:creationId xmlns:a16="http://schemas.microsoft.com/office/drawing/2014/main" id="{ECF19495-D46C-B566-020C-49AD96F38C4D}"/>
-              </a:ext>
-            </a:extLst>
-          </p:cNvPr>
-          <p:cNvSpPr>
-            <a:spLocks noGrp="1"/>
-          </p:cNvSpPr>
-          <p:nvPr>
-            <p:ph sz="half" idx="2"/>
-          </p:nvPr>
-        </p:nvSpPr>
-        <p:spPr/>
-        <p:txBody>
-          <a:bodyPr/>
-          <a:lstStyle/>
-          <a:p>
-            <a:r>
-              <a:rPr kumimoji="0" lang="en-US" altLang="en-US" sz="2000" b="0" i="0" u="none" strike="noStrike" cap="none" normalizeH="0" baseline="0" dirty="0">
-                <a:ln>
-                  <a:noFill/>
-                </a:ln>
-                <a:solidFill>
-                  <a:srgbClr val="000000"/>
-                </a:solidFill>
-                <a:effectLst/>
-                <a:latin typeface="Courier New" panose="02070309020205020404" pitchFamily="49" charset="0"/>
-                <a:cs typeface="Courier New" panose="02070309020205020404" pitchFamily="49" charset="0"/>
-              </a:rPr>
-              <a:t>The r-squared is: 3.2%</a:t>
-            </a:r>
-          </a:p>
-          <a:p>
-            <a:r>
-              <a:rPr lang="en-US" altLang="en-US" dirty="0">
-                <a:solidFill>
-                  <a:srgbClr val="000000"/>
-                </a:solidFill>
-                <a:latin typeface="Courier New" panose="02070309020205020404" pitchFamily="49" charset="0"/>
-                <a:cs typeface="Courier New" panose="02070309020205020404" pitchFamily="49" charset="0"/>
-              </a:rPr>
-              <a:t>Data is not correlated with time</a:t>
-            </a:r>
-            <a:r>
-              <a:rPr kumimoji="0" lang="en-US" altLang="en-US" sz="1600" b="0" i="0" u="none" strike="noStrike" cap="none" normalizeH="0" baseline="0" dirty="0">
-                <a:ln>
-                  <a:noFill/>
-                </a:ln>
-                <a:solidFill>
-                  <a:schemeClr val="tx1"/>
-                </a:solidFill>
-                <a:effectLst/>
-              </a:rPr>
-              <a:t> </a:t>
-            </a:r>
-            <a:endParaRPr kumimoji="0" lang="en-US" altLang="en-US" sz="4400" b="0" i="0" u="none" strike="noStrike" cap="none" normalizeH="0" baseline="0" dirty="0">
-              <a:ln>
-                <a:noFill/>
-              </a:ln>
-              <a:solidFill>
-                <a:schemeClr val="tx1"/>
-              </a:solidFill>
-              <a:effectLst/>
-              <a:latin typeface="Arial" panose="020B0604020202020204" pitchFamily="34" charset="0"/>
-            </a:endParaRPr>
-          </a:p>
-          <a:p>
-            <a:endParaRPr lang="en-CA" dirty="0"/>
-          </a:p>
-        </p:txBody>
-      </p:sp>
-      <p:pic>
-        <p:nvPicPr>
-          <p:cNvPr id="6" name="Content Placeholder 5">
-            <a:extLst>
-              <a:ext uri="{FF2B5EF4-FFF2-40B4-BE49-F238E27FC236}">
-                <a16:creationId xmlns:a16="http://schemas.microsoft.com/office/drawing/2014/main" id="{2D7E63FD-4308-3FA2-A4D4-A58B6DAD8FF6}"/>
-              </a:ext>
-            </a:extLst>
-          </p:cNvPr>
-          <p:cNvPicPr>
-            <a:picLocks noGrp="1" noChangeAspect="1"/>
-          </p:cNvPicPr>
-          <p:nvPr>
-            <p:ph sz="quarter" idx="4"/>
-          </p:nvPr>
-        </p:nvPicPr>
-        <p:blipFill>
-          <a:blip r:embed="rId2"/>
-          <a:stretch>
-            <a:fillRect/>
-          </a:stretch>
-        </p:blipFill>
-        <p:spPr>
-          <a:xfrm>
-            <a:off x="5833463" y="2391508"/>
-            <a:ext cx="6213963" cy="4142643"/>
-          </a:xfrm>
-        </p:spPr>
-      </p:pic>
-    </p:spTree>
-    <p:extLst>
-      <p:ext uri="{BB962C8B-B14F-4D97-AF65-F5344CB8AC3E}">
-        <p14:creationId xmlns:p14="http://schemas.microsoft.com/office/powerpoint/2010/main" val="3447179957"/>
-      </p:ext>
-    </p:extLst>
-  </p:cSld>
-  <p:clrMapOvr>
-    <a:masterClrMapping/>
-  </p:clrMapOvr>
-</p:sld>
-</file>
-
-<file path=ppt/slides/slide22.xml><?xml version="1.0" encoding="utf-8"?>
-<p:sld xmlns:a="http://schemas.openxmlformats.org/drawingml/2006/main" xmlns:r="http://schemas.openxmlformats.org/officeDocument/2006/relationships" xmlns:p="http://schemas.openxmlformats.org/presentationml/2006/main">
-  <p:cSld>
-    <p:spTree>
-      <p:nvGrpSpPr>
-        <p:cNvPr id="1" name=""/>
-        <p:cNvGrpSpPr/>
-        <p:nvPr/>
-      </p:nvGrpSpPr>
-      <p:grpSpPr>
-        <a:xfrm>
-          <a:off x="0" y="0"/>
-          <a:ext cx="0" cy="0"/>
-          <a:chOff x="0" y="0"/>
-          <a:chExt cx="0" cy="0"/>
-        </a:xfrm>
-      </p:grpSpPr>
-      <p:sp>
-        <p:nvSpPr>
-          <p:cNvPr id="2" name="Title 1">
-            <a:extLst>
-              <a:ext uri="{FF2B5EF4-FFF2-40B4-BE49-F238E27FC236}">
-                <a16:creationId xmlns:a16="http://schemas.microsoft.com/office/drawing/2014/main" id="{F70752FB-0749-6E73-214D-0BCABBD3272C}"/>
-              </a:ext>
-            </a:extLst>
-          </p:cNvPr>
-          <p:cNvSpPr>
-            <a:spLocks noGrp="1"/>
-          </p:cNvSpPr>
-          <p:nvPr>
-            <p:ph type="title"/>
-          </p:nvPr>
-        </p:nvSpPr>
-        <p:spPr/>
-        <p:txBody>
-          <a:bodyPr/>
-          <a:lstStyle/>
-          <a:p>
-            <a:r>
-              <a:rPr lang="en-CA" dirty="0"/>
-              <a:t>Regression Analysis for 5 Least Safe </a:t>
-            </a:r>
-            <a:br>
-              <a:rPr lang="en-CA" dirty="0"/>
-            </a:br>
-            <a:r>
-              <a:rPr lang="en-CA" dirty="0"/>
-              <a:t>Neighborhoods</a:t>
-            </a:r>
-          </a:p>
-        </p:txBody>
-      </p:sp>
-      <p:sp>
-        <p:nvSpPr>
-          <p:cNvPr id="11" name="Content Placeholder 10">
-            <a:extLst>
-              <a:ext uri="{FF2B5EF4-FFF2-40B4-BE49-F238E27FC236}">
-                <a16:creationId xmlns:a16="http://schemas.microsoft.com/office/drawing/2014/main" id="{ECF19495-D46C-B566-020C-49AD96F38C4D}"/>
-              </a:ext>
-            </a:extLst>
-          </p:cNvPr>
-          <p:cNvSpPr>
-            <a:spLocks noGrp="1"/>
-          </p:cNvSpPr>
-          <p:nvPr>
-            <p:ph sz="half" idx="2"/>
-          </p:nvPr>
-        </p:nvSpPr>
-        <p:spPr/>
-        <p:txBody>
-          <a:bodyPr/>
-          <a:lstStyle/>
-          <a:p>
-            <a:r>
-              <a:rPr kumimoji="0" lang="en-US" altLang="en-US" sz="2000" b="0" i="0" u="none" strike="noStrike" cap="none" normalizeH="0" baseline="0" dirty="0">
-                <a:ln>
-                  <a:noFill/>
-                </a:ln>
-                <a:solidFill>
-                  <a:srgbClr val="000000"/>
-                </a:solidFill>
-                <a:effectLst/>
-                <a:latin typeface="Courier New" panose="02070309020205020404" pitchFamily="49" charset="0"/>
-                <a:cs typeface="Courier New" panose="02070309020205020404" pitchFamily="49" charset="0"/>
-              </a:rPr>
-              <a:t>The r-squared is: 75%</a:t>
-            </a:r>
-            <a:r>
-              <a:rPr kumimoji="0" lang="en-US" altLang="en-US" sz="1600" b="0" i="0" u="none" strike="noStrike" cap="none" normalizeH="0" baseline="0" dirty="0">
-                <a:ln>
-                  <a:noFill/>
-                </a:ln>
-                <a:solidFill>
-                  <a:schemeClr val="tx1"/>
-                </a:solidFill>
-                <a:effectLst/>
-              </a:rPr>
-              <a:t> </a:t>
-            </a:r>
-            <a:endParaRPr kumimoji="0" lang="en-US" altLang="en-US" sz="4400" b="0" i="0" u="none" strike="noStrike" cap="none" normalizeH="0" baseline="0" dirty="0">
-              <a:ln>
-                <a:noFill/>
-              </a:ln>
-              <a:solidFill>
-                <a:schemeClr val="tx1"/>
-              </a:solidFill>
-              <a:effectLst/>
-              <a:latin typeface="Arial" panose="020B0604020202020204" pitchFamily="34" charset="0"/>
-            </a:endParaRPr>
-          </a:p>
-          <a:p>
-            <a:endParaRPr lang="en-CA" dirty="0"/>
-          </a:p>
-        </p:txBody>
-      </p:sp>
-      <p:pic>
-        <p:nvPicPr>
-          <p:cNvPr id="7" name="Content Placeholder 6">
-            <a:extLst>
-              <a:ext uri="{FF2B5EF4-FFF2-40B4-BE49-F238E27FC236}">
-                <a16:creationId xmlns:a16="http://schemas.microsoft.com/office/drawing/2014/main" id="{188D998D-ACB0-A83A-CD24-0AE752E997B4}"/>
-              </a:ext>
-            </a:extLst>
-          </p:cNvPr>
-          <p:cNvPicPr>
-            <a:picLocks noGrp="1" noChangeAspect="1"/>
-          </p:cNvPicPr>
-          <p:nvPr>
-            <p:ph sz="quarter" idx="4"/>
-          </p:nvPr>
-        </p:nvPicPr>
-        <p:blipFill>
-          <a:blip r:embed="rId2"/>
-          <a:stretch>
-            <a:fillRect/>
-          </a:stretch>
-        </p:blipFill>
-        <p:spPr>
-          <a:xfrm>
-            <a:off x="5983373" y="2635934"/>
-            <a:ext cx="5543549" cy="3695700"/>
-          </a:xfrm>
-        </p:spPr>
-      </p:pic>
-    </p:spTree>
-    <p:extLst>
-      <p:ext uri="{BB962C8B-B14F-4D97-AF65-F5344CB8AC3E}">
-        <p14:creationId xmlns:p14="http://schemas.microsoft.com/office/powerpoint/2010/main" val="2106327601"/>
-      </p:ext>
-    </p:extLst>
-  </p:cSld>
-  <p:clrMapOvr>
-    <a:masterClrMapping/>
-  </p:clrMapOvr>
-</p:sld>
-</file>
-
-<file path=ppt/slides/slide23.xml><?xml version="1.0" encoding="utf-8"?>
-<p:sld xmlns:a="http://schemas.openxmlformats.org/drawingml/2006/main" xmlns:r="http://schemas.openxmlformats.org/officeDocument/2006/relationships" xmlns:p="http://schemas.openxmlformats.org/presentationml/2006/main">
-  <p:cSld>
-    <p:spTree>
-      <p:nvGrpSpPr>
-        <p:cNvPr id="1" name=""/>
-        <p:cNvGrpSpPr/>
-        <p:nvPr/>
-      </p:nvGrpSpPr>
-      <p:grpSpPr>
-        <a:xfrm>
-          <a:off x="0" y="0"/>
-          <a:ext cx="0" cy="0"/>
-          <a:chOff x="0" y="0"/>
-          <a:chExt cx="0" cy="0"/>
-        </a:xfrm>
-      </p:grpSpPr>
-      <p:sp>
-        <p:nvSpPr>
-          <p:cNvPr id="2" name="Title 1">
-            <a:extLst>
-              <a:ext uri="{FF2B5EF4-FFF2-40B4-BE49-F238E27FC236}">
-                <a16:creationId xmlns:a16="http://schemas.microsoft.com/office/drawing/2014/main" id="{F70752FB-0749-6E73-214D-0BCABBD3272C}"/>
-              </a:ext>
-            </a:extLst>
-          </p:cNvPr>
-          <p:cNvSpPr>
-            <a:spLocks noGrp="1"/>
-          </p:cNvSpPr>
-          <p:nvPr>
-            <p:ph type="title"/>
-          </p:nvPr>
-        </p:nvSpPr>
-        <p:spPr/>
-        <p:txBody>
-          <a:bodyPr/>
-          <a:lstStyle/>
-          <a:p>
-            <a:r>
-              <a:rPr lang="en-CA" dirty="0"/>
-              <a:t>Regression Analysis for 5 Least Safe </a:t>
-            </a:r>
-            <a:br>
-              <a:rPr lang="en-CA" dirty="0"/>
-            </a:br>
-            <a:r>
-              <a:rPr lang="en-CA" dirty="0"/>
-              <a:t>Neighborhoods</a:t>
-            </a:r>
-          </a:p>
-        </p:txBody>
-      </p:sp>
-      <p:sp>
-        <p:nvSpPr>
-          <p:cNvPr id="11" name="Content Placeholder 10">
-            <a:extLst>
-              <a:ext uri="{FF2B5EF4-FFF2-40B4-BE49-F238E27FC236}">
-                <a16:creationId xmlns:a16="http://schemas.microsoft.com/office/drawing/2014/main" id="{ECF19495-D46C-B566-020C-49AD96F38C4D}"/>
-              </a:ext>
-            </a:extLst>
-          </p:cNvPr>
-          <p:cNvSpPr>
-            <a:spLocks noGrp="1"/>
-          </p:cNvSpPr>
-          <p:nvPr>
-            <p:ph sz="half" idx="2"/>
-          </p:nvPr>
-        </p:nvSpPr>
-        <p:spPr/>
-        <p:txBody>
-          <a:bodyPr/>
-          <a:lstStyle/>
-          <a:p>
-            <a:r>
-              <a:rPr kumimoji="0" lang="en-US" altLang="en-US" sz="2000" b="0" i="0" u="none" strike="noStrike" cap="none" normalizeH="0" baseline="0" dirty="0">
-                <a:ln>
-                  <a:noFill/>
-                </a:ln>
-                <a:solidFill>
-                  <a:srgbClr val="000000"/>
-                </a:solidFill>
-                <a:effectLst/>
-                <a:latin typeface="Courier New" panose="02070309020205020404" pitchFamily="49" charset="0"/>
-                <a:cs typeface="Courier New" panose="02070309020205020404" pitchFamily="49" charset="0"/>
-              </a:rPr>
-              <a:t>The r-squared is: 3.5%</a:t>
-            </a:r>
-            <a:r>
-              <a:rPr kumimoji="0" lang="en-US" altLang="en-US" sz="1600" b="0" i="0" u="none" strike="noStrike" cap="none" normalizeH="0" baseline="0" dirty="0">
-                <a:ln>
-                  <a:noFill/>
-                </a:ln>
-                <a:solidFill>
-                  <a:schemeClr val="tx1"/>
-                </a:solidFill>
-                <a:effectLst/>
-              </a:rPr>
-              <a:t> </a:t>
-            </a:r>
-            <a:endParaRPr kumimoji="0" lang="en-US" altLang="en-US" sz="4400" b="0" i="0" u="none" strike="noStrike" cap="none" normalizeH="0" baseline="0" dirty="0">
-              <a:ln>
-                <a:noFill/>
-              </a:ln>
-              <a:solidFill>
-                <a:schemeClr val="tx1"/>
-              </a:solidFill>
-              <a:effectLst/>
-              <a:latin typeface="Arial" panose="020B0604020202020204" pitchFamily="34" charset="0"/>
-            </a:endParaRPr>
-          </a:p>
-          <a:p>
-            <a:endParaRPr lang="en-CA" dirty="0"/>
-          </a:p>
-        </p:txBody>
-      </p:sp>
-      <p:pic>
-        <p:nvPicPr>
-          <p:cNvPr id="6" name="Content Placeholder 5">
-            <a:extLst>
-              <a:ext uri="{FF2B5EF4-FFF2-40B4-BE49-F238E27FC236}">
-                <a16:creationId xmlns:a16="http://schemas.microsoft.com/office/drawing/2014/main" id="{30D86344-26B4-FD61-1794-C17DCFB2952D}"/>
-              </a:ext>
-            </a:extLst>
-          </p:cNvPr>
-          <p:cNvPicPr>
-            <a:picLocks noGrp="1" noChangeAspect="1"/>
-          </p:cNvPicPr>
-          <p:nvPr>
-            <p:ph sz="quarter" idx="4"/>
-          </p:nvPr>
-        </p:nvPicPr>
-        <p:blipFill>
-          <a:blip r:embed="rId2"/>
-          <a:stretch>
-            <a:fillRect/>
-          </a:stretch>
-        </p:blipFill>
-        <p:spPr>
-          <a:xfrm>
-            <a:off x="6376418" y="2681303"/>
-            <a:ext cx="5714999" cy="3810000"/>
-          </a:xfrm>
-        </p:spPr>
-      </p:pic>
-    </p:spTree>
-    <p:extLst>
-      <p:ext uri="{BB962C8B-B14F-4D97-AF65-F5344CB8AC3E}">
-        <p14:creationId xmlns:p14="http://schemas.microsoft.com/office/powerpoint/2010/main" val="2501679752"/>
-      </p:ext>
-    </p:extLst>
-  </p:cSld>
-  <p:clrMapOvr>
-    <a:masterClrMapping/>
-  </p:clrMapOvr>
-</p:sld>
-</file>
-
-<file path=ppt/slides/slide24.xml><?xml version="1.0" encoding="utf-8"?>
-<p:sld xmlns:a="http://schemas.openxmlformats.org/drawingml/2006/main" xmlns:r="http://schemas.openxmlformats.org/officeDocument/2006/relationships" xmlns:p="http://schemas.openxmlformats.org/presentationml/2006/main">
-  <p:cSld>
-    <p:spTree>
-      <p:nvGrpSpPr>
-        <p:cNvPr id="1" name=""/>
-        <p:cNvGrpSpPr/>
-        <p:nvPr/>
-      </p:nvGrpSpPr>
-      <p:grpSpPr>
-        <a:xfrm>
-          <a:off x="0" y="0"/>
-          <a:ext cx="0" cy="0"/>
-          <a:chOff x="0" y="0"/>
-          <a:chExt cx="0" cy="0"/>
-        </a:xfrm>
-      </p:grpSpPr>
-      <p:sp>
-        <p:nvSpPr>
-          <p:cNvPr id="2" name="Title 1">
-            <a:extLst>
-              <a:ext uri="{FF2B5EF4-FFF2-40B4-BE49-F238E27FC236}">
-                <a16:creationId xmlns:a16="http://schemas.microsoft.com/office/drawing/2014/main" id="{F70752FB-0749-6E73-214D-0BCABBD3272C}"/>
-              </a:ext>
-            </a:extLst>
-          </p:cNvPr>
-          <p:cNvSpPr>
-            <a:spLocks noGrp="1"/>
-          </p:cNvSpPr>
-          <p:nvPr>
-            <p:ph type="title"/>
-          </p:nvPr>
-        </p:nvSpPr>
-        <p:spPr/>
-        <p:txBody>
-          <a:bodyPr/>
-          <a:lstStyle/>
-          <a:p>
-            <a:r>
-              <a:rPr lang="en-CA" dirty="0"/>
-              <a:t>Regression Analysis for 5 Least Safe </a:t>
-            </a:r>
-            <a:br>
-              <a:rPr lang="en-CA" dirty="0"/>
-            </a:br>
-            <a:r>
-              <a:rPr lang="en-CA" dirty="0"/>
-              <a:t>Neighborhoods</a:t>
-            </a:r>
-          </a:p>
-        </p:txBody>
-      </p:sp>
-      <p:sp>
-        <p:nvSpPr>
-          <p:cNvPr id="11" name="Content Placeholder 10">
-            <a:extLst>
-              <a:ext uri="{FF2B5EF4-FFF2-40B4-BE49-F238E27FC236}">
-                <a16:creationId xmlns:a16="http://schemas.microsoft.com/office/drawing/2014/main" id="{ECF19495-D46C-B566-020C-49AD96F38C4D}"/>
-              </a:ext>
-            </a:extLst>
-          </p:cNvPr>
-          <p:cNvSpPr>
-            <a:spLocks noGrp="1"/>
-          </p:cNvSpPr>
-          <p:nvPr>
-            <p:ph sz="half" idx="2"/>
-          </p:nvPr>
-        </p:nvSpPr>
-        <p:spPr/>
-        <p:txBody>
-          <a:bodyPr/>
-          <a:lstStyle/>
-          <a:p>
-            <a:r>
-              <a:rPr lang="en-US" altLang="en-US" dirty="0">
-                <a:solidFill>
-                  <a:srgbClr val="000000"/>
-                </a:solidFill>
-                <a:latin typeface="Courier New" panose="02070309020205020404" pitchFamily="49" charset="0"/>
-                <a:cs typeface="Courier New" panose="02070309020205020404" pitchFamily="49" charset="0"/>
-              </a:rPr>
-              <a:t>The r-squared is:62%</a:t>
-            </a:r>
-          </a:p>
-          <a:p>
-            <a:endParaRPr lang="en-CA" dirty="0"/>
-          </a:p>
-        </p:txBody>
-      </p:sp>
-      <p:pic>
-        <p:nvPicPr>
-          <p:cNvPr id="7" name="Content Placeholder 6">
-            <a:extLst>
-              <a:ext uri="{FF2B5EF4-FFF2-40B4-BE49-F238E27FC236}">
-                <a16:creationId xmlns:a16="http://schemas.microsoft.com/office/drawing/2014/main" id="{946C877D-ED02-EC54-E42C-27D32FCF1D1A}"/>
-              </a:ext>
-            </a:extLst>
-          </p:cNvPr>
-          <p:cNvPicPr>
-            <a:picLocks noGrp="1" noChangeAspect="1"/>
-          </p:cNvPicPr>
-          <p:nvPr>
-            <p:ph sz="quarter" idx="4"/>
-          </p:nvPr>
-        </p:nvPicPr>
-        <p:blipFill>
-          <a:blip r:embed="rId2"/>
-          <a:stretch>
-            <a:fillRect/>
-          </a:stretch>
-        </p:blipFill>
-        <p:spPr>
-          <a:xfrm>
-            <a:off x="5598270" y="2433917"/>
-            <a:ext cx="6457156" cy="4304771"/>
-          </a:xfrm>
-        </p:spPr>
-      </p:pic>
-      <p:sp>
-        <p:nvSpPr>
-          <p:cNvPr id="8" name="Rectangle 1">
-            <a:extLst>
-              <a:ext uri="{FF2B5EF4-FFF2-40B4-BE49-F238E27FC236}">
-                <a16:creationId xmlns:a16="http://schemas.microsoft.com/office/drawing/2014/main" id="{F1410BBA-68AE-34B0-2D8A-0C5BC109D97B}"/>
-              </a:ext>
-            </a:extLst>
-          </p:cNvPr>
-          <p:cNvSpPr>
-            <a:spLocks noChangeArrowheads="1"/>
-          </p:cNvSpPr>
-          <p:nvPr/>
-        </p:nvSpPr>
-        <p:spPr bwMode="auto">
-          <a:xfrm>
-            <a:off x="0" y="167044"/>
-            <a:ext cx="25648" cy="123111"/>
-          </a:xfrm>
-          <a:prstGeom prst="rect">
-            <a:avLst/>
-          </a:prstGeom>
-          <a:solidFill>
-            <a:srgbClr val="FFFFFF"/>
-          </a:solidFill>
-          <a:ln>
-            <a:noFill/>
-          </a:ln>
-          <a:effectLst/>
-          <a:extLst>
-            <a:ext uri="{91240B29-F687-4F45-9708-019B960494DF}">
-              <a14:hiddenLine xmlns:a14="http://schemas.microsoft.com/office/drawing/2010/main" w="9525">
-                <a:solidFill>
-                  <a:schemeClr val="tx1"/>
-                </a:solidFill>
-                <a:miter lim="800000"/>
-                <a:headEnd/>
-                <a:tailEnd/>
-              </a14:hiddenLine>
-            </a:ext>
-            <a:ext uri="{AF507438-7753-43E0-B8FC-AC1667EBCBE1}">
-              <a14:hiddenEffects xmlns:a14="http://schemas.microsoft.com/office/drawing/2010/main">
-                <a:effectLst>
-                  <a:outerShdw dist="35921" dir="2700000" algn="ctr" rotWithShape="0">
-                    <a:schemeClr val="bg2"/>
-                  </a:outerShdw>
-                </a:effectLst>
-              </a14:hiddenEffects>
-            </a:ext>
-          </a:extLst>
-        </p:spPr>
-        <p:txBody>
-          <a:bodyPr vert="horz" wrap="none" lIns="0" tIns="0" rIns="0" bIns="0" numCol="1" anchor="ctr" anchorCtr="0" compatLnSpc="1">
-            <a:prstTxWarp prst="textNoShape">
-              <a:avLst/>
-            </a:prstTxWarp>
-            <a:spAutoFit/>
-          </a:bodyPr>
-          <a:lstStyle/>
-          <a:p>
-            <a:pPr marL="0" marR="0" lvl="0" indent="0" algn="l" defTabSz="914400" rtl="0" eaLnBrk="0" fontAlgn="base" latinLnBrk="0" hangingPunct="0">
-              <a:lnSpc>
-                <a:spcPct val="100000"/>
-              </a:lnSpc>
-              <a:spcBef>
-                <a:spcPct val="0"/>
-              </a:spcBef>
-              <a:spcAft>
-                <a:spcPct val="0"/>
-              </a:spcAft>
-              <a:buClrTx/>
-              <a:buSzTx/>
-              <a:buFontTx/>
-              <a:buNone/>
-              <a:tabLst/>
-            </a:pPr>
-            <a:r>
-              <a:rPr kumimoji="0" lang="en-US" altLang="en-US" sz="800" b="0" i="0" u="none" strike="noStrike" cap="none" normalizeH="0" baseline="0" dirty="0">
-                <a:ln>
-                  <a:noFill/>
-                </a:ln>
-                <a:solidFill>
-                  <a:schemeClr val="tx1"/>
-                </a:solidFill>
-                <a:effectLst/>
-              </a:rPr>
-              <a:t> </a:t>
-            </a:r>
-            <a:endParaRPr kumimoji="0" lang="en-US" altLang="en-US" sz="1800" b="0" i="0" u="none" strike="noStrike" cap="none" normalizeH="0" baseline="0" dirty="0">
-              <a:ln>
-                <a:noFill/>
-              </a:ln>
-              <a:solidFill>
-                <a:schemeClr val="tx1"/>
-              </a:solidFill>
-              <a:effectLst/>
-              <a:latin typeface="Arial" panose="020B0604020202020204" pitchFamily="34" charset="0"/>
-            </a:endParaRPr>
-          </a:p>
-        </p:txBody>
-      </p:sp>
-    </p:spTree>
-    <p:extLst>
-      <p:ext uri="{BB962C8B-B14F-4D97-AF65-F5344CB8AC3E}">
-        <p14:creationId xmlns:p14="http://schemas.microsoft.com/office/powerpoint/2010/main" val="3855056731"/>
-      </p:ext>
-    </p:extLst>
-  </p:cSld>
-  <p:clrMapOvr>
-    <a:masterClrMapping/>
-  </p:clrMapOvr>
-</p:sld>
-</file>
-
-<file path=ppt/slides/slide25.xml><?xml version="1.0" encoding="utf-8"?>
-<p:sld xmlns:a="http://schemas.openxmlformats.org/drawingml/2006/main" xmlns:r="http://schemas.openxmlformats.org/officeDocument/2006/relationships" xmlns:p="http://schemas.openxmlformats.org/presentationml/2006/main">
-  <p:cSld>
-    <p:spTree>
-      <p:nvGrpSpPr>
-        <p:cNvPr id="1" name=""/>
-        <p:cNvGrpSpPr/>
-        <p:nvPr/>
-      </p:nvGrpSpPr>
-      <p:grpSpPr>
-        <a:xfrm>
-          <a:off x="0" y="0"/>
-          <a:ext cx="0" cy="0"/>
-          <a:chOff x="0" y="0"/>
-          <a:chExt cx="0" cy="0"/>
-        </a:xfrm>
-      </p:grpSpPr>
-      <p:sp>
-        <p:nvSpPr>
-          <p:cNvPr id="2" name="Title 1">
-            <a:extLst>
-              <a:ext uri="{FF2B5EF4-FFF2-40B4-BE49-F238E27FC236}">
-                <a16:creationId xmlns:a16="http://schemas.microsoft.com/office/drawing/2014/main" id="{F70752FB-0749-6E73-214D-0BCABBD3272C}"/>
-              </a:ext>
-            </a:extLst>
-          </p:cNvPr>
-          <p:cNvSpPr>
-            <a:spLocks noGrp="1"/>
-          </p:cNvSpPr>
-          <p:nvPr>
-            <p:ph type="title"/>
-          </p:nvPr>
-        </p:nvSpPr>
-        <p:spPr/>
-        <p:txBody>
-          <a:bodyPr/>
-          <a:lstStyle/>
-          <a:p>
-            <a:r>
-              <a:rPr lang="en-CA" dirty="0"/>
-              <a:t>Regression Analysis for 5 Most Safe </a:t>
-            </a:r>
-            <a:br>
-              <a:rPr lang="en-CA" dirty="0"/>
-            </a:br>
-            <a:r>
-              <a:rPr lang="en-CA" dirty="0"/>
-              <a:t>Neighborhoods</a:t>
-            </a:r>
-          </a:p>
-        </p:txBody>
-      </p:sp>
-      <p:sp>
-        <p:nvSpPr>
-          <p:cNvPr id="11" name="Content Placeholder 10">
-            <a:extLst>
-              <a:ext uri="{FF2B5EF4-FFF2-40B4-BE49-F238E27FC236}">
-                <a16:creationId xmlns:a16="http://schemas.microsoft.com/office/drawing/2014/main" id="{ECF19495-D46C-B566-020C-49AD96F38C4D}"/>
-              </a:ext>
-            </a:extLst>
-          </p:cNvPr>
-          <p:cNvSpPr>
-            <a:spLocks noGrp="1"/>
-          </p:cNvSpPr>
-          <p:nvPr>
-            <p:ph sz="half" idx="2"/>
-          </p:nvPr>
-        </p:nvSpPr>
-        <p:spPr/>
-        <p:txBody>
-          <a:bodyPr/>
-          <a:lstStyle/>
-          <a:p>
-            <a:r>
-              <a:rPr lang="en-US" altLang="en-US" dirty="0">
-                <a:solidFill>
-                  <a:srgbClr val="000000"/>
-                </a:solidFill>
-                <a:latin typeface="Courier New" panose="02070309020205020404" pitchFamily="49" charset="0"/>
-                <a:cs typeface="Courier New" panose="02070309020205020404" pitchFamily="49" charset="0"/>
-              </a:rPr>
-              <a:t>The r-squared is:</a:t>
-            </a:r>
-            <a:r>
-              <a:rPr kumimoji="0" lang="en-US" altLang="en-US" sz="2000" b="0" i="0" u="none" strike="noStrike" cap="none" normalizeH="0" baseline="0" dirty="0">
-                <a:ln>
-                  <a:noFill/>
-                </a:ln>
-                <a:solidFill>
-                  <a:srgbClr val="000000"/>
-                </a:solidFill>
-                <a:effectLst/>
-                <a:latin typeface="Courier New" panose="02070309020205020404" pitchFamily="49" charset="0"/>
-                <a:cs typeface="Courier New" panose="02070309020205020404" pitchFamily="49" charset="0"/>
-              </a:rPr>
-              <a:t> 12%</a:t>
-            </a:r>
-            <a:endParaRPr lang="en-US" altLang="en-US" dirty="0">
-              <a:solidFill>
-                <a:srgbClr val="000000"/>
-              </a:solidFill>
-              <a:latin typeface="Courier New" panose="02070309020205020404" pitchFamily="49" charset="0"/>
-              <a:cs typeface="Courier New" panose="02070309020205020404" pitchFamily="49" charset="0"/>
-            </a:endParaRPr>
-          </a:p>
-          <a:p>
-            <a:endParaRPr lang="en-CA" dirty="0"/>
-          </a:p>
-        </p:txBody>
-      </p:sp>
-      <p:sp>
-        <p:nvSpPr>
-          <p:cNvPr id="8" name="Rectangle 1">
-            <a:extLst>
-              <a:ext uri="{FF2B5EF4-FFF2-40B4-BE49-F238E27FC236}">
-                <a16:creationId xmlns:a16="http://schemas.microsoft.com/office/drawing/2014/main" id="{F1410BBA-68AE-34B0-2D8A-0C5BC109D97B}"/>
-              </a:ext>
-            </a:extLst>
-          </p:cNvPr>
-          <p:cNvSpPr>
-            <a:spLocks noChangeArrowheads="1"/>
-          </p:cNvSpPr>
-          <p:nvPr/>
-        </p:nvSpPr>
-        <p:spPr bwMode="auto">
-          <a:xfrm>
-            <a:off x="0" y="167044"/>
-            <a:ext cx="25648" cy="123111"/>
-          </a:xfrm>
-          <a:prstGeom prst="rect">
-            <a:avLst/>
-          </a:prstGeom>
-          <a:solidFill>
-            <a:srgbClr val="FFFFFF"/>
-          </a:solidFill>
-          <a:ln>
-            <a:noFill/>
-          </a:ln>
-          <a:effectLst/>
-          <a:extLst>
-            <a:ext uri="{91240B29-F687-4F45-9708-019B960494DF}">
-              <a14:hiddenLine xmlns:a14="http://schemas.microsoft.com/office/drawing/2010/main" w="9525">
-                <a:solidFill>
-                  <a:schemeClr val="tx1"/>
-                </a:solidFill>
-                <a:miter lim="800000"/>
-                <a:headEnd/>
-                <a:tailEnd/>
-              </a14:hiddenLine>
-            </a:ext>
-            <a:ext uri="{AF507438-7753-43E0-B8FC-AC1667EBCBE1}">
-              <a14:hiddenEffects xmlns:a14="http://schemas.microsoft.com/office/drawing/2010/main">
-                <a:effectLst>
-                  <a:outerShdw dist="35921" dir="2700000" algn="ctr" rotWithShape="0">
-                    <a:schemeClr val="bg2"/>
-                  </a:outerShdw>
-                </a:effectLst>
-              </a14:hiddenEffects>
-            </a:ext>
-          </a:extLst>
-        </p:spPr>
-        <p:txBody>
-          <a:bodyPr vert="horz" wrap="none" lIns="0" tIns="0" rIns="0" bIns="0" numCol="1" anchor="ctr" anchorCtr="0" compatLnSpc="1">
-            <a:prstTxWarp prst="textNoShape">
-              <a:avLst/>
-            </a:prstTxWarp>
-            <a:spAutoFit/>
-          </a:bodyPr>
-          <a:lstStyle/>
-          <a:p>
-            <a:pPr marL="0" marR="0" lvl="0" indent="0" algn="l" defTabSz="914400" rtl="0" eaLnBrk="0" fontAlgn="base" latinLnBrk="0" hangingPunct="0">
-              <a:lnSpc>
-                <a:spcPct val="100000"/>
-              </a:lnSpc>
-              <a:spcBef>
-                <a:spcPct val="0"/>
-              </a:spcBef>
-              <a:spcAft>
-                <a:spcPct val="0"/>
-              </a:spcAft>
-              <a:buClrTx/>
-              <a:buSzTx/>
-              <a:buFontTx/>
-              <a:buNone/>
-              <a:tabLst/>
-            </a:pPr>
-            <a:r>
-              <a:rPr kumimoji="0" lang="en-US" altLang="en-US" sz="800" b="0" i="0" u="none" strike="noStrike" cap="none" normalizeH="0" baseline="0" dirty="0">
-                <a:ln>
-                  <a:noFill/>
-                </a:ln>
-                <a:solidFill>
-                  <a:schemeClr val="tx1"/>
-                </a:solidFill>
-                <a:effectLst/>
-              </a:rPr>
-              <a:t> </a:t>
-            </a:r>
-            <a:endParaRPr kumimoji="0" lang="en-US" altLang="en-US" sz="1800" b="0" i="0" u="none" strike="noStrike" cap="none" normalizeH="0" baseline="0" dirty="0">
-              <a:ln>
-                <a:noFill/>
-              </a:ln>
-              <a:solidFill>
-                <a:schemeClr val="tx1"/>
-              </a:solidFill>
-              <a:effectLst/>
-              <a:latin typeface="Arial" panose="020B0604020202020204" pitchFamily="34" charset="0"/>
-            </a:endParaRPr>
-          </a:p>
-        </p:txBody>
-      </p:sp>
-      <p:pic>
-        <p:nvPicPr>
-          <p:cNvPr id="6" name="Content Placeholder 5">
-            <a:extLst>
-              <a:ext uri="{FF2B5EF4-FFF2-40B4-BE49-F238E27FC236}">
-                <a16:creationId xmlns:a16="http://schemas.microsoft.com/office/drawing/2014/main" id="{BB238F39-3F34-3289-8FDD-AF65B356FDEA}"/>
-              </a:ext>
-            </a:extLst>
-          </p:cNvPr>
-          <p:cNvPicPr>
-            <a:picLocks noGrp="1" noChangeAspect="1"/>
-          </p:cNvPicPr>
-          <p:nvPr>
-            <p:ph sz="quarter" idx="4"/>
-          </p:nvPr>
-        </p:nvPicPr>
-        <p:blipFill>
-          <a:blip r:embed="rId2"/>
-          <a:stretch>
-            <a:fillRect/>
-          </a:stretch>
-        </p:blipFill>
-        <p:spPr>
-          <a:xfrm>
-            <a:off x="5522886" y="2405575"/>
-            <a:ext cx="6192863" cy="4128576"/>
-          </a:xfrm>
-        </p:spPr>
-      </p:pic>
-      <p:sp>
-        <p:nvSpPr>
-          <p:cNvPr id="9" name="Rectangle 1">
-            <a:extLst>
-              <a:ext uri="{FF2B5EF4-FFF2-40B4-BE49-F238E27FC236}">
-                <a16:creationId xmlns:a16="http://schemas.microsoft.com/office/drawing/2014/main" id="{7F9B93F6-954F-0114-383C-EC5B33B7FD28}"/>
-              </a:ext>
-            </a:extLst>
-          </p:cNvPr>
-          <p:cNvSpPr>
-            <a:spLocks noChangeArrowheads="1"/>
-          </p:cNvSpPr>
-          <p:nvPr/>
-        </p:nvSpPr>
-        <p:spPr bwMode="auto">
-          <a:xfrm>
-            <a:off x="0" y="167044"/>
-            <a:ext cx="25648" cy="123111"/>
-          </a:xfrm>
-          <a:prstGeom prst="rect">
-            <a:avLst/>
-          </a:prstGeom>
-          <a:solidFill>
-            <a:srgbClr val="FFFFFF"/>
-          </a:solidFill>
-          <a:ln>
-            <a:noFill/>
-          </a:ln>
-          <a:effectLst/>
-          <a:extLst>
-            <a:ext uri="{91240B29-F687-4F45-9708-019B960494DF}">
-              <a14:hiddenLine xmlns:a14="http://schemas.microsoft.com/office/drawing/2010/main" w="9525">
-                <a:solidFill>
-                  <a:schemeClr val="tx1"/>
-                </a:solidFill>
-                <a:miter lim="800000"/>
-                <a:headEnd/>
-                <a:tailEnd/>
-              </a14:hiddenLine>
-            </a:ext>
-            <a:ext uri="{AF507438-7753-43E0-B8FC-AC1667EBCBE1}">
-              <a14:hiddenEffects xmlns:a14="http://schemas.microsoft.com/office/drawing/2010/main">
-                <a:effectLst>
-                  <a:outerShdw dist="35921" dir="2700000" algn="ctr" rotWithShape="0">
-                    <a:schemeClr val="bg2"/>
-                  </a:outerShdw>
-                </a:effectLst>
-              </a14:hiddenEffects>
-            </a:ext>
-          </a:extLst>
-        </p:spPr>
-        <p:txBody>
-          <a:bodyPr vert="horz" wrap="none" lIns="0" tIns="0" rIns="0" bIns="0" numCol="1" anchor="ctr" anchorCtr="0" compatLnSpc="1">
-            <a:prstTxWarp prst="textNoShape">
-              <a:avLst/>
-            </a:prstTxWarp>
-            <a:spAutoFit/>
-          </a:bodyPr>
-          <a:lstStyle/>
-          <a:p>
-            <a:pPr marL="0" marR="0" lvl="0" indent="0" algn="l" defTabSz="914400" rtl="0" eaLnBrk="0" fontAlgn="base" latinLnBrk="0" hangingPunct="0">
-              <a:lnSpc>
-                <a:spcPct val="100000"/>
-              </a:lnSpc>
-              <a:spcBef>
-                <a:spcPct val="0"/>
-              </a:spcBef>
-              <a:spcAft>
-                <a:spcPct val="0"/>
-              </a:spcAft>
-              <a:buClrTx/>
-              <a:buSzTx/>
-              <a:buFontTx/>
-              <a:buNone/>
-              <a:tabLst/>
-            </a:pPr>
-            <a:r>
-              <a:rPr kumimoji="0" lang="en-US" altLang="en-US" sz="800" b="0" i="0" u="none" strike="noStrike" cap="none" normalizeH="0" baseline="0" dirty="0">
-                <a:ln>
-                  <a:noFill/>
-                </a:ln>
-                <a:solidFill>
-                  <a:schemeClr val="tx1"/>
-                </a:solidFill>
-                <a:effectLst/>
-              </a:rPr>
-              <a:t> </a:t>
-            </a:r>
-            <a:endParaRPr kumimoji="0" lang="en-US" altLang="en-US" sz="1800" b="0" i="0" u="none" strike="noStrike" cap="none" normalizeH="0" baseline="0" dirty="0">
-              <a:ln>
-                <a:noFill/>
-              </a:ln>
-              <a:solidFill>
-                <a:schemeClr val="tx1"/>
-              </a:solidFill>
-              <a:effectLst/>
-              <a:latin typeface="Arial" panose="020B0604020202020204" pitchFamily="34" charset="0"/>
-            </a:endParaRPr>
-          </a:p>
-        </p:txBody>
-      </p:sp>
-    </p:spTree>
-    <p:extLst>
-      <p:ext uri="{BB962C8B-B14F-4D97-AF65-F5344CB8AC3E}">
-        <p14:creationId xmlns:p14="http://schemas.microsoft.com/office/powerpoint/2010/main" val="796000082"/>
-      </p:ext>
-    </p:extLst>
-  </p:cSld>
-  <p:clrMapOvr>
-    <a:masterClrMapping/>
-  </p:clrMapOvr>
-</p:sld>
-</file>
-
-<file path=ppt/slides/slide26.xml><?xml version="1.0" encoding="utf-8"?>
-<p:sld xmlns:a="http://schemas.openxmlformats.org/drawingml/2006/main" xmlns:r="http://schemas.openxmlformats.org/officeDocument/2006/relationships" xmlns:p="http://schemas.openxmlformats.org/presentationml/2006/main">
-  <p:cSld>
-    <p:spTree>
-      <p:nvGrpSpPr>
-        <p:cNvPr id="1" name=""/>
-        <p:cNvGrpSpPr/>
-        <p:nvPr/>
-      </p:nvGrpSpPr>
-      <p:grpSpPr>
-        <a:xfrm>
-          <a:off x="0" y="0"/>
-          <a:ext cx="0" cy="0"/>
-          <a:chOff x="0" y="0"/>
-          <a:chExt cx="0" cy="0"/>
-        </a:xfrm>
-      </p:grpSpPr>
-      <p:sp>
-        <p:nvSpPr>
-          <p:cNvPr id="2" name="Title 1">
-            <a:extLst>
-              <a:ext uri="{FF2B5EF4-FFF2-40B4-BE49-F238E27FC236}">
-                <a16:creationId xmlns:a16="http://schemas.microsoft.com/office/drawing/2014/main" id="{F70752FB-0749-6E73-214D-0BCABBD3272C}"/>
-              </a:ext>
-            </a:extLst>
-          </p:cNvPr>
-          <p:cNvSpPr>
-            <a:spLocks noGrp="1"/>
-          </p:cNvSpPr>
-          <p:nvPr>
-            <p:ph type="title"/>
-          </p:nvPr>
-        </p:nvSpPr>
-        <p:spPr/>
-        <p:txBody>
-          <a:bodyPr/>
-          <a:lstStyle/>
-          <a:p>
-            <a:r>
-              <a:rPr lang="en-CA" dirty="0"/>
-              <a:t>Regression Analysis for 5 Most Safe </a:t>
-            </a:r>
-            <a:br>
-              <a:rPr lang="en-CA" dirty="0"/>
-            </a:br>
-            <a:r>
-              <a:rPr lang="en-CA" dirty="0"/>
-              <a:t>Neighborhoods</a:t>
-            </a:r>
-          </a:p>
-        </p:txBody>
-      </p:sp>
-      <p:sp>
-        <p:nvSpPr>
-          <p:cNvPr id="11" name="Content Placeholder 10">
-            <a:extLst>
-              <a:ext uri="{FF2B5EF4-FFF2-40B4-BE49-F238E27FC236}">
-                <a16:creationId xmlns:a16="http://schemas.microsoft.com/office/drawing/2014/main" id="{ECF19495-D46C-B566-020C-49AD96F38C4D}"/>
-              </a:ext>
-            </a:extLst>
-          </p:cNvPr>
-          <p:cNvSpPr>
-            <a:spLocks noGrp="1"/>
-          </p:cNvSpPr>
-          <p:nvPr>
-            <p:ph sz="half" idx="2"/>
-          </p:nvPr>
-        </p:nvSpPr>
-        <p:spPr/>
-        <p:txBody>
-          <a:bodyPr/>
-          <a:lstStyle/>
-          <a:p>
-            <a:r>
-              <a:rPr lang="en-US" altLang="en-US" dirty="0">
-                <a:solidFill>
-                  <a:srgbClr val="000000"/>
-                </a:solidFill>
-                <a:latin typeface="Courier New" panose="02070309020205020404" pitchFamily="49" charset="0"/>
-                <a:cs typeface="Courier New" panose="02070309020205020404" pitchFamily="49" charset="0"/>
-              </a:rPr>
-              <a:t>The r-squared is:</a:t>
-            </a:r>
-            <a:r>
-              <a:rPr kumimoji="0" lang="en-US" altLang="en-US" sz="2000" b="0" i="0" u="none" strike="noStrike" cap="none" normalizeH="0" baseline="0" dirty="0">
-                <a:ln>
-                  <a:noFill/>
-                </a:ln>
-                <a:solidFill>
-                  <a:srgbClr val="000000"/>
-                </a:solidFill>
-                <a:effectLst/>
-                <a:latin typeface="Courier New" panose="02070309020205020404" pitchFamily="49" charset="0"/>
-                <a:cs typeface="Courier New" panose="02070309020205020404" pitchFamily="49" charset="0"/>
-              </a:rPr>
-              <a:t> 0.00%</a:t>
-            </a:r>
-            <a:r>
-              <a:rPr kumimoji="0" lang="en-US" altLang="en-US" sz="1600" b="0" i="0" u="none" strike="noStrike" cap="none" normalizeH="0" baseline="0" dirty="0">
-                <a:ln>
-                  <a:noFill/>
-                </a:ln>
-                <a:solidFill>
-                  <a:schemeClr val="tx1"/>
-                </a:solidFill>
-                <a:effectLst/>
-              </a:rPr>
-              <a:t> </a:t>
-            </a:r>
-            <a:endParaRPr kumimoji="0" lang="en-US" altLang="en-US" sz="4400" b="0" i="0" u="none" strike="noStrike" cap="none" normalizeH="0" baseline="0" dirty="0">
-              <a:ln>
-                <a:noFill/>
-              </a:ln>
-              <a:solidFill>
-                <a:schemeClr val="tx1"/>
-              </a:solidFill>
-              <a:effectLst/>
-              <a:latin typeface="Arial" panose="020B0604020202020204" pitchFamily="34" charset="0"/>
-            </a:endParaRPr>
-          </a:p>
-          <a:p>
-            <a:endParaRPr lang="en-US" altLang="en-US" dirty="0">
-              <a:solidFill>
-                <a:srgbClr val="000000"/>
-              </a:solidFill>
-              <a:latin typeface="Courier New" panose="02070309020205020404" pitchFamily="49" charset="0"/>
-              <a:cs typeface="Courier New" panose="02070309020205020404" pitchFamily="49" charset="0"/>
-            </a:endParaRPr>
-          </a:p>
-          <a:p>
-            <a:endParaRPr lang="en-CA" dirty="0"/>
-          </a:p>
-        </p:txBody>
-      </p:sp>
-      <p:sp>
-        <p:nvSpPr>
-          <p:cNvPr id="8" name="Rectangle 1">
-            <a:extLst>
-              <a:ext uri="{FF2B5EF4-FFF2-40B4-BE49-F238E27FC236}">
-                <a16:creationId xmlns:a16="http://schemas.microsoft.com/office/drawing/2014/main" id="{F1410BBA-68AE-34B0-2D8A-0C5BC109D97B}"/>
-              </a:ext>
-            </a:extLst>
-          </p:cNvPr>
-          <p:cNvSpPr>
-            <a:spLocks noChangeArrowheads="1"/>
-          </p:cNvSpPr>
-          <p:nvPr/>
-        </p:nvSpPr>
-        <p:spPr bwMode="auto">
-          <a:xfrm>
-            <a:off x="0" y="167044"/>
-            <a:ext cx="25648" cy="123111"/>
-          </a:xfrm>
-          <a:prstGeom prst="rect">
-            <a:avLst/>
-          </a:prstGeom>
-          <a:solidFill>
-            <a:srgbClr val="FFFFFF"/>
-          </a:solidFill>
-          <a:ln>
-            <a:noFill/>
-          </a:ln>
-          <a:effectLst/>
-          <a:extLst>
-            <a:ext uri="{91240B29-F687-4F45-9708-019B960494DF}">
-              <a14:hiddenLine xmlns:a14="http://schemas.microsoft.com/office/drawing/2010/main" w="9525">
-                <a:solidFill>
-                  <a:schemeClr val="tx1"/>
-                </a:solidFill>
-                <a:miter lim="800000"/>
-                <a:headEnd/>
-                <a:tailEnd/>
-              </a14:hiddenLine>
-            </a:ext>
-            <a:ext uri="{AF507438-7753-43E0-B8FC-AC1667EBCBE1}">
-              <a14:hiddenEffects xmlns:a14="http://schemas.microsoft.com/office/drawing/2010/main">
-                <a:effectLst>
-                  <a:outerShdw dist="35921" dir="2700000" algn="ctr" rotWithShape="0">
-                    <a:schemeClr val="bg2"/>
-                  </a:outerShdw>
-                </a:effectLst>
-              </a14:hiddenEffects>
-            </a:ext>
-          </a:extLst>
-        </p:spPr>
-        <p:txBody>
-          <a:bodyPr vert="horz" wrap="none" lIns="0" tIns="0" rIns="0" bIns="0" numCol="1" anchor="ctr" anchorCtr="0" compatLnSpc="1">
-            <a:prstTxWarp prst="textNoShape">
-              <a:avLst/>
-            </a:prstTxWarp>
-            <a:spAutoFit/>
-          </a:bodyPr>
-          <a:lstStyle/>
-          <a:p>
-            <a:pPr marL="0" marR="0" lvl="0" indent="0" algn="l" defTabSz="914400" rtl="0" eaLnBrk="0" fontAlgn="base" latinLnBrk="0" hangingPunct="0">
-              <a:lnSpc>
-                <a:spcPct val="100000"/>
-              </a:lnSpc>
-              <a:spcBef>
-                <a:spcPct val="0"/>
-              </a:spcBef>
-              <a:spcAft>
-                <a:spcPct val="0"/>
-              </a:spcAft>
-              <a:buClrTx/>
-              <a:buSzTx/>
-              <a:buFontTx/>
-              <a:buNone/>
-              <a:tabLst/>
-            </a:pPr>
-            <a:r>
-              <a:rPr kumimoji="0" lang="en-US" altLang="en-US" sz="800" b="0" i="0" u="none" strike="noStrike" cap="none" normalizeH="0" baseline="0" dirty="0">
-                <a:ln>
-                  <a:noFill/>
-                </a:ln>
-                <a:solidFill>
-                  <a:schemeClr val="tx1"/>
-                </a:solidFill>
-                <a:effectLst/>
-              </a:rPr>
-              <a:t> </a:t>
-            </a:r>
-            <a:endParaRPr kumimoji="0" lang="en-US" altLang="en-US" sz="1800" b="0" i="0" u="none" strike="noStrike" cap="none" normalizeH="0" baseline="0" dirty="0">
-              <a:ln>
-                <a:noFill/>
-              </a:ln>
-              <a:solidFill>
-                <a:schemeClr val="tx1"/>
-              </a:solidFill>
-              <a:effectLst/>
-              <a:latin typeface="Arial" panose="020B0604020202020204" pitchFamily="34" charset="0"/>
-            </a:endParaRPr>
-          </a:p>
-        </p:txBody>
-      </p:sp>
-      <p:sp>
-        <p:nvSpPr>
-          <p:cNvPr id="9" name="Rectangle 1">
-            <a:extLst>
-              <a:ext uri="{FF2B5EF4-FFF2-40B4-BE49-F238E27FC236}">
-                <a16:creationId xmlns:a16="http://schemas.microsoft.com/office/drawing/2014/main" id="{7F9B93F6-954F-0114-383C-EC5B33B7FD28}"/>
-              </a:ext>
-            </a:extLst>
-          </p:cNvPr>
-          <p:cNvSpPr>
-            <a:spLocks noChangeArrowheads="1"/>
-          </p:cNvSpPr>
-          <p:nvPr/>
-        </p:nvSpPr>
-        <p:spPr bwMode="auto">
-          <a:xfrm>
-            <a:off x="0" y="167044"/>
-            <a:ext cx="25648" cy="123111"/>
-          </a:xfrm>
-          <a:prstGeom prst="rect">
-            <a:avLst/>
-          </a:prstGeom>
-          <a:solidFill>
-            <a:srgbClr val="FFFFFF"/>
-          </a:solidFill>
-          <a:ln>
-            <a:noFill/>
-          </a:ln>
-          <a:effectLst/>
-          <a:extLst>
-            <a:ext uri="{91240B29-F687-4F45-9708-019B960494DF}">
-              <a14:hiddenLine xmlns:a14="http://schemas.microsoft.com/office/drawing/2010/main" w="9525">
-                <a:solidFill>
-                  <a:schemeClr val="tx1"/>
-                </a:solidFill>
-                <a:miter lim="800000"/>
-                <a:headEnd/>
-                <a:tailEnd/>
-              </a14:hiddenLine>
-            </a:ext>
-            <a:ext uri="{AF507438-7753-43E0-B8FC-AC1667EBCBE1}">
-              <a14:hiddenEffects xmlns:a14="http://schemas.microsoft.com/office/drawing/2010/main">
-                <a:effectLst>
-                  <a:outerShdw dist="35921" dir="2700000" algn="ctr" rotWithShape="0">
-                    <a:schemeClr val="bg2"/>
-                  </a:outerShdw>
-                </a:effectLst>
-              </a14:hiddenEffects>
-            </a:ext>
-          </a:extLst>
-        </p:spPr>
-        <p:txBody>
-          <a:bodyPr vert="horz" wrap="none" lIns="0" tIns="0" rIns="0" bIns="0" numCol="1" anchor="ctr" anchorCtr="0" compatLnSpc="1">
-            <a:prstTxWarp prst="textNoShape">
-              <a:avLst/>
-            </a:prstTxWarp>
-            <a:spAutoFit/>
-          </a:bodyPr>
-          <a:lstStyle/>
-          <a:p>
-            <a:pPr marL="0" marR="0" lvl="0" indent="0" algn="l" defTabSz="914400" rtl="0" eaLnBrk="0" fontAlgn="base" latinLnBrk="0" hangingPunct="0">
-              <a:lnSpc>
-                <a:spcPct val="100000"/>
-              </a:lnSpc>
-              <a:spcBef>
-                <a:spcPct val="0"/>
-              </a:spcBef>
-              <a:spcAft>
-                <a:spcPct val="0"/>
-              </a:spcAft>
-              <a:buClrTx/>
-              <a:buSzTx/>
-              <a:buFontTx/>
-              <a:buNone/>
-              <a:tabLst/>
-            </a:pPr>
-            <a:r>
-              <a:rPr kumimoji="0" lang="en-US" altLang="en-US" sz="800" b="0" i="0" u="none" strike="noStrike" cap="none" normalizeH="0" baseline="0" dirty="0">
-                <a:ln>
-                  <a:noFill/>
-                </a:ln>
-                <a:solidFill>
-                  <a:schemeClr val="tx1"/>
-                </a:solidFill>
-                <a:effectLst/>
-              </a:rPr>
-              <a:t> </a:t>
-            </a:r>
-            <a:endParaRPr kumimoji="0" lang="en-US" altLang="en-US" sz="1800" b="0" i="0" u="none" strike="noStrike" cap="none" normalizeH="0" baseline="0" dirty="0">
-              <a:ln>
-                <a:noFill/>
-              </a:ln>
-              <a:solidFill>
-                <a:schemeClr val="tx1"/>
-              </a:solidFill>
-              <a:effectLst/>
-              <a:latin typeface="Arial" panose="020B0604020202020204" pitchFamily="34" charset="0"/>
-            </a:endParaRPr>
-          </a:p>
-        </p:txBody>
-      </p:sp>
-      <p:pic>
-        <p:nvPicPr>
-          <p:cNvPr id="7" name="Content Placeholder 6">
-            <a:extLst>
-              <a:ext uri="{FF2B5EF4-FFF2-40B4-BE49-F238E27FC236}">
-                <a16:creationId xmlns:a16="http://schemas.microsoft.com/office/drawing/2014/main" id="{1A3BC8AA-4F5F-3F44-B93C-63B98F655E3A}"/>
-              </a:ext>
-            </a:extLst>
-          </p:cNvPr>
-          <p:cNvPicPr>
-            <a:picLocks noGrp="1" noChangeAspect="1"/>
-          </p:cNvPicPr>
-          <p:nvPr>
-            <p:ph sz="quarter" idx="4"/>
-          </p:nvPr>
-        </p:nvPicPr>
-        <p:blipFill>
-          <a:blip r:embed="rId2"/>
-          <a:stretch>
-            <a:fillRect/>
-          </a:stretch>
-        </p:blipFill>
-        <p:spPr>
-          <a:xfrm>
-            <a:off x="5769308" y="2433711"/>
-            <a:ext cx="6150659" cy="4100440"/>
-          </a:xfrm>
-        </p:spPr>
-      </p:pic>
-      <p:sp>
-        <p:nvSpPr>
-          <p:cNvPr id="10" name="Rectangle 1">
-            <a:extLst>
-              <a:ext uri="{FF2B5EF4-FFF2-40B4-BE49-F238E27FC236}">
-                <a16:creationId xmlns:a16="http://schemas.microsoft.com/office/drawing/2014/main" id="{862452C8-F5A8-EE19-DB84-DF016D73C7D5}"/>
-              </a:ext>
-            </a:extLst>
-          </p:cNvPr>
-          <p:cNvSpPr>
-            <a:spLocks noChangeArrowheads="1"/>
-          </p:cNvSpPr>
-          <p:nvPr/>
-        </p:nvSpPr>
-        <p:spPr bwMode="auto">
-          <a:xfrm>
-            <a:off x="0" y="90100"/>
-            <a:ext cx="65" cy="276999"/>
-          </a:xfrm>
-          <a:prstGeom prst="rect">
-            <a:avLst/>
-          </a:prstGeom>
-          <a:solidFill>
-            <a:srgbClr val="FFFFFF"/>
-          </a:solidFill>
-          <a:ln>
-            <a:noFill/>
-          </a:ln>
-          <a:effectLst/>
-          <a:extLst>
-            <a:ext uri="{91240B29-F687-4F45-9708-019B960494DF}">
-              <a14:hiddenLine xmlns:a14="http://schemas.microsoft.com/office/drawing/2010/main" w="9525">
-                <a:solidFill>
-                  <a:schemeClr val="tx1"/>
-                </a:solidFill>
-                <a:miter lim="800000"/>
-                <a:headEnd/>
-                <a:tailEnd/>
-              </a14:hiddenLine>
-            </a:ext>
-            <a:ext uri="{AF507438-7753-43E0-B8FC-AC1667EBCBE1}">
-              <a14:hiddenEffects xmlns:a14="http://schemas.microsoft.com/office/drawing/2010/main">
-                <a:effectLst>
-                  <a:outerShdw dist="35921" dir="2700000" algn="ctr" rotWithShape="0">
-                    <a:schemeClr val="bg2"/>
-                  </a:outerShdw>
-                </a:effectLst>
-              </a14:hiddenEffects>
-            </a:ext>
-          </a:extLst>
-        </p:spPr>
-        <p:txBody>
-          <a:bodyPr vert="horz" wrap="none" lIns="0" tIns="0" rIns="0" bIns="0" numCol="1" anchor="ctr" anchorCtr="0" compatLnSpc="1">
-            <a:prstTxWarp prst="textNoShape">
-              <a:avLst/>
-            </a:prstTxWarp>
-            <a:spAutoFit/>
-          </a:bodyPr>
-          <a:lstStyle/>
-          <a:p>
-            <a:pPr marL="0" marR="0" lvl="0" indent="0" algn="l" defTabSz="914400" rtl="0" eaLnBrk="0" fontAlgn="base" latinLnBrk="0" hangingPunct="0">
-              <a:lnSpc>
-                <a:spcPct val="100000"/>
-              </a:lnSpc>
-              <a:spcBef>
-                <a:spcPct val="0"/>
-              </a:spcBef>
-              <a:spcAft>
-                <a:spcPct val="0"/>
-              </a:spcAft>
-              <a:buClrTx/>
-              <a:buSzTx/>
-              <a:buFontTx/>
-              <a:buNone/>
-              <a:tabLst/>
-            </a:pPr>
-            <a:endParaRPr kumimoji="0" lang="en-US" altLang="en-US" sz="1800" b="0" i="0" u="none" strike="noStrike" cap="none" normalizeH="0" baseline="0" dirty="0">
-              <a:ln>
-                <a:noFill/>
-              </a:ln>
-              <a:solidFill>
-                <a:schemeClr val="tx1"/>
-              </a:solidFill>
-              <a:effectLst/>
-              <a:latin typeface="Arial" panose="020B0604020202020204" pitchFamily="34" charset="0"/>
-            </a:endParaRPr>
-          </a:p>
-        </p:txBody>
-      </p:sp>
-    </p:spTree>
-    <p:extLst>
-      <p:ext uri="{BB962C8B-B14F-4D97-AF65-F5344CB8AC3E}">
-        <p14:creationId xmlns:p14="http://schemas.microsoft.com/office/powerpoint/2010/main" val="952005636"/>
-      </p:ext>
-    </p:extLst>
-  </p:cSld>
-  <p:clrMapOvr>
-    <a:masterClrMapping/>
-  </p:clrMapOvr>
-</p:sld>
-</file>
-
-<file path=ppt/slides/slide27.xml><?xml version="1.0" encoding="utf-8"?>
-<p:sld xmlns:a="http://schemas.openxmlformats.org/drawingml/2006/main" xmlns:r="http://schemas.openxmlformats.org/officeDocument/2006/relationships" xmlns:p="http://schemas.openxmlformats.org/presentationml/2006/main">
-  <p:cSld>
-    <p:spTree>
-      <p:nvGrpSpPr>
-        <p:cNvPr id="1" name=""/>
-        <p:cNvGrpSpPr/>
-        <p:nvPr/>
-      </p:nvGrpSpPr>
-      <p:grpSpPr>
-        <a:xfrm>
-          <a:off x="0" y="0"/>
-          <a:ext cx="0" cy="0"/>
-          <a:chOff x="0" y="0"/>
-          <a:chExt cx="0" cy="0"/>
-        </a:xfrm>
-      </p:grpSpPr>
-      <p:sp>
-        <p:nvSpPr>
-          <p:cNvPr id="2" name="Title 1">
-            <a:extLst>
-              <a:ext uri="{FF2B5EF4-FFF2-40B4-BE49-F238E27FC236}">
-                <a16:creationId xmlns:a16="http://schemas.microsoft.com/office/drawing/2014/main" id="{F70752FB-0749-6E73-214D-0BCABBD3272C}"/>
-              </a:ext>
-            </a:extLst>
-          </p:cNvPr>
-          <p:cNvSpPr>
-            <a:spLocks noGrp="1"/>
-          </p:cNvSpPr>
-          <p:nvPr>
-            <p:ph type="title"/>
-          </p:nvPr>
-        </p:nvSpPr>
-        <p:spPr/>
-        <p:txBody>
-          <a:bodyPr/>
-          <a:lstStyle/>
-          <a:p>
-            <a:r>
-              <a:rPr lang="en-CA" dirty="0"/>
               <a:t>Regression Analysis for 5 Most Safe </a:t>
             </a:r>
             <a:br>
@@ -7426,7 +6837,7 @@
 </p:sld>
 </file>
 
-<file path=ppt/slides/slide28.xml><?xml version="1.0" encoding="utf-8"?>
+<file path=ppt/slides/slide21.xml><?xml version="1.0" encoding="utf-8"?>
 <p:sld xmlns:a="http://schemas.openxmlformats.org/drawingml/2006/main" xmlns:r="http://schemas.openxmlformats.org/officeDocument/2006/relationships" xmlns:p="http://schemas.openxmlformats.org/presentationml/2006/main">
   <p:cSld>
     <p:spTree>
@@ -7881,7 +7292,7 @@
 </p:sld>
 </file>
 
-<file path=ppt/slides/slide29.xml><?xml version="1.0" encoding="utf-8"?>
+<file path=ppt/slides/slide22.xml><?xml version="1.0" encoding="utf-8"?>
 <p:sld xmlns:a="http://schemas.openxmlformats.org/drawingml/2006/main" xmlns:r="http://schemas.openxmlformats.org/officeDocument/2006/relationships" xmlns:p="http://schemas.openxmlformats.org/presentationml/2006/main">
   <p:cSld>
     <p:spTree>
@@ -8437,7 +7848,7 @@
 </p:sld>
 </file>
 
-<file path=ppt/slides/slide3.xml><?xml version="1.0" encoding="utf-8"?>
+<file path=ppt/slides/slide23.xml><?xml version="1.0" encoding="utf-8"?>
 <p:sld xmlns:a="http://schemas.openxmlformats.org/drawingml/2006/main" xmlns:r="http://schemas.openxmlformats.org/officeDocument/2006/relationships" xmlns:p="http://schemas.openxmlformats.org/presentationml/2006/main">
   <p:cSld>
     <p:spTree>
@@ -8459,7 +7870,7 @@
           <p:cNvPr id="2" name="Title 1">
             <a:extLst>
               <a:ext uri="{FF2B5EF4-FFF2-40B4-BE49-F238E27FC236}">
-                <a16:creationId xmlns:a16="http://schemas.microsoft.com/office/drawing/2014/main" id="{08F6DCCF-81CB-EAA5-420A-F1E21683A02D}"/>
+                <a16:creationId xmlns:a16="http://schemas.microsoft.com/office/drawing/2014/main" id="{4AD75F1A-A857-CD13-799F-9953B7053E44}"/>
               </a:ext>
             </a:extLst>
           </p:cNvPr>
@@ -8470,276 +7881,21 @@
             <p:ph type="title"/>
           </p:nvPr>
         </p:nvSpPr>
-        <p:spPr/>
-        <p:txBody>
-          <a:bodyPr/>
-          <a:lstStyle/>
-          <a:p>
-            <a:r>
-              <a:rPr lang="en-CA" dirty="0"/>
-              <a:t>Data Sources</a:t>
-            </a:r>
-          </a:p>
-        </p:txBody>
-      </p:sp>
-      <p:sp>
-        <p:nvSpPr>
-          <p:cNvPr id="3" name="Content Placeholder 2">
-            <a:extLst>
-              <a:ext uri="{FF2B5EF4-FFF2-40B4-BE49-F238E27FC236}">
-                <a16:creationId xmlns:a16="http://schemas.microsoft.com/office/drawing/2014/main" id="{941BD0C8-BE10-C349-15BC-FFC2C5DEA7E5}"/>
-              </a:ext>
-            </a:extLst>
-          </p:cNvPr>
-          <p:cNvSpPr>
-            <a:spLocks noGrp="1"/>
-          </p:cNvSpPr>
-          <p:nvPr>
-            <p:ph idx="1"/>
-          </p:nvPr>
-        </p:nvSpPr>
         <p:spPr>
           <a:xfrm>
-            <a:off x="819397" y="1681843"/>
-            <a:ext cx="11150929" cy="4885212"/>
+            <a:off x="2707575" y="2704606"/>
+            <a:ext cx="8858993" cy="2116777"/>
           </a:xfrm>
         </p:spPr>
         <p:txBody>
           <a:bodyPr>
-            <a:normAutofit fontScale="92500" lnSpcReduction="20000"/>
+            <a:normAutofit/>
           </a:bodyPr>
           <a:lstStyle/>
           <a:p>
-            <a:pPr algn="l"/>
-            <a:r>
-              <a:rPr lang="en-CA" b="0" i="0" dirty="0">
-                <a:solidFill>
-                  <a:srgbClr val="24292F"/>
-                </a:solidFill>
-                <a:effectLst/>
-                <a:latin typeface="-apple-system"/>
-              </a:rPr>
-              <a:t>Toronto Major Crime Indicators</a:t>
-            </a:r>
-          </a:p>
-          <a:p>
-            <a:pPr lvl="1"/>
-            <a:r>
-              <a:rPr lang="en-CA" b="0" i="0" dirty="0">
-                <a:solidFill>
-                  <a:srgbClr val="24292F"/>
-                </a:solidFill>
-                <a:effectLst/>
-                <a:latin typeface="-apple-system"/>
-                <a:hlinkClick r:id="rId2"/>
-              </a:rPr>
-              <a:t>https://data.torontopolice.on.ca/search?q=crime</a:t>
-            </a:r>
-            <a:endParaRPr lang="en-CA" i="0" dirty="0">
-              <a:solidFill>
-                <a:srgbClr val="24292F"/>
-              </a:solidFill>
-              <a:latin typeface="-apple-system"/>
-            </a:endParaRPr>
-          </a:p>
-          <a:p>
-            <a:pPr lvl="1"/>
-            <a:r>
-              <a:rPr lang="en-US" b="0" i="0" dirty="0">
-                <a:solidFill>
-                  <a:srgbClr val="24292F"/>
-                </a:solidFill>
-                <a:effectLst/>
-                <a:latin typeface="-apple-system"/>
-              </a:rPr>
-              <a:t>This dataset includes all Major Crime Indicators (MCI) occurrences by reported date and related offences from 2014 to June 30, 2022</a:t>
-            </a:r>
-          </a:p>
-          <a:p>
-            <a:pPr lvl="1"/>
-            <a:r>
-              <a:rPr lang="en-US" b="0" i="0" dirty="0">
-                <a:solidFill>
-                  <a:srgbClr val="24292F"/>
-                </a:solidFill>
-                <a:effectLst/>
-                <a:latin typeface="-apple-system"/>
-              </a:rPr>
-              <a:t>Maintained by Toronto Police Service</a:t>
-            </a:r>
-            <a:r>
-              <a:rPr lang="en-CA" b="0" i="0" dirty="0">
-                <a:solidFill>
-                  <a:srgbClr val="24292F"/>
-                </a:solidFill>
-                <a:effectLst/>
-                <a:latin typeface="-apple-system"/>
-              </a:rPr>
-              <a:t> </a:t>
-            </a:r>
-          </a:p>
-          <a:p>
-            <a:pPr lvl="1"/>
-            <a:r>
-              <a:rPr lang="en-CA" b="0" i="0" dirty="0">
-                <a:solidFill>
-                  <a:srgbClr val="24292F"/>
-                </a:solidFill>
-                <a:effectLst/>
-                <a:latin typeface="-apple-system"/>
-              </a:rPr>
-              <a:t>CVS Format via GUI Download</a:t>
-            </a:r>
-          </a:p>
-          <a:p>
-            <a:pPr algn="l"/>
-            <a:r>
-              <a:rPr lang="en-CA" b="0" i="0" strike="noStrike" dirty="0">
-                <a:solidFill>
-                  <a:schemeClr val="tx1"/>
-                </a:solidFill>
-                <a:effectLst/>
-                <a:latin typeface="-apple-system"/>
-              </a:rPr>
-              <a:t>Toronto Open Data</a:t>
-            </a:r>
-          </a:p>
-          <a:p>
-            <a:pPr lvl="1"/>
-            <a:r>
-              <a:rPr lang="en-CA" b="0" i="0" strike="noStrike" dirty="0">
-                <a:solidFill>
-                  <a:schemeClr val="tx1"/>
-                </a:solidFill>
-                <a:effectLst/>
-                <a:latin typeface="-apple-system"/>
-                <a:hlinkClick r:id="rId3">
-                  <a:extLst>
-                    <a:ext uri="{A12FA001-AC4F-418D-AE19-62706E023703}">
-                      <ahyp:hlinkClr xmlns:ahyp="http://schemas.microsoft.com/office/drawing/2018/hyperlinkcolor" val="tx"/>
-                    </a:ext>
-                  </a:extLst>
-                </a:hlinkClick>
-              </a:rPr>
-              <a:t>https://open.toronto.ca/dataset/neighbourhood-profiles/</a:t>
-            </a:r>
-          </a:p>
-          <a:p>
-            <a:pPr lvl="1"/>
-            <a:r>
-              <a:rPr lang="en-CA" b="0" i="0" strike="noStrike" dirty="0">
-                <a:solidFill>
-                  <a:schemeClr val="tx1"/>
-                </a:solidFill>
-                <a:effectLst/>
-                <a:latin typeface="-apple-system"/>
-              </a:rPr>
-              <a:t>Census data collected and maintained by the City of Toronto</a:t>
-            </a:r>
-          </a:p>
-          <a:p>
-            <a:pPr lvl="1"/>
-            <a:r>
-              <a:rPr lang="en-CA" b="0" i="0" strike="noStrike" dirty="0">
-                <a:solidFill>
-                  <a:schemeClr val="tx1"/>
-                </a:solidFill>
-                <a:effectLst/>
-                <a:latin typeface="-apple-system"/>
-              </a:rPr>
-              <a:t>Text format via API Request</a:t>
-            </a:r>
-          </a:p>
-          <a:p>
-            <a:pPr lvl="1"/>
-            <a:endParaRPr lang="en-CA" b="0" i="0" u="none" strike="noStrike" dirty="0">
-              <a:solidFill>
-                <a:schemeClr val="tx1"/>
-              </a:solidFill>
-              <a:effectLst/>
-              <a:latin typeface="-apple-system"/>
-              <a:hlinkClick r:id="rId3">
-                <a:extLst>
-                  <a:ext uri="{A12FA001-AC4F-418D-AE19-62706E023703}">
-                    <ahyp:hlinkClr xmlns:ahyp="http://schemas.microsoft.com/office/drawing/2018/hyperlinkcolor" val="tx"/>
-                  </a:ext>
-                </a:extLst>
-              </a:hlinkClick>
-            </a:endParaRPr>
-          </a:p>
-          <a:p>
-            <a:pPr algn="l"/>
-            <a:r>
-              <a:rPr lang="en-CA" b="0" i="0" u="none" strike="noStrike" dirty="0">
-                <a:solidFill>
-                  <a:schemeClr val="tx1"/>
-                </a:solidFill>
-                <a:effectLst/>
-                <a:latin typeface="-apple-system"/>
-              </a:rPr>
-              <a:t>Google Maps API</a:t>
-            </a:r>
-          </a:p>
-          <a:p>
-            <a:pPr lvl="1"/>
-            <a:r>
-              <a:rPr lang="en-CA" b="0" i="0" dirty="0">
-                <a:solidFill>
-                  <a:schemeClr val="tx1"/>
-                </a:solidFill>
-                <a:effectLst/>
-                <a:latin typeface="-apple-system"/>
-              </a:rPr>
-              <a:t> </a:t>
-            </a:r>
-            <a:r>
-              <a:rPr lang="en-CA" b="0" i="0" u="none" strike="noStrike" dirty="0">
-                <a:solidFill>
-                  <a:schemeClr val="tx1"/>
-                </a:solidFill>
-                <a:effectLst/>
-                <a:latin typeface="-apple-system"/>
-                <a:hlinkClick r:id="rId4">
-                  <a:extLst>
-                    <a:ext uri="{A12FA001-AC4F-418D-AE19-62706E023703}">
-                      <ahyp:hlinkClr xmlns:ahyp="http://schemas.microsoft.com/office/drawing/2018/hyperlinkcolor" val="tx"/>
-                    </a:ext>
-                  </a:extLst>
-                </a:hlinkClick>
-              </a:rPr>
-              <a:t>https://developers.google.com/maps</a:t>
-            </a:r>
-            <a:endParaRPr lang="en-CA" b="0" i="0" u="none" strike="noStrike" dirty="0">
-              <a:solidFill>
-                <a:schemeClr val="tx1"/>
-              </a:solidFill>
-              <a:effectLst/>
-              <a:latin typeface="-apple-system"/>
-            </a:endParaRPr>
-          </a:p>
-          <a:p>
-            <a:pPr lvl="1"/>
-            <a:r>
-              <a:rPr lang="en-CA" i="0" dirty="0">
-                <a:solidFill>
-                  <a:schemeClr val="tx1"/>
-                </a:solidFill>
-                <a:latin typeface="-apple-system"/>
-              </a:rPr>
-              <a:t>Google maintained location data</a:t>
-            </a:r>
-          </a:p>
-          <a:p>
-            <a:pPr lvl="1"/>
-            <a:r>
-              <a:rPr lang="en-CA" b="0" i="0" dirty="0">
-                <a:solidFill>
-                  <a:schemeClr val="tx1"/>
-                </a:solidFill>
-                <a:effectLst/>
-                <a:latin typeface="-apple-system"/>
-              </a:rPr>
-              <a:t>JSON format via API request</a:t>
+            <a:r>
+              <a:rPr lang="en-CA" sz="5400" dirty="0"/>
+              <a:t>Categorical Results</a:t>
             </a:r>
           </a:p>
         </p:txBody>
@@ -8747,7 +7903,7 @@
     </p:spTree>
     <p:extLst>
       <p:ext uri="{BB962C8B-B14F-4D97-AF65-F5344CB8AC3E}">
-        <p14:creationId xmlns:p14="http://schemas.microsoft.com/office/powerpoint/2010/main" val="3803339574"/>
+        <p14:creationId xmlns:p14="http://schemas.microsoft.com/office/powerpoint/2010/main" val="2997289025"/>
       </p:ext>
     </p:extLst>
   </p:cSld>
@@ -8757,7 +7913,442 @@
 </p:sld>
 </file>
 
-<file path=ppt/slides/slide30.xml><?xml version="1.0" encoding="utf-8"?>
+<file path=ppt/slides/slide24.xml><?xml version="1.0" encoding="utf-8"?>
+<p:sld xmlns:a="http://schemas.openxmlformats.org/drawingml/2006/main" xmlns:r="http://schemas.openxmlformats.org/officeDocument/2006/relationships" xmlns:p="http://schemas.openxmlformats.org/presentationml/2006/main">
+  <p:cSld>
+    <p:spTree>
+      <p:nvGrpSpPr>
+        <p:cNvPr id="1" name=""/>
+        <p:cNvGrpSpPr/>
+        <p:nvPr/>
+      </p:nvGrpSpPr>
+      <p:grpSpPr>
+        <a:xfrm>
+          <a:off x="0" y="0"/>
+          <a:ext cx="0" cy="0"/>
+          <a:chOff x="0" y="0"/>
+          <a:chExt cx="0" cy="0"/>
+        </a:xfrm>
+      </p:grpSpPr>
+      <p:sp>
+        <p:nvSpPr>
+          <p:cNvPr id="2" name="Title 1">
+            <a:extLst>
+              <a:ext uri="{FF2B5EF4-FFF2-40B4-BE49-F238E27FC236}">
+                <a16:creationId xmlns:a16="http://schemas.microsoft.com/office/drawing/2014/main" id="{F41FB0B3-C0EC-49B1-10F9-DCF5D266C164}"/>
+              </a:ext>
+            </a:extLst>
+          </p:cNvPr>
+          <p:cNvSpPr>
+            <a:spLocks noGrp="1"/>
+          </p:cNvSpPr>
+          <p:nvPr>
+            <p:ph type="title"/>
+          </p:nvPr>
+        </p:nvSpPr>
+        <p:spPr/>
+        <p:txBody>
+          <a:bodyPr/>
+          <a:lstStyle/>
+          <a:p>
+            <a:r>
+              <a:rPr lang="en-CA" dirty="0"/>
+              <a:t>What type of Crimes happen in GTA?</a:t>
+            </a:r>
+          </a:p>
+        </p:txBody>
+      </p:sp>
+      <p:pic>
+        <p:nvPicPr>
+          <p:cNvPr id="5" name="Content Placeholder 4">
+            <a:extLst>
+              <a:ext uri="{FF2B5EF4-FFF2-40B4-BE49-F238E27FC236}">
+                <a16:creationId xmlns:a16="http://schemas.microsoft.com/office/drawing/2014/main" id="{BFF021D4-DFE0-7DBC-0936-D12D6E786CFA}"/>
+              </a:ext>
+            </a:extLst>
+          </p:cNvPr>
+          <p:cNvPicPr>
+            <a:picLocks noGrp="1" noChangeAspect="1"/>
+          </p:cNvPicPr>
+          <p:nvPr>
+            <p:ph idx="1"/>
+          </p:nvPr>
+        </p:nvPicPr>
+        <p:blipFill>
+          <a:blip r:embed="rId2"/>
+          <a:stretch>
+            <a:fillRect/>
+          </a:stretch>
+        </p:blipFill>
+        <p:spPr>
+          <a:xfrm>
+            <a:off x="3486150" y="2286000"/>
+            <a:ext cx="5372100" cy="3581400"/>
+          </a:xfrm>
+        </p:spPr>
+      </p:pic>
+    </p:spTree>
+    <p:extLst>
+      <p:ext uri="{BB962C8B-B14F-4D97-AF65-F5344CB8AC3E}">
+        <p14:creationId xmlns:p14="http://schemas.microsoft.com/office/powerpoint/2010/main" val="1988094546"/>
+      </p:ext>
+    </p:extLst>
+  </p:cSld>
+  <p:clrMapOvr>
+    <a:masterClrMapping/>
+  </p:clrMapOvr>
+</p:sld>
+</file>
+
+<file path=ppt/slides/slide25.xml><?xml version="1.0" encoding="utf-8"?>
+<p:sld xmlns:a="http://schemas.openxmlformats.org/drawingml/2006/main" xmlns:r="http://schemas.openxmlformats.org/officeDocument/2006/relationships" xmlns:p="http://schemas.openxmlformats.org/presentationml/2006/main">
+  <p:cSld>
+    <p:spTree>
+      <p:nvGrpSpPr>
+        <p:cNvPr id="1" name=""/>
+        <p:cNvGrpSpPr/>
+        <p:nvPr/>
+      </p:nvGrpSpPr>
+      <p:grpSpPr>
+        <a:xfrm>
+          <a:off x="0" y="0"/>
+          <a:ext cx="0" cy="0"/>
+          <a:chOff x="0" y="0"/>
+          <a:chExt cx="0" cy="0"/>
+        </a:xfrm>
+      </p:grpSpPr>
+      <p:sp>
+        <p:nvSpPr>
+          <p:cNvPr id="2" name="Title 1">
+            <a:extLst>
+              <a:ext uri="{FF2B5EF4-FFF2-40B4-BE49-F238E27FC236}">
+                <a16:creationId xmlns:a16="http://schemas.microsoft.com/office/drawing/2014/main" id="{F41FB0B3-C0EC-49B1-10F9-DCF5D266C164}"/>
+              </a:ext>
+            </a:extLst>
+          </p:cNvPr>
+          <p:cNvSpPr>
+            <a:spLocks noGrp="1"/>
+          </p:cNvSpPr>
+          <p:nvPr>
+            <p:ph type="title"/>
+          </p:nvPr>
+        </p:nvSpPr>
+        <p:spPr/>
+        <p:txBody>
+          <a:bodyPr/>
+          <a:lstStyle/>
+          <a:p>
+            <a:r>
+              <a:rPr lang="en-CA" dirty="0"/>
+              <a:t>What are crime rates per Premises Type?</a:t>
+            </a:r>
+          </a:p>
+        </p:txBody>
+      </p:sp>
+      <p:pic>
+        <p:nvPicPr>
+          <p:cNvPr id="5" name="Content Placeholder 4">
+            <a:extLst>
+              <a:ext uri="{FF2B5EF4-FFF2-40B4-BE49-F238E27FC236}">
+                <a16:creationId xmlns:a16="http://schemas.microsoft.com/office/drawing/2014/main" id="{F9D1F2B8-5D68-6D3E-C624-7E3661D17562}"/>
+              </a:ext>
+            </a:extLst>
+          </p:cNvPr>
+          <p:cNvPicPr>
+            <a:picLocks noGrp="1" noChangeAspect="1"/>
+          </p:cNvPicPr>
+          <p:nvPr>
+            <p:ph idx="1"/>
+          </p:nvPr>
+        </p:nvPicPr>
+        <p:blipFill>
+          <a:blip r:embed="rId2"/>
+          <a:stretch>
+            <a:fillRect/>
+          </a:stretch>
+        </p:blipFill>
+        <p:spPr>
+          <a:xfrm>
+            <a:off x="3756563" y="2171700"/>
+            <a:ext cx="5372100" cy="3581400"/>
+          </a:xfrm>
+        </p:spPr>
+      </p:pic>
+    </p:spTree>
+    <p:extLst>
+      <p:ext uri="{BB962C8B-B14F-4D97-AF65-F5344CB8AC3E}">
+        <p14:creationId xmlns:p14="http://schemas.microsoft.com/office/powerpoint/2010/main" val="1186539443"/>
+      </p:ext>
+    </p:extLst>
+  </p:cSld>
+  <p:clrMapOvr>
+    <a:masterClrMapping/>
+  </p:clrMapOvr>
+</p:sld>
+</file>
+
+<file path=ppt/slides/slide26.xml><?xml version="1.0" encoding="utf-8"?>
+<p:sld xmlns:a="http://schemas.openxmlformats.org/drawingml/2006/main" xmlns:r="http://schemas.openxmlformats.org/officeDocument/2006/relationships" xmlns:p="http://schemas.openxmlformats.org/presentationml/2006/main">
+  <p:cSld>
+    <p:spTree>
+      <p:nvGrpSpPr>
+        <p:cNvPr id="1" name=""/>
+        <p:cNvGrpSpPr/>
+        <p:nvPr/>
+      </p:nvGrpSpPr>
+      <p:grpSpPr>
+        <a:xfrm>
+          <a:off x="0" y="0"/>
+          <a:ext cx="0" cy="0"/>
+          <a:chOff x="0" y="0"/>
+          <a:chExt cx="0" cy="0"/>
+        </a:xfrm>
+      </p:grpSpPr>
+      <p:sp>
+        <p:nvSpPr>
+          <p:cNvPr id="2" name="Title 1">
+            <a:extLst>
+              <a:ext uri="{FF2B5EF4-FFF2-40B4-BE49-F238E27FC236}">
+                <a16:creationId xmlns:a16="http://schemas.microsoft.com/office/drawing/2014/main" id="{8ACAEE24-9689-6BB3-9C7D-1E5EBE4CB1D6}"/>
+              </a:ext>
+            </a:extLst>
+          </p:cNvPr>
+          <p:cNvSpPr>
+            <a:spLocks noGrp="1"/>
+          </p:cNvSpPr>
+          <p:nvPr>
+            <p:ph type="title"/>
+          </p:nvPr>
+        </p:nvSpPr>
+        <p:spPr/>
+        <p:txBody>
+          <a:bodyPr/>
+          <a:lstStyle/>
+          <a:p>
+            <a:r>
+              <a:rPr lang="en-CA" dirty="0"/>
+              <a:t>What are crime rates in different seasons?</a:t>
+            </a:r>
+          </a:p>
+        </p:txBody>
+      </p:sp>
+      <p:pic>
+        <p:nvPicPr>
+          <p:cNvPr id="5" name="Content Placeholder 4">
+            <a:extLst>
+              <a:ext uri="{FF2B5EF4-FFF2-40B4-BE49-F238E27FC236}">
+                <a16:creationId xmlns:a16="http://schemas.microsoft.com/office/drawing/2014/main" id="{69A6BBD4-0027-FD67-7F4A-683BF19A1CD6}"/>
+              </a:ext>
+            </a:extLst>
+          </p:cNvPr>
+          <p:cNvPicPr>
+            <a:picLocks noGrp="1" noChangeAspect="1"/>
+          </p:cNvPicPr>
+          <p:nvPr>
+            <p:ph idx="1"/>
+          </p:nvPr>
+        </p:nvPicPr>
+        <p:blipFill>
+          <a:blip r:embed="rId2"/>
+          <a:stretch>
+            <a:fillRect/>
+          </a:stretch>
+        </p:blipFill>
+        <p:spPr>
+          <a:xfrm>
+            <a:off x="3486150" y="2286000"/>
+            <a:ext cx="5372100" cy="3581400"/>
+          </a:xfrm>
+        </p:spPr>
+      </p:pic>
+    </p:spTree>
+    <p:extLst>
+      <p:ext uri="{BB962C8B-B14F-4D97-AF65-F5344CB8AC3E}">
+        <p14:creationId xmlns:p14="http://schemas.microsoft.com/office/powerpoint/2010/main" val="2304800371"/>
+      </p:ext>
+    </p:extLst>
+  </p:cSld>
+  <p:clrMapOvr>
+    <a:masterClrMapping/>
+  </p:clrMapOvr>
+</p:sld>
+</file>
+
+<file path=ppt/slides/slide27.xml><?xml version="1.0" encoding="utf-8"?>
+<p:sld xmlns:a="http://schemas.openxmlformats.org/drawingml/2006/main" xmlns:r="http://schemas.openxmlformats.org/officeDocument/2006/relationships" xmlns:p="http://schemas.openxmlformats.org/presentationml/2006/main">
+  <p:cSld>
+    <p:spTree>
+      <p:nvGrpSpPr>
+        <p:cNvPr id="1" name=""/>
+        <p:cNvGrpSpPr/>
+        <p:nvPr/>
+      </p:nvGrpSpPr>
+      <p:grpSpPr>
+        <a:xfrm>
+          <a:off x="0" y="0"/>
+          <a:ext cx="0" cy="0"/>
+          <a:chOff x="0" y="0"/>
+          <a:chExt cx="0" cy="0"/>
+        </a:xfrm>
+      </p:grpSpPr>
+      <p:sp>
+        <p:nvSpPr>
+          <p:cNvPr id="2" name="Title 1">
+            <a:extLst>
+              <a:ext uri="{FF2B5EF4-FFF2-40B4-BE49-F238E27FC236}">
+                <a16:creationId xmlns:a16="http://schemas.microsoft.com/office/drawing/2014/main" id="{C6BCE2EE-C4BE-5823-99C1-66485637BBFE}"/>
+              </a:ext>
+            </a:extLst>
+          </p:cNvPr>
+          <p:cNvSpPr>
+            <a:spLocks noGrp="1"/>
+          </p:cNvSpPr>
+          <p:nvPr>
+            <p:ph type="title"/>
+          </p:nvPr>
+        </p:nvSpPr>
+        <p:spPr/>
+        <p:txBody>
+          <a:bodyPr/>
+          <a:lstStyle/>
+          <a:p>
+            <a:r>
+              <a:rPr lang="en-CA" dirty="0"/>
+              <a:t>Crime rate is more of less during weekend or weekday?</a:t>
+            </a:r>
+          </a:p>
+        </p:txBody>
+      </p:sp>
+      <p:pic>
+        <p:nvPicPr>
+          <p:cNvPr id="5" name="Content Placeholder 4">
+            <a:extLst>
+              <a:ext uri="{FF2B5EF4-FFF2-40B4-BE49-F238E27FC236}">
+                <a16:creationId xmlns:a16="http://schemas.microsoft.com/office/drawing/2014/main" id="{B5DA33C7-F6D2-B6A5-BF28-BA06B2F145E3}"/>
+              </a:ext>
+            </a:extLst>
+          </p:cNvPr>
+          <p:cNvPicPr>
+            <a:picLocks noGrp="1" noChangeAspect="1"/>
+          </p:cNvPicPr>
+          <p:nvPr>
+            <p:ph idx="1"/>
+          </p:nvPr>
+        </p:nvPicPr>
+        <p:blipFill>
+          <a:blip r:embed="rId2"/>
+          <a:stretch>
+            <a:fillRect/>
+          </a:stretch>
+        </p:blipFill>
+        <p:spPr>
+          <a:xfrm>
+            <a:off x="3486150" y="2286000"/>
+            <a:ext cx="5372100" cy="3581400"/>
+          </a:xfrm>
+        </p:spPr>
+      </p:pic>
+    </p:spTree>
+    <p:extLst>
+      <p:ext uri="{BB962C8B-B14F-4D97-AF65-F5344CB8AC3E}">
+        <p14:creationId xmlns:p14="http://schemas.microsoft.com/office/powerpoint/2010/main" val="2353076344"/>
+      </p:ext>
+    </p:extLst>
+  </p:cSld>
+  <p:clrMapOvr>
+    <a:masterClrMapping/>
+  </p:clrMapOvr>
+</p:sld>
+</file>
+
+<file path=ppt/slides/slide28.xml><?xml version="1.0" encoding="utf-8"?>
+<p:sld xmlns:a="http://schemas.openxmlformats.org/drawingml/2006/main" xmlns:r="http://schemas.openxmlformats.org/officeDocument/2006/relationships" xmlns:p="http://schemas.openxmlformats.org/presentationml/2006/main">
+  <p:cSld>
+    <p:spTree>
+      <p:nvGrpSpPr>
+        <p:cNvPr id="1" name=""/>
+        <p:cNvGrpSpPr/>
+        <p:nvPr/>
+      </p:nvGrpSpPr>
+      <p:grpSpPr>
+        <a:xfrm>
+          <a:off x="0" y="0"/>
+          <a:ext cx="0" cy="0"/>
+          <a:chOff x="0" y="0"/>
+          <a:chExt cx="0" cy="0"/>
+        </a:xfrm>
+      </p:grpSpPr>
+      <p:sp>
+        <p:nvSpPr>
+          <p:cNvPr id="2" name="Title 1">
+            <a:extLst>
+              <a:ext uri="{FF2B5EF4-FFF2-40B4-BE49-F238E27FC236}">
+                <a16:creationId xmlns:a16="http://schemas.microsoft.com/office/drawing/2014/main" id="{7EB92946-A8D2-55A4-5EAF-E66CA7C7935F}"/>
+              </a:ext>
+            </a:extLst>
+          </p:cNvPr>
+          <p:cNvSpPr>
+            <a:spLocks noGrp="1"/>
+          </p:cNvSpPr>
+          <p:nvPr>
+            <p:ph type="title"/>
+          </p:nvPr>
+        </p:nvSpPr>
+        <p:spPr/>
+        <p:txBody>
+          <a:bodyPr/>
+          <a:lstStyle/>
+          <a:p>
+            <a:r>
+              <a:rPr lang="en-CA" dirty="0"/>
+              <a:t>What Time of day the crime rate are more?</a:t>
+            </a:r>
+          </a:p>
+        </p:txBody>
+      </p:sp>
+      <p:pic>
+        <p:nvPicPr>
+          <p:cNvPr id="5" name="Content Placeholder 4">
+            <a:extLst>
+              <a:ext uri="{FF2B5EF4-FFF2-40B4-BE49-F238E27FC236}">
+                <a16:creationId xmlns:a16="http://schemas.microsoft.com/office/drawing/2014/main" id="{309DEC54-CAA7-BF6F-2DF2-AF771B565721}"/>
+              </a:ext>
+            </a:extLst>
+          </p:cNvPr>
+          <p:cNvPicPr>
+            <a:picLocks noGrp="1" noChangeAspect="1"/>
+          </p:cNvPicPr>
+          <p:nvPr>
+            <p:ph idx="1"/>
+          </p:nvPr>
+        </p:nvPicPr>
+        <p:blipFill>
+          <a:blip r:embed="rId2"/>
+          <a:stretch>
+            <a:fillRect/>
+          </a:stretch>
+        </p:blipFill>
+        <p:spPr>
+          <a:xfrm>
+            <a:off x="3486150" y="2286000"/>
+            <a:ext cx="5372100" cy="3581400"/>
+          </a:xfrm>
+        </p:spPr>
+      </p:pic>
+    </p:spTree>
+    <p:extLst>
+      <p:ext uri="{BB962C8B-B14F-4D97-AF65-F5344CB8AC3E}">
+        <p14:creationId xmlns:p14="http://schemas.microsoft.com/office/powerpoint/2010/main" val="2624519925"/>
+      </p:ext>
+    </p:extLst>
+  </p:cSld>
+  <p:clrMapOvr>
+    <a:masterClrMapping/>
+  </p:clrMapOvr>
+</p:sld>
+</file>
+
+<file path=ppt/slides/slide29.xml><?xml version="1.0" encoding="utf-8"?>
 <p:sld xmlns:a="http://schemas.openxmlformats.org/drawingml/2006/main" xmlns:r="http://schemas.openxmlformats.org/officeDocument/2006/relationships" xmlns:p="http://schemas.openxmlformats.org/presentationml/2006/main">
   <p:cSld>
     <p:spTree>
@@ -9022,6 +8613,571 @@
 </p:sld>
 </file>
 
+<file path=ppt/slides/slide3.xml><?xml version="1.0" encoding="utf-8"?>
+<p:sld xmlns:a="http://schemas.openxmlformats.org/drawingml/2006/main" xmlns:r="http://schemas.openxmlformats.org/officeDocument/2006/relationships" xmlns:p="http://schemas.openxmlformats.org/presentationml/2006/main">
+  <p:cSld>
+    <p:spTree>
+      <p:nvGrpSpPr>
+        <p:cNvPr id="1" name=""/>
+        <p:cNvGrpSpPr/>
+        <p:nvPr/>
+      </p:nvGrpSpPr>
+      <p:grpSpPr>
+        <a:xfrm>
+          <a:off x="0" y="0"/>
+          <a:ext cx="0" cy="0"/>
+          <a:chOff x="0" y="0"/>
+          <a:chExt cx="0" cy="0"/>
+        </a:xfrm>
+      </p:grpSpPr>
+      <p:sp>
+        <p:nvSpPr>
+          <p:cNvPr id="2" name="Title 1">
+            <a:extLst>
+              <a:ext uri="{FF2B5EF4-FFF2-40B4-BE49-F238E27FC236}">
+                <a16:creationId xmlns:a16="http://schemas.microsoft.com/office/drawing/2014/main" id="{08F6DCCF-81CB-EAA5-420A-F1E21683A02D}"/>
+              </a:ext>
+            </a:extLst>
+          </p:cNvPr>
+          <p:cNvSpPr>
+            <a:spLocks noGrp="1"/>
+          </p:cNvSpPr>
+          <p:nvPr>
+            <p:ph type="title"/>
+          </p:nvPr>
+        </p:nvSpPr>
+        <p:spPr/>
+        <p:txBody>
+          <a:bodyPr/>
+          <a:lstStyle/>
+          <a:p>
+            <a:r>
+              <a:rPr lang="en-CA" dirty="0"/>
+              <a:t>Data Sources</a:t>
+            </a:r>
+          </a:p>
+        </p:txBody>
+      </p:sp>
+      <p:sp>
+        <p:nvSpPr>
+          <p:cNvPr id="3" name="Content Placeholder 2">
+            <a:extLst>
+              <a:ext uri="{FF2B5EF4-FFF2-40B4-BE49-F238E27FC236}">
+                <a16:creationId xmlns:a16="http://schemas.microsoft.com/office/drawing/2014/main" id="{941BD0C8-BE10-C349-15BC-FFC2C5DEA7E5}"/>
+              </a:ext>
+            </a:extLst>
+          </p:cNvPr>
+          <p:cNvSpPr>
+            <a:spLocks noGrp="1"/>
+          </p:cNvSpPr>
+          <p:nvPr>
+            <p:ph idx="1"/>
+          </p:nvPr>
+        </p:nvSpPr>
+        <p:spPr>
+          <a:xfrm>
+            <a:off x="819397" y="1681843"/>
+            <a:ext cx="11150929" cy="4885212"/>
+          </a:xfrm>
+        </p:spPr>
+        <p:txBody>
+          <a:bodyPr>
+            <a:normAutofit fontScale="92500" lnSpcReduction="20000"/>
+          </a:bodyPr>
+          <a:lstStyle/>
+          <a:p>
+            <a:pPr algn="l"/>
+            <a:r>
+              <a:rPr lang="en-CA" b="0" i="0" dirty="0">
+                <a:solidFill>
+                  <a:srgbClr val="24292F"/>
+                </a:solidFill>
+                <a:effectLst/>
+                <a:latin typeface="-apple-system"/>
+              </a:rPr>
+              <a:t>Toronto Major Crime Indicators</a:t>
+            </a:r>
+          </a:p>
+          <a:p>
+            <a:pPr lvl="1"/>
+            <a:r>
+              <a:rPr lang="en-CA" b="0" i="0" dirty="0">
+                <a:solidFill>
+                  <a:srgbClr val="24292F"/>
+                </a:solidFill>
+                <a:effectLst/>
+                <a:latin typeface="-apple-system"/>
+                <a:hlinkClick r:id="rId2"/>
+              </a:rPr>
+              <a:t>https://data.torontopolice.on.ca/search?q=crime</a:t>
+            </a:r>
+            <a:endParaRPr lang="en-CA" i="0" dirty="0">
+              <a:solidFill>
+                <a:srgbClr val="24292F"/>
+              </a:solidFill>
+              <a:latin typeface="-apple-system"/>
+            </a:endParaRPr>
+          </a:p>
+          <a:p>
+            <a:pPr lvl="1"/>
+            <a:r>
+              <a:rPr lang="en-US" b="0" i="0" dirty="0">
+                <a:solidFill>
+                  <a:srgbClr val="24292F"/>
+                </a:solidFill>
+                <a:effectLst/>
+                <a:latin typeface="-apple-system"/>
+              </a:rPr>
+              <a:t>This dataset includes all Major Crime Indicators (MCI) occurrences by reported date and related offences from 2014 to June 30, 2022</a:t>
+            </a:r>
+          </a:p>
+          <a:p>
+            <a:pPr lvl="1"/>
+            <a:r>
+              <a:rPr lang="en-US" b="0" i="0" dirty="0">
+                <a:solidFill>
+                  <a:srgbClr val="24292F"/>
+                </a:solidFill>
+                <a:effectLst/>
+                <a:latin typeface="-apple-system"/>
+              </a:rPr>
+              <a:t>Maintained by Toronto Police Service</a:t>
+            </a:r>
+            <a:r>
+              <a:rPr lang="en-CA" b="0" i="0" dirty="0">
+                <a:solidFill>
+                  <a:srgbClr val="24292F"/>
+                </a:solidFill>
+                <a:effectLst/>
+                <a:latin typeface="-apple-system"/>
+              </a:rPr>
+              <a:t> </a:t>
+            </a:r>
+          </a:p>
+          <a:p>
+            <a:pPr lvl="1"/>
+            <a:r>
+              <a:rPr lang="en-CA" b="0" i="0" dirty="0">
+                <a:solidFill>
+                  <a:srgbClr val="24292F"/>
+                </a:solidFill>
+                <a:effectLst/>
+                <a:latin typeface="-apple-system"/>
+              </a:rPr>
+              <a:t>CVS Format via GUI Download</a:t>
+            </a:r>
+          </a:p>
+          <a:p>
+            <a:pPr algn="l"/>
+            <a:r>
+              <a:rPr lang="en-CA" b="0" i="0" strike="noStrike" dirty="0">
+                <a:solidFill>
+                  <a:schemeClr val="tx1"/>
+                </a:solidFill>
+                <a:effectLst/>
+                <a:latin typeface="-apple-system"/>
+              </a:rPr>
+              <a:t>Toronto Open Data</a:t>
+            </a:r>
+          </a:p>
+          <a:p>
+            <a:pPr lvl="1"/>
+            <a:r>
+              <a:rPr lang="en-CA" b="0" i="0" strike="noStrike" dirty="0">
+                <a:solidFill>
+                  <a:schemeClr val="tx1"/>
+                </a:solidFill>
+                <a:effectLst/>
+                <a:latin typeface="-apple-system"/>
+                <a:hlinkClick r:id="rId3">
+                  <a:extLst>
+                    <a:ext uri="{A12FA001-AC4F-418D-AE19-62706E023703}">
+                      <ahyp:hlinkClr xmlns:ahyp="http://schemas.microsoft.com/office/drawing/2018/hyperlinkcolor" val="tx"/>
+                    </a:ext>
+                  </a:extLst>
+                </a:hlinkClick>
+              </a:rPr>
+              <a:t>https://open.toronto.ca/dataset/neighbourhood-profiles/</a:t>
+            </a:r>
+          </a:p>
+          <a:p>
+            <a:pPr lvl="1"/>
+            <a:r>
+              <a:rPr lang="en-CA" b="0" i="0" strike="noStrike" dirty="0">
+                <a:solidFill>
+                  <a:schemeClr val="tx1"/>
+                </a:solidFill>
+                <a:effectLst/>
+                <a:latin typeface="-apple-system"/>
+              </a:rPr>
+              <a:t>Census data collected and maintained by the City of Toronto</a:t>
+            </a:r>
+          </a:p>
+          <a:p>
+            <a:pPr lvl="1"/>
+            <a:r>
+              <a:rPr lang="en-CA" b="0" i="0" strike="noStrike" dirty="0">
+                <a:solidFill>
+                  <a:schemeClr val="tx1"/>
+                </a:solidFill>
+                <a:effectLst/>
+                <a:latin typeface="-apple-system"/>
+              </a:rPr>
+              <a:t>Text format via API Request</a:t>
+            </a:r>
+          </a:p>
+          <a:p>
+            <a:pPr lvl="1"/>
+            <a:endParaRPr lang="en-CA" b="0" i="0" u="none" strike="noStrike" dirty="0">
+              <a:solidFill>
+                <a:schemeClr val="tx1"/>
+              </a:solidFill>
+              <a:effectLst/>
+              <a:latin typeface="-apple-system"/>
+              <a:hlinkClick r:id="rId3">
+                <a:extLst>
+                  <a:ext uri="{A12FA001-AC4F-418D-AE19-62706E023703}">
+                    <ahyp:hlinkClr xmlns:ahyp="http://schemas.microsoft.com/office/drawing/2018/hyperlinkcolor" val="tx"/>
+                  </a:ext>
+                </a:extLst>
+              </a:hlinkClick>
+            </a:endParaRPr>
+          </a:p>
+          <a:p>
+            <a:pPr algn="l"/>
+            <a:r>
+              <a:rPr lang="en-CA" b="0" i="0" u="none" strike="noStrike" dirty="0">
+                <a:solidFill>
+                  <a:schemeClr val="tx1"/>
+                </a:solidFill>
+                <a:effectLst/>
+                <a:latin typeface="-apple-system"/>
+              </a:rPr>
+              <a:t>Google Maps API</a:t>
+            </a:r>
+          </a:p>
+          <a:p>
+            <a:pPr lvl="1"/>
+            <a:r>
+              <a:rPr lang="en-CA" b="0" i="0" dirty="0">
+                <a:solidFill>
+                  <a:schemeClr val="tx1"/>
+                </a:solidFill>
+                <a:effectLst/>
+                <a:latin typeface="-apple-system"/>
+              </a:rPr>
+              <a:t> </a:t>
+            </a:r>
+            <a:r>
+              <a:rPr lang="en-CA" b="0" i="0" u="none" strike="noStrike" dirty="0">
+                <a:solidFill>
+                  <a:schemeClr val="tx1"/>
+                </a:solidFill>
+                <a:effectLst/>
+                <a:latin typeface="-apple-system"/>
+                <a:hlinkClick r:id="rId4">
+                  <a:extLst>
+                    <a:ext uri="{A12FA001-AC4F-418D-AE19-62706E023703}">
+                      <ahyp:hlinkClr xmlns:ahyp="http://schemas.microsoft.com/office/drawing/2018/hyperlinkcolor" val="tx"/>
+                    </a:ext>
+                  </a:extLst>
+                </a:hlinkClick>
+              </a:rPr>
+              <a:t>https://developers.google.com/maps</a:t>
+            </a:r>
+            <a:endParaRPr lang="en-CA" b="0" i="0" u="none" strike="noStrike" dirty="0">
+              <a:solidFill>
+                <a:schemeClr val="tx1"/>
+              </a:solidFill>
+              <a:effectLst/>
+              <a:latin typeface="-apple-system"/>
+            </a:endParaRPr>
+          </a:p>
+          <a:p>
+            <a:pPr lvl="1"/>
+            <a:r>
+              <a:rPr lang="en-CA" i="0" dirty="0">
+                <a:solidFill>
+                  <a:schemeClr val="tx1"/>
+                </a:solidFill>
+                <a:latin typeface="-apple-system"/>
+              </a:rPr>
+              <a:t>Google maintained location data</a:t>
+            </a:r>
+          </a:p>
+          <a:p>
+            <a:pPr lvl="1"/>
+            <a:r>
+              <a:rPr lang="en-CA" b="0" i="0" dirty="0">
+                <a:solidFill>
+                  <a:schemeClr val="tx1"/>
+                </a:solidFill>
+                <a:effectLst/>
+                <a:latin typeface="-apple-system"/>
+              </a:rPr>
+              <a:t>JSON format via API request</a:t>
+            </a:r>
+          </a:p>
+        </p:txBody>
+      </p:sp>
+    </p:spTree>
+    <p:extLst>
+      <p:ext uri="{BB962C8B-B14F-4D97-AF65-F5344CB8AC3E}">
+        <p14:creationId xmlns:p14="http://schemas.microsoft.com/office/powerpoint/2010/main" val="3803339574"/>
+      </p:ext>
+    </p:extLst>
+  </p:cSld>
+  <p:clrMapOvr>
+    <a:masterClrMapping/>
+  </p:clrMapOvr>
+</p:sld>
+</file>
+
+<file path=ppt/slides/slide30.xml><?xml version="1.0" encoding="utf-8"?>
+<p:sld xmlns:a="http://schemas.openxmlformats.org/drawingml/2006/main" xmlns:r="http://schemas.openxmlformats.org/officeDocument/2006/relationships" xmlns:p="http://schemas.openxmlformats.org/presentationml/2006/main">
+  <p:cSld>
+    <p:spTree>
+      <p:nvGrpSpPr>
+        <p:cNvPr id="1" name=""/>
+        <p:cNvGrpSpPr/>
+        <p:nvPr/>
+      </p:nvGrpSpPr>
+      <p:grpSpPr>
+        <a:xfrm>
+          <a:off x="0" y="0"/>
+          <a:ext cx="0" cy="0"/>
+          <a:chOff x="0" y="0"/>
+          <a:chExt cx="0" cy="0"/>
+        </a:xfrm>
+      </p:grpSpPr>
+      <p:sp>
+        <p:nvSpPr>
+          <p:cNvPr id="2" name="Title 1">
+            <a:extLst>
+              <a:ext uri="{FF2B5EF4-FFF2-40B4-BE49-F238E27FC236}">
+                <a16:creationId xmlns:a16="http://schemas.microsoft.com/office/drawing/2014/main" id="{DB2A66A4-0466-72DD-A15E-66910EA4D15E}"/>
+              </a:ext>
+            </a:extLst>
+          </p:cNvPr>
+          <p:cNvSpPr>
+            <a:spLocks noGrp="1"/>
+          </p:cNvSpPr>
+          <p:nvPr>
+            <p:ph type="title"/>
+          </p:nvPr>
+        </p:nvSpPr>
+        <p:spPr/>
+        <p:txBody>
+          <a:bodyPr/>
+          <a:lstStyle/>
+          <a:p>
+            <a:r>
+              <a:rPr lang="en-CA" dirty="0"/>
+              <a:t>Statistical Findings</a:t>
+            </a:r>
+          </a:p>
+        </p:txBody>
+      </p:sp>
+      <p:sp>
+        <p:nvSpPr>
+          <p:cNvPr id="7" name="TextBox 6">
+            <a:extLst>
+              <a:ext uri="{FF2B5EF4-FFF2-40B4-BE49-F238E27FC236}">
+                <a16:creationId xmlns:a16="http://schemas.microsoft.com/office/drawing/2014/main" id="{5E218D8C-5843-4BAF-C148-BBDD3AAFF3D4}"/>
+              </a:ext>
+            </a:extLst>
+          </p:cNvPr>
+          <p:cNvSpPr txBox="1"/>
+          <p:nvPr/>
+        </p:nvSpPr>
+        <p:spPr>
+          <a:xfrm>
+            <a:off x="1371600" y="1546980"/>
+            <a:ext cx="10501532" cy="3139321"/>
+          </a:xfrm>
+          <a:prstGeom prst="rect">
+            <a:avLst/>
+          </a:prstGeom>
+          <a:noFill/>
+        </p:spPr>
+        <p:txBody>
+          <a:bodyPr wrap="square">
+            <a:spAutoFit/>
+          </a:bodyPr>
+          <a:lstStyle/>
+          <a:p>
+            <a:pPr algn="l"/>
+            <a:r>
+              <a:rPr lang="en-US" b="1" dirty="0">
+                <a:solidFill>
+                  <a:srgbClr val="24292F"/>
+                </a:solidFill>
+                <a:latin typeface="-apple-system"/>
+              </a:rPr>
+              <a:t>Location:</a:t>
+            </a:r>
+          </a:p>
+          <a:p>
+            <a:pPr algn="l"/>
+            <a:endParaRPr lang="en-US" b="1" dirty="0">
+              <a:solidFill>
+                <a:srgbClr val="24292F"/>
+              </a:solidFill>
+              <a:latin typeface="-apple-system"/>
+            </a:endParaRPr>
+          </a:p>
+          <a:p>
+            <a:pPr marL="457200" indent="-457200" algn="l">
+              <a:buFont typeface="+mj-lt"/>
+              <a:buAutoNum type="arabicPeriod"/>
+            </a:pPr>
+            <a:r>
+              <a:rPr lang="en-US" b="0" i="0" dirty="0">
+                <a:solidFill>
+                  <a:srgbClr val="24292F"/>
+                </a:solidFill>
+                <a:effectLst/>
+                <a:latin typeface="-apple-system"/>
+              </a:rPr>
+              <a:t>Criminal Activity Varies Significantly between Toronto’s Neighborhoods</a:t>
+            </a:r>
+          </a:p>
+          <a:p>
+            <a:pPr marL="457200" indent="-457200" algn="l">
+              <a:buFont typeface="+mj-lt"/>
+              <a:buAutoNum type="arabicPeriod"/>
+            </a:pPr>
+            <a:r>
+              <a:rPr lang="en-US" dirty="0">
+                <a:solidFill>
+                  <a:srgbClr val="24292F"/>
+                </a:solidFill>
+                <a:latin typeface="-apple-system"/>
+              </a:rPr>
+              <a:t>There is no clear correlation for criminal activity for the past 7 years</a:t>
+            </a:r>
+          </a:p>
+          <a:p>
+            <a:pPr marL="457200" indent="-457200" algn="l">
+              <a:buFont typeface="+mj-lt"/>
+              <a:buAutoNum type="arabicPeriod"/>
+            </a:pPr>
+            <a:r>
+              <a:rPr lang="en-US" b="0" i="0" dirty="0">
+                <a:solidFill>
+                  <a:srgbClr val="24292F"/>
+                </a:solidFill>
+                <a:effectLst/>
+                <a:latin typeface="-apple-system"/>
+              </a:rPr>
+              <a:t>There are </a:t>
+            </a:r>
+            <a:r>
+              <a:rPr lang="en-US" dirty="0">
+                <a:solidFill>
+                  <a:srgbClr val="24292F"/>
+                </a:solidFill>
+                <a:latin typeface="-apple-system"/>
+              </a:rPr>
+              <a:t>specific neighborhoods that showed an increase in criminal activity correlated to time</a:t>
+            </a:r>
+            <a:endParaRPr lang="en-US" b="0" i="0" dirty="0">
+              <a:solidFill>
+                <a:srgbClr val="24292F"/>
+              </a:solidFill>
+              <a:effectLst/>
+              <a:latin typeface="-apple-system"/>
+            </a:endParaRPr>
+          </a:p>
+          <a:p>
+            <a:pPr algn="l"/>
+            <a:endParaRPr lang="en-US" b="0" i="0" dirty="0">
+              <a:solidFill>
+                <a:srgbClr val="24292F"/>
+              </a:solidFill>
+              <a:effectLst/>
+              <a:latin typeface="-apple-system"/>
+            </a:endParaRPr>
+          </a:p>
+          <a:p>
+            <a:pPr algn="l"/>
+            <a:r>
+              <a:rPr lang="en-US" b="1" dirty="0">
+                <a:solidFill>
+                  <a:srgbClr val="24292F"/>
+                </a:solidFill>
+                <a:latin typeface="-apple-system"/>
+              </a:rPr>
+              <a:t>Categorical:</a:t>
+            </a:r>
+          </a:p>
+          <a:p>
+            <a:pPr algn="l"/>
+            <a:endParaRPr lang="en-US" b="1" i="0" dirty="0">
+              <a:solidFill>
+                <a:srgbClr val="24292F"/>
+              </a:solidFill>
+              <a:effectLst/>
+              <a:latin typeface="-apple-system"/>
+            </a:endParaRPr>
+          </a:p>
+          <a:p>
+            <a:pPr marL="457200" indent="-457200" algn="l">
+              <a:buFont typeface="+mj-lt"/>
+              <a:buAutoNum type="arabicPeriod"/>
+            </a:pPr>
+            <a:r>
+              <a:rPr lang="en-US" dirty="0">
+                <a:solidFill>
+                  <a:srgbClr val="24292F"/>
+                </a:solidFill>
+                <a:latin typeface="-apple-system"/>
+              </a:rPr>
+              <a:t>All circumstantial categories were statistically significant</a:t>
+            </a:r>
+          </a:p>
+          <a:p>
+            <a:pPr marL="457200" indent="-457200" algn="l">
+              <a:buFont typeface="+mj-lt"/>
+              <a:buAutoNum type="arabicPeriod"/>
+            </a:pPr>
+            <a:r>
+              <a:rPr lang="en-US" dirty="0">
+                <a:solidFill>
+                  <a:srgbClr val="24292F"/>
+                </a:solidFill>
+                <a:latin typeface="-apple-system"/>
+              </a:rPr>
+              <a:t>More than 50% of criminal activity was attributed to a single category</a:t>
+            </a:r>
+          </a:p>
+          <a:p>
+            <a:pPr marL="457200" indent="-457200" algn="l">
+              <a:buFont typeface="+mj-lt"/>
+              <a:buAutoNum type="arabicPeriod"/>
+            </a:pPr>
+            <a:endParaRPr lang="en-US" dirty="0">
+              <a:solidFill>
+                <a:srgbClr val="24292F"/>
+              </a:solidFill>
+              <a:latin typeface="-apple-system"/>
+            </a:endParaRPr>
+          </a:p>
+        </p:txBody>
+      </p:sp>
+    </p:spTree>
+    <p:extLst>
+      <p:ext uri="{BB962C8B-B14F-4D97-AF65-F5344CB8AC3E}">
+        <p14:creationId xmlns:p14="http://schemas.microsoft.com/office/powerpoint/2010/main" val="1592626981"/>
+      </p:ext>
+    </p:extLst>
+  </p:cSld>
+  <p:clrMapOvr>
+    <a:masterClrMapping/>
+  </p:clrMapOvr>
+</p:sld>
+</file>
+
 <file path=ppt/slides/slide31.xml><?xml version="1.0" encoding="utf-8"?>
 <p:sld xmlns:a="http://schemas.openxmlformats.org/drawingml/2006/main" xmlns:r="http://schemas.openxmlformats.org/officeDocument/2006/relationships" xmlns:p="http://schemas.openxmlformats.org/presentationml/2006/main">
   <p:cSld>
@@ -9062,64 +9218,39 @@
           <a:p>
             <a:r>
               <a:rPr lang="en-CA" dirty="0"/>
-              <a:t>Statistical Findings</a:t>
-            </a:r>
-          </a:p>
-        </p:txBody>
-      </p:sp>
-      <p:sp>
-        <p:nvSpPr>
-          <p:cNvPr id="7" name="TextBox 6">
+              <a:t>Conclusions</a:t>
+            </a:r>
+          </a:p>
+        </p:txBody>
+      </p:sp>
+      <p:sp>
+        <p:nvSpPr>
+          <p:cNvPr id="3" name="Content Placeholder 2">
             <a:extLst>
               <a:ext uri="{FF2B5EF4-FFF2-40B4-BE49-F238E27FC236}">
-                <a16:creationId xmlns:a16="http://schemas.microsoft.com/office/drawing/2014/main" id="{5E218D8C-5843-4BAF-C148-BBDD3AAFF3D4}"/>
+                <a16:creationId xmlns:a16="http://schemas.microsoft.com/office/drawing/2014/main" id="{8183B504-BDF3-2291-2B79-C3B3F8DBFE68}"/>
               </a:ext>
             </a:extLst>
           </p:cNvPr>
-          <p:cNvSpPr txBox="1"/>
-          <p:nvPr/>
+          <p:cNvSpPr>
+            <a:spLocks noGrp="1"/>
+          </p:cNvSpPr>
+          <p:nvPr>
+            <p:ph idx="1"/>
+          </p:nvPr>
         </p:nvSpPr>
         <p:spPr>
           <a:xfrm>
-            <a:off x="1371600" y="1546980"/>
-            <a:ext cx="10501532" cy="3139321"/>
+            <a:off x="1219200" y="1448972"/>
+            <a:ext cx="10822745" cy="5289453"/>
           </a:xfrm>
-          <a:prstGeom prst="rect">
-            <a:avLst/>
-          </a:prstGeom>
-          <a:noFill/>
         </p:spPr>
         <p:txBody>
-          <a:bodyPr wrap="square">
-            <a:spAutoFit/>
+          <a:bodyPr>
+            <a:normAutofit/>
           </a:bodyPr>
           <a:lstStyle/>
           <a:p>
-            <a:pPr algn="l"/>
-            <a:r>
-              <a:rPr lang="en-US" b="1" dirty="0">
-                <a:solidFill>
-                  <a:srgbClr val="24292F"/>
-                </a:solidFill>
-                <a:latin typeface="-apple-system"/>
-              </a:rPr>
-              <a:t>Location:</a:t>
-            </a:r>
-          </a:p>
-          <a:p>
-            <a:pPr algn="l"/>
-            <a:endParaRPr lang="en-US" b="1" dirty="0">
-              <a:solidFill>
-                <a:srgbClr val="24292F"/>
-              </a:solidFill>
-              <a:latin typeface="-apple-system"/>
-            </a:endParaRPr>
-          </a:p>
-          <a:p>
-            <a:pPr marL="457200" indent="-457200" algn="l">
-              <a:buFont typeface="+mj-lt"/>
-              <a:buAutoNum type="arabicPeriod"/>
-            </a:pPr>
             <a:r>
               <a:rPr lang="en-US" b="0" i="0" dirty="0">
                 <a:solidFill>
@@ -9128,29 +9259,10 @@
                 <a:effectLst/>
                 <a:latin typeface="-apple-system"/>
               </a:rPr>
-              <a:t>Criminal Activity Varies Significantly between Toronto’s Neighborhoods</a:t>
-            </a:r>
-          </a:p>
-          <a:p>
-            <a:pPr marL="457200" indent="-457200" algn="l">
-              <a:buFont typeface="+mj-lt"/>
-              <a:buAutoNum type="arabicPeriod"/>
-            </a:pPr>
-            <a:r>
-              <a:rPr lang="en-US" dirty="0">
-                <a:solidFill>
-                  <a:srgbClr val="24292F"/>
-                </a:solidFill>
-                <a:latin typeface="-apple-system"/>
-              </a:rPr>
-              <a:t>There is no clear correlation for criminal activity for the past 7 years</a:t>
-            </a:r>
-          </a:p>
-          <a:p>
-            <a:pPr marL="457200" indent="-457200" algn="l">
-              <a:buFont typeface="+mj-lt"/>
-              <a:buAutoNum type="arabicPeriod"/>
-            </a:pPr>
+              <a:t>Crime rates trend in Toronto is not strongly correlated with time.</a:t>
+            </a:r>
+          </a:p>
+          <a:p>
             <a:r>
               <a:rPr lang="en-US" b="0" i="0" dirty="0">
                 <a:solidFill>
@@ -9159,105 +9271,108 @@
                 <a:effectLst/>
                 <a:latin typeface="-apple-system"/>
               </a:rPr>
-              <a:t>There are </a:t>
-            </a:r>
-            <a:r>
-              <a:rPr lang="en-US" dirty="0">
+              <a:t>Correlation with time varies between specific neighborhoods.</a:t>
+            </a:r>
+          </a:p>
+          <a:p>
+            <a:r>
+              <a:rPr lang="en-US" b="0" i="0" dirty="0">
                 <a:solidFill>
                   <a:srgbClr val="24292F"/>
                 </a:solidFill>
+                <a:effectLst/>
                 <a:latin typeface="-apple-system"/>
               </a:rPr>
-              <a:t>specific neighborhoods that showed an increase in criminal activity correlated to time</a:t>
-            </a:r>
-            <a:endParaRPr lang="en-US" b="0" i="0" dirty="0">
-              <a:solidFill>
-                <a:srgbClr val="24292F"/>
-              </a:solidFill>
-              <a:effectLst/>
-              <a:latin typeface="-apple-system"/>
-            </a:endParaRPr>
-          </a:p>
-          <a:p>
-            <a:pPr algn="l"/>
-            <a:endParaRPr lang="en-US" b="0" i="0" dirty="0">
-              <a:solidFill>
-                <a:srgbClr val="24292F"/>
-              </a:solidFill>
-              <a:effectLst/>
-              <a:latin typeface="-apple-system"/>
-            </a:endParaRPr>
-          </a:p>
-          <a:p>
-            <a:pPr algn="l"/>
-            <a:r>
-              <a:rPr lang="en-US" b="1" dirty="0">
+              <a:t>The safest areas in GTA are:  Pleasant View, Centennial Scarborough, Mount Pleasant East, Yonge </a:t>
+            </a:r>
+            <a:r>
+              <a:rPr lang="en-US" b="0" i="0" dirty="0" err="1">
                 <a:solidFill>
                   <a:srgbClr val="24292F"/>
                 </a:solidFill>
+                <a:effectLst/>
                 <a:latin typeface="-apple-system"/>
               </a:rPr>
-              <a:t>Categorical:</a:t>
-            </a:r>
-          </a:p>
-          <a:p>
-            <a:pPr algn="l"/>
-            <a:endParaRPr lang="en-US" b="1" i="0" dirty="0">
-              <a:solidFill>
-                <a:srgbClr val="24292F"/>
-              </a:solidFill>
-              <a:effectLst/>
-              <a:latin typeface="-apple-system"/>
-            </a:endParaRPr>
-          </a:p>
-          <a:p>
-            <a:pPr marL="457200" indent="-457200" algn="l">
-              <a:buFont typeface="+mj-lt"/>
-              <a:buAutoNum type="arabicPeriod"/>
-            </a:pPr>
-            <a:r>
-              <a:rPr lang="en-US" dirty="0">
+              <a:t>St.Clair</a:t>
+            </a:r>
+            <a:r>
+              <a:rPr lang="en-US" b="0" i="0" dirty="0">
                 <a:solidFill>
                   <a:srgbClr val="24292F"/>
                 </a:solidFill>
+                <a:effectLst/>
                 <a:latin typeface="-apple-system"/>
               </a:rPr>
-              <a:t>All circumstantial categories were statistically significant</a:t>
-            </a:r>
-          </a:p>
-          <a:p>
-            <a:pPr marL="457200" indent="-457200" algn="l">
-              <a:buFont typeface="+mj-lt"/>
-              <a:buAutoNum type="arabicPeriod"/>
-            </a:pPr>
-            <a:r>
-              <a:rPr lang="en-US" dirty="0">
+              <a:t> and Steels. </a:t>
+            </a:r>
+          </a:p>
+          <a:p>
+            <a:r>
+              <a:rPr lang="en-US" b="0" i="0" dirty="0">
                 <a:solidFill>
                   <a:srgbClr val="24292F"/>
                 </a:solidFill>
+                <a:effectLst/>
                 <a:latin typeface="-apple-system"/>
               </a:rPr>
-              <a:t>More than 50% of criminal activity was attributed to a single category</a:t>
-            </a:r>
-          </a:p>
-          <a:p>
-            <a:pPr marL="457200" indent="-457200" algn="l">
-              <a:buFont typeface="+mj-lt"/>
-              <a:buAutoNum type="arabicPeriod"/>
-            </a:pPr>
-            <a:endParaRPr lang="en-US" dirty="0">
-              <a:solidFill>
-                <a:srgbClr val="24292F"/>
-              </a:solidFill>
-              <a:latin typeface="-apple-system"/>
-            </a:endParaRPr>
+              <a:t>Five least safe areas are: Moss Park, Bay Street Corridor, Church-Yonge Corridor, Kensington-China Town and University.</a:t>
+            </a:r>
+          </a:p>
+          <a:p>
+            <a:r>
+              <a:rPr lang="en-US" b="0" i="0" dirty="0">
+                <a:solidFill>
+                  <a:srgbClr val="24292F"/>
+                </a:solidFill>
+                <a:effectLst/>
+                <a:latin typeface="-apple-system"/>
+              </a:rPr>
+              <a:t>Most crimes occur in the evening (6.00pm to 12.00am) and the least crimes occur in the morning (6.00am to 12.00pm)</a:t>
+            </a:r>
+          </a:p>
+          <a:p>
+            <a:r>
+              <a:rPr lang="en-US" b="0" i="0" dirty="0">
+                <a:solidFill>
+                  <a:srgbClr val="24292F"/>
+                </a:solidFill>
+                <a:effectLst/>
+                <a:latin typeface="-apple-system"/>
+              </a:rPr>
+              <a:t>Different types of crime in GTA are (In order from highest to lowest) Assault, Break and Enter, Auto Theft and Theft Over $5000.</a:t>
+            </a:r>
+          </a:p>
+          <a:p>
+            <a:r>
+              <a:rPr lang="en-US" dirty="0">
+                <a:solidFill>
+                  <a:srgbClr val="24292F"/>
+                </a:solidFill>
+                <a:latin typeface="-apple-system"/>
+              </a:rPr>
+              <a:t>Variation between categories was significant for the Premise type and time of day</a:t>
+            </a:r>
+          </a:p>
+          <a:p>
+            <a:r>
+              <a:rPr lang="en-US" dirty="0">
+                <a:solidFill>
+                  <a:srgbClr val="24292F"/>
+                </a:solidFill>
+                <a:latin typeface="-apple-system"/>
+              </a:rPr>
+              <a:t>Variation was less significant for the seasonal and weekend/weekday parameters</a:t>
+            </a:r>
+          </a:p>
+          <a:p>
+            <a:endParaRPr lang="en-CA" dirty="0"/>
           </a:p>
         </p:txBody>
       </p:sp>
     </p:spTree>
     <p:extLst>
       <p:ext uri="{BB962C8B-B14F-4D97-AF65-F5344CB8AC3E}">
-        <p14:creationId xmlns:p14="http://schemas.microsoft.com/office/powerpoint/2010/main" val="1592626981"/>
+        <p14:creationId xmlns:p14="http://schemas.microsoft.com/office/powerpoint/2010/main" val="723550822"/>
       </p:ext>
     </p:extLst>
   </p:cSld>
@@ -9307,39 +9422,43 @@
           <a:p>
             <a:r>
               <a:rPr lang="en-CA" dirty="0"/>
-              <a:t>Conclusions</a:t>
-            </a:r>
-          </a:p>
-        </p:txBody>
-      </p:sp>
-      <p:sp>
-        <p:nvSpPr>
-          <p:cNvPr id="3" name="Content Placeholder 2">
+              <a:t>Future Steps</a:t>
+            </a:r>
+          </a:p>
+        </p:txBody>
+      </p:sp>
+      <p:sp>
+        <p:nvSpPr>
+          <p:cNvPr id="7" name="TextBox 6">
             <a:extLst>
               <a:ext uri="{FF2B5EF4-FFF2-40B4-BE49-F238E27FC236}">
-                <a16:creationId xmlns:a16="http://schemas.microsoft.com/office/drawing/2014/main" id="{8183B504-BDF3-2291-2B79-C3B3F8DBFE68}"/>
+                <a16:creationId xmlns:a16="http://schemas.microsoft.com/office/drawing/2014/main" id="{5E218D8C-5843-4BAF-C148-BBDD3AAFF3D4}"/>
               </a:ext>
             </a:extLst>
           </p:cNvPr>
-          <p:cNvSpPr>
-            <a:spLocks noGrp="1"/>
-          </p:cNvSpPr>
-          <p:nvPr>
-            <p:ph idx="1"/>
-          </p:nvPr>
+          <p:cNvSpPr txBox="1"/>
+          <p:nvPr/>
         </p:nvSpPr>
         <p:spPr>
           <a:xfrm>
-            <a:off x="1219200" y="1448972"/>
-            <a:ext cx="10822745" cy="5289453"/>
+            <a:off x="1371600" y="2742734"/>
+            <a:ext cx="10501532" cy="923330"/>
           </a:xfrm>
+          <a:prstGeom prst="rect">
+            <a:avLst/>
+          </a:prstGeom>
+          <a:noFill/>
         </p:spPr>
         <p:txBody>
-          <a:bodyPr>
-            <a:normAutofit/>
+          <a:bodyPr wrap="square">
+            <a:spAutoFit/>
           </a:bodyPr>
           <a:lstStyle/>
           <a:p>
+            <a:pPr marL="457200" indent="-457200" algn="l">
+              <a:buFont typeface="+mj-lt"/>
+              <a:buAutoNum type="arabicPeriod"/>
+            </a:pPr>
             <a:r>
               <a:rPr lang="en-US" b="0" i="0" dirty="0">
                 <a:solidFill>
@@ -9348,10 +9467,14 @@
                 <a:effectLst/>
                 <a:latin typeface="-apple-system"/>
               </a:rPr>
-              <a:t>Crime rates trend in Toronto is not strongly correlated with time.</a:t>
-            </a:r>
-          </a:p>
-          <a:p>
+              <a:t>Analyze the historic trend in more detail for each Neighborhood</a:t>
+            </a:r>
+          </a:p>
+          <a:p>
+            <a:pPr marL="457200" indent="-457200" algn="l">
+              <a:buFont typeface="+mj-lt"/>
+              <a:buAutoNum type="arabicPeriod"/>
+            </a:pPr>
             <a:r>
               <a:rPr lang="en-US" b="0" i="0" dirty="0">
                 <a:solidFill>
@@ -9360,108 +9483,24 @@
                 <a:effectLst/>
                 <a:latin typeface="-apple-system"/>
               </a:rPr>
-              <a:t>Correlation with time varies between specific neighborhoods.</a:t>
-            </a:r>
-          </a:p>
-          <a:p>
-            <a:r>
-              <a:rPr lang="en-US" b="0" i="0" dirty="0">
+              <a:t>Establish a bonus risk factor for Neighborhoods with statistically correlated reduction in year-to-year criminal activity and a penalty to neighborhoods with statisticall</a:t>
+            </a:r>
+            <a:r>
+              <a:rPr lang="en-US" dirty="0">
                 <a:solidFill>
                   <a:srgbClr val="24292F"/>
                 </a:solidFill>
-                <a:effectLst/>
                 <a:latin typeface="-apple-system"/>
               </a:rPr>
-              <a:t>The safest areas in GTA are:  Pleasant View, Centennial Scarborough, Mount Pleasant East, Yonge </a:t>
-            </a:r>
-            <a:r>
-              <a:rPr lang="en-US" b="0" i="0" dirty="0" err="1">
-                <a:solidFill>
-                  <a:srgbClr val="24292F"/>
-                </a:solidFill>
-                <a:effectLst/>
-                <a:latin typeface="-apple-system"/>
-              </a:rPr>
-              <a:t>St.Clair</a:t>
-            </a:r>
-            <a:r>
-              <a:rPr lang="en-US" b="0" i="0" dirty="0">
-                <a:solidFill>
-                  <a:srgbClr val="24292F"/>
-                </a:solidFill>
-                <a:effectLst/>
-                <a:latin typeface="-apple-system"/>
-              </a:rPr>
-              <a:t> and Steels. </a:t>
-            </a:r>
-          </a:p>
-          <a:p>
-            <a:r>
-              <a:rPr lang="en-US" b="0" i="0" dirty="0">
-                <a:solidFill>
-                  <a:srgbClr val="24292F"/>
-                </a:solidFill>
-                <a:effectLst/>
-                <a:latin typeface="-apple-system"/>
-              </a:rPr>
-              <a:t>Five least safe areas are: Moss Park, Bay Street Corridor, Church-Yonge Corridor, Kensington-China Town and University.</a:t>
-            </a:r>
-          </a:p>
-          <a:p>
-            <a:r>
-              <a:rPr lang="en-US" b="0" i="0" dirty="0">
-                <a:solidFill>
-                  <a:srgbClr val="24292F"/>
-                </a:solidFill>
-                <a:effectLst/>
-                <a:latin typeface="-apple-system"/>
-              </a:rPr>
-              <a:t>Most crimes occur in the evening (6.00pm to 12.00am) and the least crimes occur in the morning (6.00am to 12.00pm)</a:t>
-            </a:r>
-          </a:p>
-          <a:p>
-            <a:r>
-              <a:rPr lang="en-US" b="0" i="0" dirty="0">
-                <a:solidFill>
-                  <a:srgbClr val="24292F"/>
-                </a:solidFill>
-                <a:effectLst/>
-                <a:latin typeface="-apple-system"/>
-              </a:rPr>
-              <a:t>Different types of crime in GTA are (In order from highest to lowest) Assault, Break and Enter, Auto Theft and Theft Over $5000.</a:t>
-            </a:r>
-          </a:p>
-          <a:p>
-            <a:r>
-              <a:rPr lang="en-US" dirty="0">
-                <a:solidFill>
-                  <a:srgbClr val="24292F"/>
-                </a:solidFill>
-                <a:latin typeface="-apple-system"/>
-              </a:rPr>
-              <a:t>Variation between categories was significant for the Premise type and time of day</a:t>
-            </a:r>
-          </a:p>
-          <a:p>
-            <a:r>
-              <a:rPr lang="en-US" dirty="0">
-                <a:solidFill>
-                  <a:srgbClr val="24292F"/>
-                </a:solidFill>
-                <a:latin typeface="-apple-system"/>
-              </a:rPr>
-              <a:t>Variation was less significant for the seasonal and weekend/weekday parameters</a:t>
-            </a:r>
-          </a:p>
-          <a:p>
-            <a:endParaRPr lang="en-CA" dirty="0"/>
+              <a:t>y significant increases.</a:t>
+            </a:r>
           </a:p>
         </p:txBody>
       </p:sp>
     </p:spTree>
     <p:extLst>
       <p:ext uri="{BB962C8B-B14F-4D97-AF65-F5344CB8AC3E}">
-        <p14:creationId xmlns:p14="http://schemas.microsoft.com/office/powerpoint/2010/main" val="723550822"/>
+        <p14:creationId xmlns:p14="http://schemas.microsoft.com/office/powerpoint/2010/main" val="1143527213"/>
       </p:ext>
     </p:extLst>
   </p:cSld>
@@ -9493,7 +9532,7 @@
           <p:cNvPr id="2" name="Title 1">
             <a:extLst>
               <a:ext uri="{FF2B5EF4-FFF2-40B4-BE49-F238E27FC236}">
-                <a16:creationId xmlns:a16="http://schemas.microsoft.com/office/drawing/2014/main" id="{DB2A66A4-0466-72DD-A15E-66910EA4D15E}"/>
+                <a16:creationId xmlns:a16="http://schemas.microsoft.com/office/drawing/2014/main" id="{61675758-E7B2-301C-2DEF-FFECF3B735F3}"/>
               </a:ext>
             </a:extLst>
           </p:cNvPr>
@@ -9504,84 +9543,25 @@
             <p:ph type="title"/>
           </p:nvPr>
         </p:nvSpPr>
-        <p:spPr/>
-        <p:txBody>
-          <a:bodyPr/>
-          <a:lstStyle/>
-          <a:p>
-            <a:r>
-              <a:rPr lang="en-CA" dirty="0"/>
-              <a:t>Future Steps</a:t>
-            </a:r>
-          </a:p>
-        </p:txBody>
-      </p:sp>
-      <p:sp>
-        <p:nvSpPr>
-          <p:cNvPr id="7" name="TextBox 6">
-            <a:extLst>
-              <a:ext uri="{FF2B5EF4-FFF2-40B4-BE49-F238E27FC236}">
-                <a16:creationId xmlns:a16="http://schemas.microsoft.com/office/drawing/2014/main" id="{5E218D8C-5843-4BAF-C148-BBDD3AAFF3D4}"/>
-              </a:ext>
-            </a:extLst>
-          </p:cNvPr>
-          <p:cNvSpPr txBox="1"/>
-          <p:nvPr/>
-        </p:nvSpPr>
         <p:spPr>
           <a:xfrm>
-            <a:off x="1371600" y="2742734"/>
-            <a:ext cx="10501532" cy="923330"/>
+            <a:off x="3265714" y="2766951"/>
+            <a:ext cx="6887687" cy="3038598"/>
           </a:xfrm>
-          <a:prstGeom prst="rect">
-            <a:avLst/>
-          </a:prstGeom>
-          <a:noFill/>
         </p:spPr>
         <p:txBody>
-          <a:bodyPr wrap="square">
-            <a:spAutoFit/>
+          <a:bodyPr>
+            <a:normAutofit/>
           </a:bodyPr>
           <a:lstStyle/>
           <a:p>
-            <a:pPr marL="457200" indent="-457200" algn="l">
-              <a:buFont typeface="+mj-lt"/>
-              <a:buAutoNum type="arabicPeriod"/>
-            </a:pPr>
-            <a:r>
-              <a:rPr lang="en-US" b="0" i="0" dirty="0">
-                <a:solidFill>
-                  <a:srgbClr val="24292F"/>
-                </a:solidFill>
-                <a:effectLst/>
-                <a:latin typeface="-apple-system"/>
-              </a:rPr>
-              <a:t>Analyze the historic trend in more detail for each Neighborhood</a:t>
-            </a:r>
-          </a:p>
-          <a:p>
-            <a:pPr marL="457200" indent="-457200" algn="l">
-              <a:buFont typeface="+mj-lt"/>
-              <a:buAutoNum type="arabicPeriod"/>
-            </a:pPr>
-            <a:r>
-              <a:rPr lang="en-US" b="0" i="0" dirty="0">
-                <a:solidFill>
-                  <a:srgbClr val="24292F"/>
-                </a:solidFill>
-                <a:effectLst/>
-                <a:latin typeface="-apple-system"/>
-              </a:rPr>
-              <a:t>Establish a bonus risk factor for Neighborhoods with statistically correlated reduction in year-to-year criminal activity and a penalty to neighborhoods with statisticall</a:t>
-            </a:r>
-            <a:r>
-              <a:rPr lang="en-US" dirty="0">
-                <a:solidFill>
-                  <a:srgbClr val="24292F"/>
-                </a:solidFill>
-                <a:latin typeface="-apple-system"/>
-              </a:rPr>
-              <a:t>y significant increases.</a:t>
+            <a:r>
+              <a:rPr lang="en-US" sz="9600" dirty="0" err="1"/>
+              <a:t>Dateslider</a:t>
+            </a:r>
+            <a:r>
+              <a:rPr lang="en-US" sz="9600" dirty="0"/>
+              <a:t>!</a:t>
             </a:r>
           </a:p>
         </p:txBody>
@@ -9589,7 +9569,7 @@
     </p:spTree>
     <p:extLst>
       <p:ext uri="{BB962C8B-B14F-4D97-AF65-F5344CB8AC3E}">
-        <p14:creationId xmlns:p14="http://schemas.microsoft.com/office/powerpoint/2010/main" val="1143527213"/>
+        <p14:creationId xmlns:p14="http://schemas.microsoft.com/office/powerpoint/2010/main" val="3803850150"/>
       </p:ext>
     </p:extLst>
   </p:cSld>
@@ -9621,75 +9601,6 @@
           <p:cNvPr id="2" name="Title 1">
             <a:extLst>
               <a:ext uri="{FF2B5EF4-FFF2-40B4-BE49-F238E27FC236}">
-                <a16:creationId xmlns:a16="http://schemas.microsoft.com/office/drawing/2014/main" id="{61675758-E7B2-301C-2DEF-FFECF3B735F3}"/>
-              </a:ext>
-            </a:extLst>
-          </p:cNvPr>
-          <p:cNvSpPr>
-            <a:spLocks noGrp="1"/>
-          </p:cNvSpPr>
-          <p:nvPr>
-            <p:ph type="title"/>
-          </p:nvPr>
-        </p:nvSpPr>
-        <p:spPr>
-          <a:xfrm>
-            <a:off x="3265714" y="2766951"/>
-            <a:ext cx="6887687" cy="3038598"/>
-          </a:xfrm>
-        </p:spPr>
-        <p:txBody>
-          <a:bodyPr>
-            <a:normAutofit/>
-          </a:bodyPr>
-          <a:lstStyle/>
-          <a:p>
-            <a:r>
-              <a:rPr lang="en-US" sz="9600" dirty="0" err="1"/>
-              <a:t>Dateslider</a:t>
-            </a:r>
-            <a:r>
-              <a:rPr lang="en-US" sz="9600" dirty="0"/>
-              <a:t>!</a:t>
-            </a:r>
-          </a:p>
-        </p:txBody>
-      </p:sp>
-    </p:spTree>
-    <p:extLst>
-      <p:ext uri="{BB962C8B-B14F-4D97-AF65-F5344CB8AC3E}">
-        <p14:creationId xmlns:p14="http://schemas.microsoft.com/office/powerpoint/2010/main" val="3803850150"/>
-      </p:ext>
-    </p:extLst>
-  </p:cSld>
-  <p:clrMapOvr>
-    <a:masterClrMapping/>
-  </p:clrMapOvr>
-</p:sld>
-</file>
-
-<file path=ppt/slides/slide35.xml><?xml version="1.0" encoding="utf-8"?>
-<p:sld xmlns:a="http://schemas.openxmlformats.org/drawingml/2006/main" xmlns:r="http://schemas.openxmlformats.org/officeDocument/2006/relationships" xmlns:p="http://schemas.openxmlformats.org/presentationml/2006/main">
-  <p:cSld>
-    <p:spTree>
-      <p:nvGrpSpPr>
-        <p:cNvPr id="1" name=""/>
-        <p:cNvGrpSpPr/>
-        <p:nvPr/>
-      </p:nvGrpSpPr>
-      <p:grpSpPr>
-        <a:xfrm>
-          <a:off x="0" y="0"/>
-          <a:ext cx="0" cy="0"/>
-          <a:chOff x="0" y="0"/>
-          <a:chExt cx="0" cy="0"/>
-        </a:xfrm>
-      </p:grpSpPr>
-      <p:sp>
-        <p:nvSpPr>
-          <p:cNvPr id="2" name="Title 1">
-            <a:extLst>
-              <a:ext uri="{FF2B5EF4-FFF2-40B4-BE49-F238E27FC236}">
                 <a16:creationId xmlns:a16="http://schemas.microsoft.com/office/drawing/2014/main" id="{2A934928-B5A5-E8D3-9D8F-E19D4495A629}"/>
               </a:ext>
             </a:extLst>
@@ -9726,7 +9637,7 @@
 </p:sld>
 </file>
 
-<file path=ppt/slides/slide36.xml><?xml version="1.0" encoding="utf-8"?>
+<file path=ppt/slides/slide35.xml><?xml version="1.0" encoding="utf-8"?>
 <p:sld xmlns:a="http://schemas.openxmlformats.org/drawingml/2006/main" xmlns:r="http://schemas.openxmlformats.org/officeDocument/2006/relationships" xmlns:p="http://schemas.openxmlformats.org/presentationml/2006/main">
   <p:cSld>
     <p:spTree>
@@ -10442,7 +10353,7 @@
           <p:cNvPr id="2" name="Title 1">
             <a:extLst>
               <a:ext uri="{FF2B5EF4-FFF2-40B4-BE49-F238E27FC236}">
-                <a16:creationId xmlns:a16="http://schemas.microsoft.com/office/drawing/2014/main" id="{4F2F52CB-CA1D-1C07-3F4C-00F90029DA83}"/>
+                <a16:creationId xmlns:a16="http://schemas.microsoft.com/office/drawing/2014/main" id="{617987CF-0B6C-12B2-C7EC-71F62F4E8FFF}"/>
               </a:ext>
             </a:extLst>
           </p:cNvPr>
@@ -10453,35 +10364,51 @@
             <p:ph type="title"/>
           </p:nvPr>
         </p:nvSpPr>
+        <p:spPr/>
+        <p:txBody>
+          <a:bodyPr/>
+          <a:lstStyle/>
+          <a:p>
+            <a:r>
+              <a:rPr lang="en-CA" dirty="0"/>
+              <a:t>Neighborhood Crimes Distribution</a:t>
+            </a:r>
+          </a:p>
+        </p:txBody>
+      </p:sp>
+      <p:pic>
+        <p:nvPicPr>
+          <p:cNvPr id="5" name="Content Placeholder 4">
+            <a:extLst>
+              <a:ext uri="{FF2B5EF4-FFF2-40B4-BE49-F238E27FC236}">
+                <a16:creationId xmlns:a16="http://schemas.microsoft.com/office/drawing/2014/main" id="{1443AFB5-C391-F400-5222-34C5FA3AB8C8}"/>
+              </a:ext>
+            </a:extLst>
+          </p:cNvPr>
+          <p:cNvPicPr>
+            <a:picLocks noGrp="1" noChangeAspect="1"/>
+          </p:cNvPicPr>
+          <p:nvPr>
+            <p:ph idx="1"/>
+          </p:nvPr>
+        </p:nvPicPr>
+        <p:blipFill>
+          <a:blip r:embed="rId2"/>
+          <a:stretch>
+            <a:fillRect/>
+          </a:stretch>
+        </p:blipFill>
         <p:spPr>
           <a:xfrm>
-            <a:off x="1771650" y="2562225"/>
-            <a:ext cx="9601200" cy="1485900"/>
+            <a:off x="1219200" y="2171699"/>
+            <a:ext cx="10674742" cy="3370971"/>
           </a:xfrm>
         </p:spPr>
-        <p:txBody>
-          <a:bodyPr/>
-          <a:lstStyle/>
-          <a:p>
-            <a:pPr algn="ctr"/>
-            <a:r>
-              <a:rPr lang="en-US" b="0" i="0" dirty="0">
-                <a:solidFill>
-                  <a:srgbClr val="24292F"/>
-                </a:solidFill>
-                <a:effectLst/>
-                <a:latin typeface="ui-monospace"/>
-              </a:rPr>
-              <a:t>What are the safest Areas in GTA?</a:t>
-            </a:r>
-            <a:endParaRPr lang="en-CA" dirty="0"/>
-          </a:p>
-        </p:txBody>
-      </p:sp>
+      </p:pic>
     </p:spTree>
     <p:extLst>
       <p:ext uri="{BB962C8B-B14F-4D97-AF65-F5344CB8AC3E}">
-        <p14:creationId xmlns:p14="http://schemas.microsoft.com/office/powerpoint/2010/main" val="3926789471"/>
+        <p14:creationId xmlns:p14="http://schemas.microsoft.com/office/powerpoint/2010/main" val="1541532427"/>
       </p:ext>
     </p:extLst>
   </p:cSld>
@@ -10513,7 +10440,7 @@
           <p:cNvPr id="2" name="Title 1">
             <a:extLst>
               <a:ext uri="{FF2B5EF4-FFF2-40B4-BE49-F238E27FC236}">
-                <a16:creationId xmlns:a16="http://schemas.microsoft.com/office/drawing/2014/main" id="{617987CF-0B6C-12B2-C7EC-71F62F4E8FFF}"/>
+                <a16:creationId xmlns:a16="http://schemas.microsoft.com/office/drawing/2014/main" id="{973EA171-1F03-3E35-734C-95E498359CAD}"/>
               </a:ext>
             </a:extLst>
           </p:cNvPr>
@@ -10531,7 +10458,7 @@
           <a:p>
             <a:r>
               <a:rPr lang="en-CA" dirty="0"/>
-              <a:t>Neighborhood Crimes Distribution</a:t>
+              <a:t>Crime Rate by Districts </a:t>
             </a:r>
           </a:p>
         </p:txBody>
@@ -10541,7 +10468,7 @@
           <p:cNvPr id="5" name="Content Placeholder 4">
             <a:extLst>
               <a:ext uri="{FF2B5EF4-FFF2-40B4-BE49-F238E27FC236}">
-                <a16:creationId xmlns:a16="http://schemas.microsoft.com/office/drawing/2014/main" id="{1443AFB5-C391-F400-5222-34C5FA3AB8C8}"/>
+                <a16:creationId xmlns:a16="http://schemas.microsoft.com/office/drawing/2014/main" id="{508DF046-244D-FAB2-3F28-A9C3C454264F}"/>
               </a:ext>
             </a:extLst>
           </p:cNvPr>
@@ -10560,15 +10487,15 @@
         </p:blipFill>
         <p:spPr>
           <a:xfrm>
-            <a:off x="1219200" y="2171699"/>
-            <a:ext cx="10674742" cy="3370971"/>
+            <a:off x="2160348" y="1609725"/>
+            <a:ext cx="7871303" cy="4836214"/>
           </a:xfrm>
         </p:spPr>
       </p:pic>
     </p:spTree>
     <p:extLst>
       <p:ext uri="{BB962C8B-B14F-4D97-AF65-F5344CB8AC3E}">
-        <p14:creationId xmlns:p14="http://schemas.microsoft.com/office/powerpoint/2010/main" val="1541532427"/>
+        <p14:creationId xmlns:p14="http://schemas.microsoft.com/office/powerpoint/2010/main" val="646730223"/>
       </p:ext>
     </p:extLst>
   </p:cSld>
